--- a/Presentation/초기 발표 (1).pptx
+++ b/Presentation/초기 발표 (1).pptx
@@ -18,7 +18,11 @@
     <p:sldId id="272" r:id="rId12"/>
     <p:sldId id="261" r:id="rId13"/>
     <p:sldId id="262" r:id="rId14"/>
-    <p:sldId id="265" r:id="rId15"/>
+    <p:sldId id="277" r:id="rId15"/>
+    <p:sldId id="276" r:id="rId16"/>
+    <p:sldId id="275" r:id="rId17"/>
+    <p:sldId id="278" r:id="rId18"/>
+    <p:sldId id="265" r:id="rId19"/>
   </p:sldIdLst>
   <p:sldSz cx="12192000" cy="6858000"/>
   <p:notesSz cx="6858000" cy="9144000"/>
@@ -284,7 +288,7 @@
           <a:p>
             <a:fld id="{578624AE-E14C-40FB-97A6-76E5215C3D05}" type="datetimeFigureOut">
               <a:rPr lang="ko-KR" altLang="en-US" smtClean="0"/>
-              <a:t>2024-03-06</a:t>
+              <a:t>2024-03-07</a:t>
             </a:fld>
             <a:endParaRPr lang="ko-KR" altLang="en-US"/>
           </a:p>
@@ -482,7 +486,7 @@
           <a:p>
             <a:fld id="{578624AE-E14C-40FB-97A6-76E5215C3D05}" type="datetimeFigureOut">
               <a:rPr lang="ko-KR" altLang="en-US" smtClean="0"/>
-              <a:t>2024-03-06</a:t>
+              <a:t>2024-03-07</a:t>
             </a:fld>
             <a:endParaRPr lang="ko-KR" altLang="en-US"/>
           </a:p>
@@ -690,7 +694,7 @@
           <a:p>
             <a:fld id="{578624AE-E14C-40FB-97A6-76E5215C3D05}" type="datetimeFigureOut">
               <a:rPr lang="ko-KR" altLang="en-US" smtClean="0"/>
-              <a:t>2024-03-06</a:t>
+              <a:t>2024-03-07</a:t>
             </a:fld>
             <a:endParaRPr lang="ko-KR" altLang="en-US"/>
           </a:p>
@@ -888,7 +892,7 @@
           <a:p>
             <a:fld id="{578624AE-E14C-40FB-97A6-76E5215C3D05}" type="datetimeFigureOut">
               <a:rPr lang="ko-KR" altLang="en-US" smtClean="0"/>
-              <a:t>2024-03-06</a:t>
+              <a:t>2024-03-07</a:t>
             </a:fld>
             <a:endParaRPr lang="ko-KR" altLang="en-US"/>
           </a:p>
@@ -1163,7 +1167,7 @@
           <a:p>
             <a:fld id="{578624AE-E14C-40FB-97A6-76E5215C3D05}" type="datetimeFigureOut">
               <a:rPr lang="ko-KR" altLang="en-US" smtClean="0"/>
-              <a:t>2024-03-06</a:t>
+              <a:t>2024-03-07</a:t>
             </a:fld>
             <a:endParaRPr lang="ko-KR" altLang="en-US"/>
           </a:p>
@@ -1428,7 +1432,7 @@
           <a:p>
             <a:fld id="{578624AE-E14C-40FB-97A6-76E5215C3D05}" type="datetimeFigureOut">
               <a:rPr lang="ko-KR" altLang="en-US" smtClean="0"/>
-              <a:t>2024-03-06</a:t>
+              <a:t>2024-03-07</a:t>
             </a:fld>
             <a:endParaRPr lang="ko-KR" altLang="en-US"/>
           </a:p>
@@ -1840,7 +1844,7 @@
           <a:p>
             <a:fld id="{578624AE-E14C-40FB-97A6-76E5215C3D05}" type="datetimeFigureOut">
               <a:rPr lang="ko-KR" altLang="en-US" smtClean="0"/>
-              <a:t>2024-03-06</a:t>
+              <a:t>2024-03-07</a:t>
             </a:fld>
             <a:endParaRPr lang="ko-KR" altLang="en-US"/>
           </a:p>
@@ -1981,7 +1985,7 @@
           <a:p>
             <a:fld id="{578624AE-E14C-40FB-97A6-76E5215C3D05}" type="datetimeFigureOut">
               <a:rPr lang="ko-KR" altLang="en-US" smtClean="0"/>
-              <a:t>2024-03-06</a:t>
+              <a:t>2024-03-07</a:t>
             </a:fld>
             <a:endParaRPr lang="ko-KR" altLang="en-US"/>
           </a:p>
@@ -2094,7 +2098,7 @@
           <a:p>
             <a:fld id="{578624AE-E14C-40FB-97A6-76E5215C3D05}" type="datetimeFigureOut">
               <a:rPr lang="ko-KR" altLang="en-US" smtClean="0"/>
-              <a:t>2024-03-06</a:t>
+              <a:t>2024-03-07</a:t>
             </a:fld>
             <a:endParaRPr lang="ko-KR" altLang="en-US"/>
           </a:p>
@@ -2405,7 +2409,7 @@
           <a:p>
             <a:fld id="{578624AE-E14C-40FB-97A6-76E5215C3D05}" type="datetimeFigureOut">
               <a:rPr lang="ko-KR" altLang="en-US" smtClean="0"/>
-              <a:t>2024-03-06</a:t>
+              <a:t>2024-03-07</a:t>
             </a:fld>
             <a:endParaRPr lang="ko-KR" altLang="en-US"/>
           </a:p>
@@ -2693,7 +2697,7 @@
           <a:p>
             <a:fld id="{578624AE-E14C-40FB-97A6-76E5215C3D05}" type="datetimeFigureOut">
               <a:rPr lang="ko-KR" altLang="en-US" smtClean="0"/>
-              <a:t>2024-03-06</a:t>
+              <a:t>2024-03-07</a:t>
             </a:fld>
             <a:endParaRPr lang="ko-KR" altLang="en-US"/>
           </a:p>
@@ -2928,8 +2932,8 @@
                     <a:tint val="75000"/>
                   </a:schemeClr>
                 </a:solidFill>
-                <a:latin typeface="나눔스퀘어 네오 Regular" panose="00000500000000000000" pitchFamily="2" charset="-127"/>
-                <a:ea typeface="나눔스퀘어 네오 Regular" panose="00000500000000000000" pitchFamily="2" charset="-127"/>
+                <a:latin typeface="나눔스퀘어" panose="020B0600000101010101" pitchFamily="50" charset="-127"/>
+                <a:ea typeface="나눔스퀘어" panose="020B0600000101010101" pitchFamily="50" charset="-127"/>
               </a:defRPr>
             </a:lvl1pPr>
           </a:lstStyle>
@@ -2937,7 +2941,7 @@
             <a:fld id="{578624AE-E14C-40FB-97A6-76E5215C3D05}" type="datetimeFigureOut">
               <a:rPr lang="ko-KR" altLang="en-US" smtClean="0"/>
               <a:pPr/>
-              <a:t>2024-03-06</a:t>
+              <a:t>2024-03-07</a:t>
             </a:fld>
             <a:endParaRPr lang="ko-KR" altLang="en-US" dirty="0"/>
           </a:p>
@@ -2978,8 +2982,8 @@
                     <a:tint val="75000"/>
                   </a:schemeClr>
                 </a:solidFill>
-                <a:latin typeface="나눔스퀘어 네오 Regular" panose="00000500000000000000" pitchFamily="2" charset="-127"/>
-                <a:ea typeface="나눔스퀘어 네오 Regular" panose="00000500000000000000" pitchFamily="2" charset="-127"/>
+                <a:latin typeface="나눔스퀘어" panose="020B0600000101010101" pitchFamily="50" charset="-127"/>
+                <a:ea typeface="나눔스퀘어" panose="020B0600000101010101" pitchFamily="50" charset="-127"/>
               </a:defRPr>
             </a:lvl1pPr>
           </a:lstStyle>
@@ -3023,8 +3027,8 @@
                     <a:tint val="75000"/>
                   </a:schemeClr>
                 </a:solidFill>
-                <a:latin typeface="나눔스퀘어 네오 Regular" panose="00000500000000000000" pitchFamily="2" charset="-127"/>
-                <a:ea typeface="나눔스퀘어 네오 Regular" panose="00000500000000000000" pitchFamily="2" charset="-127"/>
+                <a:latin typeface="나눔스퀘어" panose="020B0600000101010101" pitchFamily="50" charset="-127"/>
+                <a:ea typeface="나눔스퀘어" panose="020B0600000101010101" pitchFamily="50" charset="-127"/>
               </a:defRPr>
             </a:lvl1pPr>
           </a:lstStyle>
@@ -3073,8 +3077,8 @@
           <a:solidFill>
             <a:schemeClr val="tx1"/>
           </a:solidFill>
-          <a:latin typeface="나눔스퀘어 네오 Regular" panose="00000500000000000000" pitchFamily="2" charset="-127"/>
-          <a:ea typeface="나눔스퀘어 네오 Regular" panose="00000500000000000000" pitchFamily="2" charset="-127"/>
+          <a:latin typeface="나눔스퀘어" panose="020B0600000101010101" pitchFamily="50" charset="-127"/>
+          <a:ea typeface="나눔스퀘어" panose="020B0600000101010101" pitchFamily="50" charset="-127"/>
           <a:cs typeface="+mj-cs"/>
         </a:defRPr>
       </a:lvl1pPr>
@@ -3093,8 +3097,8 @@
           <a:solidFill>
             <a:schemeClr val="tx1"/>
           </a:solidFill>
-          <a:latin typeface="나눔스퀘어 네오 Regular" panose="00000500000000000000" pitchFamily="2" charset="-127"/>
-          <a:ea typeface="나눔스퀘어 네오 Regular" panose="00000500000000000000" pitchFamily="2" charset="-127"/>
+          <a:latin typeface="나눔스퀘어" panose="020B0600000101010101" pitchFamily="50" charset="-127"/>
+          <a:ea typeface="나눔스퀘어" panose="020B0600000101010101" pitchFamily="50" charset="-127"/>
           <a:cs typeface="+mn-cs"/>
         </a:defRPr>
       </a:lvl1pPr>
@@ -3111,8 +3115,8 @@
           <a:solidFill>
             <a:schemeClr val="tx1"/>
           </a:solidFill>
-          <a:latin typeface="나눔스퀘어 네오 Regular" panose="00000500000000000000" pitchFamily="2" charset="-127"/>
-          <a:ea typeface="나눔스퀘어 네오 Regular" panose="00000500000000000000" pitchFamily="2" charset="-127"/>
+          <a:latin typeface="나눔스퀘어" panose="020B0600000101010101" pitchFamily="50" charset="-127"/>
+          <a:ea typeface="나눔스퀘어" panose="020B0600000101010101" pitchFamily="50" charset="-127"/>
           <a:cs typeface="+mn-cs"/>
         </a:defRPr>
       </a:lvl2pPr>
@@ -3129,8 +3133,8 @@
           <a:solidFill>
             <a:schemeClr val="tx1"/>
           </a:solidFill>
-          <a:latin typeface="나눔스퀘어 네오 Regular" panose="00000500000000000000" pitchFamily="2" charset="-127"/>
-          <a:ea typeface="나눔스퀘어 네오 Regular" panose="00000500000000000000" pitchFamily="2" charset="-127"/>
+          <a:latin typeface="나눔스퀘어" panose="020B0600000101010101" pitchFamily="50" charset="-127"/>
+          <a:ea typeface="나눔스퀘어" panose="020B0600000101010101" pitchFamily="50" charset="-127"/>
           <a:cs typeface="+mn-cs"/>
         </a:defRPr>
       </a:lvl3pPr>
@@ -3147,8 +3151,8 @@
           <a:solidFill>
             <a:schemeClr val="tx1"/>
           </a:solidFill>
-          <a:latin typeface="나눔스퀘어 네오 Regular" panose="00000500000000000000" pitchFamily="2" charset="-127"/>
-          <a:ea typeface="나눔스퀘어 네오 Regular" panose="00000500000000000000" pitchFamily="2" charset="-127"/>
+          <a:latin typeface="나눔스퀘어" panose="020B0600000101010101" pitchFamily="50" charset="-127"/>
+          <a:ea typeface="나눔스퀘어" panose="020B0600000101010101" pitchFamily="50" charset="-127"/>
           <a:cs typeface="+mn-cs"/>
         </a:defRPr>
       </a:lvl4pPr>
@@ -3165,8 +3169,8 @@
           <a:solidFill>
             <a:schemeClr val="tx1"/>
           </a:solidFill>
-          <a:latin typeface="나눔스퀘어 네오 Regular" panose="00000500000000000000" pitchFamily="2" charset="-127"/>
-          <a:ea typeface="나눔스퀘어 네오 Regular" panose="00000500000000000000" pitchFamily="2" charset="-127"/>
+          <a:latin typeface="나눔스퀘어" panose="020B0600000101010101" pitchFamily="50" charset="-127"/>
+          <a:ea typeface="나눔스퀘어" panose="020B0600000101010101" pitchFamily="50" charset="-127"/>
           <a:cs typeface="+mn-cs"/>
         </a:defRPr>
       </a:lvl5pPr>
@@ -3436,7 +3440,7 @@
         </p:spPr>
         <p:txBody>
           <a:bodyPr>
-            <a:normAutofit fontScale="92500"/>
+            <a:normAutofit lnSpcReduction="10000"/>
           </a:bodyPr>
           <a:lstStyle/>
           <a:p>
@@ -3483,53 +3487,125 @@
       </p:grpSpPr>
       <p:sp>
         <p:nvSpPr>
-          <p:cNvPr id="2" name="제목 1">
-            <a:extLst>
-              <a:ext uri="{FF2B5EF4-FFF2-40B4-BE49-F238E27FC236}">
-                <a16:creationId xmlns:a16="http://schemas.microsoft.com/office/drawing/2014/main" id="{F8D20DC4-6421-8907-AEE5-073A06386B19}"/>
-              </a:ext>
-            </a:extLst>
-          </p:cNvPr>
-          <p:cNvSpPr>
-            <a:spLocks noGrp="1"/>
+          <p:cNvPr id="4" name="제목 1">
+            <a:extLst>
+              <a:ext uri="{FF2B5EF4-FFF2-40B4-BE49-F238E27FC236}">
+                <a16:creationId xmlns:a16="http://schemas.microsoft.com/office/drawing/2014/main" id="{5D76F824-5B5A-AD90-D555-AB343567D516}"/>
+              </a:ext>
+            </a:extLst>
+          </p:cNvPr>
+          <p:cNvSpPr txBox="1">
+            <a:spLocks/>
           </p:cNvSpPr>
-          <p:nvPr>
-            <p:ph type="title"/>
-          </p:nvPr>
-        </p:nvSpPr>
-        <p:spPr/>
-        <p:txBody>
-          <a:bodyPr/>
-          <a:lstStyle/>
-          <a:p>
-            <a:r>
-              <a:rPr lang="en-US" altLang="ko-KR" dirty="0"/>
-              <a:t>3. Graph dataset-Combat Harmonization</a:t>
-            </a:r>
-            <a:endParaRPr lang="ko-KR" altLang="en-US" dirty="0"/>
-          </a:p>
-        </p:txBody>
-      </p:sp>
-      <p:sp>
-        <p:nvSpPr>
-          <p:cNvPr id="3" name="내용 개체 틀 2">
-            <a:extLst>
-              <a:ext uri="{FF2B5EF4-FFF2-40B4-BE49-F238E27FC236}">
-                <a16:creationId xmlns:a16="http://schemas.microsoft.com/office/drawing/2014/main" id="{43B2EB58-DFD8-4A20-AB57-EA84634D9850}"/>
-              </a:ext>
-            </a:extLst>
-          </p:cNvPr>
-          <p:cNvSpPr>
-            <a:spLocks noGrp="1"/>
-          </p:cNvSpPr>
-          <p:nvPr>
-            <p:ph idx="1"/>
-          </p:nvPr>
-        </p:nvSpPr>
-        <p:spPr/>
-        <p:txBody>
-          <a:bodyPr>
+          <p:nvPr/>
+        </p:nvSpPr>
+        <p:spPr>
+          <a:xfrm>
+            <a:off x="509586" y="0"/>
+            <a:ext cx="12120563" cy="1325563"/>
+          </a:xfrm>
+          <a:prstGeom prst="rect">
+            <a:avLst/>
+          </a:prstGeom>
+        </p:spPr>
+        <p:txBody>
+          <a:bodyPr vert="horz" lIns="91440" tIns="45720" rIns="91440" bIns="45720" rtlCol="0" anchor="ctr">
             <a:normAutofit/>
+          </a:bodyPr>
+          <a:lstStyle>
+            <a:lvl1pPr algn="l" defTabSz="914400" rtl="0" eaLnBrk="1" latinLnBrk="1" hangingPunct="1">
+              <a:lnSpc>
+                <a:spcPct val="90000"/>
+              </a:lnSpc>
+              <a:spcBef>
+                <a:spcPct val="0"/>
+              </a:spcBef>
+              <a:buNone/>
+              <a:defRPr sz="4400" kern="1200">
+                <a:solidFill>
+                  <a:schemeClr val="tx1"/>
+                </a:solidFill>
+                <a:latin typeface="나눔스퀘어 네오 Regular" panose="00000500000000000000" pitchFamily="2" charset="-127"/>
+                <a:ea typeface="나눔스퀘어 네오 Regular" panose="00000500000000000000" pitchFamily="2" charset="-127"/>
+                <a:cs typeface="+mj-cs"/>
+              </a:defRPr>
+            </a:lvl1pPr>
+          </a:lstStyle>
+          <a:p>
+            <a:r>
+              <a:rPr lang="en-US" altLang="ko-KR" sz="3200" dirty="0">
+                <a:latin typeface="나눔스퀘어" panose="020B0600000101010101" pitchFamily="50" charset="-127"/>
+                <a:ea typeface="나눔스퀘어" panose="020B0600000101010101" pitchFamily="50" charset="-127"/>
+              </a:rPr>
+              <a:t>3. Graph Dataset</a:t>
+            </a:r>
+            <a:r>
+              <a:rPr lang="ko-KR" altLang="en-US" sz="3200" dirty="0">
+                <a:latin typeface="나눔스퀘어" panose="020B0600000101010101" pitchFamily="50" charset="-127"/>
+                <a:ea typeface="나눔스퀘어" panose="020B0600000101010101" pitchFamily="50" charset="-127"/>
+              </a:rPr>
+              <a:t>으로</a:t>
+            </a:r>
+            <a:r>
+              <a:rPr lang="en-US" altLang="ko-KR" sz="3200" dirty="0">
+                <a:latin typeface="나눔스퀘어" panose="020B0600000101010101" pitchFamily="50" charset="-127"/>
+                <a:ea typeface="나눔스퀘어" panose="020B0600000101010101" pitchFamily="50" charset="-127"/>
+              </a:rPr>
+              <a:t> </a:t>
+            </a:r>
+            <a:r>
+              <a:rPr lang="ko-KR" altLang="en-US" sz="3200" dirty="0">
+                <a:latin typeface="나눔스퀘어" panose="020B0600000101010101" pitchFamily="50" charset="-127"/>
+                <a:ea typeface="나눔스퀘어" panose="020B0600000101010101" pitchFamily="50" charset="-127"/>
+              </a:rPr>
+              <a:t>변환</a:t>
+            </a:r>
+            <a:r>
+              <a:rPr lang="en-US" altLang="ko-KR" sz="3200" dirty="0">
+                <a:latin typeface="나눔스퀘어" panose="020B0600000101010101" pitchFamily="50" charset="-127"/>
+                <a:ea typeface="나눔스퀘어" panose="020B0600000101010101" pitchFamily="50" charset="-127"/>
+              </a:rPr>
+              <a:t> </a:t>
+            </a:r>
+            <a:r>
+              <a:rPr lang="en-US" altLang="ko-KR" sz="3200">
+                <a:latin typeface="나눔스퀘어" panose="020B0600000101010101" pitchFamily="50" charset="-127"/>
+                <a:ea typeface="나눔스퀘어" panose="020B0600000101010101" pitchFamily="50" charset="-127"/>
+              </a:rPr>
+              <a:t>– Combat Harmonization</a:t>
+            </a:r>
+            <a:endParaRPr lang="ko-KR" altLang="en-US" sz="3200" dirty="0">
+              <a:latin typeface="나눔스퀘어" panose="020B0600000101010101" pitchFamily="50" charset="-127"/>
+              <a:ea typeface="나눔스퀘어" panose="020B0600000101010101" pitchFamily="50" charset="-127"/>
+            </a:endParaRPr>
+          </a:p>
+        </p:txBody>
+      </p:sp>
+      <p:sp>
+        <p:nvSpPr>
+          <p:cNvPr id="10" name="TextBox 9">
+            <a:extLst>
+              <a:ext uri="{FF2B5EF4-FFF2-40B4-BE49-F238E27FC236}">
+                <a16:creationId xmlns:a16="http://schemas.microsoft.com/office/drawing/2014/main" id="{B4FC1B9E-3388-B810-9E76-ABCC5024EBA9}"/>
+              </a:ext>
+            </a:extLst>
+          </p:cNvPr>
+          <p:cNvSpPr txBox="1"/>
+          <p:nvPr/>
+        </p:nvSpPr>
+        <p:spPr>
+          <a:xfrm>
+            <a:off x="509586" y="1244083"/>
+            <a:ext cx="11330961" cy="5016758"/>
+          </a:xfrm>
+          <a:prstGeom prst="rect">
+            <a:avLst/>
+          </a:prstGeom>
+          <a:noFill/>
+        </p:spPr>
+        <p:txBody>
+          <a:bodyPr wrap="square">
+            <a:spAutoFit/>
           </a:bodyPr>
           <a:lstStyle/>
           <a:p>
@@ -3537,208 +3613,532 @@
               <a:buNone/>
             </a:pPr>
             <a:r>
-              <a:rPr lang="en-US" altLang="ko-KR" sz="2000" dirty="0"/>
-              <a:t>Harmonization </a:t>
-            </a:r>
-            <a:r>
-              <a:rPr lang="ko-KR" altLang="en-US" sz="2000" dirty="0"/>
-              <a:t>전</a:t>
-            </a:r>
-            <a:r>
-              <a:rPr lang="en-US" altLang="ko-KR" sz="2000" dirty="0"/>
-              <a:t>,</a:t>
-            </a:r>
-            <a:r>
-              <a:rPr lang="ko-KR" altLang="en-US" sz="2000" dirty="0"/>
-              <a:t> 전체 </a:t>
-            </a:r>
-            <a:r>
-              <a:rPr lang="en-US" altLang="ko-KR" sz="2000" dirty="0"/>
+              <a:rPr lang="ko-KR" altLang="en-US" sz="2000" b="1">
+                <a:latin typeface="나눔스퀘어" panose="020B0600000101010101" pitchFamily="50" charset="-127"/>
+                <a:ea typeface="나눔스퀘어" panose="020B0600000101010101" pitchFamily="50" charset="-127"/>
+              </a:rPr>
+              <a:t>필요성 </a:t>
+            </a:r>
+            <a:r>
+              <a:rPr lang="en-US" altLang="ko-KR" sz="2000" b="1">
+                <a:latin typeface="나눔스퀘어" panose="020B0600000101010101" pitchFamily="50" charset="-127"/>
+                <a:ea typeface="나눔스퀘어" panose="020B0600000101010101" pitchFamily="50" charset="-127"/>
+              </a:rPr>
+              <a:t>: </a:t>
+            </a:r>
+          </a:p>
+          <a:p>
+            <a:pPr marL="0" indent="0">
+              <a:buNone/>
+            </a:pPr>
+            <a:r>
+              <a:rPr lang="ko-KR" altLang="en-US" sz="2000">
+                <a:latin typeface="나눔스퀘어" panose="020B0600000101010101" pitchFamily="50" charset="-127"/>
+                <a:ea typeface="나눔스퀘어" panose="020B0600000101010101" pitchFamily="50" charset="-127"/>
+              </a:rPr>
+              <a:t>여러 </a:t>
+            </a:r>
+            <a:r>
+              <a:rPr lang="en-US" altLang="ko-KR" sz="2000">
+                <a:latin typeface="나눔스퀘어" panose="020B0600000101010101" pitchFamily="50" charset="-127"/>
+                <a:ea typeface="나눔스퀘어" panose="020B0600000101010101" pitchFamily="50" charset="-127"/>
+              </a:rPr>
+              <a:t>site</a:t>
+            </a:r>
+            <a:r>
+              <a:rPr lang="ko-KR" altLang="en-US" sz="2000">
+                <a:latin typeface="나눔스퀘어" panose="020B0600000101010101" pitchFamily="50" charset="-127"/>
+                <a:ea typeface="나눔스퀘어" panose="020B0600000101010101" pitchFamily="50" charset="-127"/>
+              </a:rPr>
+              <a:t>에서 얻어진 </a:t>
+            </a:r>
+            <a:r>
+              <a:rPr lang="en-US" altLang="ko-KR" sz="2000">
+                <a:latin typeface="나눔스퀘어" panose="020B0600000101010101" pitchFamily="50" charset="-127"/>
+                <a:ea typeface="나눔스퀘어" panose="020B0600000101010101" pitchFamily="50" charset="-127"/>
+              </a:rPr>
               <a:t>dataset</a:t>
             </a:r>
             <a:r>
-              <a:rPr lang="ko-KR" altLang="en-US" sz="2000" dirty="0"/>
+              <a:rPr lang="ko-KR" altLang="en-US" sz="2000">
+                <a:latin typeface="나눔스퀘어" panose="020B0600000101010101" pitchFamily="50" charset="-127"/>
+                <a:ea typeface="나눔스퀘어" panose="020B0600000101010101" pitchFamily="50" charset="-127"/>
+              </a:rPr>
+              <a:t>을 사용했을 때</a:t>
+            </a:r>
+            <a:r>
+              <a:rPr lang="en-US" altLang="ko-KR" sz="2000">
+                <a:latin typeface="나눔스퀘어" panose="020B0600000101010101" pitchFamily="50" charset="-127"/>
+                <a:ea typeface="나눔스퀘어" panose="020B0600000101010101" pitchFamily="50" charset="-127"/>
+              </a:rPr>
+              <a:t>, </a:t>
+            </a:r>
+            <a:r>
+              <a:rPr lang="ko-KR" altLang="en-US" sz="2000">
+                <a:latin typeface="나눔스퀘어" panose="020B0600000101010101" pitchFamily="50" charset="-127"/>
+                <a:ea typeface="나눔스퀘어" panose="020B0600000101010101" pitchFamily="50" charset="-127"/>
+              </a:rPr>
+              <a:t>각 </a:t>
+            </a:r>
+            <a:r>
+              <a:rPr lang="en-US" altLang="ko-KR" sz="2000">
+                <a:latin typeface="나눔스퀘어" panose="020B0600000101010101" pitchFamily="50" charset="-127"/>
+                <a:ea typeface="나눔스퀘어" panose="020B0600000101010101" pitchFamily="50" charset="-127"/>
+              </a:rPr>
+              <a:t>site</a:t>
+            </a:r>
+            <a:r>
+              <a:rPr lang="ko-KR" altLang="en-US" sz="2000">
+                <a:latin typeface="나눔스퀘어" panose="020B0600000101010101" pitchFamily="50" charset="-127"/>
+                <a:ea typeface="나눔스퀘어" panose="020B0600000101010101" pitchFamily="50" charset="-127"/>
+              </a:rPr>
+              <a:t>마다 </a:t>
+            </a:r>
+            <a:r>
+              <a:rPr lang="en-US" altLang="ko-KR" sz="2000">
+                <a:latin typeface="나눔스퀘어" panose="020B0600000101010101" pitchFamily="50" charset="-127"/>
+                <a:ea typeface="나눔스퀘어" panose="020B0600000101010101" pitchFamily="50" charset="-127"/>
+              </a:rPr>
+              <a:t>scanner, sequence parameter</a:t>
+            </a:r>
+            <a:r>
+              <a:rPr lang="ko-KR" altLang="en-US" sz="2000">
+                <a:latin typeface="나눔스퀘어" panose="020B0600000101010101" pitchFamily="50" charset="-127"/>
+                <a:ea typeface="나눔스퀘어" panose="020B0600000101010101" pitchFamily="50" charset="-127"/>
+              </a:rPr>
+              <a:t>가 다를 경우 이로 인한 </a:t>
+            </a:r>
+            <a:r>
+              <a:rPr lang="en-US" altLang="ko-KR" sz="2000">
+                <a:latin typeface="나눔스퀘어" panose="020B0600000101010101" pitchFamily="50" charset="-127"/>
+                <a:ea typeface="나눔스퀘어" panose="020B0600000101010101" pitchFamily="50" charset="-127"/>
+              </a:rPr>
+              <a:t>site effect</a:t>
+            </a:r>
+            <a:r>
+              <a:rPr lang="ko-KR" altLang="en-US" sz="2000">
+                <a:latin typeface="나눔스퀘어" panose="020B0600000101010101" pitchFamily="50" charset="-127"/>
+                <a:ea typeface="나눔스퀘어" panose="020B0600000101010101" pitchFamily="50" charset="-127"/>
+              </a:rPr>
+              <a:t>는 우리가 보고자 하는 </a:t>
+            </a:r>
+            <a:r>
+              <a:rPr lang="en-US" altLang="ko-KR" sz="2000">
+                <a:latin typeface="나눔스퀘어" panose="020B0600000101010101" pitchFamily="50" charset="-127"/>
+                <a:ea typeface="나눔스퀘어" panose="020B0600000101010101" pitchFamily="50" charset="-127"/>
+              </a:rPr>
+              <a:t>case-control effect</a:t>
+            </a:r>
+            <a:r>
+              <a:rPr lang="ko-KR" altLang="en-US" sz="2000">
+                <a:latin typeface="나눔스퀘어" panose="020B0600000101010101" pitchFamily="50" charset="-127"/>
+                <a:ea typeface="나눔스퀘어" panose="020B0600000101010101" pitchFamily="50" charset="-127"/>
+              </a:rPr>
+              <a:t>보다 클 수 있음</a:t>
+            </a:r>
+            <a:endParaRPr lang="en-US" altLang="ko-KR" sz="2000">
+              <a:latin typeface="나눔스퀘어" panose="020B0600000101010101" pitchFamily="50" charset="-127"/>
+              <a:ea typeface="나눔스퀘어" panose="020B0600000101010101" pitchFamily="50" charset="-127"/>
+            </a:endParaRPr>
+          </a:p>
+          <a:p>
+            <a:pPr marL="0" indent="0">
+              <a:buNone/>
+            </a:pPr>
+            <a:endParaRPr lang="en-US" altLang="ko-KR" sz="2000">
+              <a:latin typeface="나눔스퀘어" panose="020B0600000101010101" pitchFamily="50" charset="-127"/>
+              <a:ea typeface="나눔스퀘어" panose="020B0600000101010101" pitchFamily="50" charset="-127"/>
+            </a:endParaRPr>
+          </a:p>
+          <a:p>
+            <a:pPr marL="0" indent="0">
+              <a:buNone/>
+            </a:pPr>
+            <a:endParaRPr lang="en-US" altLang="ko-KR" sz="2000">
+              <a:latin typeface="나눔스퀘어" panose="020B0600000101010101" pitchFamily="50" charset="-127"/>
+              <a:ea typeface="나눔스퀘어" panose="020B0600000101010101" pitchFamily="50" charset="-127"/>
+            </a:endParaRPr>
+          </a:p>
+          <a:p>
+            <a:pPr marL="0" indent="0">
+              <a:buNone/>
+            </a:pPr>
+            <a:endParaRPr lang="en-US" altLang="ko-KR" sz="2000">
+              <a:latin typeface="나눔스퀘어" panose="020B0600000101010101" pitchFamily="50" charset="-127"/>
+              <a:ea typeface="나눔스퀘어" panose="020B0600000101010101" pitchFamily="50" charset="-127"/>
+            </a:endParaRPr>
+          </a:p>
+          <a:p>
+            <a:pPr marL="0" indent="0">
+              <a:buNone/>
+            </a:pPr>
+            <a:r>
+              <a:rPr lang="ko-KR" altLang="en-US" sz="2000" b="1">
+                <a:latin typeface="나눔스퀘어" panose="020B0600000101010101" pitchFamily="50" charset="-127"/>
+                <a:ea typeface="나눔스퀘어" panose="020B0600000101010101" pitchFamily="50" charset="-127"/>
+              </a:rPr>
+              <a:t>과정 </a:t>
+            </a:r>
+            <a:r>
+              <a:rPr lang="en-US" altLang="ko-KR" sz="2000" b="1">
+                <a:latin typeface="나눔스퀘어" panose="020B0600000101010101" pitchFamily="50" charset="-127"/>
+                <a:ea typeface="나눔스퀘어" panose="020B0600000101010101" pitchFamily="50" charset="-127"/>
+              </a:rPr>
+              <a:t>: </a:t>
+            </a:r>
+          </a:p>
+          <a:p>
+            <a:pPr marL="457200" indent="-457200">
+              <a:buAutoNum type="arabicPeriod"/>
+            </a:pPr>
+            <a:r>
+              <a:rPr lang="en-US" altLang="ko-KR" sz="2000">
+                <a:latin typeface="나눔스퀘어" panose="020B0600000101010101" pitchFamily="50" charset="-127"/>
+                <a:ea typeface="나눔스퀘어" panose="020B0600000101010101" pitchFamily="50" charset="-127"/>
+              </a:rPr>
+              <a:t>Training set</a:t>
+            </a:r>
+            <a:r>
+              <a:rPr lang="ko-KR" altLang="en-US" sz="2000">
+                <a:latin typeface="나눔스퀘어" panose="020B0600000101010101" pitchFamily="50" charset="-127"/>
+                <a:ea typeface="나눔스퀘어" panose="020B0600000101010101" pitchFamily="50" charset="-127"/>
+              </a:rPr>
+              <a:t>에서 독립적으로 </a:t>
+            </a:r>
+            <a:r>
+              <a:rPr lang="en-US" altLang="ko-KR" sz="2000">
+                <a:latin typeface="나눔스퀘어" panose="020B0600000101010101" pitchFamily="50" charset="-127"/>
+                <a:ea typeface="나눔스퀘어" panose="020B0600000101010101" pitchFamily="50" charset="-127"/>
+              </a:rPr>
+              <a:t>CombatModel </a:t>
+            </a:r>
+            <a:r>
+              <a:rPr lang="ko-KR" altLang="en-US" sz="2000">
+                <a:latin typeface="나눔스퀘어" panose="020B0600000101010101" pitchFamily="50" charset="-127"/>
+                <a:ea typeface="나눔스퀘어" panose="020B0600000101010101" pitchFamily="50" charset="-127"/>
+              </a:rPr>
+              <a:t>학습</a:t>
+            </a:r>
+            <a:endParaRPr lang="en-US" altLang="ko-KR" sz="2000">
+              <a:latin typeface="나눔스퀘어" panose="020B0600000101010101" pitchFamily="50" charset="-127"/>
+              <a:ea typeface="나눔스퀘어" panose="020B0600000101010101" pitchFamily="50" charset="-127"/>
+            </a:endParaRPr>
+          </a:p>
+          <a:p>
+            <a:pPr marL="457200" indent="-457200">
+              <a:buAutoNum type="arabicPeriod"/>
+            </a:pPr>
+            <a:r>
+              <a:rPr lang="ko-KR" altLang="en-US" sz="2000">
+                <a:latin typeface="나눔스퀘어" panose="020B0600000101010101" pitchFamily="50" charset="-127"/>
+                <a:ea typeface="나눔스퀘어" panose="020B0600000101010101" pitchFamily="50" charset="-127"/>
+              </a:rPr>
+              <a:t>학습된 </a:t>
+            </a:r>
+            <a:r>
+              <a:rPr lang="en-US" altLang="ko-KR" sz="2000">
+                <a:latin typeface="나눔스퀘어" panose="020B0600000101010101" pitchFamily="50" charset="-127"/>
+                <a:ea typeface="나눔스퀘어" panose="020B0600000101010101" pitchFamily="50" charset="-127"/>
+              </a:rPr>
+              <a:t>Combat model</a:t>
+            </a:r>
+            <a:r>
+              <a:rPr lang="ko-KR" altLang="en-US" sz="2000">
+                <a:latin typeface="나눔스퀘어" panose="020B0600000101010101" pitchFamily="50" charset="-127"/>
+                <a:ea typeface="나눔스퀘어" panose="020B0600000101010101" pitchFamily="50" charset="-127"/>
+              </a:rPr>
+              <a:t>로 </a:t>
+            </a:r>
+            <a:r>
+              <a:rPr lang="en-US" altLang="ko-KR" sz="2000">
+                <a:latin typeface="나눔스퀘어" panose="020B0600000101010101" pitchFamily="50" charset="-127"/>
+                <a:ea typeface="나눔스퀘어" panose="020B0600000101010101" pitchFamily="50" charset="-127"/>
+              </a:rPr>
+              <a:t>training/validation/test set</a:t>
+            </a:r>
+            <a:r>
+              <a:rPr lang="ko-KR" altLang="en-US" sz="2000">
+                <a:latin typeface="나눔스퀘어" panose="020B0600000101010101" pitchFamily="50" charset="-127"/>
+                <a:ea typeface="나눔스퀘어" panose="020B0600000101010101" pitchFamily="50" charset="-127"/>
+              </a:rPr>
               <a:t>의 </a:t>
             </a:r>
             <a:r>
-              <a:rPr lang="en-US" altLang="ko-KR" sz="2000" dirty="0"/>
+              <a:rPr lang="en-US" altLang="ko-KR" sz="2000">
+                <a:latin typeface="나눔스퀘어" panose="020B0600000101010101" pitchFamily="50" charset="-127"/>
+                <a:ea typeface="나눔스퀘어" panose="020B0600000101010101" pitchFamily="50" charset="-127"/>
+              </a:rPr>
+              <a:t>Connectivity matrix(x)</a:t>
+            </a:r>
+            <a:r>
+              <a:rPr lang="ko-KR" altLang="en-US" sz="2000">
+                <a:latin typeface="나눔스퀘어" panose="020B0600000101010101" pitchFamily="50" charset="-127"/>
+                <a:ea typeface="나눔스퀘어" panose="020B0600000101010101" pitchFamily="50" charset="-127"/>
+              </a:rPr>
+              <a:t> 변경 후</a:t>
+            </a:r>
+            <a:r>
+              <a:rPr lang="en-US" altLang="ko-KR" sz="2000">
+                <a:latin typeface="나눔스퀘어" panose="020B0600000101010101" pitchFamily="50" charset="-127"/>
+                <a:ea typeface="나눔스퀘어" panose="020B0600000101010101" pitchFamily="50" charset="-127"/>
+              </a:rPr>
+              <a:t> edge_index, edge_attr </a:t>
+            </a:r>
+            <a:r>
+              <a:rPr lang="ko-KR" altLang="en-US" sz="2000">
+                <a:latin typeface="나눔스퀘어" panose="020B0600000101010101" pitchFamily="50" charset="-127"/>
+                <a:ea typeface="나눔스퀘어" panose="020B0600000101010101" pitchFamily="50" charset="-127"/>
+              </a:rPr>
+              <a:t>함께 변경 </a:t>
+            </a:r>
+            <a:endParaRPr lang="en-US" altLang="ko-KR" sz="2000">
+              <a:latin typeface="나눔스퀘어" panose="020B0600000101010101" pitchFamily="50" charset="-127"/>
+              <a:ea typeface="나눔스퀘어" panose="020B0600000101010101" pitchFamily="50" charset="-127"/>
+            </a:endParaRPr>
+          </a:p>
+          <a:p>
+            <a:pPr marL="0" indent="0">
+              <a:buNone/>
+            </a:pPr>
+            <a:endParaRPr lang="en-US" altLang="ko-KR" sz="2000">
+              <a:latin typeface="나눔스퀘어" panose="020B0600000101010101" pitchFamily="50" charset="-127"/>
+              <a:ea typeface="나눔스퀘어" panose="020B0600000101010101" pitchFamily="50" charset="-127"/>
+            </a:endParaRPr>
+          </a:p>
+          <a:p>
+            <a:pPr marL="0" indent="0">
+              <a:buNone/>
+            </a:pPr>
+            <a:endParaRPr lang="en-US" altLang="ko-KR" sz="2000">
+              <a:latin typeface="나눔스퀘어" panose="020B0600000101010101" pitchFamily="50" charset="-127"/>
+              <a:ea typeface="나눔스퀘어" panose="020B0600000101010101" pitchFamily="50" charset="-127"/>
+            </a:endParaRPr>
+          </a:p>
+          <a:p>
+            <a:pPr marL="0" indent="0">
+              <a:buNone/>
+            </a:pPr>
+            <a:r>
+              <a:rPr lang="en-US" altLang="ko-KR" sz="2000" b="1">
+                <a:latin typeface="나눔스퀘어" panose="020B0600000101010101" pitchFamily="50" charset="-127"/>
+                <a:ea typeface="나눔스퀘어" panose="020B0600000101010101" pitchFamily="50" charset="-127"/>
+              </a:rPr>
+              <a:t>Combat Harmonization </a:t>
+            </a:r>
+            <a:r>
+              <a:rPr lang="ko-KR" altLang="en-US" sz="2000" b="1">
+                <a:latin typeface="나눔스퀘어" panose="020B0600000101010101" pitchFamily="50" charset="-127"/>
+                <a:ea typeface="나눔스퀘어" panose="020B0600000101010101" pitchFamily="50" charset="-127"/>
+              </a:rPr>
+              <a:t>효과 정량화 </a:t>
+            </a:r>
+            <a:r>
+              <a:rPr lang="en-US" altLang="ko-KR" sz="2000">
+                <a:latin typeface="나눔스퀘어" panose="020B0600000101010101" pitchFamily="50" charset="-127"/>
+                <a:ea typeface="나눔스퀘어" panose="020B0600000101010101" pitchFamily="50" charset="-127"/>
+              </a:rPr>
+              <a:t>: </a:t>
+            </a:r>
+          </a:p>
+          <a:p>
+            <a:pPr marL="0" indent="0">
+              <a:buNone/>
+            </a:pPr>
+            <a:r>
+              <a:rPr lang="en-US" altLang="ko-KR" sz="2000">
+                <a:latin typeface="나눔스퀘어" panose="020B0600000101010101" pitchFamily="50" charset="-127"/>
+                <a:ea typeface="나눔스퀘어" panose="020B0600000101010101" pitchFamily="50" charset="-127"/>
+              </a:rPr>
+              <a:t>	1. </a:t>
+            </a:r>
+            <a:r>
+              <a:rPr lang="ko-KR" altLang="en-US" sz="2000">
+                <a:latin typeface="나눔스퀘어" panose="020B0600000101010101" pitchFamily="50" charset="-127"/>
+                <a:ea typeface="나눔스퀘어" panose="020B0600000101010101" pitchFamily="50" charset="-127"/>
+              </a:rPr>
+              <a:t>전후 </a:t>
+            </a:r>
+            <a:r>
+              <a:rPr lang="en-US" altLang="ko-KR" sz="2000">
+                <a:latin typeface="나눔스퀘어" panose="020B0600000101010101" pitchFamily="50" charset="-127"/>
+                <a:ea typeface="나눔스퀘어" panose="020B0600000101010101" pitchFamily="50" charset="-127"/>
+              </a:rPr>
+              <a:t>dataset</a:t>
+            </a:r>
+            <a:r>
+              <a:rPr lang="ko-KR" altLang="en-US" sz="2000">
+                <a:latin typeface="나눔스퀘어" panose="020B0600000101010101" pitchFamily="50" charset="-127"/>
+                <a:ea typeface="나눔스퀘어" panose="020B0600000101010101" pitchFamily="50" charset="-127"/>
+              </a:rPr>
+              <a:t> </a:t>
+            </a:r>
+            <a:r>
+              <a:rPr lang="en-US" altLang="ko-KR" sz="2000">
+                <a:latin typeface="나눔스퀘어" panose="020B0600000101010101" pitchFamily="50" charset="-127"/>
+                <a:ea typeface="나눔스퀘어" panose="020B0600000101010101" pitchFamily="50" charset="-127"/>
+              </a:rPr>
               <a:t>site effect </a:t>
             </a:r>
             <a:r>
-              <a:rPr lang="ko-KR" altLang="en-US" sz="2000" dirty="0"/>
-              <a:t>확인</a:t>
-            </a:r>
-            <a:r>
-              <a:rPr lang="en-US" altLang="ko-KR" sz="2000" dirty="0"/>
-              <a:t>, HC/SCZ</a:t>
-            </a:r>
-            <a:r>
-              <a:rPr lang="ko-KR" altLang="en-US" sz="2000" dirty="0"/>
-              <a:t>환자 독립적으로 계산</a:t>
-            </a:r>
-            <a:r>
-              <a:rPr lang="en-US" altLang="ko-KR" sz="2000" dirty="0"/>
-              <a:t>(</a:t>
-            </a:r>
-            <a:r>
-              <a:rPr lang="en-US" altLang="ko-KR" sz="2000" dirty="0">
+              <a:rPr lang="ko-KR" altLang="en-US" sz="2000">
+                <a:latin typeface="나눔스퀘어" panose="020B0600000101010101" pitchFamily="50" charset="-127"/>
+                <a:ea typeface="나눔스퀘어" panose="020B0600000101010101" pitchFamily="50" charset="-127"/>
+              </a:rPr>
+              <a:t>계산</a:t>
+            </a:r>
+            <a:r>
+              <a:rPr lang="en-US" altLang="ko-KR" sz="2000">
+                <a:latin typeface="나눔스퀘어" panose="020B0600000101010101" pitchFamily="50" charset="-127"/>
+                <a:ea typeface="나눔스퀘어" panose="020B0600000101010101" pitchFamily="50" charset="-127"/>
+              </a:rPr>
+              <a:t> </a:t>
+            </a:r>
+            <a:r>
+              <a:rPr lang="ko-KR" altLang="en-US" sz="2000">
+                <a:latin typeface="나눔스퀘어" panose="020B0600000101010101" pitchFamily="50" charset="-127"/>
+                <a:ea typeface="나눔스퀘어" panose="020B0600000101010101" pitchFamily="50" charset="-127"/>
+              </a:rPr>
+              <a:t>후 비교</a:t>
+            </a:r>
+            <a:r>
+              <a:rPr lang="en-US" altLang="ko-KR" sz="2000">
+                <a:latin typeface="나눔스퀘어" panose="020B0600000101010101" pitchFamily="50" charset="-127"/>
+                <a:ea typeface="나눔스퀘어" panose="020B0600000101010101" pitchFamily="50" charset="-127"/>
+              </a:rPr>
+              <a:t> : </a:t>
+            </a:r>
+            <a:r>
+              <a:rPr lang="en-US" altLang="ko-KR" sz="2000">
                 <a:highlight>
                   <a:srgbClr val="C0C0C0"/>
                 </a:highlight>
+                <a:latin typeface="나눔스퀘어" panose="020B0600000101010101" pitchFamily="50" charset="-127"/>
+                <a:ea typeface="나눔스퀘어" panose="020B0600000101010101" pitchFamily="50" charset="-127"/>
               </a:rPr>
               <a:t>Kruskal-Wallis</a:t>
             </a:r>
             <a:r>
-              <a:rPr lang="ko-KR" altLang="en-US" sz="2000" dirty="0">
+              <a:rPr lang="ko-KR" altLang="en-US" sz="2000">
                 <a:highlight>
                   <a:srgbClr val="C0C0C0"/>
                 </a:highlight>
+                <a:latin typeface="나눔스퀘어" panose="020B0600000101010101" pitchFamily="50" charset="-127"/>
+                <a:ea typeface="나눔스퀘어" panose="020B0600000101010101" pitchFamily="50" charset="-127"/>
               </a:rPr>
               <a:t> </a:t>
             </a:r>
             <a:r>
-              <a:rPr lang="en-US" altLang="ko-KR" sz="2000" dirty="0">
+              <a:rPr lang="en-US" altLang="ko-KR" sz="2000">
                 <a:highlight>
                   <a:srgbClr val="C0C0C0"/>
                 </a:highlight>
+                <a:latin typeface="나눔스퀘어" panose="020B0600000101010101" pitchFamily="50" charset="-127"/>
+                <a:ea typeface="나눔스퀘어" panose="020B0600000101010101" pitchFamily="50" charset="-127"/>
               </a:rPr>
               <a:t>test + FDR</a:t>
             </a:r>
             <a:r>
-              <a:rPr lang="ko-KR" altLang="en-US" sz="2000" dirty="0">
+              <a:rPr lang="ko-KR" altLang="en-US" sz="2000">
                 <a:highlight>
                   <a:srgbClr val="C0C0C0"/>
                 </a:highlight>
+                <a:latin typeface="나눔스퀘어" panose="020B0600000101010101" pitchFamily="50" charset="-127"/>
+                <a:ea typeface="나눔스퀘어" panose="020B0600000101010101" pitchFamily="50" charset="-127"/>
               </a:rPr>
               <a:t> 보정</a:t>
             </a:r>
             <a:r>
-              <a:rPr lang="en-US" altLang="ko-KR" sz="2000" dirty="0"/>
-              <a:t>)</a:t>
-            </a:r>
+              <a:rPr lang="en-US" altLang="ko-KR" sz="2000">
+                <a:latin typeface="나눔스퀘어" panose="020B0600000101010101" pitchFamily="50" charset="-127"/>
+                <a:ea typeface="나눔스퀘어" panose="020B0600000101010101" pitchFamily="50" charset="-127"/>
+              </a:rPr>
+              <a:t> </a:t>
+            </a:r>
+            <a:br>
+              <a:rPr lang="en-US" altLang="ko-KR" sz="2000">
+                <a:latin typeface="나눔스퀘어" panose="020B0600000101010101" pitchFamily="50" charset="-127"/>
+                <a:ea typeface="나눔스퀘어" panose="020B0600000101010101" pitchFamily="50" charset="-127"/>
+              </a:rPr>
+            </a:br>
+            <a:r>
+              <a:rPr lang="en-US" altLang="ko-KR" sz="2000">
+                <a:latin typeface="나눔스퀘어" panose="020B0600000101010101" pitchFamily="50" charset="-127"/>
+                <a:ea typeface="나눔스퀘어" panose="020B0600000101010101" pitchFamily="50" charset="-127"/>
+              </a:rPr>
+              <a:t>					         HC dataset</a:t>
+            </a:r>
+            <a:r>
+              <a:rPr lang="ko-KR" altLang="en-US" sz="2000">
+                <a:latin typeface="나눔스퀘어" panose="020B0600000101010101" pitchFamily="50" charset="-127"/>
+                <a:ea typeface="나눔스퀘어" panose="020B0600000101010101" pitchFamily="50" charset="-127"/>
+              </a:rPr>
+              <a:t>과 </a:t>
+            </a:r>
+            <a:r>
+              <a:rPr lang="en-US" altLang="ko-KR" sz="2000">
+                <a:latin typeface="나눔스퀘어" panose="020B0600000101010101" pitchFamily="50" charset="-127"/>
+                <a:ea typeface="나눔스퀘어" panose="020B0600000101010101" pitchFamily="50" charset="-127"/>
+              </a:rPr>
+              <a:t>SCZ dataset </a:t>
+            </a:r>
+            <a:r>
+              <a:rPr lang="ko-KR" altLang="en-US" sz="2000">
+                <a:latin typeface="나눔스퀘어" panose="020B0600000101010101" pitchFamily="50" charset="-127"/>
+                <a:ea typeface="나눔스퀘어" panose="020B0600000101010101" pitchFamily="50" charset="-127"/>
+              </a:rPr>
+              <a:t>독립적으로 </a:t>
+            </a:r>
+            <a:r>
+              <a:rPr lang="en-US" altLang="ko-KR" sz="2000">
+                <a:latin typeface="나눔스퀘어" panose="020B0600000101010101" pitchFamily="50" charset="-127"/>
+                <a:ea typeface="나눔스퀘어" panose="020B0600000101010101" pitchFamily="50" charset="-127"/>
+              </a:rPr>
+              <a:t>site effect </a:t>
+            </a:r>
+            <a:r>
+              <a:rPr lang="ko-KR" altLang="en-US" sz="2000">
+                <a:latin typeface="나눔스퀘어" panose="020B0600000101010101" pitchFamily="50" charset="-127"/>
+                <a:ea typeface="나눔스퀘어" panose="020B0600000101010101" pitchFamily="50" charset="-127"/>
+              </a:rPr>
+              <a:t>계산</a:t>
+            </a:r>
+            <a:endParaRPr lang="en-US" altLang="ko-KR" sz="2000">
+              <a:latin typeface="나눔스퀘어" panose="020B0600000101010101" pitchFamily="50" charset="-127"/>
+              <a:ea typeface="나눔스퀘어" panose="020B0600000101010101" pitchFamily="50" charset="-127"/>
+            </a:endParaRPr>
           </a:p>
           <a:p>
             <a:pPr marL="0" indent="0">
               <a:buNone/>
             </a:pPr>
-            <a:endParaRPr lang="en-US" altLang="ko-KR" sz="2000" dirty="0"/>
-          </a:p>
-          <a:p>
-            <a:pPr marL="514350" indent="-514350">
-              <a:buAutoNum type="arabicPeriod"/>
-            </a:pPr>
-            <a:r>
-              <a:rPr lang="en-US" altLang="ko-KR" sz="2000" dirty="0"/>
-              <a:t>Training dataset</a:t>
-            </a:r>
-            <a:r>
-              <a:rPr lang="ko-KR" altLang="en-US" sz="2000" dirty="0"/>
-              <a:t>으로 </a:t>
-            </a:r>
-            <a:r>
-              <a:rPr lang="en-US" altLang="ko-KR" sz="2000" dirty="0"/>
-              <a:t>combat</a:t>
-            </a:r>
-            <a:r>
-              <a:rPr lang="ko-KR" altLang="en-US" sz="2000" dirty="0"/>
+            <a:r>
+              <a:rPr lang="en-US" altLang="ko-KR" sz="2000">
+                <a:latin typeface="나눔스퀘어" panose="020B0600000101010101" pitchFamily="50" charset="-127"/>
+                <a:ea typeface="나눔스퀘어" panose="020B0600000101010101" pitchFamily="50" charset="-127"/>
+              </a:rPr>
+              <a:t>	2. GCN</a:t>
+            </a:r>
+            <a:r>
+              <a:rPr lang="ko-KR" altLang="en-US" sz="2000">
+                <a:latin typeface="나눔스퀘어" panose="020B0600000101010101" pitchFamily="50" charset="-127"/>
+                <a:ea typeface="나눔스퀘어" panose="020B0600000101010101" pitchFamily="50" charset="-127"/>
+              </a:rPr>
               <a:t> </a:t>
             </a:r>
             <a:r>
-              <a:rPr lang="en-US" altLang="ko-KR" sz="2000" dirty="0"/>
-              <a:t>model training</a:t>
-            </a:r>
-          </a:p>
-          <a:p>
-            <a:pPr marL="514350" indent="-514350">
-              <a:buAutoNum type="arabicPeriod"/>
-            </a:pPr>
-            <a:r>
-              <a:rPr lang="ko-KR" altLang="en-US" sz="2000" dirty="0"/>
-              <a:t>학습된 </a:t>
-            </a:r>
-            <a:r>
-              <a:rPr lang="en-US" altLang="ko-KR" sz="2000" dirty="0"/>
-              <a:t>Combat</a:t>
-            </a:r>
-            <a:r>
-              <a:rPr lang="ko-KR" altLang="en-US" sz="2000" dirty="0"/>
-              <a:t> </a:t>
-            </a:r>
-            <a:r>
-              <a:rPr lang="en-US" altLang="ko-KR" sz="2000" dirty="0"/>
+              <a:rPr lang="en-US" altLang="ko-KR" sz="2000">
+                <a:latin typeface="나눔스퀘어" panose="020B0600000101010101" pitchFamily="50" charset="-127"/>
+                <a:ea typeface="나눔스퀘어" panose="020B0600000101010101" pitchFamily="50" charset="-127"/>
+              </a:rPr>
               <a:t>model</a:t>
             </a:r>
             <a:r>
-              <a:rPr lang="ko-KR" altLang="en-US" sz="2000" dirty="0"/>
-              <a:t>로 </a:t>
-            </a:r>
-            <a:r>
-              <a:rPr lang="en-US" altLang="ko-KR" sz="2000" dirty="0"/>
-              <a:t>training,</a:t>
-            </a:r>
-            <a:r>
-              <a:rPr lang="ko-KR" altLang="en-US" sz="2000" dirty="0"/>
-              <a:t> </a:t>
-            </a:r>
-            <a:r>
-              <a:rPr lang="en-US" altLang="ko-KR" sz="2000" dirty="0"/>
-              <a:t>validation, test dataset</a:t>
-            </a:r>
-            <a:r>
-              <a:rPr lang="ko-KR" altLang="en-US" sz="2000" dirty="0"/>
-              <a:t>의 </a:t>
-            </a:r>
-            <a:r>
-              <a:rPr lang="en-US" altLang="ko-KR" sz="2000" dirty="0"/>
-              <a:t>connectivity matrix</a:t>
-            </a:r>
-            <a:r>
-              <a:rPr lang="ko-KR" altLang="en-US" sz="2000" dirty="0"/>
-              <a:t> 변경 후 이에 따라 </a:t>
-            </a:r>
-            <a:r>
-              <a:rPr lang="en-US" altLang="ko-KR" sz="2000" dirty="0"/>
-              <a:t>x, </a:t>
-            </a:r>
-            <a:r>
-              <a:rPr lang="en-US" altLang="ko-KR" sz="2000" dirty="0" err="1"/>
-              <a:t>edge_index</a:t>
-            </a:r>
-            <a:r>
-              <a:rPr lang="en-US" altLang="ko-KR" sz="2000" dirty="0"/>
-              <a:t>, </a:t>
-            </a:r>
-            <a:r>
-              <a:rPr lang="en-US" altLang="ko-KR" sz="2000" dirty="0" err="1"/>
-              <a:t>edge_attr</a:t>
-            </a:r>
-            <a:r>
-              <a:rPr lang="ko-KR" altLang="en-US" sz="2000" dirty="0"/>
-              <a:t>를 다시 계산</a:t>
-            </a:r>
-            <a:endParaRPr lang="en-US" altLang="ko-KR" sz="2000" dirty="0"/>
-          </a:p>
-          <a:p>
-            <a:pPr marL="514350" indent="-514350">
-              <a:buAutoNum type="arabicPeriod"/>
-            </a:pPr>
-            <a:r>
-              <a:rPr lang="en-US" altLang="ko-KR" sz="2000" dirty="0"/>
-              <a:t>GCN model</a:t>
-            </a:r>
-            <a:r>
-              <a:rPr lang="ko-KR" altLang="en-US" sz="2000" dirty="0"/>
-              <a:t> </a:t>
-            </a:r>
-            <a:r>
-              <a:rPr lang="en-US" altLang="ko-KR" sz="2000" dirty="0"/>
-              <a:t>training, validation, test </a:t>
-            </a:r>
-            <a:r>
-              <a:rPr lang="ko-KR" altLang="en-US" sz="2000" dirty="0"/>
-              <a:t>진행</a:t>
-            </a:r>
-            <a:endParaRPr lang="en-US" altLang="ko-KR" sz="2000" dirty="0"/>
+              <a:rPr lang="ko-KR" altLang="en-US" sz="2000">
+                <a:latin typeface="나눔스퀘어" panose="020B0600000101010101" pitchFamily="50" charset="-127"/>
+                <a:ea typeface="나눔스퀘어" panose="020B0600000101010101" pitchFamily="50" charset="-127"/>
+              </a:rPr>
+              <a:t> 성능 비교</a:t>
+            </a:r>
           </a:p>
         </p:txBody>
       </p:sp>
@@ -3780,35 +4180,6 @@
       </p:grpSpPr>
       <p:sp>
         <p:nvSpPr>
-          <p:cNvPr id="2" name="제목 1">
-            <a:extLst>
-              <a:ext uri="{FF2B5EF4-FFF2-40B4-BE49-F238E27FC236}">
-                <a16:creationId xmlns:a16="http://schemas.microsoft.com/office/drawing/2014/main" id="{A2D3AE7B-BFE0-B0A5-C805-7CAF963BFEDF}"/>
-              </a:ext>
-            </a:extLst>
-          </p:cNvPr>
-          <p:cNvSpPr>
-            <a:spLocks noGrp="1"/>
-          </p:cNvSpPr>
-          <p:nvPr>
-            <p:ph type="title"/>
-          </p:nvPr>
-        </p:nvSpPr>
-        <p:spPr/>
-        <p:txBody>
-          <a:bodyPr/>
-          <a:lstStyle/>
-          <a:p>
-            <a:r>
-              <a:rPr lang="en-US" altLang="ko-KR" dirty="0"/>
-              <a:t>4. GCN model</a:t>
-            </a:r>
-            <a:endParaRPr lang="ko-KR" altLang="en-US" dirty="0"/>
-          </a:p>
-        </p:txBody>
-      </p:sp>
-      <p:sp>
-        <p:nvSpPr>
           <p:cNvPr id="9" name="TextBox 8">
             <a:extLst>
               <a:ext uri="{FF2B5EF4-FFF2-40B4-BE49-F238E27FC236}">
@@ -3821,8 +4192,8 @@
         </p:nvSpPr>
         <p:spPr>
           <a:xfrm>
-            <a:off x="503634" y="1844160"/>
-            <a:ext cx="8711803" cy="3416320"/>
+            <a:off x="509586" y="1140897"/>
+            <a:ext cx="10196450" cy="646331"/>
           </a:xfrm>
           <a:prstGeom prst="rect">
             <a:avLst/>
@@ -3839,384 +4210,454 @@
               <a:buNone/>
             </a:pPr>
             <a:r>
+              <a:rPr lang="en-US" altLang="ko-KR">
+                <a:ea typeface="나눔스퀘어" panose="020B0600000101010101" pitchFamily="50" charset="-127"/>
+              </a:rPr>
+              <a:t>Graph</a:t>
+            </a:r>
+            <a:r>
+              <a:rPr lang="ko-KR" altLang="en-US">
+                <a:ea typeface="나눔스퀘어" panose="020B0600000101010101" pitchFamily="50" charset="-127"/>
+              </a:rPr>
+              <a:t>에서 유의미한 정보를 얻기 위해선</a:t>
+            </a:r>
+            <a:r>
+              <a:rPr lang="en-US" altLang="ko-KR">
+                <a:ea typeface="나눔스퀘어" panose="020B0600000101010101" pitchFamily="50" charset="-127"/>
+              </a:rPr>
+              <a:t>(node</a:t>
+            </a:r>
+            <a:r>
+              <a:rPr lang="ko-KR" altLang="en-US">
+                <a:ea typeface="나눔스퀘어" panose="020B0600000101010101" pitchFamily="50" charset="-127"/>
+              </a:rPr>
+              <a:t> </a:t>
+            </a:r>
+            <a:r>
+              <a:rPr lang="en-US" altLang="ko-KR">
+                <a:ea typeface="나눔스퀘어" panose="020B0600000101010101" pitchFamily="50" charset="-127"/>
+              </a:rPr>
+              <a:t>representation),</a:t>
+            </a:r>
+            <a:r>
+              <a:rPr lang="ko-KR" altLang="en-US">
+                <a:ea typeface="나눔스퀘어" panose="020B0600000101010101" pitchFamily="50" charset="-127"/>
+              </a:rPr>
+              <a:t> 이웃 </a:t>
+            </a:r>
+            <a:r>
               <a:rPr lang="en-US" altLang="ko-KR" dirty="0">
+                <a:ea typeface="나눔스퀘어" panose="020B0600000101010101" pitchFamily="50" charset="-127"/>
+              </a:rPr>
+              <a:t>node</a:t>
+            </a:r>
+            <a:r>
+              <a:rPr lang="ko-KR" altLang="en-US" dirty="0">
+                <a:ea typeface="나눔스퀘어" panose="020B0600000101010101" pitchFamily="50" charset="-127"/>
+              </a:rPr>
+              <a:t>들과의 </a:t>
+            </a:r>
+            <a:r>
+              <a:rPr lang="ko-KR" altLang="en-US">
+                <a:ea typeface="나눔스퀘어" panose="020B0600000101010101" pitchFamily="50" charset="-127"/>
+              </a:rPr>
+              <a:t>연결 정보</a:t>
+            </a:r>
+            <a:r>
+              <a:rPr lang="en-US" altLang="ko-KR">
+                <a:ea typeface="나눔스퀘어" panose="020B0600000101010101" pitchFamily="50" charset="-127"/>
+              </a:rPr>
+              <a:t>(adjacency matrix), </a:t>
+            </a:r>
+            <a:r>
+              <a:rPr lang="ko-KR" altLang="en-US" dirty="0">
+                <a:ea typeface="나눔스퀘어" panose="020B0600000101010101" pitchFamily="50" charset="-127"/>
+              </a:rPr>
+              <a:t>이웃 </a:t>
+            </a:r>
+            <a:r>
+              <a:rPr lang="en-US" altLang="ko-KR" dirty="0">
+                <a:ea typeface="나눔스퀘어" panose="020B0600000101010101" pitchFamily="50" charset="-127"/>
+              </a:rPr>
+              <a:t>node</a:t>
+            </a:r>
+            <a:r>
+              <a:rPr lang="ko-KR" altLang="en-US">
+                <a:ea typeface="나눔스퀘어" panose="020B0600000101010101" pitchFamily="50" charset="-127"/>
+              </a:rPr>
+              <a:t>들의 정보</a:t>
+            </a:r>
+            <a:r>
+              <a:rPr lang="en-US" altLang="ko-KR">
+                <a:ea typeface="나눔스퀘어" panose="020B0600000101010101" pitchFamily="50" charset="-127"/>
+              </a:rPr>
+              <a:t>(feature matrix)</a:t>
+            </a:r>
+            <a:r>
+              <a:rPr lang="ko-KR" altLang="en-US">
+                <a:ea typeface="나눔스퀘어" panose="020B0600000101010101" pitchFamily="50" charset="-127"/>
+              </a:rPr>
+              <a:t>가 중요</a:t>
+            </a:r>
+            <a:endParaRPr lang="en-US" altLang="ko-KR">
+              <a:ea typeface="나눔스퀘어" panose="020B0600000101010101" pitchFamily="50" charset="-127"/>
+            </a:endParaRPr>
+          </a:p>
+        </p:txBody>
+      </p:sp>
+      <p:sp>
+        <p:nvSpPr>
+          <p:cNvPr id="3" name="제목 1">
+            <a:extLst>
+              <a:ext uri="{FF2B5EF4-FFF2-40B4-BE49-F238E27FC236}">
+                <a16:creationId xmlns:a16="http://schemas.microsoft.com/office/drawing/2014/main" id="{DDCC9102-3536-E7C3-EA73-F2DEB984F7ED}"/>
+              </a:ext>
+            </a:extLst>
+          </p:cNvPr>
+          <p:cNvSpPr txBox="1">
+            <a:spLocks/>
+          </p:cNvSpPr>
+          <p:nvPr/>
+        </p:nvSpPr>
+        <p:spPr>
+          <a:xfrm>
+            <a:off x="509586" y="0"/>
+            <a:ext cx="12120563" cy="1325563"/>
+          </a:xfrm>
+          <a:prstGeom prst="rect">
+            <a:avLst/>
+          </a:prstGeom>
+        </p:spPr>
+        <p:txBody>
+          <a:bodyPr vert="horz" lIns="91440" tIns="45720" rIns="91440" bIns="45720" rtlCol="0" anchor="ctr">
+            <a:normAutofit/>
+          </a:bodyPr>
+          <a:lstStyle>
+            <a:lvl1pPr algn="l" defTabSz="914400" rtl="0" eaLnBrk="1" latinLnBrk="1" hangingPunct="1">
+              <a:lnSpc>
+                <a:spcPct val="90000"/>
+              </a:lnSpc>
+              <a:spcBef>
+                <a:spcPct val="0"/>
+              </a:spcBef>
+              <a:buNone/>
+              <a:defRPr sz="4400" kern="1200">
+                <a:solidFill>
+                  <a:schemeClr val="tx1"/>
+                </a:solidFill>
+                <a:latin typeface="나눔스퀘어 네오 Regular" panose="00000500000000000000" pitchFamily="2" charset="-127"/>
                 <a:ea typeface="나눔스퀘어 네오 Regular" panose="00000500000000000000" pitchFamily="2" charset="-127"/>
-              </a:rPr>
-              <a:t>Graph</a:t>
-            </a:r>
-            <a:r>
-              <a:rPr lang="ko-KR" altLang="en-US" dirty="0">
-                <a:ea typeface="나눔스퀘어 네오 Regular" panose="00000500000000000000" pitchFamily="2" charset="-127"/>
-              </a:rPr>
-              <a:t>를 해석할 땐 이웃 </a:t>
-            </a:r>
-            <a:r>
-              <a:rPr lang="en-US" altLang="ko-KR" dirty="0">
-                <a:ea typeface="나눔스퀘어 네오 Regular" panose="00000500000000000000" pitchFamily="2" charset="-127"/>
-              </a:rPr>
+                <a:cs typeface="+mj-cs"/>
+              </a:defRPr>
+            </a:lvl1pPr>
+          </a:lstStyle>
+          <a:p>
+            <a:r>
+              <a:rPr lang="en-US" altLang="ko-KR" sz="3200" dirty="0">
+                <a:latin typeface="나눔스퀘어" panose="020B0600000101010101" pitchFamily="50" charset="-127"/>
+                <a:ea typeface="나눔스퀘어" panose="020B0600000101010101" pitchFamily="50" charset="-127"/>
+              </a:rPr>
+              <a:t>4</a:t>
+            </a:r>
+            <a:r>
+              <a:rPr lang="en-US" altLang="ko-KR" sz="3200">
+                <a:latin typeface="나눔스퀘어" panose="020B0600000101010101" pitchFamily="50" charset="-127"/>
+                <a:ea typeface="나눔스퀘어" panose="020B0600000101010101" pitchFamily="50" charset="-127"/>
+              </a:rPr>
+              <a:t>. Graph Convolutional Networks Model</a:t>
+            </a:r>
+            <a:endParaRPr lang="ko-KR" altLang="en-US" sz="3200" dirty="0">
+              <a:latin typeface="나눔스퀘어" panose="020B0600000101010101" pitchFamily="50" charset="-127"/>
+              <a:ea typeface="나눔스퀘어" panose="020B0600000101010101" pitchFamily="50" charset="-127"/>
+            </a:endParaRPr>
+          </a:p>
+        </p:txBody>
+      </p:sp>
+      <p:pic>
+        <p:nvPicPr>
+          <p:cNvPr id="7" name="그림 6">
+            <a:extLst>
+              <a:ext uri="{FF2B5EF4-FFF2-40B4-BE49-F238E27FC236}">
+                <a16:creationId xmlns:a16="http://schemas.microsoft.com/office/drawing/2014/main" id="{D789280A-D2BD-93FC-6B43-7AD99C35B400}"/>
+              </a:ext>
+            </a:extLst>
+          </p:cNvPr>
+          <p:cNvPicPr>
+            <a:picLocks noChangeAspect="1"/>
+          </p:cNvPicPr>
+          <p:nvPr/>
+        </p:nvPicPr>
+        <p:blipFill>
+          <a:blip r:embed="rId2"/>
+          <a:stretch>
+            <a:fillRect/>
+          </a:stretch>
+        </p:blipFill>
+        <p:spPr>
+          <a:xfrm>
+            <a:off x="509585" y="3862363"/>
+            <a:ext cx="3825572" cy="647756"/>
+          </a:xfrm>
+          <a:prstGeom prst="rect">
+            <a:avLst/>
+          </a:prstGeom>
+        </p:spPr>
+      </p:pic>
+      <p:sp>
+        <p:nvSpPr>
+          <p:cNvPr id="10" name="TextBox 9">
+            <a:extLst>
+              <a:ext uri="{FF2B5EF4-FFF2-40B4-BE49-F238E27FC236}">
+                <a16:creationId xmlns:a16="http://schemas.microsoft.com/office/drawing/2014/main" id="{EE00FDE4-2B81-AB90-7DDB-45949ADFB164}"/>
+              </a:ext>
+            </a:extLst>
+          </p:cNvPr>
+          <p:cNvSpPr txBox="1"/>
+          <p:nvPr/>
+        </p:nvSpPr>
+        <p:spPr>
+          <a:xfrm>
+            <a:off x="4700561" y="2972415"/>
+            <a:ext cx="6312568" cy="2817951"/>
+          </a:xfrm>
+          <a:prstGeom prst="rect">
+            <a:avLst/>
+          </a:prstGeom>
+          <a:noFill/>
+        </p:spPr>
+        <p:txBody>
+          <a:bodyPr wrap="square">
+            <a:spAutoFit/>
+          </a:bodyPr>
+          <a:lstStyle/>
+          <a:p>
+            <a:pPr>
+              <a:lnSpc>
+                <a:spcPct val="150000"/>
+              </a:lnSpc>
+            </a:pPr>
+            <a:r>
+              <a:rPr lang="en-US" altLang="ko-KR" sz="2000" b="1">
+                <a:latin typeface="나눔스퀘어" panose="020B0600000101010101" pitchFamily="50" charset="-127"/>
+                <a:ea typeface="나눔스퀘어" panose="020B0600000101010101" pitchFamily="50" charset="-127"/>
+              </a:rPr>
+              <a:t>A</a:t>
+            </a:r>
+            <a:r>
+              <a:rPr lang="en-US" altLang="ko-KR" sz="2000">
+                <a:latin typeface="나눔스퀘어" panose="020B0600000101010101" pitchFamily="50" charset="-127"/>
+                <a:ea typeface="나눔스퀘어" panose="020B0600000101010101" pitchFamily="50" charset="-127"/>
+              </a:rPr>
+              <a:t>(node#, node#) : (weighted) adjacency matrix</a:t>
+            </a:r>
+          </a:p>
+          <a:p>
+            <a:pPr>
+              <a:lnSpc>
+                <a:spcPct val="150000"/>
+              </a:lnSpc>
+            </a:pPr>
+            <a:r>
+              <a:rPr lang="en-US" altLang="ko-KR" sz="2000" b="1">
+                <a:latin typeface="나눔스퀘어" panose="020B0600000101010101" pitchFamily="50" charset="-127"/>
+                <a:ea typeface="나눔스퀘어" panose="020B0600000101010101" pitchFamily="50" charset="-127"/>
+              </a:rPr>
+              <a:t>H</a:t>
+            </a:r>
+            <a:r>
+              <a:rPr lang="en-US" altLang="ko-KR" sz="2000">
+                <a:latin typeface="나눔스퀘어" panose="020B0600000101010101" pitchFamily="50" charset="-127"/>
+                <a:ea typeface="나눔스퀘어" panose="020B0600000101010101" pitchFamily="50" charset="-127"/>
+              </a:rPr>
+              <a:t>(node#,</a:t>
+            </a:r>
+            <a:r>
+              <a:rPr lang="ko-KR" altLang="en-US" sz="2000">
+                <a:latin typeface="나눔스퀘어" panose="020B0600000101010101" pitchFamily="50" charset="-127"/>
+                <a:ea typeface="나눔스퀘어" panose="020B0600000101010101" pitchFamily="50" charset="-127"/>
+              </a:rPr>
+              <a:t> </a:t>
+            </a:r>
+            <a:r>
+              <a:rPr lang="en-US" altLang="ko-KR" sz="2000">
+                <a:latin typeface="나눔스퀘어" panose="020B0600000101010101" pitchFamily="50" charset="-127"/>
+                <a:ea typeface="나눔스퀘어" panose="020B0600000101010101" pitchFamily="50" charset="-127"/>
+              </a:rPr>
+              <a:t>feature#) : feature matrix</a:t>
+            </a:r>
+          </a:p>
+          <a:p>
+            <a:pPr>
+              <a:lnSpc>
+                <a:spcPct val="150000"/>
+              </a:lnSpc>
+            </a:pPr>
+            <a:r>
+              <a:rPr lang="en-US" altLang="ko-KR" sz="2000" b="1">
+                <a:latin typeface="나눔스퀘어" panose="020B0600000101010101" pitchFamily="50" charset="-127"/>
+                <a:ea typeface="나눔스퀘어" panose="020B0600000101010101" pitchFamily="50" charset="-127"/>
+              </a:rPr>
+              <a:t>W</a:t>
+            </a:r>
+            <a:r>
+              <a:rPr lang="en-US" altLang="ko-KR" sz="2000">
+                <a:latin typeface="나눔스퀘어" panose="020B0600000101010101" pitchFamily="50" charset="-127"/>
+                <a:ea typeface="나눔스퀘어" panose="020B0600000101010101" pitchFamily="50" charset="-127"/>
+              </a:rPr>
+              <a:t>(feature#, filter#) : weight matrix, training </a:t>
+            </a:r>
+            <a:r>
+              <a:rPr lang="ko-KR" altLang="en-US" sz="2000">
+                <a:latin typeface="나눔스퀘어" panose="020B0600000101010101" pitchFamily="50" charset="-127"/>
+                <a:ea typeface="나눔스퀘어" panose="020B0600000101010101" pitchFamily="50" charset="-127"/>
+              </a:rPr>
+              <a:t>과정에서 </a:t>
+            </a:r>
+            <a:r>
+              <a:rPr lang="en-US" altLang="ko-KR" sz="2000">
+                <a:latin typeface="나눔스퀘어" panose="020B0600000101010101" pitchFamily="50" charset="-127"/>
+                <a:ea typeface="나눔스퀘어" panose="020B0600000101010101" pitchFamily="50" charset="-127"/>
+              </a:rPr>
+              <a:t>loss</a:t>
+            </a:r>
+            <a:r>
+              <a:rPr lang="ko-KR" altLang="en-US" sz="2000">
+                <a:latin typeface="나눔스퀘어" panose="020B0600000101010101" pitchFamily="50" charset="-127"/>
+                <a:ea typeface="나눔스퀘어" panose="020B0600000101010101" pitchFamily="50" charset="-127"/>
+              </a:rPr>
+              <a:t> </a:t>
+            </a:r>
+            <a:r>
+              <a:rPr lang="en-US" altLang="ko-KR" sz="2000">
+                <a:latin typeface="나눔스퀘어" panose="020B0600000101010101" pitchFamily="50" charset="-127"/>
+                <a:ea typeface="나눔스퀘어" panose="020B0600000101010101" pitchFamily="50" charset="-127"/>
+              </a:rPr>
+              <a:t>function</a:t>
+            </a:r>
+            <a:r>
+              <a:rPr lang="ko-KR" altLang="en-US" sz="2000">
+                <a:latin typeface="나눔스퀘어" panose="020B0600000101010101" pitchFamily="50" charset="-127"/>
+                <a:ea typeface="나눔스퀘어" panose="020B0600000101010101" pitchFamily="50" charset="-127"/>
+              </a:rPr>
+              <a:t>을 최소화하는 방향으로 조정됨</a:t>
+            </a:r>
+            <a:endParaRPr lang="en-US" altLang="ko-KR" sz="2000">
+              <a:latin typeface="나눔스퀘어" panose="020B0600000101010101" pitchFamily="50" charset="-127"/>
+              <a:ea typeface="나눔스퀘어" panose="020B0600000101010101" pitchFamily="50" charset="-127"/>
+            </a:endParaRPr>
+          </a:p>
+          <a:p>
+            <a:pPr>
+              <a:lnSpc>
+                <a:spcPct val="150000"/>
+              </a:lnSpc>
+            </a:pPr>
+            <a:r>
+              <a:rPr lang="en-US" altLang="ko-KR" sz="2000" b="1">
+                <a:latin typeface="나눔스퀘어" panose="020B0600000101010101" pitchFamily="50" charset="-127"/>
+                <a:ea typeface="나눔스퀘어" panose="020B0600000101010101" pitchFamily="50" charset="-127"/>
+              </a:rPr>
+              <a:t>b</a:t>
+            </a:r>
+            <a:r>
+              <a:rPr lang="en-US" altLang="ko-KR" sz="2000">
+                <a:latin typeface="나눔스퀘어" panose="020B0600000101010101" pitchFamily="50" charset="-127"/>
+                <a:ea typeface="나눔스퀘어" panose="020B0600000101010101" pitchFamily="50" charset="-127"/>
+              </a:rPr>
+              <a:t> :  bias vector</a:t>
+            </a:r>
+          </a:p>
+          <a:p>
+            <a:pPr>
+              <a:lnSpc>
+                <a:spcPct val="150000"/>
+              </a:lnSpc>
+            </a:pPr>
+            <a:r>
+              <a:rPr lang="en-US" altLang="ko-KR" sz="2000" b="1">
+                <a:latin typeface="나눔스퀘어" panose="020B0600000101010101" pitchFamily="50" charset="-127"/>
+                <a:ea typeface="나눔스퀘어" panose="020B0600000101010101" pitchFamily="50" charset="-127"/>
+              </a:rPr>
+              <a:t>Sigma</a:t>
+            </a:r>
+            <a:r>
+              <a:rPr lang="en-US" altLang="ko-KR" sz="2000">
+                <a:latin typeface="나눔스퀘어" panose="020B0600000101010101" pitchFamily="50" charset="-127"/>
+                <a:ea typeface="나눔스퀘어" panose="020B0600000101010101" pitchFamily="50" charset="-127"/>
+              </a:rPr>
+              <a:t> : activation function</a:t>
+            </a:r>
+          </a:p>
+        </p:txBody>
+      </p:sp>
+      <p:sp>
+        <p:nvSpPr>
+          <p:cNvPr id="12" name="TextBox 11">
+            <a:extLst>
+              <a:ext uri="{FF2B5EF4-FFF2-40B4-BE49-F238E27FC236}">
+                <a16:creationId xmlns:a16="http://schemas.microsoft.com/office/drawing/2014/main" id="{58C74BBC-F84B-B9D0-0F20-E6FDE801C2C8}"/>
+              </a:ext>
+            </a:extLst>
+          </p:cNvPr>
+          <p:cNvSpPr txBox="1"/>
+          <p:nvPr/>
+        </p:nvSpPr>
+        <p:spPr>
+          <a:xfrm>
+            <a:off x="509585" y="1964323"/>
+            <a:ext cx="10575510" cy="369332"/>
+          </a:xfrm>
+          <a:prstGeom prst="rect">
+            <a:avLst/>
+          </a:prstGeom>
+          <a:noFill/>
+        </p:spPr>
+        <p:txBody>
+          <a:bodyPr wrap="square">
+            <a:spAutoFit/>
+          </a:bodyPr>
+          <a:lstStyle/>
+          <a:p>
+            <a:r>
+              <a:rPr lang="en-US" altLang="ko-KR"/>
+              <a:t>CNN</a:t>
+            </a:r>
+            <a:r>
+              <a:rPr lang="ko-KR" altLang="en-US"/>
+              <a:t>과는 다르게</a:t>
+            </a:r>
+            <a:r>
+              <a:rPr lang="en-US" altLang="ko-KR"/>
+              <a:t>, </a:t>
+            </a:r>
+            <a:r>
+              <a:rPr lang="ko-KR" altLang="en-US"/>
+              <a:t>인접한 </a:t>
+            </a:r>
+            <a:r>
+              <a:rPr lang="en-US" altLang="ko-KR"/>
               <a:t>node</a:t>
             </a:r>
             <a:r>
-              <a:rPr lang="ko-KR" altLang="en-US" dirty="0">
-                <a:ea typeface="나눔스퀘어 네오 Regular" panose="00000500000000000000" pitchFamily="2" charset="-127"/>
-              </a:rPr>
-              <a:t>들과의 연결 정보</a:t>
-            </a:r>
-            <a:r>
-              <a:rPr lang="en-US" altLang="ko-KR" dirty="0">
-                <a:ea typeface="나눔스퀘어 네오 Regular" panose="00000500000000000000" pitchFamily="2" charset="-127"/>
-              </a:rPr>
-              <a:t>, </a:t>
-            </a:r>
-            <a:r>
-              <a:rPr lang="ko-KR" altLang="en-US" dirty="0">
-                <a:ea typeface="나눔스퀘어 네오 Regular" panose="00000500000000000000" pitchFamily="2" charset="-127"/>
-              </a:rPr>
-              <a:t>이웃 </a:t>
-            </a:r>
-            <a:r>
-              <a:rPr lang="en-US" altLang="ko-KR" dirty="0">
-                <a:ea typeface="나눔스퀘어 네오 Regular" panose="00000500000000000000" pitchFamily="2" charset="-127"/>
-              </a:rPr>
+              <a:rPr lang="ko-KR" altLang="en-US"/>
+              <a:t>의 정보를 가져올 때 모든 인접 </a:t>
+            </a:r>
+            <a:r>
+              <a:rPr lang="en-US" altLang="ko-KR"/>
               <a:t>node</a:t>
             </a:r>
             <a:r>
-              <a:rPr lang="ko-KR" altLang="en-US" dirty="0">
-                <a:ea typeface="나눔스퀘어 네오 Regular" panose="00000500000000000000" pitchFamily="2" charset="-127"/>
-              </a:rPr>
-              <a:t>들의 정보가 중요</a:t>
-            </a:r>
-            <a:r>
-              <a:rPr lang="en-US" altLang="ko-KR" dirty="0">
-                <a:ea typeface="나눔스퀘어 네오 Regular" panose="00000500000000000000" pitchFamily="2" charset="-127"/>
-              </a:rPr>
-              <a:t>(local learning)</a:t>
-            </a:r>
-          </a:p>
-          <a:p>
-            <a:pPr marL="285750" indent="-285750">
-              <a:buFont typeface="Symbol" panose="05050102010706020507" pitchFamily="18" charset="2"/>
-              <a:buChar char="Þ"/>
-            </a:pPr>
-            <a:r>
-              <a:rPr lang="en-US" altLang="ko-KR" dirty="0">
-                <a:ea typeface="나눔스퀘어 네오 Regular" panose="00000500000000000000" pitchFamily="2" charset="-127"/>
-              </a:rPr>
-              <a:t>CNN</a:t>
-            </a:r>
-            <a:r>
-              <a:rPr lang="ko-KR" altLang="en-US" dirty="0">
-                <a:ea typeface="나눔스퀘어 네오 Regular" panose="00000500000000000000" pitchFamily="2" charset="-127"/>
-              </a:rPr>
-              <a:t>의 방식을 차용해</a:t>
-            </a:r>
-            <a:r>
-              <a:rPr lang="en-US" altLang="ko-KR" dirty="0">
-                <a:ea typeface="나눔스퀘어 네오 Regular" panose="00000500000000000000" pitchFamily="2" charset="-127"/>
-              </a:rPr>
-              <a:t>, </a:t>
-            </a:r>
-            <a:r>
-              <a:rPr lang="ko-KR" altLang="en-US" dirty="0">
-                <a:ea typeface="나눔스퀘어 네오 Regular" panose="00000500000000000000" pitchFamily="2" charset="-127"/>
-              </a:rPr>
-              <a:t>하나의 </a:t>
-            </a:r>
-            <a:r>
-              <a:rPr lang="en-US" altLang="ko-KR" dirty="0">
-                <a:ea typeface="나눔스퀘어 네오 Regular" panose="00000500000000000000" pitchFamily="2" charset="-127"/>
-              </a:rPr>
-              <a:t>node</a:t>
-            </a:r>
-            <a:r>
-              <a:rPr lang="ko-KR" altLang="en-US" dirty="0">
-                <a:ea typeface="나눔스퀘어 네오 Regular" panose="00000500000000000000" pitchFamily="2" charset="-127"/>
-              </a:rPr>
-              <a:t>는 인접한 </a:t>
-            </a:r>
-            <a:r>
-              <a:rPr lang="en-US" altLang="ko-KR" dirty="0">
-                <a:ea typeface="나눔스퀘어 네오 Regular" panose="00000500000000000000" pitchFamily="2" charset="-127"/>
-              </a:rPr>
-              <a:t>node</a:t>
-            </a:r>
-            <a:r>
-              <a:rPr lang="ko-KR" altLang="en-US" dirty="0">
-                <a:ea typeface="나눔스퀘어 네오 Regular" panose="00000500000000000000" pitchFamily="2" charset="-127"/>
-              </a:rPr>
-              <a:t>의 상태를 </a:t>
-            </a:r>
-            <a:r>
-              <a:rPr lang="en-US" altLang="ko-KR" dirty="0" err="1">
-                <a:ea typeface="나눔스퀘어 네오 Regular" panose="00000500000000000000" pitchFamily="2" charset="-127"/>
-              </a:rPr>
-              <a:t>convolutaion</a:t>
-            </a:r>
-            <a:r>
-              <a:rPr lang="en-US" altLang="ko-KR" dirty="0">
-                <a:ea typeface="나눔스퀘어 네오 Regular" panose="00000500000000000000" pitchFamily="2" charset="-127"/>
-              </a:rPr>
-              <a:t> </a:t>
-            </a:r>
-            <a:r>
-              <a:rPr lang="ko-KR" altLang="en-US" dirty="0">
-                <a:ea typeface="나눔스퀘어 네오 Regular" panose="00000500000000000000" pitchFamily="2" charset="-127"/>
-              </a:rPr>
-              <a:t>연산을 통해 반영해 </a:t>
-            </a:r>
-            <a:r>
-              <a:rPr lang="en-US" altLang="ko-KR" dirty="0">
-                <a:ea typeface="나눔스퀘어 네오 Regular" panose="00000500000000000000" pitchFamily="2" charset="-127"/>
-              </a:rPr>
-              <a:t>update</a:t>
-            </a:r>
-          </a:p>
-          <a:p>
-            <a:r>
-              <a:rPr lang="ko-KR" altLang="en-US" dirty="0">
-                <a:ea typeface="나눔스퀘어 네오 Regular" panose="00000500000000000000" pitchFamily="2" charset="-127"/>
-              </a:rPr>
-              <a:t>인접한 여러 개 </a:t>
-            </a:r>
-            <a:r>
-              <a:rPr lang="en-US" altLang="ko-KR" dirty="0">
-                <a:ea typeface="나눔스퀘어 네오 Regular" panose="00000500000000000000" pitchFamily="2" charset="-127"/>
-              </a:rPr>
-              <a:t>node</a:t>
-            </a:r>
-            <a:r>
-              <a:rPr lang="ko-KR" altLang="en-US" dirty="0">
-                <a:ea typeface="나눔스퀘어 네오 Regular" panose="00000500000000000000" pitchFamily="2" charset="-127"/>
-              </a:rPr>
-              <a:t>의 상태를 가져올 때 모든 </a:t>
-            </a:r>
-            <a:r>
-              <a:rPr lang="en-US" altLang="ko-KR" dirty="0">
-                <a:ea typeface="나눔스퀘어 네오 Regular" panose="00000500000000000000" pitchFamily="2" charset="-127"/>
-              </a:rPr>
-              <a:t>node</a:t>
-            </a:r>
-            <a:r>
-              <a:rPr lang="ko-KR" altLang="en-US" dirty="0">
-                <a:ea typeface="나눔스퀘어 네오 Regular" panose="00000500000000000000" pitchFamily="2" charset="-127"/>
-              </a:rPr>
+              <a:rPr lang="ko-KR" altLang="en-US"/>
               <a:t>에 동일한 </a:t>
             </a:r>
             <a:r>
-              <a:rPr lang="en-US" altLang="ko-KR" dirty="0">
-                <a:ea typeface="나눔스퀘어 네오 Regular" panose="00000500000000000000" pitchFamily="2" charset="-127"/>
-              </a:rPr>
+              <a:rPr lang="en-US" altLang="ko-KR"/>
               <a:t>filter(weight)</a:t>
             </a:r>
             <a:r>
-              <a:rPr lang="ko-KR" altLang="en-US" dirty="0">
-                <a:ea typeface="나눔스퀘어 네오 Regular" panose="00000500000000000000" pitchFamily="2" charset="-127"/>
-              </a:rPr>
-              <a:t> 적용</a:t>
-            </a:r>
-            <a:endParaRPr lang="en-US" altLang="ko-KR" dirty="0">
-              <a:ea typeface="나눔스퀘어 네오 Regular" panose="00000500000000000000" pitchFamily="2" charset="-127"/>
-            </a:endParaRPr>
-          </a:p>
-          <a:p>
-            <a:r>
-              <a:rPr lang="en-US" altLang="ko-KR" dirty="0">
-                <a:ea typeface="나눔스퀘어 네오 Regular" panose="00000500000000000000" pitchFamily="2" charset="-127"/>
-              </a:rPr>
-              <a:t>graph </a:t>
-            </a:r>
-            <a:r>
-              <a:rPr lang="ko-KR" altLang="en-US" dirty="0">
-                <a:ea typeface="나눔스퀘어 네오 Regular" panose="00000500000000000000" pitchFamily="2" charset="-127"/>
-              </a:rPr>
-              <a:t>특성 상</a:t>
-            </a:r>
-            <a:r>
-              <a:rPr lang="en-US" altLang="ko-KR" dirty="0">
-                <a:ea typeface="나눔스퀘어 네오 Regular" panose="00000500000000000000" pitchFamily="2" charset="-127"/>
-              </a:rPr>
-              <a:t>, graph convolution</a:t>
-            </a:r>
-            <a:r>
-              <a:rPr lang="ko-KR" altLang="en-US" dirty="0">
-                <a:ea typeface="나눔스퀘어 네오 Regular" panose="00000500000000000000" pitchFamily="2" charset="-127"/>
-              </a:rPr>
-              <a:t>을 너무 많이 거치게 될 경우</a:t>
-            </a:r>
-            <a:r>
-              <a:rPr lang="en-US" altLang="ko-KR" dirty="0">
-                <a:ea typeface="나눔스퀘어 네오 Regular" panose="00000500000000000000" pitchFamily="2" charset="-127"/>
-              </a:rPr>
-              <a:t>, </a:t>
-            </a:r>
-            <a:r>
-              <a:rPr lang="ko-KR" altLang="en-US" dirty="0">
-                <a:ea typeface="나눔스퀘어 네오 Regular" panose="00000500000000000000" pitchFamily="2" charset="-127"/>
-              </a:rPr>
-              <a:t>이웃 노드가 자신으로 되돌아올 수 있으므로 최대 </a:t>
-            </a:r>
-            <a:r>
-              <a:rPr lang="en-US" altLang="ko-KR" dirty="0">
-                <a:ea typeface="나눔스퀘어 네오 Regular" panose="00000500000000000000" pitchFamily="2" charset="-127"/>
-              </a:rPr>
-              <a:t>4</a:t>
-            </a:r>
-            <a:r>
-              <a:rPr lang="ko-KR" altLang="en-US" dirty="0">
-                <a:ea typeface="나눔스퀘어 네오 Regular" panose="00000500000000000000" pitchFamily="2" charset="-127"/>
-              </a:rPr>
-              <a:t>개 정도의 </a:t>
-            </a:r>
-            <a:r>
-              <a:rPr lang="en-US" altLang="ko-KR" dirty="0">
-                <a:ea typeface="나눔스퀘어 네오 Regular" panose="00000500000000000000" pitchFamily="2" charset="-127"/>
-              </a:rPr>
-              <a:t>convolution layer </a:t>
-            </a:r>
-            <a:r>
-              <a:rPr lang="ko-KR" altLang="en-US" dirty="0">
-                <a:ea typeface="나눔스퀘어 네오 Regular" panose="00000500000000000000" pitchFamily="2" charset="-127"/>
-              </a:rPr>
-              <a:t>사용</a:t>
-            </a:r>
-            <a:endParaRPr lang="en-US" altLang="ko-KR" dirty="0">
-              <a:ea typeface="나눔스퀘어 네오 Regular" panose="00000500000000000000" pitchFamily="2" charset="-127"/>
-            </a:endParaRPr>
-          </a:p>
-          <a:p>
-            <a:r>
-              <a:rPr lang="ko-KR" altLang="en-US" dirty="0">
-                <a:ea typeface="나눔스퀘어 네오 Regular" panose="00000500000000000000" pitchFamily="2" charset="-127"/>
-              </a:rPr>
-              <a:t> </a:t>
-            </a:r>
-            <a:endParaRPr lang="en-US" altLang="ko-KR" dirty="0">
-              <a:ea typeface="나눔스퀘어 네오 Regular" panose="00000500000000000000" pitchFamily="2" charset="-127"/>
-            </a:endParaRPr>
-          </a:p>
-          <a:p>
-            <a:r>
-              <a:rPr lang="en-US" altLang="ko-KR" dirty="0">
-                <a:ea typeface="나눔스퀘어 네오 Regular" panose="00000500000000000000" pitchFamily="2" charset="-127"/>
-              </a:rPr>
-              <a:t>Local</a:t>
-            </a:r>
-            <a:r>
-              <a:rPr lang="ko-KR" altLang="en-US" dirty="0">
-                <a:ea typeface="나눔스퀘어 네오 Regular" panose="00000500000000000000" pitchFamily="2" charset="-127"/>
-              </a:rPr>
-              <a:t> 연산 후</a:t>
-            </a:r>
-            <a:r>
-              <a:rPr lang="en-US" altLang="ko-KR" dirty="0">
-                <a:ea typeface="나눔스퀘어 네오 Regular" panose="00000500000000000000" pitchFamily="2" charset="-127"/>
-              </a:rPr>
-              <a:t>, </a:t>
-            </a:r>
-            <a:r>
-              <a:rPr lang="ko-KR" altLang="en-US" dirty="0">
-                <a:ea typeface="나눔스퀘어 네오 Regular" panose="00000500000000000000" pitchFamily="2" charset="-127"/>
-              </a:rPr>
-              <a:t>마지막에 모든 정보를 취합하지 위해</a:t>
-            </a:r>
-            <a:r>
-              <a:rPr lang="en-US" altLang="ko-KR" dirty="0">
-                <a:ea typeface="나눔스퀘어 네오 Regular" panose="00000500000000000000" pitchFamily="2" charset="-127"/>
-              </a:rPr>
-              <a:t>(node-wise summation)</a:t>
-            </a:r>
-            <a:r>
-              <a:rPr lang="ko-KR" altLang="en-US" dirty="0">
-                <a:ea typeface="나눔스퀘어 네오 Regular" panose="00000500000000000000" pitchFamily="2" charset="-127"/>
-              </a:rPr>
-              <a:t> </a:t>
-            </a:r>
-            <a:r>
-              <a:rPr lang="en-US" altLang="ko-KR" dirty="0">
-                <a:ea typeface="나눔스퀘어 네오 Regular" panose="00000500000000000000" pitchFamily="2" charset="-127"/>
-              </a:rPr>
-              <a:t>Fully connected layer(readout layer)</a:t>
-            </a:r>
-            <a:r>
-              <a:rPr lang="ko-KR" altLang="en-US" dirty="0">
-                <a:ea typeface="나눔스퀘어 네오 Regular" panose="00000500000000000000" pitchFamily="2" charset="-127"/>
-              </a:rPr>
-              <a:t>를 거침</a:t>
-            </a:r>
-            <a:r>
-              <a:rPr lang="en-US" altLang="ko-KR" dirty="0">
-                <a:ea typeface="나눔스퀘어 네오 Regular" panose="00000500000000000000" pitchFamily="2" charset="-127"/>
-              </a:rPr>
-              <a:t>-&gt; graph</a:t>
-            </a:r>
-            <a:r>
-              <a:rPr lang="ko-KR" altLang="en-US" dirty="0">
-                <a:ea typeface="나눔스퀘어 네오 Regular" panose="00000500000000000000" pitchFamily="2" charset="-127"/>
-              </a:rPr>
-              <a:t>의 특성 상 </a:t>
-            </a:r>
-            <a:r>
-              <a:rPr lang="en-US" altLang="ko-KR" dirty="0">
-                <a:ea typeface="나눔스퀘어 네오 Regular" panose="00000500000000000000" pitchFamily="2" charset="-127"/>
-              </a:rPr>
-              <a:t>permutation</a:t>
-            </a:r>
-            <a:r>
-              <a:rPr lang="ko-KR" altLang="en-US" dirty="0">
-                <a:ea typeface="나눔스퀘어 네오 Regular" panose="00000500000000000000" pitchFamily="2" charset="-127"/>
-              </a:rPr>
-              <a:t>에 따라 </a:t>
-            </a:r>
-            <a:r>
-              <a:rPr lang="en-US" altLang="ko-KR" dirty="0">
-                <a:ea typeface="나눔스퀘어 네오 Regular" panose="00000500000000000000" pitchFamily="2" charset="-127"/>
-              </a:rPr>
-              <a:t>adjacency</a:t>
-            </a:r>
-            <a:r>
-              <a:rPr lang="ko-KR" altLang="en-US" dirty="0">
-                <a:ea typeface="나눔스퀘어 네오 Regular" panose="00000500000000000000" pitchFamily="2" charset="-127"/>
-              </a:rPr>
-              <a:t> </a:t>
-            </a:r>
-            <a:r>
-              <a:rPr lang="en-US" altLang="ko-KR" dirty="0">
-                <a:ea typeface="나눔스퀘어 네오 Regular" panose="00000500000000000000" pitchFamily="2" charset="-127"/>
-              </a:rPr>
-              <a:t>matrix</a:t>
-            </a:r>
-            <a:r>
-              <a:rPr lang="ko-KR" altLang="en-US" dirty="0">
-                <a:ea typeface="나눔스퀘어 네오 Regular" panose="00000500000000000000" pitchFamily="2" charset="-127"/>
-              </a:rPr>
-              <a:t>가 변해도 모든 </a:t>
-            </a:r>
-            <a:r>
-              <a:rPr lang="en-US" altLang="ko-KR" dirty="0">
-                <a:ea typeface="나눔스퀘어 네오 Regular" panose="00000500000000000000" pitchFamily="2" charset="-127"/>
-              </a:rPr>
-              <a:t>feature</a:t>
-            </a:r>
-            <a:r>
-              <a:rPr lang="ko-KR" altLang="en-US" dirty="0">
-                <a:ea typeface="나눔스퀘어 네오 Regular" panose="00000500000000000000" pitchFamily="2" charset="-127"/>
-              </a:rPr>
-              <a:t>들을 연산해 이로 인한 효과를 </a:t>
-            </a:r>
-            <a:r>
-              <a:rPr lang="ko-KR" altLang="en-US" dirty="0" err="1">
-                <a:ea typeface="나눔스퀘어 네오 Regular" panose="00000500000000000000" pitchFamily="2" charset="-127"/>
-              </a:rPr>
-              <a:t>줄여줌</a:t>
-            </a:r>
-            <a:endParaRPr lang="en-US" altLang="ko-KR" dirty="0">
-              <a:ea typeface="나눔스퀘어 네오 Regular" panose="00000500000000000000" pitchFamily="2" charset="-127"/>
-            </a:endParaRPr>
-          </a:p>
-          <a:p>
-            <a:endParaRPr lang="en-US" altLang="ko-KR" dirty="0">
-              <a:ea typeface="나눔스퀘어 네오 Regular" panose="00000500000000000000" pitchFamily="2" charset="-127"/>
-            </a:endParaRPr>
+              <a:rPr lang="ko-KR" altLang="en-US"/>
+              <a:t>를 적용</a:t>
+            </a:r>
           </a:p>
         </p:txBody>
       </p:sp>
@@ -4258,38 +4699,6 @@
       </p:grpSpPr>
       <p:sp>
         <p:nvSpPr>
-          <p:cNvPr id="2" name="제목 1">
-            <a:extLst>
-              <a:ext uri="{FF2B5EF4-FFF2-40B4-BE49-F238E27FC236}">
-                <a16:creationId xmlns:a16="http://schemas.microsoft.com/office/drawing/2014/main" id="{A2D3AE7B-BFE0-B0A5-C805-7CAF963BFEDF}"/>
-              </a:ext>
-            </a:extLst>
-          </p:cNvPr>
-          <p:cNvSpPr>
-            <a:spLocks noGrp="1"/>
-          </p:cNvSpPr>
-          <p:nvPr>
-            <p:ph type="title"/>
-          </p:nvPr>
-        </p:nvSpPr>
-        <p:spPr/>
-        <p:txBody>
-          <a:bodyPr/>
-          <a:lstStyle/>
-          <a:p>
-            <a:r>
-              <a:rPr lang="en-US" altLang="ko-KR"/>
-              <a:t>4. GCN model </a:t>
-            </a:r>
-            <a:r>
-              <a:rPr lang="ko-KR" altLang="en-US"/>
-              <a:t>구축</a:t>
-            </a:r>
-          </a:p>
-        </p:txBody>
-      </p:sp>
-      <p:sp>
-        <p:nvSpPr>
           <p:cNvPr id="3" name="내용 개체 틀 2">
             <a:extLst>
               <a:ext uri="{FF2B5EF4-FFF2-40B4-BE49-F238E27FC236}">
@@ -4304,10 +4713,15 @@
             <p:ph idx="1"/>
           </p:nvPr>
         </p:nvSpPr>
-        <p:spPr/>
+        <p:spPr>
+          <a:xfrm>
+            <a:off x="509586" y="1780559"/>
+            <a:ext cx="11353801" cy="3296881"/>
+          </a:xfrm>
+        </p:spPr>
         <p:txBody>
           <a:bodyPr>
-            <a:normAutofit lnSpcReduction="10000"/>
+            <a:normAutofit/>
           </a:bodyPr>
           <a:lstStyle/>
           <a:p>
@@ -4315,38 +4729,74 @@
               <a:buNone/>
             </a:pPr>
             <a:r>
-              <a:rPr lang="en-US" altLang="ko-KR" dirty="0" err="1"/>
+              <a:rPr lang="en-US" altLang="ko-KR" sz="2000" dirty="0" err="1"/>
               <a:t>ChebConv</a:t>
             </a:r>
             <a:r>
-              <a:rPr lang="ko-KR" altLang="en-US" dirty="0"/>
+              <a:rPr lang="ko-KR" altLang="en-US" sz="2000" dirty="0"/>
               <a:t> </a:t>
             </a:r>
             <a:r>
-              <a:rPr lang="en-US" altLang="ko-KR" dirty="0"/>
-              <a:t>Layer 3 (feature# -&gt; 64 -&gt; 64-&gt; 128) : </a:t>
-            </a:r>
-            <a:r>
-              <a:rPr lang="ko-KR" altLang="en-US" dirty="0"/>
-              <a:t>최대 </a:t>
-            </a:r>
-            <a:r>
-              <a:rPr lang="en-US" altLang="ko-KR" dirty="0"/>
-              <a:t>6</a:t>
-            </a:r>
-            <a:r>
-              <a:rPr lang="ko-KR" altLang="en-US" dirty="0"/>
-              <a:t>차로 설정</a:t>
-            </a:r>
-            <a:endParaRPr lang="en-US" altLang="ko-KR" dirty="0"/>
+              <a:rPr lang="en-US" altLang="ko-KR" sz="2000"/>
+              <a:t>Layer 3(k=6) </a:t>
+            </a:r>
+            <a:r>
+              <a:rPr lang="en-US" altLang="ko-KR" sz="2000" dirty="0"/>
+              <a:t>(feature# -&gt; 64 -&gt; 64-&gt; 128) </a:t>
+            </a:r>
+            <a:r>
+              <a:rPr lang="en-US" altLang="ko-KR" sz="2000"/>
+              <a:t>: </a:t>
+            </a:r>
+            <a:r>
+              <a:rPr lang="en-US" altLang="ko-KR" sz="2000">
+                <a:highlight>
+                  <a:srgbClr val="C0C0C0"/>
+                </a:highlight>
+              </a:rPr>
+              <a:t>spectral</a:t>
+            </a:r>
+            <a:r>
+              <a:rPr lang="ko-KR" altLang="en-US" sz="2000">
+                <a:highlight>
+                  <a:srgbClr val="C0C0C0"/>
+                </a:highlight>
+              </a:rPr>
+              <a:t> </a:t>
+            </a:r>
+            <a:r>
+              <a:rPr lang="en-US" altLang="ko-KR" sz="2000">
+                <a:highlight>
+                  <a:srgbClr val="C0C0C0"/>
+                </a:highlight>
+              </a:rPr>
+              <a:t>graph convolution</a:t>
+            </a:r>
+            <a:r>
+              <a:rPr lang="ko-KR" altLang="en-US" sz="2000">
+                <a:highlight>
+                  <a:srgbClr val="C0C0C0"/>
+                </a:highlight>
+              </a:rPr>
+              <a:t>수행</a:t>
+            </a:r>
+            <a:endParaRPr lang="en-US" altLang="ko-KR" sz="2000">
+              <a:highlight>
+                <a:srgbClr val="C0C0C0"/>
+              </a:highlight>
+            </a:endParaRPr>
           </a:p>
           <a:p>
             <a:pPr marL="0" indent="0">
               <a:buNone/>
             </a:pPr>
             <a:r>
-              <a:rPr lang="en-US" altLang="ko-KR" dirty="0"/>
-              <a:t>Linear Layer 1(128 -&gt; class#(2))</a:t>
+              <a:rPr lang="en-US" altLang="ko-KR" sz="2000"/>
+              <a:t>Linear </a:t>
+            </a:r>
+            <a:r>
+              <a:rPr lang="en-US" altLang="ko-KR" sz="2000" dirty="0"/>
+              <a:t>Layer 1(128 -&gt; class#(2))</a:t>
             </a:r>
           </a:p>
           <a:p>
@@ -4354,59 +4804,63 @@
               <a:buNone/>
             </a:pPr>
             <a:r>
-              <a:rPr lang="en-US" altLang="ko-KR" dirty="0" err="1"/>
+              <a:rPr lang="en-US" altLang="ko-KR" sz="2000" dirty="0" err="1"/>
               <a:t>Log_softmax</a:t>
             </a:r>
-            <a:endParaRPr lang="en-US" altLang="ko-KR" dirty="0"/>
+            <a:endParaRPr lang="en-US" altLang="ko-KR" sz="2000" dirty="0"/>
           </a:p>
           <a:p>
             <a:pPr marL="0" indent="0">
               <a:buNone/>
             </a:pPr>
-            <a:endParaRPr lang="en-US" altLang="ko-KR" dirty="0"/>
+            <a:endParaRPr lang="en-US" altLang="ko-KR" sz="2000" dirty="0"/>
           </a:p>
           <a:p>
             <a:pPr marL="0" indent="0">
               <a:buNone/>
             </a:pPr>
             <a:r>
-              <a:rPr lang="en-US" altLang="ko-KR" dirty="0"/>
+              <a:rPr lang="en-US" altLang="ko-KR" sz="2000" dirty="0"/>
               <a:t>Activation function : </a:t>
             </a:r>
             <a:r>
-              <a:rPr lang="en-US" altLang="ko-KR" dirty="0" err="1"/>
+              <a:rPr lang="en-US" altLang="ko-KR" sz="2000" dirty="0" err="1"/>
               <a:t>ReLU</a:t>
             </a:r>
-            <a:endParaRPr lang="en-US" altLang="ko-KR" dirty="0"/>
+            <a:endParaRPr lang="en-US" altLang="ko-KR" sz="2000" dirty="0"/>
           </a:p>
           <a:p>
             <a:pPr marL="0" indent="0">
               <a:buNone/>
             </a:pPr>
-            <a:endParaRPr lang="en-US" altLang="ko-KR" dirty="0"/>
+            <a:endParaRPr lang="en-US" altLang="ko-KR" sz="2000" dirty="0"/>
           </a:p>
           <a:p>
             <a:pPr marL="0" indent="0">
               <a:buNone/>
             </a:pPr>
             <a:r>
-              <a:rPr lang="en-US" altLang="ko-KR" dirty="0"/>
+              <a:rPr lang="en-US" altLang="ko-KR" sz="2000" dirty="0"/>
               <a:t>2,3 layer</a:t>
             </a:r>
             <a:r>
-              <a:rPr lang="ko-KR" altLang="en-US" dirty="0"/>
+              <a:rPr lang="ko-KR" altLang="en-US" sz="2000" dirty="0"/>
               <a:t> </a:t>
             </a:r>
             <a:r>
-              <a:rPr lang="en-US" altLang="ko-KR" dirty="0"/>
-              <a:t>dropout(0.5</a:t>
-            </a:r>
-            <a:r>
-              <a:rPr lang="ko-KR" altLang="en-US" dirty="0"/>
+              <a:rPr lang="en-US" altLang="ko-KR" sz="2000" dirty="0"/>
+              <a:t>dropout</a:t>
+            </a:r>
+            <a:r>
+              <a:rPr lang="en-US" altLang="ko-KR" sz="2000"/>
+              <a:t>(0.5 </a:t>
+            </a:r>
+            <a:r>
+              <a:rPr lang="ko-KR" altLang="en-US" sz="2000"/>
               <a:t>비율</a:t>
             </a:r>
             <a:r>
-              <a:rPr lang="en-US" altLang="ko-KR" dirty="0"/>
+              <a:rPr lang="en-US" altLang="ko-KR" sz="2000"/>
               <a:t>)</a:t>
             </a:r>
           </a:p>
@@ -4415,35 +4869,168 @@
               <a:buNone/>
             </a:pPr>
             <a:r>
-              <a:rPr lang="en-US" altLang="ko-KR" dirty="0"/>
-              <a:t>Linear Layer </a:t>
-            </a:r>
-            <a:r>
-              <a:rPr lang="ko-KR" altLang="en-US" dirty="0"/>
+              <a:rPr lang="en-US" altLang="ko-KR" sz="2000"/>
+              <a:t>Linear </a:t>
+            </a:r>
+            <a:r>
+              <a:rPr lang="en-US" altLang="ko-KR" sz="2000" dirty="0"/>
+              <a:t>Layer </a:t>
+            </a:r>
+            <a:r>
+              <a:rPr lang="ko-KR" altLang="en-US" sz="2000" dirty="0"/>
               <a:t>전 </a:t>
             </a:r>
             <a:r>
-              <a:rPr lang="en-US" altLang="ko-KR" dirty="0"/>
-              <a:t>Global mean pooling</a:t>
-            </a:r>
-          </a:p>
-          <a:p>
-            <a:pPr marL="0" indent="0">
+              <a:rPr lang="en-US" altLang="ko-KR" sz="2000" dirty="0"/>
+              <a:t>Global </a:t>
+            </a:r>
+            <a:r>
+              <a:rPr lang="en-US" altLang="ko-KR" sz="2000"/>
+              <a:t>mean pooling</a:t>
+            </a:r>
+            <a:endParaRPr lang="en-US" altLang="ko-KR" sz="2000" dirty="0"/>
+          </a:p>
+        </p:txBody>
+      </p:sp>
+      <p:sp>
+        <p:nvSpPr>
+          <p:cNvPr id="4" name="제목 1">
+            <a:extLst>
+              <a:ext uri="{FF2B5EF4-FFF2-40B4-BE49-F238E27FC236}">
+                <a16:creationId xmlns:a16="http://schemas.microsoft.com/office/drawing/2014/main" id="{A059B163-675F-28F6-B6DD-56DE91ACBBA4}"/>
+              </a:ext>
+            </a:extLst>
+          </p:cNvPr>
+          <p:cNvSpPr txBox="1">
+            <a:spLocks/>
+          </p:cNvSpPr>
+          <p:nvPr/>
+        </p:nvSpPr>
+        <p:spPr>
+          <a:xfrm>
+            <a:off x="509586" y="0"/>
+            <a:ext cx="12120563" cy="1325563"/>
+          </a:xfrm>
+          <a:prstGeom prst="rect">
+            <a:avLst/>
+          </a:prstGeom>
+        </p:spPr>
+        <p:txBody>
+          <a:bodyPr vert="horz" lIns="91440" tIns="45720" rIns="91440" bIns="45720" rtlCol="0" anchor="ctr">
+            <a:normAutofit/>
+          </a:bodyPr>
+          <a:lstStyle>
+            <a:lvl1pPr algn="l" defTabSz="914400" rtl="0" eaLnBrk="1" latinLnBrk="1" hangingPunct="1">
+              <a:lnSpc>
+                <a:spcPct val="90000"/>
+              </a:lnSpc>
+              <a:spcBef>
+                <a:spcPct val="0"/>
+              </a:spcBef>
               <a:buNone/>
-            </a:pPr>
-            <a:endParaRPr lang="en-US" altLang="ko-KR" dirty="0"/>
-          </a:p>
-          <a:p>
-            <a:pPr marL="0" indent="0">
-              <a:buNone/>
-            </a:pPr>
-            <a:endParaRPr lang="en-US" altLang="ko-KR" dirty="0"/>
-          </a:p>
-          <a:p>
-            <a:pPr marL="0" indent="0">
-              <a:buNone/>
-            </a:pPr>
-            <a:endParaRPr lang="ko-KR" altLang="en-US" dirty="0"/>
+              <a:defRPr sz="4400" kern="1200">
+                <a:solidFill>
+                  <a:schemeClr val="tx1"/>
+                </a:solidFill>
+                <a:latin typeface="나눔스퀘어 네오 Regular" panose="00000500000000000000" pitchFamily="2" charset="-127"/>
+                <a:ea typeface="나눔스퀘어 네오 Regular" panose="00000500000000000000" pitchFamily="2" charset="-127"/>
+                <a:cs typeface="+mj-cs"/>
+              </a:defRPr>
+            </a:lvl1pPr>
+          </a:lstStyle>
+          <a:p>
+            <a:r>
+              <a:rPr lang="en-US" altLang="ko-KR" sz="3200" dirty="0">
+                <a:latin typeface="나눔스퀘어" panose="020B0600000101010101" pitchFamily="50" charset="-127"/>
+                <a:ea typeface="나눔스퀘어" panose="020B0600000101010101" pitchFamily="50" charset="-127"/>
+              </a:rPr>
+              <a:t>4</a:t>
+            </a:r>
+            <a:r>
+              <a:rPr lang="en-US" altLang="ko-KR" sz="3200">
+                <a:latin typeface="나눔스퀘어" panose="020B0600000101010101" pitchFamily="50" charset="-127"/>
+                <a:ea typeface="나눔스퀘어" panose="020B0600000101010101" pitchFamily="50" charset="-127"/>
+              </a:rPr>
+              <a:t>. Graph Convolutional Networks Model</a:t>
+            </a:r>
+            <a:endParaRPr lang="ko-KR" altLang="en-US" sz="3200" dirty="0">
+              <a:latin typeface="나눔스퀘어" panose="020B0600000101010101" pitchFamily="50" charset="-127"/>
+              <a:ea typeface="나눔스퀘어" panose="020B0600000101010101" pitchFamily="50" charset="-127"/>
+            </a:endParaRPr>
+          </a:p>
+        </p:txBody>
+      </p:sp>
+      <p:pic>
+        <p:nvPicPr>
+          <p:cNvPr id="17" name="그림 16">
+            <a:extLst>
+              <a:ext uri="{FF2B5EF4-FFF2-40B4-BE49-F238E27FC236}">
+                <a16:creationId xmlns:a16="http://schemas.microsoft.com/office/drawing/2014/main" id="{1CCC6A89-26F7-EAE5-F4CC-62FD1868DBCF}"/>
+              </a:ext>
+            </a:extLst>
+          </p:cNvPr>
+          <p:cNvPicPr>
+            <a:picLocks noChangeAspect="1"/>
+          </p:cNvPicPr>
+          <p:nvPr/>
+        </p:nvPicPr>
+        <p:blipFill>
+          <a:blip r:embed="rId2"/>
+          <a:stretch>
+            <a:fillRect/>
+          </a:stretch>
+        </p:blipFill>
+        <p:spPr>
+          <a:xfrm>
+            <a:off x="5275489" y="3272603"/>
+            <a:ext cx="6587898" cy="3178266"/>
+          </a:xfrm>
+          <a:prstGeom prst="rect">
+            <a:avLst/>
+          </a:prstGeom>
+        </p:spPr>
+      </p:pic>
+      <p:sp>
+        <p:nvSpPr>
+          <p:cNvPr id="8" name="TextBox 7">
+            <a:extLst>
+              <a:ext uri="{FF2B5EF4-FFF2-40B4-BE49-F238E27FC236}">
+                <a16:creationId xmlns:a16="http://schemas.microsoft.com/office/drawing/2014/main" id="{54FFA579-4114-2909-43E6-5824B59A2FC3}"/>
+              </a:ext>
+            </a:extLst>
+          </p:cNvPr>
+          <p:cNvSpPr txBox="1"/>
+          <p:nvPr/>
+        </p:nvSpPr>
+        <p:spPr>
+          <a:xfrm>
+            <a:off x="5368290" y="4720590"/>
+            <a:ext cx="344805" cy="184666"/>
+          </a:xfrm>
+          <a:prstGeom prst="rect">
+            <a:avLst/>
+          </a:prstGeom>
+          <a:noFill/>
+        </p:spPr>
+        <p:txBody>
+          <a:bodyPr wrap="square" rtlCol="0">
+            <a:spAutoFit/>
+          </a:bodyPr>
+          <a:lstStyle/>
+          <a:p>
+            <a:r>
+              <a:rPr lang="en-US" altLang="ko-KR" sz="600" b="1">
+                <a:highlight>
+                  <a:srgbClr val="FFFFFF"/>
+                </a:highlight>
+              </a:rPr>
+              <a:t>116</a:t>
+            </a:r>
+            <a:endParaRPr lang="ko-KR" altLang="en-US" sz="600" b="1">
+              <a:highlight>
+                <a:srgbClr val="FFFFFF"/>
+              </a:highlight>
+            </a:endParaRPr>
           </a:p>
         </p:txBody>
       </p:sp>
@@ -4479,104 +5066,247 @@
       </p:grpSpPr>
       <p:sp>
         <p:nvSpPr>
-          <p:cNvPr id="2" name="제목 1">
-            <a:extLst>
-              <a:ext uri="{FF2B5EF4-FFF2-40B4-BE49-F238E27FC236}">
-                <a16:creationId xmlns:a16="http://schemas.microsoft.com/office/drawing/2014/main" id="{F7AD4262-C1CD-E030-D2B9-F6748ABF0DDC}"/>
-              </a:ext>
-            </a:extLst>
-          </p:cNvPr>
-          <p:cNvSpPr>
-            <a:spLocks noGrp="1"/>
+          <p:cNvPr id="4" name="제목 1">
+            <a:extLst>
+              <a:ext uri="{FF2B5EF4-FFF2-40B4-BE49-F238E27FC236}">
+                <a16:creationId xmlns:a16="http://schemas.microsoft.com/office/drawing/2014/main" id="{1D709B03-B3F6-28BC-747E-4BDC40AB25B5}"/>
+              </a:ext>
+            </a:extLst>
+          </p:cNvPr>
+          <p:cNvSpPr txBox="1">
+            <a:spLocks/>
           </p:cNvSpPr>
-          <p:nvPr>
-            <p:ph type="title"/>
-          </p:nvPr>
-        </p:nvSpPr>
-        <p:spPr/>
-        <p:txBody>
-          <a:bodyPr/>
-          <a:lstStyle/>
-          <a:p>
-            <a:r>
-              <a:rPr lang="en-US" altLang="ko-KR"/>
-              <a:t>5. GCN</a:t>
-            </a:r>
-            <a:r>
-              <a:rPr lang="ko-KR" altLang="en-US"/>
-              <a:t>으로 </a:t>
-            </a:r>
-            <a:r>
-              <a:rPr lang="en-US" altLang="ko-KR"/>
-              <a:t>schizophrenia </a:t>
-            </a:r>
-            <a:r>
-              <a:rPr lang="ko-KR" altLang="en-US"/>
-              <a:t>환자 분류</a:t>
-            </a:r>
-          </a:p>
-        </p:txBody>
-      </p:sp>
-      <p:sp>
-        <p:nvSpPr>
-          <p:cNvPr id="3" name="내용 개체 틀 2">
-            <a:extLst>
-              <a:ext uri="{FF2B5EF4-FFF2-40B4-BE49-F238E27FC236}">
-                <a16:creationId xmlns:a16="http://schemas.microsoft.com/office/drawing/2014/main" id="{7AE8962A-4F0E-2805-FAF7-DEB6D39CC713}"/>
-              </a:ext>
-            </a:extLst>
-          </p:cNvPr>
-          <p:cNvSpPr>
-            <a:spLocks noGrp="1"/>
-          </p:cNvSpPr>
-          <p:nvPr>
-            <p:ph idx="1"/>
-          </p:nvPr>
-        </p:nvSpPr>
-        <p:spPr/>
-        <p:txBody>
-          <a:bodyPr>
-            <a:normAutofit fontScale="77500" lnSpcReduction="20000"/>
+          <p:nvPr/>
+        </p:nvSpPr>
+        <p:spPr>
+          <a:xfrm>
+            <a:off x="509586" y="0"/>
+            <a:ext cx="12120563" cy="1325563"/>
+          </a:xfrm>
+          <a:prstGeom prst="rect">
+            <a:avLst/>
+          </a:prstGeom>
+        </p:spPr>
+        <p:txBody>
+          <a:bodyPr vert="horz" lIns="91440" tIns="45720" rIns="91440" bIns="45720" rtlCol="0" anchor="ctr">
+            <a:normAutofit/>
+          </a:bodyPr>
+          <a:lstStyle>
+            <a:lvl1pPr algn="l" defTabSz="914400" rtl="0" eaLnBrk="1" latinLnBrk="1" hangingPunct="1">
+              <a:lnSpc>
+                <a:spcPct val="90000"/>
+              </a:lnSpc>
+              <a:spcBef>
+                <a:spcPct val="0"/>
+              </a:spcBef>
+              <a:buNone/>
+              <a:defRPr sz="4400" kern="1200">
+                <a:solidFill>
+                  <a:schemeClr val="tx1"/>
+                </a:solidFill>
+                <a:latin typeface="나눔스퀘어 네오 Regular" panose="00000500000000000000" pitchFamily="2" charset="-127"/>
+                <a:ea typeface="나눔스퀘어 네오 Regular" panose="00000500000000000000" pitchFamily="2" charset="-127"/>
+                <a:cs typeface="+mj-cs"/>
+              </a:defRPr>
+            </a:lvl1pPr>
+          </a:lstStyle>
+          <a:p>
+            <a:r>
+              <a:rPr lang="en-US" altLang="ko-KR" sz="3200" dirty="0">
+                <a:latin typeface="나눔스퀘어" panose="020B0600000101010101" pitchFamily="50" charset="-127"/>
+                <a:ea typeface="나눔스퀘어" panose="020B0600000101010101" pitchFamily="50" charset="-127"/>
+              </a:rPr>
+              <a:t>5</a:t>
+            </a:r>
+            <a:r>
+              <a:rPr lang="en-US" altLang="ko-KR" sz="3200">
+                <a:latin typeface="나눔스퀘어" panose="020B0600000101010101" pitchFamily="50" charset="-127"/>
+                <a:ea typeface="나눔스퀘어" panose="020B0600000101010101" pitchFamily="50" charset="-127"/>
+              </a:rPr>
+              <a:t>. SCZ / HC</a:t>
+            </a:r>
+            <a:r>
+              <a:rPr lang="ko-KR" altLang="en-US" sz="3200">
+                <a:latin typeface="나눔스퀘어" panose="020B0600000101010101" pitchFamily="50" charset="-127"/>
+                <a:ea typeface="나눔스퀘어" panose="020B0600000101010101" pitchFamily="50" charset="-127"/>
+              </a:rPr>
+              <a:t> </a:t>
+            </a:r>
+            <a:r>
+              <a:rPr lang="en-US" altLang="ko-KR" sz="3200">
+                <a:latin typeface="나눔스퀘어" panose="020B0600000101010101" pitchFamily="50" charset="-127"/>
+                <a:ea typeface="나눔스퀘어" panose="020B0600000101010101" pitchFamily="50" charset="-127"/>
+              </a:rPr>
+              <a:t>Classification</a:t>
+            </a:r>
+            <a:endParaRPr lang="ko-KR" altLang="en-US" sz="3200" dirty="0">
+              <a:latin typeface="나눔스퀘어" panose="020B0600000101010101" pitchFamily="50" charset="-127"/>
+              <a:ea typeface="나눔스퀘어" panose="020B0600000101010101" pitchFamily="50" charset="-127"/>
+            </a:endParaRPr>
+          </a:p>
+        </p:txBody>
+      </p:sp>
+      <p:sp>
+        <p:nvSpPr>
+          <p:cNvPr id="8" name="TextBox 7">
+            <a:extLst>
+              <a:ext uri="{FF2B5EF4-FFF2-40B4-BE49-F238E27FC236}">
+                <a16:creationId xmlns:a16="http://schemas.microsoft.com/office/drawing/2014/main" id="{A36BB7AF-6724-32B8-D812-A3E5F82175E1}"/>
+              </a:ext>
+            </a:extLst>
+          </p:cNvPr>
+          <p:cNvSpPr txBox="1"/>
+          <p:nvPr/>
+        </p:nvSpPr>
+        <p:spPr>
+          <a:xfrm>
+            <a:off x="649545" y="1820085"/>
+            <a:ext cx="8411548" cy="3785652"/>
+          </a:xfrm>
+          <a:prstGeom prst="rect">
+            <a:avLst/>
+          </a:prstGeom>
+          <a:noFill/>
+        </p:spPr>
+        <p:txBody>
+          <a:bodyPr wrap="square">
+            <a:spAutoFit/>
           </a:bodyPr>
           <a:lstStyle/>
           <a:p>
             <a:r>
-              <a:rPr lang="en-US" altLang="ko-KR" dirty="0"/>
-              <a:t>linear kernel SVM</a:t>
-            </a:r>
-            <a:r>
-              <a:rPr lang="ko-KR" altLang="en-US" dirty="0"/>
-              <a:t>을 활용한 조현병 진단 모델은 </a:t>
-            </a:r>
-            <a:r>
-              <a:rPr lang="en-US" altLang="ko-KR" dirty="0"/>
-              <a:t>Balanced Accuracy : 0.809, Sensitivity : 0.699, specificity : 0.919 </a:t>
-            </a:r>
-            <a:r>
-              <a:rPr lang="ko-KR" altLang="en-US" dirty="0"/>
-              <a:t>의 성능</a:t>
-            </a:r>
-            <a:endParaRPr lang="en-US" altLang="ko-KR" dirty="0"/>
-          </a:p>
-          <a:p>
-            <a:endParaRPr lang="en-US" altLang="ko-KR" dirty="0"/>
+              <a:rPr lang="en-US" altLang="ko-KR" sz="2000" b="1">
+                <a:latin typeface="나눔스퀘어" panose="020B0600000101010101" pitchFamily="50" charset="-127"/>
+                <a:ea typeface="나눔스퀘어" panose="020B0600000101010101" pitchFamily="50" charset="-127"/>
+              </a:rPr>
+              <a:t>Optimizer</a:t>
+            </a:r>
+            <a:r>
+              <a:rPr lang="en-US" altLang="ko-KR" sz="2000">
+                <a:latin typeface="나눔스퀘어" panose="020B0600000101010101" pitchFamily="50" charset="-127"/>
+                <a:ea typeface="나눔스퀘어" panose="020B0600000101010101" pitchFamily="50" charset="-127"/>
+              </a:rPr>
+              <a:t> : Adam</a:t>
+            </a:r>
+          </a:p>
+          <a:p>
+            <a:r>
+              <a:rPr lang="en-US" altLang="ko-KR" sz="2000" b="1">
+                <a:latin typeface="나눔스퀘어" panose="020B0600000101010101" pitchFamily="50" charset="-127"/>
+                <a:ea typeface="나눔스퀘어" panose="020B0600000101010101" pitchFamily="50" charset="-127"/>
+              </a:rPr>
+              <a:t>Loss</a:t>
+            </a:r>
+            <a:r>
+              <a:rPr lang="en-US" altLang="ko-KR" sz="2000">
+                <a:latin typeface="나눔스퀘어" panose="020B0600000101010101" pitchFamily="50" charset="-127"/>
+                <a:ea typeface="나눔스퀘어" panose="020B0600000101010101" pitchFamily="50" charset="-127"/>
+              </a:rPr>
+              <a:t> : weighted</a:t>
+            </a:r>
+            <a:r>
+              <a:rPr lang="ko-KR" altLang="en-US" sz="2000">
+                <a:latin typeface="나눔스퀘어" panose="020B0600000101010101" pitchFamily="50" charset="-127"/>
+                <a:ea typeface="나눔스퀘어" panose="020B0600000101010101" pitchFamily="50" charset="-127"/>
+              </a:rPr>
+              <a:t> </a:t>
+            </a:r>
+            <a:r>
+              <a:rPr lang="en-US" altLang="ko-KR" sz="2000">
+                <a:latin typeface="나눔스퀘어" panose="020B0600000101010101" pitchFamily="50" charset="-127"/>
+                <a:ea typeface="나눔스퀘어" panose="020B0600000101010101" pitchFamily="50" charset="-127"/>
+              </a:rPr>
+              <a:t>cross</a:t>
+            </a:r>
+            <a:r>
+              <a:rPr lang="ko-KR" altLang="en-US" sz="2000">
+                <a:latin typeface="나눔스퀘어" panose="020B0600000101010101" pitchFamily="50" charset="-127"/>
+                <a:ea typeface="나눔스퀘어" panose="020B0600000101010101" pitchFamily="50" charset="-127"/>
+              </a:rPr>
+              <a:t> </a:t>
+            </a:r>
+            <a:r>
+              <a:rPr lang="en-US" altLang="ko-KR" sz="2000">
+                <a:latin typeface="나눔스퀘어" panose="020B0600000101010101" pitchFamily="50" charset="-127"/>
+                <a:ea typeface="나눔스퀘어" panose="020B0600000101010101" pitchFamily="50" charset="-127"/>
+              </a:rPr>
+              <a:t>entropy = NLL loss(log_softmax) </a:t>
+            </a:r>
+          </a:p>
+          <a:p>
+            <a:r>
+              <a:rPr lang="en-US" altLang="ko-KR" sz="2000" b="1">
+                <a:latin typeface="나눔스퀘어" panose="020B0600000101010101" pitchFamily="50" charset="-127"/>
+                <a:ea typeface="나눔스퀘어" panose="020B0600000101010101" pitchFamily="50" charset="-127"/>
+              </a:rPr>
+              <a:t>Class weight </a:t>
+            </a:r>
+            <a:r>
+              <a:rPr lang="en-US" altLang="ko-KR" sz="2000">
+                <a:latin typeface="나눔스퀘어" panose="020B0600000101010101" pitchFamily="50" charset="-127"/>
+                <a:ea typeface="나눔스퀘어" panose="020B0600000101010101" pitchFamily="50" charset="-127"/>
+              </a:rPr>
+              <a:t>: </a:t>
+            </a:r>
           </a:p>
           <a:p>
             <a:pPr marL="0" indent="0">
               <a:buNone/>
             </a:pPr>
-            <a:r>
-              <a:rPr lang="en-US" altLang="ko-KR" dirty="0"/>
-              <a:t>50 epoch</a:t>
-            </a:r>
+            <a:endParaRPr lang="en-US" altLang="ko-KR" sz="2000">
+              <a:latin typeface="나눔스퀘어" panose="020B0600000101010101" pitchFamily="50" charset="-127"/>
+              <a:ea typeface="나눔스퀘어" panose="020B0600000101010101" pitchFamily="50" charset="-127"/>
+            </a:endParaRPr>
           </a:p>
           <a:p>
             <a:pPr marL="0" indent="0">
               <a:buNone/>
             </a:pPr>
             <a:r>
-              <a:rPr lang="en-US" altLang="ko-KR" dirty="0"/>
-              <a:t>stratified 10 fold</a:t>
+              <a:rPr lang="en-US" altLang="ko-KR" sz="2000">
+                <a:latin typeface="나눔스퀘어" panose="020B0600000101010101" pitchFamily="50" charset="-127"/>
+                <a:ea typeface="나눔스퀘어" panose="020B0600000101010101" pitchFamily="50" charset="-127"/>
+              </a:rPr>
+              <a:t>50 epoch</a:t>
+            </a:r>
+          </a:p>
+          <a:p>
+            <a:r>
+              <a:rPr lang="en-US" altLang="ko-KR" sz="2000" b="1">
+                <a:latin typeface="나눔스퀘어" panose="020B0600000101010101" pitchFamily="50" charset="-127"/>
+                <a:ea typeface="나눔스퀘어" panose="020B0600000101010101" pitchFamily="50" charset="-127"/>
+              </a:rPr>
+              <a:t>L2 regularization term</a:t>
+            </a:r>
+            <a:r>
+              <a:rPr lang="ko-KR" altLang="en-US" sz="2000" b="1">
+                <a:latin typeface="나눔스퀘어" panose="020B0600000101010101" pitchFamily="50" charset="-127"/>
+                <a:ea typeface="나눔스퀘어" panose="020B0600000101010101" pitchFamily="50" charset="-127"/>
+              </a:rPr>
+              <a:t> </a:t>
+            </a:r>
+            <a:r>
+              <a:rPr lang="en-US" altLang="ko-KR" sz="2000">
+                <a:latin typeface="나눔스퀘어" panose="020B0600000101010101" pitchFamily="50" charset="-127"/>
+                <a:ea typeface="나눔스퀘어" panose="020B0600000101010101" pitchFamily="50" charset="-127"/>
+              </a:rPr>
+              <a:t>: 5e-4 </a:t>
+            </a:r>
+          </a:p>
+          <a:p>
+            <a:r>
+              <a:rPr lang="en-US" altLang="ko-KR" sz="2000" b="1">
+                <a:latin typeface="나눔스퀘어" panose="020B0600000101010101" pitchFamily="50" charset="-127"/>
+                <a:ea typeface="나눔스퀘어" panose="020B0600000101010101" pitchFamily="50" charset="-127"/>
+              </a:rPr>
+              <a:t>Learning rate</a:t>
+            </a:r>
+            <a:r>
+              <a:rPr lang="en-US" altLang="ko-KR" sz="2000">
+                <a:latin typeface="나눔스퀘어" panose="020B0600000101010101" pitchFamily="50" charset="-127"/>
+                <a:ea typeface="나눔스퀘어" panose="020B0600000101010101" pitchFamily="50" charset="-127"/>
+              </a:rPr>
+              <a:t>: 0.001</a:t>
             </a:r>
           </a:p>
           <a:p>
@@ -4584,112 +5314,100 @@
               <a:buNone/>
             </a:pPr>
             <a:r>
-              <a:rPr lang="en-US" altLang="ko-KR" dirty="0" err="1"/>
+              <a:rPr lang="en-US" altLang="ko-KR" sz="2000" b="1">
+                <a:latin typeface="나눔스퀘어" panose="020B0600000101010101" pitchFamily="50" charset="-127"/>
+                <a:ea typeface="나눔스퀘어" panose="020B0600000101010101" pitchFamily="50" charset="-127"/>
+              </a:rPr>
+              <a:t>Threshold</a:t>
+            </a:r>
+            <a:r>
+              <a:rPr lang="en-US" altLang="ko-KR" sz="2000">
+                <a:latin typeface="나눔스퀘어" panose="020B0600000101010101" pitchFamily="50" charset="-127"/>
+                <a:ea typeface="나눔스퀘어" panose="020B0600000101010101" pitchFamily="50" charset="-127"/>
+              </a:rPr>
+              <a:t> : 0.5</a:t>
+            </a:r>
+          </a:p>
+          <a:p>
+            <a:endParaRPr lang="en-US" altLang="ko-KR" sz="2000">
+              <a:latin typeface="나눔스퀘어" panose="020B0600000101010101" pitchFamily="50" charset="-127"/>
+              <a:ea typeface="나눔스퀘어" panose="020B0600000101010101" pitchFamily="50" charset="-127"/>
+            </a:endParaRPr>
+          </a:p>
+          <a:p>
+            <a:r>
+              <a:rPr lang="en-US" altLang="ko-KR" sz="2000" b="1">
+                <a:latin typeface="나눔스퀘어" panose="020B0600000101010101" pitchFamily="50" charset="-127"/>
+                <a:ea typeface="나눔스퀘어" panose="020B0600000101010101" pitchFamily="50" charset="-127"/>
+              </a:rPr>
               <a:t>Upsampling</a:t>
             </a:r>
             <a:r>
-              <a:rPr lang="en-US" altLang="ko-KR" dirty="0"/>
-              <a:t> X</a:t>
-            </a:r>
-          </a:p>
-          <a:p>
-            <a:pPr marL="0" indent="0">
-              <a:buNone/>
-            </a:pPr>
-            <a:r>
-              <a:rPr lang="en-US" altLang="ko-KR" dirty="0"/>
-              <a:t>Optimizer : Adam</a:t>
-            </a:r>
-          </a:p>
-          <a:p>
-            <a:pPr marL="0" indent="0">
-              <a:buNone/>
-            </a:pPr>
-            <a:r>
-              <a:rPr lang="en-US" altLang="ko-KR" dirty="0"/>
-              <a:t>L2 regularization : 5e-4</a:t>
-            </a:r>
-          </a:p>
-          <a:p>
-            <a:pPr marL="0" indent="0">
-              <a:buNone/>
-            </a:pPr>
-            <a:r>
-              <a:rPr lang="en-US" altLang="ko-KR" dirty="0"/>
-              <a:t>Learning rate: 0.001</a:t>
-            </a:r>
-          </a:p>
-          <a:p>
-            <a:pPr marL="0" indent="0">
-              <a:buNone/>
-            </a:pPr>
-            <a:r>
-              <a:rPr lang="en-US" altLang="ko-KR" dirty="0"/>
-              <a:t>Loss :  </a:t>
-            </a:r>
-            <a:r>
-              <a:rPr lang="en-US" altLang="ko-KR" dirty="0" err="1"/>
-              <a:t>log_softmax</a:t>
-            </a:r>
-            <a:r>
-              <a:rPr lang="en-US" altLang="ko-KR" dirty="0"/>
-              <a:t> + NLL loss = weighted</a:t>
-            </a:r>
-            <a:r>
-              <a:rPr lang="ko-KR" altLang="en-US" dirty="0"/>
-              <a:t> </a:t>
-            </a:r>
-            <a:r>
-              <a:rPr lang="en-US" altLang="ko-KR" dirty="0"/>
-              <a:t>cross</a:t>
-            </a:r>
-            <a:r>
-              <a:rPr lang="ko-KR" altLang="en-US" dirty="0"/>
-              <a:t> </a:t>
-            </a:r>
-            <a:r>
-              <a:rPr lang="en-US" altLang="ko-KR" dirty="0"/>
-              <a:t>entropy </a:t>
-            </a:r>
-          </a:p>
-          <a:p>
-            <a:pPr marL="0" indent="0">
-              <a:buNone/>
-            </a:pPr>
-            <a:r>
-              <a:rPr lang="en-US" altLang="ko-KR" dirty="0"/>
-              <a:t>weight</a:t>
-            </a:r>
-          </a:p>
-          <a:p>
-            <a:pPr marL="0" indent="0">
-              <a:buNone/>
-            </a:pPr>
-            <a:r>
-              <a:rPr lang="en-US" altLang="ko-KR" dirty="0"/>
-              <a:t>Threshold : 0.5</a:t>
-            </a:r>
-          </a:p>
-          <a:p>
-            <a:pPr marL="0" indent="0">
-              <a:buNone/>
-            </a:pPr>
-            <a:endParaRPr lang="en-US" altLang="ko-KR" dirty="0"/>
-          </a:p>
-          <a:p>
-            <a:pPr marL="0" indent="0">
-              <a:buNone/>
-            </a:pPr>
-            <a:endParaRPr lang="en-US" altLang="ko-KR" dirty="0"/>
-          </a:p>
-          <a:p>
-            <a:pPr marL="0" indent="0">
-              <a:buNone/>
-            </a:pPr>
-            <a:endParaRPr lang="ko-KR" altLang="en-US" dirty="0"/>
-          </a:p>
-        </p:txBody>
-      </p:sp>
+              <a:rPr lang="en-US" altLang="ko-KR" sz="2000">
+                <a:latin typeface="나눔스퀘어" panose="020B0600000101010101" pitchFamily="50" charset="-127"/>
+                <a:ea typeface="나눔스퀘어" panose="020B0600000101010101" pitchFamily="50" charset="-127"/>
+              </a:rPr>
+              <a:t> : class </a:t>
+            </a:r>
+            <a:r>
+              <a:rPr lang="ko-KR" altLang="en-US" sz="2000">
+                <a:latin typeface="나눔스퀘어" panose="020B0600000101010101" pitchFamily="50" charset="-127"/>
+                <a:ea typeface="나눔스퀘어" panose="020B0600000101010101" pitchFamily="50" charset="-127"/>
+              </a:rPr>
+              <a:t>분포</a:t>
+            </a:r>
+            <a:endParaRPr lang="en-US" altLang="ko-KR" sz="2000">
+              <a:latin typeface="나눔스퀘어" panose="020B0600000101010101" pitchFamily="50" charset="-127"/>
+              <a:ea typeface="나눔스퀘어" panose="020B0600000101010101" pitchFamily="50" charset="-127"/>
+            </a:endParaRPr>
+          </a:p>
+          <a:p>
+            <a:endParaRPr lang="en-US" altLang="ko-KR" sz="2000">
+              <a:latin typeface="나눔스퀘어" panose="020B0600000101010101" pitchFamily="50" charset="-127"/>
+              <a:ea typeface="나눔스퀘어" panose="020B0600000101010101" pitchFamily="50" charset="-127"/>
+            </a:endParaRPr>
+          </a:p>
+          <a:p>
+            <a:r>
+              <a:rPr lang="en-US" altLang="ko-KR" sz="2000">
+                <a:latin typeface="나눔스퀘어" panose="020B0600000101010101" pitchFamily="50" charset="-127"/>
+                <a:ea typeface="나눔스퀘어" panose="020B0600000101010101" pitchFamily="50" charset="-127"/>
+              </a:rPr>
+              <a:t>stratified 10 fold CV</a:t>
+            </a:r>
+          </a:p>
+        </p:txBody>
+      </p:sp>
+      <p:pic>
+        <p:nvPicPr>
+          <p:cNvPr id="24" name="그림 23">
+            <a:extLst>
+              <a:ext uri="{FF2B5EF4-FFF2-40B4-BE49-F238E27FC236}">
+                <a16:creationId xmlns:a16="http://schemas.microsoft.com/office/drawing/2014/main" id="{9DF0E186-DE9D-BA49-F5DF-605A0B0B56B7}"/>
+              </a:ext>
+            </a:extLst>
+          </p:cNvPr>
+          <p:cNvPicPr>
+            <a:picLocks noChangeAspect="1"/>
+          </p:cNvPicPr>
+          <p:nvPr/>
+        </p:nvPicPr>
+        <p:blipFill>
+          <a:blip r:embed="rId2"/>
+          <a:stretch>
+            <a:fillRect/>
+          </a:stretch>
+        </p:blipFill>
+        <p:spPr>
+          <a:xfrm>
+            <a:off x="2436559" y="2549244"/>
+            <a:ext cx="3273776" cy="458490"/>
+          </a:xfrm>
+          <a:prstGeom prst="rect">
+            <a:avLst/>
+          </a:prstGeom>
+        </p:spPr>
+      </p:pic>
     </p:spTree>
     <p:extLst>
       <p:ext uri="{BB962C8B-B14F-4D97-AF65-F5344CB8AC3E}">
@@ -4704,6 +5422,1304 @@
 </file>
 
 <file path=ppt/slides/slide14.xml><?xml version="1.0" encoding="utf-8"?>
+<p:sld xmlns:a="http://schemas.openxmlformats.org/drawingml/2006/main" xmlns:r="http://schemas.openxmlformats.org/officeDocument/2006/relationships" xmlns:p="http://schemas.openxmlformats.org/presentationml/2006/main">
+  <p:cSld>
+    <p:spTree>
+      <p:nvGrpSpPr>
+        <p:cNvPr id="1" name="">
+          <a:extLst>
+            <a:ext uri="{FF2B5EF4-FFF2-40B4-BE49-F238E27FC236}">
+              <a16:creationId xmlns:a16="http://schemas.microsoft.com/office/drawing/2014/main" id="{D25C600F-8733-7343-C9A6-0B5676138AD4}"/>
+            </a:ext>
+          </a:extLst>
+        </p:cNvPr>
+        <p:cNvGrpSpPr/>
+        <p:nvPr/>
+      </p:nvGrpSpPr>
+      <p:grpSpPr>
+        <a:xfrm>
+          <a:off x="0" y="0"/>
+          <a:ext cx="0" cy="0"/>
+          <a:chOff x="0" y="0"/>
+          <a:chExt cx="0" cy="0"/>
+        </a:xfrm>
+      </p:grpSpPr>
+      <p:sp>
+        <p:nvSpPr>
+          <p:cNvPr id="4" name="제목 1">
+            <a:extLst>
+              <a:ext uri="{FF2B5EF4-FFF2-40B4-BE49-F238E27FC236}">
+                <a16:creationId xmlns:a16="http://schemas.microsoft.com/office/drawing/2014/main" id="{4B84EFE4-CE64-D448-3624-A73655D60FF6}"/>
+              </a:ext>
+            </a:extLst>
+          </p:cNvPr>
+          <p:cNvSpPr txBox="1">
+            <a:spLocks/>
+          </p:cNvSpPr>
+          <p:nvPr/>
+        </p:nvSpPr>
+        <p:spPr>
+          <a:xfrm>
+            <a:off x="509586" y="0"/>
+            <a:ext cx="12120563" cy="1325563"/>
+          </a:xfrm>
+          <a:prstGeom prst="rect">
+            <a:avLst/>
+          </a:prstGeom>
+        </p:spPr>
+        <p:txBody>
+          <a:bodyPr vert="horz" lIns="91440" tIns="45720" rIns="91440" bIns="45720" rtlCol="0" anchor="ctr">
+            <a:normAutofit/>
+          </a:bodyPr>
+          <a:lstStyle>
+            <a:lvl1pPr algn="l" defTabSz="914400" rtl="0" eaLnBrk="1" latinLnBrk="1" hangingPunct="1">
+              <a:lnSpc>
+                <a:spcPct val="90000"/>
+              </a:lnSpc>
+              <a:spcBef>
+                <a:spcPct val="0"/>
+              </a:spcBef>
+              <a:buNone/>
+              <a:defRPr sz="4400" kern="1200">
+                <a:solidFill>
+                  <a:schemeClr val="tx1"/>
+                </a:solidFill>
+                <a:latin typeface="나눔스퀘어 네오 Regular" panose="00000500000000000000" pitchFamily="2" charset="-127"/>
+                <a:ea typeface="나눔스퀘어 네오 Regular" panose="00000500000000000000" pitchFamily="2" charset="-127"/>
+                <a:cs typeface="+mj-cs"/>
+              </a:defRPr>
+            </a:lvl1pPr>
+          </a:lstStyle>
+          <a:p>
+            <a:r>
+              <a:rPr lang="en-US" altLang="ko-KR" sz="3200" dirty="0">
+                <a:latin typeface="나눔스퀘어" panose="020B0600000101010101" pitchFamily="50" charset="-127"/>
+                <a:ea typeface="나눔스퀘어" panose="020B0600000101010101" pitchFamily="50" charset="-127"/>
+              </a:rPr>
+              <a:t>5</a:t>
+            </a:r>
+            <a:r>
+              <a:rPr lang="en-US" altLang="ko-KR" sz="3200">
+                <a:latin typeface="나눔스퀘어" panose="020B0600000101010101" pitchFamily="50" charset="-127"/>
+                <a:ea typeface="나눔스퀘어" panose="020B0600000101010101" pitchFamily="50" charset="-127"/>
+              </a:rPr>
+              <a:t>. SCZ / HC</a:t>
+            </a:r>
+            <a:r>
+              <a:rPr lang="ko-KR" altLang="en-US" sz="3200">
+                <a:latin typeface="나눔스퀘어" panose="020B0600000101010101" pitchFamily="50" charset="-127"/>
+                <a:ea typeface="나눔스퀘어" panose="020B0600000101010101" pitchFamily="50" charset="-127"/>
+              </a:rPr>
+              <a:t> </a:t>
+            </a:r>
+            <a:r>
+              <a:rPr lang="en-US" altLang="ko-KR" sz="3200">
+                <a:latin typeface="나눔스퀘어" panose="020B0600000101010101" pitchFamily="50" charset="-127"/>
+                <a:ea typeface="나눔스퀘어" panose="020B0600000101010101" pitchFamily="50" charset="-127"/>
+              </a:rPr>
+              <a:t>Classification – </a:t>
+            </a:r>
+            <a:r>
+              <a:rPr lang="ko-KR" altLang="en-US" sz="3200">
+                <a:latin typeface="나눔스퀘어" panose="020B0600000101010101" pitchFamily="50" charset="-127"/>
+                <a:ea typeface="나눔스퀘어" panose="020B0600000101010101" pitchFamily="50" charset="-127"/>
+              </a:rPr>
+              <a:t>현재까지 결과</a:t>
+            </a:r>
+            <a:endParaRPr lang="ko-KR" altLang="en-US" sz="3200" dirty="0">
+              <a:latin typeface="나눔스퀘어" panose="020B0600000101010101" pitchFamily="50" charset="-127"/>
+              <a:ea typeface="나눔스퀘어" panose="020B0600000101010101" pitchFamily="50" charset="-127"/>
+            </a:endParaRPr>
+          </a:p>
+        </p:txBody>
+      </p:sp>
+      <p:pic>
+        <p:nvPicPr>
+          <p:cNvPr id="12" name="그림 11">
+            <a:extLst>
+              <a:ext uri="{FF2B5EF4-FFF2-40B4-BE49-F238E27FC236}">
+                <a16:creationId xmlns:a16="http://schemas.microsoft.com/office/drawing/2014/main" id="{1578F10B-0859-9A59-1C7F-9DF66294D7AB}"/>
+              </a:ext>
+            </a:extLst>
+          </p:cNvPr>
+          <p:cNvPicPr>
+            <a:picLocks noChangeAspect="1"/>
+          </p:cNvPicPr>
+          <p:nvPr/>
+        </p:nvPicPr>
+        <p:blipFill>
+          <a:blip r:embed="rId2"/>
+          <a:stretch>
+            <a:fillRect/>
+          </a:stretch>
+        </p:blipFill>
+        <p:spPr>
+          <a:xfrm>
+            <a:off x="509586" y="2149446"/>
+            <a:ext cx="3435691" cy="2782072"/>
+          </a:xfrm>
+          <a:prstGeom prst="rect">
+            <a:avLst/>
+          </a:prstGeom>
+        </p:spPr>
+      </p:pic>
+      <p:pic>
+        <p:nvPicPr>
+          <p:cNvPr id="16" name="그림 15">
+            <a:extLst>
+              <a:ext uri="{FF2B5EF4-FFF2-40B4-BE49-F238E27FC236}">
+                <a16:creationId xmlns:a16="http://schemas.microsoft.com/office/drawing/2014/main" id="{0CD9A3A5-3927-7BA0-6B96-E7AED851FA87}"/>
+              </a:ext>
+            </a:extLst>
+          </p:cNvPr>
+          <p:cNvPicPr>
+            <a:picLocks noChangeAspect="1"/>
+          </p:cNvPicPr>
+          <p:nvPr/>
+        </p:nvPicPr>
+        <p:blipFill rotWithShape="1">
+          <a:blip r:embed="rId3">
+            <a:extLst>
+              <a:ext uri="{28A0092B-C50C-407E-A947-70E740481C1C}">
+                <a14:useLocalDpi xmlns:a14="http://schemas.microsoft.com/office/drawing/2010/main" val="0"/>
+              </a:ext>
+            </a:extLst>
+          </a:blip>
+          <a:srcRect l="3869" t="10028" r="7310"/>
+          <a:stretch/>
+        </p:blipFill>
+        <p:spPr>
+          <a:xfrm>
+            <a:off x="4375056" y="1115398"/>
+            <a:ext cx="3677262" cy="2793687"/>
+          </a:xfrm>
+          <a:prstGeom prst="rect">
+            <a:avLst/>
+          </a:prstGeom>
+        </p:spPr>
+      </p:pic>
+      <p:pic>
+        <p:nvPicPr>
+          <p:cNvPr id="18" name="그림 17">
+            <a:extLst>
+              <a:ext uri="{FF2B5EF4-FFF2-40B4-BE49-F238E27FC236}">
+                <a16:creationId xmlns:a16="http://schemas.microsoft.com/office/drawing/2014/main" id="{BB0DD56C-A18E-E5EC-65B7-3F8CBC8CCCFE}"/>
+              </a:ext>
+            </a:extLst>
+          </p:cNvPr>
+          <p:cNvPicPr>
+            <a:picLocks noChangeAspect="1"/>
+          </p:cNvPicPr>
+          <p:nvPr/>
+        </p:nvPicPr>
+        <p:blipFill rotWithShape="1">
+          <a:blip r:embed="rId4">
+            <a:extLst>
+              <a:ext uri="{28A0092B-C50C-407E-A947-70E740481C1C}">
+                <a14:useLocalDpi xmlns:a14="http://schemas.microsoft.com/office/drawing/2010/main" val="0"/>
+              </a:ext>
+            </a:extLst>
+          </a:blip>
+          <a:srcRect l="3824" t="8537" r="8402"/>
+          <a:stretch/>
+        </p:blipFill>
+        <p:spPr>
+          <a:xfrm>
+            <a:off x="4375056" y="3984171"/>
+            <a:ext cx="3677262" cy="2873829"/>
+          </a:xfrm>
+          <a:prstGeom prst="rect">
+            <a:avLst/>
+          </a:prstGeom>
+        </p:spPr>
+      </p:pic>
+      <p:pic>
+        <p:nvPicPr>
+          <p:cNvPr id="20" name="그림 19">
+            <a:extLst>
+              <a:ext uri="{FF2B5EF4-FFF2-40B4-BE49-F238E27FC236}">
+                <a16:creationId xmlns:a16="http://schemas.microsoft.com/office/drawing/2014/main" id="{C4325704-40B7-9CEE-A29C-1ABC800C3570}"/>
+              </a:ext>
+            </a:extLst>
+          </p:cNvPr>
+          <p:cNvPicPr>
+            <a:picLocks noChangeAspect="1"/>
+          </p:cNvPicPr>
+          <p:nvPr/>
+        </p:nvPicPr>
+        <p:blipFill rotWithShape="1">
+          <a:blip r:embed="rId5">
+            <a:extLst>
+              <a:ext uri="{28A0092B-C50C-407E-A947-70E740481C1C}">
+                <a14:useLocalDpi xmlns:a14="http://schemas.microsoft.com/office/drawing/2010/main" val="0"/>
+              </a:ext>
+            </a:extLst>
+          </a:blip>
+          <a:srcRect l="2853" t="9981" r="8475"/>
+          <a:stretch/>
+        </p:blipFill>
+        <p:spPr>
+          <a:xfrm>
+            <a:off x="8238929" y="4021162"/>
+            <a:ext cx="3677261" cy="2799844"/>
+          </a:xfrm>
+          <a:prstGeom prst="rect">
+            <a:avLst/>
+          </a:prstGeom>
+        </p:spPr>
+      </p:pic>
+      <p:pic>
+        <p:nvPicPr>
+          <p:cNvPr id="22" name="그림 21">
+            <a:extLst>
+              <a:ext uri="{FF2B5EF4-FFF2-40B4-BE49-F238E27FC236}">
+                <a16:creationId xmlns:a16="http://schemas.microsoft.com/office/drawing/2014/main" id="{96BA964B-8FA8-8EEA-AB22-86F6B6C35053}"/>
+              </a:ext>
+            </a:extLst>
+          </p:cNvPr>
+          <p:cNvPicPr>
+            <a:picLocks noChangeAspect="1"/>
+          </p:cNvPicPr>
+          <p:nvPr/>
+        </p:nvPicPr>
+        <p:blipFill rotWithShape="1">
+          <a:blip r:embed="rId6">
+            <a:extLst>
+              <a:ext uri="{28A0092B-C50C-407E-A947-70E740481C1C}">
+                <a14:useLocalDpi xmlns:a14="http://schemas.microsoft.com/office/drawing/2010/main" val="0"/>
+              </a:ext>
+            </a:extLst>
+          </a:blip>
+          <a:srcRect l="3209" t="10409" r="9091"/>
+          <a:stretch/>
+        </p:blipFill>
+        <p:spPr>
+          <a:xfrm>
+            <a:off x="8238929" y="1110343"/>
+            <a:ext cx="3677261" cy="2817404"/>
+          </a:xfrm>
+          <a:prstGeom prst="rect">
+            <a:avLst/>
+          </a:prstGeom>
+        </p:spPr>
+      </p:pic>
+    </p:spTree>
+    <p:extLst>
+      <p:ext uri="{BB962C8B-B14F-4D97-AF65-F5344CB8AC3E}">
+        <p14:creationId xmlns:p14="http://schemas.microsoft.com/office/powerpoint/2010/main" val="3103587222"/>
+      </p:ext>
+    </p:extLst>
+  </p:cSld>
+  <p:clrMapOvr>
+    <a:masterClrMapping/>
+  </p:clrMapOvr>
+</p:sld>
+</file>
+
+<file path=ppt/slides/slide15.xml><?xml version="1.0" encoding="utf-8"?>
+<p:sld xmlns:a="http://schemas.openxmlformats.org/drawingml/2006/main" xmlns:r="http://schemas.openxmlformats.org/officeDocument/2006/relationships" xmlns:p="http://schemas.openxmlformats.org/presentationml/2006/main">
+  <p:cSld>
+    <p:spTree>
+      <p:nvGrpSpPr>
+        <p:cNvPr id="1" name=""/>
+        <p:cNvGrpSpPr/>
+        <p:nvPr/>
+      </p:nvGrpSpPr>
+      <p:grpSpPr>
+        <a:xfrm>
+          <a:off x="0" y="0"/>
+          <a:ext cx="0" cy="0"/>
+          <a:chOff x="0" y="0"/>
+          <a:chExt cx="0" cy="0"/>
+        </a:xfrm>
+      </p:grpSpPr>
+      <p:sp>
+        <p:nvSpPr>
+          <p:cNvPr id="4" name="제목 1">
+            <a:extLst>
+              <a:ext uri="{FF2B5EF4-FFF2-40B4-BE49-F238E27FC236}">
+                <a16:creationId xmlns:a16="http://schemas.microsoft.com/office/drawing/2014/main" id="{84B6A02E-3C39-C5AC-6EBA-E4250AEC3CDC}"/>
+              </a:ext>
+            </a:extLst>
+          </p:cNvPr>
+          <p:cNvSpPr txBox="1">
+            <a:spLocks/>
+          </p:cNvSpPr>
+          <p:nvPr/>
+        </p:nvSpPr>
+        <p:spPr>
+          <a:xfrm>
+            <a:off x="509586" y="0"/>
+            <a:ext cx="12120563" cy="1325563"/>
+          </a:xfrm>
+          <a:prstGeom prst="rect">
+            <a:avLst/>
+          </a:prstGeom>
+        </p:spPr>
+        <p:txBody>
+          <a:bodyPr vert="horz" lIns="91440" tIns="45720" rIns="91440" bIns="45720" rtlCol="0" anchor="ctr">
+            <a:normAutofit/>
+          </a:bodyPr>
+          <a:lstStyle>
+            <a:lvl1pPr algn="l" defTabSz="914400" rtl="0" eaLnBrk="1" latinLnBrk="1" hangingPunct="1">
+              <a:lnSpc>
+                <a:spcPct val="90000"/>
+              </a:lnSpc>
+              <a:spcBef>
+                <a:spcPct val="0"/>
+              </a:spcBef>
+              <a:buNone/>
+              <a:defRPr sz="4400" kern="1200">
+                <a:solidFill>
+                  <a:schemeClr val="tx1"/>
+                </a:solidFill>
+                <a:latin typeface="나눔스퀘어 네오 Regular" panose="00000500000000000000" pitchFamily="2" charset="-127"/>
+                <a:ea typeface="나눔스퀘어 네오 Regular" panose="00000500000000000000" pitchFamily="2" charset="-127"/>
+                <a:cs typeface="+mj-cs"/>
+              </a:defRPr>
+            </a:lvl1pPr>
+          </a:lstStyle>
+          <a:p>
+            <a:r>
+              <a:rPr lang="en-US" altLang="ko-KR" sz="3200" dirty="0">
+                <a:latin typeface="나눔스퀘어" panose="020B0600000101010101" pitchFamily="50" charset="-127"/>
+                <a:ea typeface="나눔스퀘어" panose="020B0600000101010101" pitchFamily="50" charset="-127"/>
+              </a:rPr>
+              <a:t>6</a:t>
+            </a:r>
+            <a:r>
+              <a:rPr lang="en-US" altLang="ko-KR" sz="3200">
+                <a:latin typeface="나눔스퀘어" panose="020B0600000101010101" pitchFamily="50" charset="-127"/>
+                <a:ea typeface="나눔스퀘어" panose="020B0600000101010101" pitchFamily="50" charset="-127"/>
+              </a:rPr>
+              <a:t>. </a:t>
+            </a:r>
+            <a:r>
+              <a:rPr lang="ko-KR" altLang="en-US" sz="3200">
+                <a:latin typeface="나눔스퀘어" panose="020B0600000101010101" pitchFamily="50" charset="-127"/>
+                <a:ea typeface="나눔스퀘어" panose="020B0600000101010101" pitchFamily="50" charset="-127"/>
+              </a:rPr>
+              <a:t>향후 계획</a:t>
+            </a:r>
+            <a:endParaRPr lang="ko-KR" altLang="en-US" sz="3200" dirty="0">
+              <a:latin typeface="나눔스퀘어" panose="020B0600000101010101" pitchFamily="50" charset="-127"/>
+              <a:ea typeface="나눔스퀘어" panose="020B0600000101010101" pitchFamily="50" charset="-127"/>
+            </a:endParaRPr>
+          </a:p>
+        </p:txBody>
+      </p:sp>
+      <p:sp>
+        <p:nvSpPr>
+          <p:cNvPr id="6" name="TextBox 5">
+            <a:extLst>
+              <a:ext uri="{FF2B5EF4-FFF2-40B4-BE49-F238E27FC236}">
+                <a16:creationId xmlns:a16="http://schemas.microsoft.com/office/drawing/2014/main" id="{AC79FABD-9AD3-87BB-922C-7DFB21413FD3}"/>
+              </a:ext>
+            </a:extLst>
+          </p:cNvPr>
+          <p:cNvSpPr txBox="1"/>
+          <p:nvPr/>
+        </p:nvSpPr>
+        <p:spPr>
+          <a:xfrm>
+            <a:off x="928397" y="1622268"/>
+            <a:ext cx="4809930" cy="1200329"/>
+          </a:xfrm>
+          <a:prstGeom prst="rect">
+            <a:avLst/>
+          </a:prstGeom>
+          <a:noFill/>
+        </p:spPr>
+        <p:txBody>
+          <a:bodyPr wrap="square">
+            <a:spAutoFit/>
+          </a:bodyPr>
+          <a:lstStyle/>
+          <a:p>
+            <a:pPr marL="342900" indent="-342900">
+              <a:buAutoNum type="arabicPeriod"/>
+            </a:pPr>
+            <a:r>
+              <a:rPr lang="en-US" altLang="ko-KR">
+                <a:ea typeface="나눔스퀘어" panose="020B0600000101010101" pitchFamily="50" charset="-127"/>
+              </a:rPr>
+              <a:t>Combat Harmonization </a:t>
+            </a:r>
+          </a:p>
+          <a:p>
+            <a:pPr marL="342900" indent="-342900">
+              <a:buAutoNum type="arabicPeriod"/>
+            </a:pPr>
+            <a:r>
+              <a:rPr lang="en-US" altLang="ko-KR" sz="1800">
+                <a:latin typeface="나눔스퀘어" panose="020B0600000101010101" pitchFamily="50" charset="-127"/>
+                <a:ea typeface="나눔스퀘어" panose="020B0600000101010101" pitchFamily="50" charset="-127"/>
+              </a:rPr>
+              <a:t>DecNef-SRPBS_1600 dataset </a:t>
+            </a:r>
+            <a:r>
+              <a:rPr lang="ko-KR" altLang="en-US" sz="1800">
+                <a:latin typeface="나눔스퀘어" panose="020B0600000101010101" pitchFamily="50" charset="-127"/>
+                <a:ea typeface="나눔스퀘어" panose="020B0600000101010101" pitchFamily="50" charset="-127"/>
+              </a:rPr>
+              <a:t>전처리</a:t>
+            </a:r>
+            <a:endParaRPr lang="en-US" altLang="ko-KR" sz="1800">
+              <a:latin typeface="나눔스퀘어" panose="020B0600000101010101" pitchFamily="50" charset="-127"/>
+              <a:ea typeface="나눔스퀘어" panose="020B0600000101010101" pitchFamily="50" charset="-127"/>
+            </a:endParaRPr>
+          </a:p>
+          <a:p>
+            <a:pPr marL="342900" indent="-342900">
+              <a:buAutoNum type="arabicPeriod"/>
+            </a:pPr>
+            <a:endParaRPr lang="en-US" altLang="ko-KR">
+              <a:latin typeface="나눔스퀘어" panose="020B0600000101010101" pitchFamily="50" charset="-127"/>
+              <a:ea typeface="나눔스퀘어" panose="020B0600000101010101" pitchFamily="50" charset="-127"/>
+            </a:endParaRPr>
+          </a:p>
+          <a:p>
+            <a:r>
+              <a:rPr lang="en-US" altLang="ko-KR"/>
+              <a:t>Spectral graph convolutional layer </a:t>
+            </a:r>
+            <a:r>
+              <a:rPr lang="ko-KR" altLang="en-US"/>
+              <a:t>이해</a:t>
+            </a:r>
+          </a:p>
+        </p:txBody>
+      </p:sp>
+    </p:spTree>
+    <p:extLst>
+      <p:ext uri="{BB962C8B-B14F-4D97-AF65-F5344CB8AC3E}">
+        <p14:creationId xmlns:p14="http://schemas.microsoft.com/office/powerpoint/2010/main" val="3100861321"/>
+      </p:ext>
+    </p:extLst>
+  </p:cSld>
+  <p:clrMapOvr>
+    <a:masterClrMapping/>
+  </p:clrMapOvr>
+</p:sld>
+</file>
+
+<file path=ppt/slides/slide16.xml><?xml version="1.0" encoding="utf-8"?>
+<p:sld xmlns:a="http://schemas.openxmlformats.org/drawingml/2006/main" xmlns:r="http://schemas.openxmlformats.org/officeDocument/2006/relationships" xmlns:p="http://schemas.openxmlformats.org/presentationml/2006/main">
+  <p:cSld>
+    <p:spTree>
+      <p:nvGrpSpPr>
+        <p:cNvPr id="1" name="">
+          <a:extLst>
+            <a:ext uri="{FF2B5EF4-FFF2-40B4-BE49-F238E27FC236}">
+              <a16:creationId xmlns:a16="http://schemas.microsoft.com/office/drawing/2014/main" id="{21BD6788-B2BC-5173-26F7-DDC205710860}"/>
+            </a:ext>
+          </a:extLst>
+        </p:cNvPr>
+        <p:cNvGrpSpPr/>
+        <p:nvPr/>
+      </p:nvGrpSpPr>
+      <p:grpSpPr>
+        <a:xfrm>
+          <a:off x="0" y="0"/>
+          <a:ext cx="0" cy="0"/>
+          <a:chOff x="0" y="0"/>
+          <a:chExt cx="0" cy="0"/>
+        </a:xfrm>
+      </p:grpSpPr>
+      <p:pic>
+        <p:nvPicPr>
+          <p:cNvPr id="12" name="그림 11">
+            <a:extLst>
+              <a:ext uri="{FF2B5EF4-FFF2-40B4-BE49-F238E27FC236}">
+                <a16:creationId xmlns:a16="http://schemas.microsoft.com/office/drawing/2014/main" id="{FAFC6C24-67A7-3C75-EF8B-DBE93AE62D83}"/>
+              </a:ext>
+            </a:extLst>
+          </p:cNvPr>
+          <p:cNvPicPr>
+            <a:picLocks noChangeAspect="1"/>
+          </p:cNvPicPr>
+          <p:nvPr/>
+        </p:nvPicPr>
+        <p:blipFill>
+          <a:blip r:embed="rId2"/>
+          <a:stretch>
+            <a:fillRect/>
+          </a:stretch>
+        </p:blipFill>
+        <p:spPr>
+          <a:xfrm>
+            <a:off x="2879638" y="1162921"/>
+            <a:ext cx="2683244" cy="2172773"/>
+          </a:xfrm>
+          <a:prstGeom prst="rect">
+            <a:avLst/>
+          </a:prstGeom>
+        </p:spPr>
+      </p:pic>
+      <p:sp>
+        <p:nvSpPr>
+          <p:cNvPr id="3" name="TextBox 2">
+            <a:extLst>
+              <a:ext uri="{FF2B5EF4-FFF2-40B4-BE49-F238E27FC236}">
+                <a16:creationId xmlns:a16="http://schemas.microsoft.com/office/drawing/2014/main" id="{C2113DD7-995C-9983-A277-F420A6BB8858}"/>
+              </a:ext>
+            </a:extLst>
+          </p:cNvPr>
+          <p:cNvSpPr txBox="1"/>
+          <p:nvPr/>
+        </p:nvSpPr>
+        <p:spPr>
+          <a:xfrm>
+            <a:off x="2674366" y="579212"/>
+            <a:ext cx="3462569" cy="584775"/>
+          </a:xfrm>
+          <a:prstGeom prst="rect">
+            <a:avLst/>
+          </a:prstGeom>
+          <a:noFill/>
+        </p:spPr>
+        <p:txBody>
+          <a:bodyPr wrap="square">
+            <a:spAutoFit/>
+          </a:bodyPr>
+          <a:lstStyle/>
+          <a:p>
+            <a:r>
+              <a:rPr lang="en-US" altLang="ko-KR" sz="1600">
+                <a:solidFill>
+                  <a:srgbClr val="FF0000"/>
+                </a:solidFill>
+                <a:latin typeface="나눔스퀘어" panose="020B0600000101010101" pitchFamily="50" charset="-127"/>
+                <a:ea typeface="나눔스퀘어" panose="020B0600000101010101" pitchFamily="50" charset="-127"/>
+              </a:rPr>
+              <a:t>Upsampling O, </a:t>
+            </a:r>
+          </a:p>
+          <a:p>
+            <a:r>
+              <a:rPr lang="en-US" altLang="ko-KR" sz="1600">
+                <a:solidFill>
+                  <a:srgbClr val="FF0000"/>
+                </a:solidFill>
+                <a:latin typeface="나눔스퀘어" panose="020B0600000101010101" pitchFamily="50" charset="-127"/>
+                <a:ea typeface="나눔스퀘어" panose="020B0600000101010101" pitchFamily="50" charset="-127"/>
+              </a:rPr>
+              <a:t>class weight [0.8172, 1.2881]</a:t>
+            </a:r>
+            <a:endParaRPr lang="ko-KR" altLang="en-US" sz="1600" dirty="0">
+              <a:solidFill>
+                <a:srgbClr val="FF0000"/>
+              </a:solidFill>
+              <a:latin typeface="나눔스퀘어" panose="020B0600000101010101" pitchFamily="50" charset="-127"/>
+              <a:ea typeface="나눔스퀘어" panose="020B0600000101010101" pitchFamily="50" charset="-127"/>
+            </a:endParaRPr>
+          </a:p>
+        </p:txBody>
+      </p:sp>
+      <p:pic>
+        <p:nvPicPr>
+          <p:cNvPr id="6" name="그림 5">
+            <a:extLst>
+              <a:ext uri="{FF2B5EF4-FFF2-40B4-BE49-F238E27FC236}">
+                <a16:creationId xmlns:a16="http://schemas.microsoft.com/office/drawing/2014/main" id="{F923B836-A6CF-AD68-23B9-47188FF485F9}"/>
+              </a:ext>
+            </a:extLst>
+          </p:cNvPr>
+          <p:cNvPicPr>
+            <a:picLocks noChangeAspect="1"/>
+          </p:cNvPicPr>
+          <p:nvPr/>
+        </p:nvPicPr>
+        <p:blipFill>
+          <a:blip r:embed="rId3"/>
+          <a:stretch>
+            <a:fillRect/>
+          </a:stretch>
+        </p:blipFill>
+        <p:spPr>
+          <a:xfrm>
+            <a:off x="5968497" y="1147418"/>
+            <a:ext cx="2683243" cy="2188276"/>
+          </a:xfrm>
+          <a:prstGeom prst="rect">
+            <a:avLst/>
+          </a:prstGeom>
+        </p:spPr>
+      </p:pic>
+      <p:sp>
+        <p:nvSpPr>
+          <p:cNvPr id="7" name="TextBox 6">
+            <a:extLst>
+              <a:ext uri="{FF2B5EF4-FFF2-40B4-BE49-F238E27FC236}">
+                <a16:creationId xmlns:a16="http://schemas.microsoft.com/office/drawing/2014/main" id="{16C6E6BF-1D81-8C10-88EF-739524A60F49}"/>
+              </a:ext>
+            </a:extLst>
+          </p:cNvPr>
+          <p:cNvSpPr txBox="1"/>
+          <p:nvPr/>
+        </p:nvSpPr>
+        <p:spPr>
+          <a:xfrm>
+            <a:off x="5938730" y="562643"/>
+            <a:ext cx="2917167" cy="584775"/>
+          </a:xfrm>
+          <a:prstGeom prst="rect">
+            <a:avLst/>
+          </a:prstGeom>
+          <a:noFill/>
+        </p:spPr>
+        <p:txBody>
+          <a:bodyPr wrap="square">
+            <a:spAutoFit/>
+          </a:bodyPr>
+          <a:lstStyle/>
+          <a:p>
+            <a:r>
+              <a:rPr lang="en-US" altLang="ko-KR" sz="1600">
+                <a:latin typeface="나눔스퀘어" panose="020B0600000101010101" pitchFamily="50" charset="-127"/>
+                <a:ea typeface="나눔스퀘어" panose="020B0600000101010101" pitchFamily="50" charset="-127"/>
+              </a:rPr>
+              <a:t>Upsampling X, </a:t>
+            </a:r>
+          </a:p>
+          <a:p>
+            <a:r>
+              <a:rPr lang="en-US" altLang="ko-KR" sz="1600">
+                <a:latin typeface="나눔스퀘어" panose="020B0600000101010101" pitchFamily="50" charset="-127"/>
+                <a:ea typeface="나눔스퀘어" panose="020B0600000101010101" pitchFamily="50" charset="-127"/>
+              </a:rPr>
+              <a:t>class weight [0.8172, 1.2881]</a:t>
+            </a:r>
+            <a:endParaRPr lang="ko-KR" altLang="en-US" sz="1600" dirty="0">
+              <a:latin typeface="나눔스퀘어" panose="020B0600000101010101" pitchFamily="50" charset="-127"/>
+              <a:ea typeface="나눔스퀘어" panose="020B0600000101010101" pitchFamily="50" charset="-127"/>
+            </a:endParaRPr>
+          </a:p>
+        </p:txBody>
+      </p:sp>
+      <p:pic>
+        <p:nvPicPr>
+          <p:cNvPr id="10" name="그림 9">
+            <a:extLst>
+              <a:ext uri="{FF2B5EF4-FFF2-40B4-BE49-F238E27FC236}">
+                <a16:creationId xmlns:a16="http://schemas.microsoft.com/office/drawing/2014/main" id="{9D5FC23F-828E-8F26-68BB-92E870EAC52B}"/>
+              </a:ext>
+            </a:extLst>
+          </p:cNvPr>
+          <p:cNvPicPr>
+            <a:picLocks noChangeAspect="1"/>
+          </p:cNvPicPr>
+          <p:nvPr/>
+        </p:nvPicPr>
+        <p:blipFill>
+          <a:blip r:embed="rId4"/>
+          <a:stretch>
+            <a:fillRect/>
+          </a:stretch>
+        </p:blipFill>
+        <p:spPr>
+          <a:xfrm>
+            <a:off x="2879638" y="4111395"/>
+            <a:ext cx="2669596" cy="2172773"/>
+          </a:xfrm>
+          <a:prstGeom prst="rect">
+            <a:avLst/>
+          </a:prstGeom>
+        </p:spPr>
+      </p:pic>
+      <p:sp>
+        <p:nvSpPr>
+          <p:cNvPr id="13" name="TextBox 12">
+            <a:extLst>
+              <a:ext uri="{FF2B5EF4-FFF2-40B4-BE49-F238E27FC236}">
+                <a16:creationId xmlns:a16="http://schemas.microsoft.com/office/drawing/2014/main" id="{6CBD8BF3-E182-3213-1EFA-026D0822C01D}"/>
+              </a:ext>
+            </a:extLst>
+          </p:cNvPr>
+          <p:cNvSpPr txBox="1"/>
+          <p:nvPr/>
+        </p:nvSpPr>
+        <p:spPr>
+          <a:xfrm>
+            <a:off x="2879638" y="3465064"/>
+            <a:ext cx="2782564" cy="646331"/>
+          </a:xfrm>
+          <a:prstGeom prst="rect">
+            <a:avLst/>
+          </a:prstGeom>
+          <a:noFill/>
+        </p:spPr>
+        <p:txBody>
+          <a:bodyPr wrap="square">
+            <a:spAutoFit/>
+          </a:bodyPr>
+          <a:lstStyle/>
+          <a:p>
+            <a:r>
+              <a:rPr lang="en-US" altLang="ko-KR" sz="1800">
+                <a:latin typeface="나눔스퀘어" panose="020B0600000101010101" pitchFamily="50" charset="-127"/>
+                <a:ea typeface="나눔스퀘어" panose="020B0600000101010101" pitchFamily="50" charset="-127"/>
+              </a:rPr>
+              <a:t>Upsampling O, </a:t>
+            </a:r>
+          </a:p>
+          <a:p>
+            <a:r>
+              <a:rPr lang="en-US" altLang="ko-KR" sz="1800">
+                <a:latin typeface="나눔스퀘어" panose="020B0600000101010101" pitchFamily="50" charset="-127"/>
+                <a:ea typeface="나눔스퀘어" panose="020B0600000101010101" pitchFamily="50" charset="-127"/>
+              </a:rPr>
+              <a:t>class weight [1.0, 1.0]</a:t>
+            </a:r>
+            <a:endParaRPr lang="ko-KR" altLang="en-US" sz="1800" dirty="0">
+              <a:latin typeface="나눔스퀘어" panose="020B0600000101010101" pitchFamily="50" charset="-127"/>
+              <a:ea typeface="나눔스퀘어" panose="020B0600000101010101" pitchFamily="50" charset="-127"/>
+            </a:endParaRPr>
+          </a:p>
+        </p:txBody>
+      </p:sp>
+      <p:pic>
+        <p:nvPicPr>
+          <p:cNvPr id="15" name="그림 14">
+            <a:extLst>
+              <a:ext uri="{FF2B5EF4-FFF2-40B4-BE49-F238E27FC236}">
+                <a16:creationId xmlns:a16="http://schemas.microsoft.com/office/drawing/2014/main" id="{3B5A6E14-4464-1C35-748A-A3671F0E0782}"/>
+              </a:ext>
+            </a:extLst>
+          </p:cNvPr>
+          <p:cNvPicPr>
+            <a:picLocks noChangeAspect="1"/>
+          </p:cNvPicPr>
+          <p:nvPr/>
+        </p:nvPicPr>
+        <p:blipFill>
+          <a:blip r:embed="rId5"/>
+          <a:stretch>
+            <a:fillRect/>
+          </a:stretch>
+        </p:blipFill>
+        <p:spPr>
+          <a:xfrm>
+            <a:off x="5938730" y="4111395"/>
+            <a:ext cx="2683244" cy="2220617"/>
+          </a:xfrm>
+          <a:prstGeom prst="rect">
+            <a:avLst/>
+          </a:prstGeom>
+        </p:spPr>
+      </p:pic>
+      <p:sp>
+        <p:nvSpPr>
+          <p:cNvPr id="17" name="TextBox 16">
+            <a:extLst>
+              <a:ext uri="{FF2B5EF4-FFF2-40B4-BE49-F238E27FC236}">
+                <a16:creationId xmlns:a16="http://schemas.microsoft.com/office/drawing/2014/main" id="{9325AAF3-9CF1-1486-CD7F-695253DCE288}"/>
+              </a:ext>
+            </a:extLst>
+          </p:cNvPr>
+          <p:cNvSpPr txBox="1"/>
+          <p:nvPr/>
+        </p:nvSpPr>
+        <p:spPr>
+          <a:xfrm>
+            <a:off x="5933648" y="3426483"/>
+            <a:ext cx="6097554" cy="646331"/>
+          </a:xfrm>
+          <a:prstGeom prst="rect">
+            <a:avLst/>
+          </a:prstGeom>
+          <a:noFill/>
+        </p:spPr>
+        <p:txBody>
+          <a:bodyPr wrap="square">
+            <a:spAutoFit/>
+          </a:bodyPr>
+          <a:lstStyle/>
+          <a:p>
+            <a:r>
+              <a:rPr lang="en-US" altLang="ko-KR" sz="1800">
+                <a:latin typeface="나눔스퀘어" panose="020B0600000101010101" pitchFamily="50" charset="-127"/>
+                <a:ea typeface="나눔스퀘어" panose="020B0600000101010101" pitchFamily="50" charset="-127"/>
+              </a:rPr>
+              <a:t>Upsampling X, </a:t>
+            </a:r>
+          </a:p>
+          <a:p>
+            <a:r>
+              <a:rPr lang="en-US" altLang="ko-KR" sz="1800">
+                <a:latin typeface="나눔스퀘어" panose="020B0600000101010101" pitchFamily="50" charset="-127"/>
+                <a:ea typeface="나눔스퀘어" panose="020B0600000101010101" pitchFamily="50" charset="-127"/>
+              </a:rPr>
+              <a:t>class weight [1.0, 1.0]</a:t>
+            </a:r>
+            <a:endParaRPr lang="ko-KR" altLang="en-US" sz="1800" dirty="0">
+              <a:latin typeface="나눔스퀘어" panose="020B0600000101010101" pitchFamily="50" charset="-127"/>
+              <a:ea typeface="나눔스퀘어" panose="020B0600000101010101" pitchFamily="50" charset="-127"/>
+            </a:endParaRPr>
+          </a:p>
+        </p:txBody>
+      </p:sp>
+      <p:sp>
+        <p:nvSpPr>
+          <p:cNvPr id="19" name="TextBox 18">
+            <a:extLst>
+              <a:ext uri="{FF2B5EF4-FFF2-40B4-BE49-F238E27FC236}">
+                <a16:creationId xmlns:a16="http://schemas.microsoft.com/office/drawing/2014/main" id="{796402CD-9BDC-C61B-5A00-488089477E11}"/>
+              </a:ext>
+            </a:extLst>
+          </p:cNvPr>
+          <p:cNvSpPr txBox="1"/>
+          <p:nvPr/>
+        </p:nvSpPr>
+        <p:spPr>
+          <a:xfrm>
+            <a:off x="160679" y="110443"/>
+            <a:ext cx="6097554" cy="369332"/>
+          </a:xfrm>
+          <a:prstGeom prst="rect">
+            <a:avLst/>
+          </a:prstGeom>
+          <a:noFill/>
+        </p:spPr>
+        <p:txBody>
+          <a:bodyPr wrap="square">
+            <a:spAutoFit/>
+          </a:bodyPr>
+          <a:lstStyle/>
+          <a:p>
+            <a:r>
+              <a:rPr lang="en-US" altLang="ko-KR" sz="1800" b="1">
+                <a:latin typeface="나눔스퀘어" panose="020B0600000101010101" pitchFamily="50" charset="-127"/>
+                <a:ea typeface="나눔스퀘어" panose="020B0600000101010101" pitchFamily="50" charset="-127"/>
+              </a:rPr>
+              <a:t>UCLA_CNP+COBRE</a:t>
+            </a:r>
+            <a:endParaRPr lang="ko-KR" altLang="en-US" b="1"/>
+          </a:p>
+        </p:txBody>
+      </p:sp>
+    </p:spTree>
+    <p:extLst>
+      <p:ext uri="{BB962C8B-B14F-4D97-AF65-F5344CB8AC3E}">
+        <p14:creationId xmlns:p14="http://schemas.microsoft.com/office/powerpoint/2010/main" val="686287438"/>
+      </p:ext>
+    </p:extLst>
+  </p:cSld>
+  <p:clrMapOvr>
+    <a:masterClrMapping/>
+  </p:clrMapOvr>
+</p:sld>
+</file>
+
+<file path=ppt/slides/slide17.xml><?xml version="1.0" encoding="utf-8"?>
+<p:sld xmlns:a="http://schemas.openxmlformats.org/drawingml/2006/main" xmlns:r="http://schemas.openxmlformats.org/officeDocument/2006/relationships" xmlns:p="http://schemas.openxmlformats.org/presentationml/2006/main">
+  <p:cSld>
+    <p:spTree>
+      <p:nvGrpSpPr>
+        <p:cNvPr id="1" name="">
+          <a:extLst>
+            <a:ext uri="{FF2B5EF4-FFF2-40B4-BE49-F238E27FC236}">
+              <a16:creationId xmlns:a16="http://schemas.microsoft.com/office/drawing/2014/main" id="{F0993E89-3128-996B-65B7-856DE87584C3}"/>
+            </a:ext>
+          </a:extLst>
+        </p:cNvPr>
+        <p:cNvGrpSpPr/>
+        <p:nvPr/>
+      </p:nvGrpSpPr>
+      <p:grpSpPr>
+        <a:xfrm>
+          <a:off x="0" y="0"/>
+          <a:ext cx="0" cy="0"/>
+          <a:chOff x="0" y="0"/>
+          <a:chExt cx="0" cy="0"/>
+        </a:xfrm>
+      </p:grpSpPr>
+      <p:pic>
+        <p:nvPicPr>
+          <p:cNvPr id="12" name="그림 11">
+            <a:extLst>
+              <a:ext uri="{FF2B5EF4-FFF2-40B4-BE49-F238E27FC236}">
+                <a16:creationId xmlns:a16="http://schemas.microsoft.com/office/drawing/2014/main" id="{0E42122E-C515-7701-03DA-FF870FCE9F27}"/>
+              </a:ext>
+            </a:extLst>
+          </p:cNvPr>
+          <p:cNvPicPr>
+            <a:picLocks noChangeAspect="1"/>
+          </p:cNvPicPr>
+          <p:nvPr/>
+        </p:nvPicPr>
+        <p:blipFill>
+          <a:blip r:embed="rId2"/>
+          <a:stretch>
+            <a:fillRect/>
+          </a:stretch>
+        </p:blipFill>
+        <p:spPr>
+          <a:xfrm>
+            <a:off x="2879638" y="1162921"/>
+            <a:ext cx="2683244" cy="2172773"/>
+          </a:xfrm>
+          <a:prstGeom prst="rect">
+            <a:avLst/>
+          </a:prstGeom>
+        </p:spPr>
+      </p:pic>
+      <p:sp>
+        <p:nvSpPr>
+          <p:cNvPr id="3" name="TextBox 2">
+            <a:extLst>
+              <a:ext uri="{FF2B5EF4-FFF2-40B4-BE49-F238E27FC236}">
+                <a16:creationId xmlns:a16="http://schemas.microsoft.com/office/drawing/2014/main" id="{42D0BC41-FD1F-2B6E-E2A4-C57F15B9B47E}"/>
+              </a:ext>
+            </a:extLst>
+          </p:cNvPr>
+          <p:cNvSpPr txBox="1"/>
+          <p:nvPr/>
+        </p:nvSpPr>
+        <p:spPr>
+          <a:xfrm>
+            <a:off x="2674366" y="579212"/>
+            <a:ext cx="3462569" cy="584775"/>
+          </a:xfrm>
+          <a:prstGeom prst="rect">
+            <a:avLst/>
+          </a:prstGeom>
+          <a:noFill/>
+        </p:spPr>
+        <p:txBody>
+          <a:bodyPr wrap="square">
+            <a:spAutoFit/>
+          </a:bodyPr>
+          <a:lstStyle/>
+          <a:p>
+            <a:r>
+              <a:rPr lang="en-US" altLang="ko-KR" sz="1600">
+                <a:solidFill>
+                  <a:srgbClr val="FF0000"/>
+                </a:solidFill>
+                <a:latin typeface="나눔스퀘어" panose="020B0600000101010101" pitchFamily="50" charset="-127"/>
+                <a:ea typeface="나눔스퀘어" panose="020B0600000101010101" pitchFamily="50" charset="-127"/>
+              </a:rPr>
+              <a:t>Upsampling O, </a:t>
+            </a:r>
+          </a:p>
+          <a:p>
+            <a:r>
+              <a:rPr lang="en-US" altLang="ko-KR" sz="1600">
+                <a:solidFill>
+                  <a:srgbClr val="FF0000"/>
+                </a:solidFill>
+                <a:latin typeface="나눔스퀘어" panose="020B0600000101010101" pitchFamily="50" charset="-127"/>
+                <a:ea typeface="나눔스퀘어" panose="020B0600000101010101" pitchFamily="50" charset="-127"/>
+              </a:rPr>
+              <a:t>class weight [0.8172, 1.2881]</a:t>
+            </a:r>
+            <a:endParaRPr lang="ko-KR" altLang="en-US" sz="1600" dirty="0">
+              <a:solidFill>
+                <a:srgbClr val="FF0000"/>
+              </a:solidFill>
+              <a:latin typeface="나눔스퀘어" panose="020B0600000101010101" pitchFamily="50" charset="-127"/>
+              <a:ea typeface="나눔스퀘어" panose="020B0600000101010101" pitchFamily="50" charset="-127"/>
+            </a:endParaRPr>
+          </a:p>
+        </p:txBody>
+      </p:sp>
+      <p:pic>
+        <p:nvPicPr>
+          <p:cNvPr id="6" name="그림 5">
+            <a:extLst>
+              <a:ext uri="{FF2B5EF4-FFF2-40B4-BE49-F238E27FC236}">
+                <a16:creationId xmlns:a16="http://schemas.microsoft.com/office/drawing/2014/main" id="{3DF06D33-97D7-DD60-6AC7-FF52EE2BB152}"/>
+              </a:ext>
+            </a:extLst>
+          </p:cNvPr>
+          <p:cNvPicPr>
+            <a:picLocks noChangeAspect="1"/>
+          </p:cNvPicPr>
+          <p:nvPr/>
+        </p:nvPicPr>
+        <p:blipFill>
+          <a:blip r:embed="rId3"/>
+          <a:stretch>
+            <a:fillRect/>
+          </a:stretch>
+        </p:blipFill>
+        <p:spPr>
+          <a:xfrm>
+            <a:off x="5968497" y="1147418"/>
+            <a:ext cx="2683243" cy="2188276"/>
+          </a:xfrm>
+          <a:prstGeom prst="rect">
+            <a:avLst/>
+          </a:prstGeom>
+        </p:spPr>
+      </p:pic>
+      <p:sp>
+        <p:nvSpPr>
+          <p:cNvPr id="7" name="TextBox 6">
+            <a:extLst>
+              <a:ext uri="{FF2B5EF4-FFF2-40B4-BE49-F238E27FC236}">
+                <a16:creationId xmlns:a16="http://schemas.microsoft.com/office/drawing/2014/main" id="{12A13EEA-9AF5-4542-5088-341434EB16CE}"/>
+              </a:ext>
+            </a:extLst>
+          </p:cNvPr>
+          <p:cNvSpPr txBox="1"/>
+          <p:nvPr/>
+        </p:nvSpPr>
+        <p:spPr>
+          <a:xfrm>
+            <a:off x="5938730" y="562643"/>
+            <a:ext cx="2917167" cy="584775"/>
+          </a:xfrm>
+          <a:prstGeom prst="rect">
+            <a:avLst/>
+          </a:prstGeom>
+          <a:noFill/>
+        </p:spPr>
+        <p:txBody>
+          <a:bodyPr wrap="square">
+            <a:spAutoFit/>
+          </a:bodyPr>
+          <a:lstStyle/>
+          <a:p>
+            <a:r>
+              <a:rPr lang="en-US" altLang="ko-KR" sz="1600">
+                <a:latin typeface="나눔스퀘어" panose="020B0600000101010101" pitchFamily="50" charset="-127"/>
+                <a:ea typeface="나눔스퀘어" panose="020B0600000101010101" pitchFamily="50" charset="-127"/>
+              </a:rPr>
+              <a:t>Upsampling X, </a:t>
+            </a:r>
+          </a:p>
+          <a:p>
+            <a:r>
+              <a:rPr lang="en-US" altLang="ko-KR" sz="1600">
+                <a:latin typeface="나눔스퀘어" panose="020B0600000101010101" pitchFamily="50" charset="-127"/>
+                <a:ea typeface="나눔스퀘어" panose="020B0600000101010101" pitchFamily="50" charset="-127"/>
+              </a:rPr>
+              <a:t>class weight [0.8172, 1.2881]</a:t>
+            </a:r>
+            <a:endParaRPr lang="ko-KR" altLang="en-US" sz="1600" dirty="0">
+              <a:latin typeface="나눔스퀘어" panose="020B0600000101010101" pitchFamily="50" charset="-127"/>
+              <a:ea typeface="나눔스퀘어" panose="020B0600000101010101" pitchFamily="50" charset="-127"/>
+            </a:endParaRPr>
+          </a:p>
+        </p:txBody>
+      </p:sp>
+      <p:pic>
+        <p:nvPicPr>
+          <p:cNvPr id="10" name="그림 9">
+            <a:extLst>
+              <a:ext uri="{FF2B5EF4-FFF2-40B4-BE49-F238E27FC236}">
+                <a16:creationId xmlns:a16="http://schemas.microsoft.com/office/drawing/2014/main" id="{6E10E891-4AE2-EF31-D9DA-BB1AF11A1E5F}"/>
+              </a:ext>
+            </a:extLst>
+          </p:cNvPr>
+          <p:cNvPicPr>
+            <a:picLocks noChangeAspect="1"/>
+          </p:cNvPicPr>
+          <p:nvPr/>
+        </p:nvPicPr>
+        <p:blipFill>
+          <a:blip r:embed="rId4"/>
+          <a:stretch>
+            <a:fillRect/>
+          </a:stretch>
+        </p:blipFill>
+        <p:spPr>
+          <a:xfrm>
+            <a:off x="2879638" y="4111395"/>
+            <a:ext cx="2669596" cy="2172773"/>
+          </a:xfrm>
+          <a:prstGeom prst="rect">
+            <a:avLst/>
+          </a:prstGeom>
+        </p:spPr>
+      </p:pic>
+      <p:sp>
+        <p:nvSpPr>
+          <p:cNvPr id="13" name="TextBox 12">
+            <a:extLst>
+              <a:ext uri="{FF2B5EF4-FFF2-40B4-BE49-F238E27FC236}">
+                <a16:creationId xmlns:a16="http://schemas.microsoft.com/office/drawing/2014/main" id="{53DCE45A-1303-E9F4-DF3C-B97FADFFEB34}"/>
+              </a:ext>
+            </a:extLst>
+          </p:cNvPr>
+          <p:cNvSpPr txBox="1"/>
+          <p:nvPr/>
+        </p:nvSpPr>
+        <p:spPr>
+          <a:xfrm>
+            <a:off x="2879638" y="3465064"/>
+            <a:ext cx="2782564" cy="646331"/>
+          </a:xfrm>
+          <a:prstGeom prst="rect">
+            <a:avLst/>
+          </a:prstGeom>
+          <a:noFill/>
+        </p:spPr>
+        <p:txBody>
+          <a:bodyPr wrap="square">
+            <a:spAutoFit/>
+          </a:bodyPr>
+          <a:lstStyle/>
+          <a:p>
+            <a:r>
+              <a:rPr lang="en-US" altLang="ko-KR" sz="1800">
+                <a:latin typeface="나눔스퀘어" panose="020B0600000101010101" pitchFamily="50" charset="-127"/>
+                <a:ea typeface="나눔스퀘어" panose="020B0600000101010101" pitchFamily="50" charset="-127"/>
+              </a:rPr>
+              <a:t>Upsampling O, </a:t>
+            </a:r>
+          </a:p>
+          <a:p>
+            <a:r>
+              <a:rPr lang="en-US" altLang="ko-KR" sz="1800">
+                <a:latin typeface="나눔스퀘어" panose="020B0600000101010101" pitchFamily="50" charset="-127"/>
+                <a:ea typeface="나눔스퀘어" panose="020B0600000101010101" pitchFamily="50" charset="-127"/>
+              </a:rPr>
+              <a:t>class weight [1.0, 1.0]</a:t>
+            </a:r>
+            <a:endParaRPr lang="ko-KR" altLang="en-US" sz="1800" dirty="0">
+              <a:latin typeface="나눔스퀘어" panose="020B0600000101010101" pitchFamily="50" charset="-127"/>
+              <a:ea typeface="나눔스퀘어" panose="020B0600000101010101" pitchFamily="50" charset="-127"/>
+            </a:endParaRPr>
+          </a:p>
+        </p:txBody>
+      </p:sp>
+      <p:pic>
+        <p:nvPicPr>
+          <p:cNvPr id="15" name="그림 14">
+            <a:extLst>
+              <a:ext uri="{FF2B5EF4-FFF2-40B4-BE49-F238E27FC236}">
+                <a16:creationId xmlns:a16="http://schemas.microsoft.com/office/drawing/2014/main" id="{129BE8EF-EC29-82CE-85D5-B4497FCB7B16}"/>
+              </a:ext>
+            </a:extLst>
+          </p:cNvPr>
+          <p:cNvPicPr>
+            <a:picLocks noChangeAspect="1"/>
+          </p:cNvPicPr>
+          <p:nvPr/>
+        </p:nvPicPr>
+        <p:blipFill>
+          <a:blip r:embed="rId5"/>
+          <a:stretch>
+            <a:fillRect/>
+          </a:stretch>
+        </p:blipFill>
+        <p:spPr>
+          <a:xfrm>
+            <a:off x="5938730" y="4111395"/>
+            <a:ext cx="2683244" cy="2220617"/>
+          </a:xfrm>
+          <a:prstGeom prst="rect">
+            <a:avLst/>
+          </a:prstGeom>
+        </p:spPr>
+      </p:pic>
+      <p:sp>
+        <p:nvSpPr>
+          <p:cNvPr id="17" name="TextBox 16">
+            <a:extLst>
+              <a:ext uri="{FF2B5EF4-FFF2-40B4-BE49-F238E27FC236}">
+                <a16:creationId xmlns:a16="http://schemas.microsoft.com/office/drawing/2014/main" id="{457B1DCF-3D9F-443A-1EAD-960D7DE12D7C}"/>
+              </a:ext>
+            </a:extLst>
+          </p:cNvPr>
+          <p:cNvSpPr txBox="1"/>
+          <p:nvPr/>
+        </p:nvSpPr>
+        <p:spPr>
+          <a:xfrm>
+            <a:off x="5933648" y="3426483"/>
+            <a:ext cx="6097554" cy="646331"/>
+          </a:xfrm>
+          <a:prstGeom prst="rect">
+            <a:avLst/>
+          </a:prstGeom>
+          <a:noFill/>
+        </p:spPr>
+        <p:txBody>
+          <a:bodyPr wrap="square">
+            <a:spAutoFit/>
+          </a:bodyPr>
+          <a:lstStyle/>
+          <a:p>
+            <a:r>
+              <a:rPr lang="en-US" altLang="ko-KR" sz="1800">
+                <a:latin typeface="나눔스퀘어" panose="020B0600000101010101" pitchFamily="50" charset="-127"/>
+                <a:ea typeface="나눔스퀘어" panose="020B0600000101010101" pitchFamily="50" charset="-127"/>
+              </a:rPr>
+              <a:t>Upsampling X, </a:t>
+            </a:r>
+          </a:p>
+          <a:p>
+            <a:r>
+              <a:rPr lang="en-US" altLang="ko-KR" sz="1800">
+                <a:latin typeface="나눔스퀘어" panose="020B0600000101010101" pitchFamily="50" charset="-127"/>
+                <a:ea typeface="나눔스퀘어" panose="020B0600000101010101" pitchFamily="50" charset="-127"/>
+              </a:rPr>
+              <a:t>class weight [1.0, 1.0]</a:t>
+            </a:r>
+            <a:endParaRPr lang="ko-KR" altLang="en-US" sz="1800" dirty="0">
+              <a:latin typeface="나눔스퀘어" panose="020B0600000101010101" pitchFamily="50" charset="-127"/>
+              <a:ea typeface="나눔스퀘어" panose="020B0600000101010101" pitchFamily="50" charset="-127"/>
+            </a:endParaRPr>
+          </a:p>
+        </p:txBody>
+      </p:sp>
+      <p:sp>
+        <p:nvSpPr>
+          <p:cNvPr id="19" name="TextBox 18">
+            <a:extLst>
+              <a:ext uri="{FF2B5EF4-FFF2-40B4-BE49-F238E27FC236}">
+                <a16:creationId xmlns:a16="http://schemas.microsoft.com/office/drawing/2014/main" id="{07767F2E-7A9C-CA3A-9D68-8833EB117DD4}"/>
+              </a:ext>
+            </a:extLst>
+          </p:cNvPr>
+          <p:cNvSpPr txBox="1"/>
+          <p:nvPr/>
+        </p:nvSpPr>
+        <p:spPr>
+          <a:xfrm>
+            <a:off x="160679" y="110443"/>
+            <a:ext cx="6097554" cy="369332"/>
+          </a:xfrm>
+          <a:prstGeom prst="rect">
+            <a:avLst/>
+          </a:prstGeom>
+          <a:noFill/>
+        </p:spPr>
+        <p:txBody>
+          <a:bodyPr wrap="square">
+            <a:spAutoFit/>
+          </a:bodyPr>
+          <a:lstStyle/>
+          <a:p>
+            <a:r>
+              <a:rPr lang="en-US" altLang="ko-KR" sz="1800" b="1">
+                <a:latin typeface="나눔스퀘어" panose="020B0600000101010101" pitchFamily="50" charset="-127"/>
+                <a:ea typeface="나눔스퀘어" panose="020B0600000101010101" pitchFamily="50" charset="-127"/>
+              </a:rPr>
+              <a:t>UCLA_CNP+COBRE</a:t>
+            </a:r>
+            <a:endParaRPr lang="ko-KR" altLang="en-US" b="1"/>
+          </a:p>
+        </p:txBody>
+      </p:sp>
+    </p:spTree>
+    <p:extLst>
+      <p:ext uri="{BB962C8B-B14F-4D97-AF65-F5344CB8AC3E}">
+        <p14:creationId xmlns:p14="http://schemas.microsoft.com/office/powerpoint/2010/main" val="3752250938"/>
+      </p:ext>
+    </p:extLst>
+  </p:cSld>
+  <p:clrMapOvr>
+    <a:masterClrMapping/>
+  </p:clrMapOvr>
+</p:sld>
+</file>
+
+<file path=ppt/slides/slide18.xml><?xml version="1.0" encoding="utf-8"?>
 <p:sld xmlns:a="http://schemas.openxmlformats.org/drawingml/2006/main" xmlns:r="http://schemas.openxmlformats.org/officeDocument/2006/relationships" xmlns:p="http://schemas.openxmlformats.org/presentationml/2006/main">
   <p:cSld>
     <p:spTree>
@@ -4838,8 +6854,8 @@
         </p:nvSpPr>
         <p:spPr>
           <a:xfrm>
-            <a:off x="436342" y="881947"/>
-            <a:ext cx="2638864" cy="646331"/>
+            <a:off x="813993" y="983743"/>
+            <a:ext cx="2469843" cy="646331"/>
           </a:xfrm>
           <a:prstGeom prst="rect">
             <a:avLst/>
@@ -4854,15 +6870,15 @@
           <a:p>
             <a:r>
               <a:rPr lang="en-US" altLang="ko-KR" dirty="0" err="1">
-                <a:latin typeface="나눔스퀘어 네오 Regular" panose="00000500000000000000" pitchFamily="2" charset="-127"/>
-                <a:ea typeface="나눔스퀘어 네오 Regular" panose="00000500000000000000" pitchFamily="2" charset="-127"/>
+                <a:latin typeface="나눔스퀘어" panose="020B0600000101010101" pitchFamily="50" charset="-127"/>
+                <a:ea typeface="나눔스퀘어" panose="020B0600000101010101" pitchFamily="50" charset="-127"/>
               </a:rPr>
               <a:t>Upsampling</a:t>
             </a:r>
             <a:r>
               <a:rPr lang="en-US" altLang="ko-KR" dirty="0">
-                <a:latin typeface="나눔스퀘어 네오 Regular" panose="00000500000000000000" pitchFamily="2" charset="-127"/>
-                <a:ea typeface="나눔스퀘어 네오 Regular" panose="00000500000000000000" pitchFamily="2" charset="-127"/>
+                <a:latin typeface="나눔스퀘어" panose="020B0600000101010101" pitchFamily="50" charset="-127"/>
+                <a:ea typeface="나눔스퀘어" panose="020B0600000101010101" pitchFamily="50" charset="-127"/>
               </a:rPr>
               <a:t> X, </a:t>
             </a:r>
@@ -4870,14 +6886,14 @@
           <a:p>
             <a:r>
               <a:rPr lang="en-US" altLang="ko-KR" dirty="0">
-                <a:latin typeface="나눔스퀘어 네오 Regular" panose="00000500000000000000" pitchFamily="2" charset="-127"/>
-                <a:ea typeface="나눔스퀘어 네오 Regular" panose="00000500000000000000" pitchFamily="2" charset="-127"/>
+                <a:latin typeface="나눔스퀘어" panose="020B0600000101010101" pitchFamily="50" charset="-127"/>
+                <a:ea typeface="나눔스퀘어" panose="020B0600000101010101" pitchFamily="50" charset="-127"/>
               </a:rPr>
               <a:t>class weight [1.0, 1.0]</a:t>
             </a:r>
             <a:endParaRPr lang="ko-KR" altLang="en-US" dirty="0">
-              <a:latin typeface="나눔스퀘어 네오 Regular" panose="00000500000000000000" pitchFamily="2" charset="-127"/>
-              <a:ea typeface="나눔스퀘어 네오 Regular" panose="00000500000000000000" pitchFamily="2" charset="-127"/>
+              <a:latin typeface="나눔스퀘어" panose="020B0600000101010101" pitchFamily="50" charset="-127"/>
+              <a:ea typeface="나눔스퀘어" panose="020B0600000101010101" pitchFamily="50" charset="-127"/>
             </a:endParaRPr>
           </a:p>
         </p:txBody>
@@ -4947,14 +6963,14 @@
           <a:p>
             <a:r>
               <a:rPr lang="en-US" altLang="ko-KR" dirty="0">
-                <a:latin typeface="나눔스퀘어 네오 Regular" panose="00000500000000000000" pitchFamily="2" charset="-127"/>
-                <a:ea typeface="나눔스퀘어 네오 Regular" panose="00000500000000000000" pitchFamily="2" charset="-127"/>
+                <a:latin typeface="나눔스퀘어" panose="020B0600000101010101" pitchFamily="50" charset="-127"/>
+                <a:ea typeface="나눔스퀘어" panose="020B0600000101010101" pitchFamily="50" charset="-127"/>
               </a:rPr>
               <a:t>SEN</a:t>
             </a:r>
             <a:endParaRPr lang="ko-KR" altLang="en-US" dirty="0">
-              <a:latin typeface="나눔스퀘어 네오 Regular" panose="00000500000000000000" pitchFamily="2" charset="-127"/>
-              <a:ea typeface="나눔스퀘어 네오 Regular" panose="00000500000000000000" pitchFamily="2" charset="-127"/>
+              <a:latin typeface="나눔스퀘어" panose="020B0600000101010101" pitchFamily="50" charset="-127"/>
+              <a:ea typeface="나눔스퀘어" panose="020B0600000101010101" pitchFamily="50" charset="-127"/>
             </a:endParaRPr>
           </a:p>
         </p:txBody>
@@ -4973,8 +6989,8 @@
         </p:nvSpPr>
         <p:spPr>
           <a:xfrm>
-            <a:off x="436342" y="2445275"/>
-            <a:ext cx="2589244" cy="923330"/>
+            <a:off x="813993" y="2473784"/>
+            <a:ext cx="2940557" cy="646331"/>
           </a:xfrm>
           <a:prstGeom prst="rect">
             <a:avLst/>
@@ -4989,15 +7005,15 @@
           <a:p>
             <a:r>
               <a:rPr lang="en-US" altLang="ko-KR" dirty="0" err="1">
-                <a:latin typeface="나눔스퀘어 네오 Regular" panose="00000500000000000000" pitchFamily="2" charset="-127"/>
-                <a:ea typeface="나눔스퀘어 네오 Regular" panose="00000500000000000000" pitchFamily="2" charset="-127"/>
+                <a:latin typeface="나눔스퀘어" panose="020B0600000101010101" pitchFamily="50" charset="-127"/>
+                <a:ea typeface="나눔스퀘어" panose="020B0600000101010101" pitchFamily="50" charset="-127"/>
               </a:rPr>
               <a:t>Upsampling</a:t>
             </a:r>
             <a:r>
               <a:rPr lang="en-US" altLang="ko-KR" dirty="0">
-                <a:latin typeface="나눔스퀘어 네오 Regular" panose="00000500000000000000" pitchFamily="2" charset="-127"/>
-                <a:ea typeface="나눔스퀘어 네오 Regular" panose="00000500000000000000" pitchFamily="2" charset="-127"/>
+                <a:latin typeface="나눔스퀘어" panose="020B0600000101010101" pitchFamily="50" charset="-127"/>
+                <a:ea typeface="나눔스퀘어" panose="020B0600000101010101" pitchFamily="50" charset="-127"/>
               </a:rPr>
               <a:t> X, </a:t>
             </a:r>
@@ -5005,14 +7021,14 @@
           <a:p>
             <a:r>
               <a:rPr lang="en-US" altLang="ko-KR" dirty="0">
-                <a:latin typeface="나눔스퀘어 네오 Regular" panose="00000500000000000000" pitchFamily="2" charset="-127"/>
-                <a:ea typeface="나눔스퀘어 네오 Regular" panose="00000500000000000000" pitchFamily="2" charset="-127"/>
+                <a:latin typeface="나눔스퀘어" panose="020B0600000101010101" pitchFamily="50" charset="-127"/>
+                <a:ea typeface="나눔스퀘어" panose="020B0600000101010101" pitchFamily="50" charset="-127"/>
               </a:rPr>
               <a:t>class weight [0.72, 1.66]</a:t>
             </a:r>
             <a:endParaRPr lang="ko-KR" altLang="en-US" dirty="0">
-              <a:latin typeface="나눔스퀘어 네오 Regular" panose="00000500000000000000" pitchFamily="2" charset="-127"/>
-              <a:ea typeface="나눔스퀘어 네오 Regular" panose="00000500000000000000" pitchFamily="2" charset="-127"/>
+              <a:latin typeface="나눔스퀘어" panose="020B0600000101010101" pitchFamily="50" charset="-127"/>
+              <a:ea typeface="나눔스퀘어" panose="020B0600000101010101" pitchFamily="50" charset="-127"/>
             </a:endParaRPr>
           </a:p>
         </p:txBody>
@@ -5117,14 +7133,14 @@
           <a:p>
             <a:r>
               <a:rPr lang="en-US" altLang="ko-KR" dirty="0">
-                <a:latin typeface="나눔스퀘어 네오 Regular" panose="00000500000000000000" pitchFamily="2" charset="-127"/>
-                <a:ea typeface="나눔스퀘어 네오 Regular" panose="00000500000000000000" pitchFamily="2" charset="-127"/>
+                <a:latin typeface="나눔스퀘어" panose="020B0600000101010101" pitchFamily="50" charset="-127"/>
+                <a:ea typeface="나눔스퀘어" panose="020B0600000101010101" pitchFamily="50" charset="-127"/>
               </a:rPr>
               <a:t>SPE</a:t>
             </a:r>
             <a:endParaRPr lang="ko-KR" altLang="en-US" dirty="0">
-              <a:latin typeface="나눔스퀘어 네오 Regular" panose="00000500000000000000" pitchFamily="2" charset="-127"/>
-              <a:ea typeface="나눔스퀘어 네오 Regular" panose="00000500000000000000" pitchFamily="2" charset="-127"/>
+              <a:latin typeface="나눔스퀘어" panose="020B0600000101010101" pitchFamily="50" charset="-127"/>
+              <a:ea typeface="나눔스퀘어" panose="020B0600000101010101" pitchFamily="50" charset="-127"/>
             </a:endParaRPr>
           </a:p>
         </p:txBody>
@@ -5144,7 +7160,7 @@
         <p:spPr>
           <a:xfrm>
             <a:off x="10608746" y="4552"/>
-            <a:ext cx="657808" cy="646331"/>
+            <a:ext cx="657808" cy="369332"/>
           </a:xfrm>
           <a:prstGeom prst="rect">
             <a:avLst/>
@@ -5159,14 +7175,14 @@
           <a:p>
             <a:r>
               <a:rPr lang="en-US" altLang="ko-KR" dirty="0">
-                <a:latin typeface="나눔스퀘어 네오 Regular" panose="00000500000000000000" pitchFamily="2" charset="-127"/>
-                <a:ea typeface="나눔스퀘어 네오 Regular" panose="00000500000000000000" pitchFamily="2" charset="-127"/>
+                <a:latin typeface="나눔스퀘어" panose="020B0600000101010101" pitchFamily="50" charset="-127"/>
+                <a:ea typeface="나눔스퀘어" panose="020B0600000101010101" pitchFamily="50" charset="-127"/>
               </a:rPr>
               <a:t>BAC</a:t>
             </a:r>
             <a:endParaRPr lang="ko-KR" altLang="en-US" dirty="0">
-              <a:latin typeface="나눔스퀘어 네오 Regular" panose="00000500000000000000" pitchFamily="2" charset="-127"/>
-              <a:ea typeface="나눔스퀘어 네오 Regular" panose="00000500000000000000" pitchFamily="2" charset="-127"/>
+              <a:latin typeface="나눔스퀘어" panose="020B0600000101010101" pitchFamily="50" charset="-127"/>
+              <a:ea typeface="나눔스퀘어" panose="020B0600000101010101" pitchFamily="50" charset="-127"/>
             </a:endParaRPr>
           </a:p>
         </p:txBody>
@@ -5268,8 +7284,8 @@
         </p:blipFill>
         <p:spPr>
           <a:xfrm>
-            <a:off x="9427888" y="5243407"/>
-            <a:ext cx="2764112" cy="1735137"/>
+            <a:off x="9427888" y="5243408"/>
+            <a:ext cx="2764112" cy="1635022"/>
           </a:xfrm>
           <a:prstGeom prst="rect">
             <a:avLst/>
@@ -5373,8 +7389,8 @@
         </p:blipFill>
         <p:spPr>
           <a:xfrm>
-            <a:off x="3639333" y="5275979"/>
-            <a:ext cx="3218781" cy="1735137"/>
+            <a:off x="3639333" y="5275980"/>
+            <a:ext cx="3218781" cy="1661174"/>
           </a:xfrm>
           <a:prstGeom prst="rect">
             <a:avLst/>
@@ -5395,7 +7411,7 @@
         </p:nvSpPr>
         <p:spPr>
           <a:xfrm>
-            <a:off x="560750" y="4008603"/>
+            <a:off x="787655" y="4134629"/>
             <a:ext cx="2589244" cy="646331"/>
           </a:xfrm>
           <a:prstGeom prst="rect">
@@ -5411,15 +7427,15 @@
           <a:p>
             <a:r>
               <a:rPr lang="en-US" altLang="ko-KR" dirty="0" err="1">
-                <a:latin typeface="나눔스퀘어 네오 Regular" panose="00000500000000000000" pitchFamily="2" charset="-127"/>
-                <a:ea typeface="나눔스퀘어 네오 Regular" panose="00000500000000000000" pitchFamily="2" charset="-127"/>
+                <a:latin typeface="나눔스퀘어" panose="020B0600000101010101" pitchFamily="50" charset="-127"/>
+                <a:ea typeface="나눔스퀘어" panose="020B0600000101010101" pitchFamily="50" charset="-127"/>
               </a:rPr>
               <a:t>Upsampling</a:t>
             </a:r>
             <a:r>
               <a:rPr lang="en-US" altLang="ko-KR" dirty="0">
-                <a:latin typeface="나눔스퀘어 네오 Regular" panose="00000500000000000000" pitchFamily="2" charset="-127"/>
-                <a:ea typeface="나눔스퀘어 네오 Regular" panose="00000500000000000000" pitchFamily="2" charset="-127"/>
+                <a:latin typeface="나눔스퀘어" panose="020B0600000101010101" pitchFamily="50" charset="-127"/>
+                <a:ea typeface="나눔스퀘어" panose="020B0600000101010101" pitchFamily="50" charset="-127"/>
               </a:rPr>
               <a:t> O, </a:t>
             </a:r>
@@ -5427,14 +7443,14 @@
           <a:p>
             <a:r>
               <a:rPr lang="en-US" altLang="ko-KR" dirty="0">
-                <a:latin typeface="나눔스퀘어 네오 Regular" panose="00000500000000000000" pitchFamily="2" charset="-127"/>
-                <a:ea typeface="나눔스퀘어 네오 Regular" panose="00000500000000000000" pitchFamily="2" charset="-127"/>
+                <a:latin typeface="나눔스퀘어" panose="020B0600000101010101" pitchFamily="50" charset="-127"/>
+                <a:ea typeface="나눔스퀘어" panose="020B0600000101010101" pitchFamily="50" charset="-127"/>
               </a:rPr>
               <a:t>class weight [1.0, 1.0]</a:t>
             </a:r>
             <a:endParaRPr lang="ko-KR" altLang="en-US" dirty="0">
-              <a:latin typeface="나눔스퀘어 네오 Regular" panose="00000500000000000000" pitchFamily="2" charset="-127"/>
-              <a:ea typeface="나눔스퀘어 네오 Regular" panose="00000500000000000000" pitchFamily="2" charset="-127"/>
+              <a:latin typeface="나눔스퀘어" panose="020B0600000101010101" pitchFamily="50" charset="-127"/>
+              <a:ea typeface="나눔스퀘어" panose="020B0600000101010101" pitchFamily="50" charset="-127"/>
             </a:endParaRPr>
           </a:p>
         </p:txBody>
@@ -5453,8 +7469,8 @@
         </p:nvSpPr>
         <p:spPr>
           <a:xfrm>
-            <a:off x="560750" y="5464644"/>
-            <a:ext cx="2589244" cy="923330"/>
+            <a:off x="707622" y="5486202"/>
+            <a:ext cx="2860745" cy="646331"/>
           </a:xfrm>
           <a:prstGeom prst="rect">
             <a:avLst/>
@@ -5469,15 +7485,15 @@
           <a:p>
             <a:r>
               <a:rPr lang="en-US" altLang="ko-KR" dirty="0" err="1">
-                <a:latin typeface="나눔스퀘어 네오 Regular" panose="00000500000000000000" pitchFamily="2" charset="-127"/>
-                <a:ea typeface="나눔스퀘어 네오 Regular" panose="00000500000000000000" pitchFamily="2" charset="-127"/>
+                <a:latin typeface="나눔스퀘어" panose="020B0600000101010101" pitchFamily="50" charset="-127"/>
+                <a:ea typeface="나눔스퀘어" panose="020B0600000101010101" pitchFamily="50" charset="-127"/>
               </a:rPr>
               <a:t>Upsampling</a:t>
             </a:r>
             <a:r>
               <a:rPr lang="en-US" altLang="ko-KR" dirty="0">
-                <a:latin typeface="나눔스퀘어 네오 Regular" panose="00000500000000000000" pitchFamily="2" charset="-127"/>
-                <a:ea typeface="나눔스퀘어 네오 Regular" panose="00000500000000000000" pitchFamily="2" charset="-127"/>
+                <a:latin typeface="나눔스퀘어" panose="020B0600000101010101" pitchFamily="50" charset="-127"/>
+                <a:ea typeface="나눔스퀘어" panose="020B0600000101010101" pitchFamily="50" charset="-127"/>
               </a:rPr>
               <a:t> O, </a:t>
             </a:r>
@@ -5485,15 +7501,61 @@
           <a:p>
             <a:r>
               <a:rPr lang="en-US" altLang="ko-KR" dirty="0">
-                <a:latin typeface="나눔스퀘어 네오 Regular" panose="00000500000000000000" pitchFamily="2" charset="-127"/>
-                <a:ea typeface="나눔스퀘어 네오 Regular" panose="00000500000000000000" pitchFamily="2" charset="-127"/>
+                <a:latin typeface="나눔스퀘어" panose="020B0600000101010101" pitchFamily="50" charset="-127"/>
+                <a:ea typeface="나눔스퀘어" panose="020B0600000101010101" pitchFamily="50" charset="-127"/>
               </a:rPr>
               <a:t>class weight [0.72, 1.66]</a:t>
             </a:r>
             <a:endParaRPr lang="ko-KR" altLang="en-US" dirty="0">
-              <a:latin typeface="나눔스퀘어 네오 Regular" panose="00000500000000000000" pitchFamily="2" charset="-127"/>
-              <a:ea typeface="나눔스퀘어 네오 Regular" panose="00000500000000000000" pitchFamily="2" charset="-127"/>
+              <a:latin typeface="나눔스퀘어" panose="020B0600000101010101" pitchFamily="50" charset="-127"/>
+              <a:ea typeface="나눔스퀘어" panose="020B0600000101010101" pitchFamily="50" charset="-127"/>
             </a:endParaRPr>
+          </a:p>
+        </p:txBody>
+      </p:sp>
+      <p:sp>
+        <p:nvSpPr>
+          <p:cNvPr id="3" name="TextBox 2">
+            <a:extLst>
+              <a:ext uri="{FF2B5EF4-FFF2-40B4-BE49-F238E27FC236}">
+                <a16:creationId xmlns:a16="http://schemas.microsoft.com/office/drawing/2014/main" id="{C53367F8-E86A-9205-4BD0-52FAB154330E}"/>
+              </a:ext>
+            </a:extLst>
+          </p:cNvPr>
+          <p:cNvSpPr txBox="1"/>
+          <p:nvPr/>
+        </p:nvSpPr>
+        <p:spPr>
+          <a:xfrm>
+            <a:off x="164842" y="136616"/>
+            <a:ext cx="2173918" cy="369332"/>
+          </a:xfrm>
+          <a:prstGeom prst="rect">
+            <a:avLst/>
+          </a:prstGeom>
+          <a:noFill/>
+        </p:spPr>
+        <p:txBody>
+          <a:bodyPr wrap="square">
+            <a:spAutoFit/>
+          </a:bodyPr>
+          <a:lstStyle/>
+          <a:p>
+            <a:r>
+              <a:rPr lang="en-US" altLang="ko-KR" sz="1800" b="1">
+                <a:latin typeface="나눔스퀘어" panose="020B0600000101010101" pitchFamily="50" charset="-127"/>
+                <a:ea typeface="나눔스퀘어" panose="020B0600000101010101" pitchFamily="50" charset="-127"/>
+              </a:rPr>
+              <a:t>UCLA_CNP</a:t>
+            </a:r>
+            <a:r>
+              <a:rPr lang="ko-KR" altLang="en-US" sz="1800" b="1">
+                <a:latin typeface="나눔스퀘어" panose="020B0600000101010101" pitchFamily="50" charset="-127"/>
+                <a:ea typeface="나눔스퀘어" panose="020B0600000101010101" pitchFamily="50" charset="-127"/>
+              </a:rPr>
+              <a:t>만 사용 </a:t>
+            </a:r>
+            <a:endParaRPr lang="ko-KR" altLang="en-US" b="1"/>
           </a:p>
         </p:txBody>
       </p:sp>
@@ -5563,8 +7625,8 @@
             </a:pPr>
             <a:r>
               <a:rPr lang="en-US" altLang="ko-KR" sz="2400" dirty="0">
-                <a:latin typeface="나눔스퀘어 네오 Regular" panose="00000500000000000000" pitchFamily="2" charset="-127"/>
-                <a:ea typeface="나눔스퀘어 네오 Regular" panose="00000500000000000000" pitchFamily="2" charset="-127"/>
+                <a:latin typeface="나눔스퀘어" panose="020B0600000101010101" pitchFamily="50" charset="-127"/>
+                <a:ea typeface="나눔스퀘어" panose="020B0600000101010101" pitchFamily="50" charset="-127"/>
               </a:rPr>
               <a:t>fMRI data preprocessing</a:t>
             </a:r>
@@ -5578,21 +7640,21 @@
             </a:pPr>
             <a:r>
               <a:rPr lang="en-US" altLang="ko-KR" sz="2400" dirty="0">
-                <a:latin typeface="나눔스퀘어 네오 Regular" panose="00000500000000000000" pitchFamily="2" charset="-127"/>
-                <a:ea typeface="나눔스퀘어 네오 Regular" panose="00000500000000000000" pitchFamily="2" charset="-127"/>
+                <a:latin typeface="나눔스퀘어" panose="020B0600000101010101" pitchFamily="50" charset="-127"/>
+                <a:ea typeface="나눔스퀘어" panose="020B0600000101010101" pitchFamily="50" charset="-127"/>
               </a:rPr>
               <a:t>functional connectivity </a:t>
             </a:r>
             <a:r>
               <a:rPr lang="ko-KR" altLang="en-US" sz="2400" dirty="0">
-                <a:latin typeface="나눔스퀘어 네오 Regular" panose="00000500000000000000" pitchFamily="2" charset="-127"/>
-                <a:ea typeface="나눔스퀘어 네오 Regular" panose="00000500000000000000" pitchFamily="2" charset="-127"/>
+                <a:latin typeface="나눔스퀘어" panose="020B0600000101010101" pitchFamily="50" charset="-127"/>
+                <a:ea typeface="나눔스퀘어" panose="020B0600000101010101" pitchFamily="50" charset="-127"/>
               </a:rPr>
               <a:t>제작</a:t>
             </a:r>
             <a:endParaRPr lang="en-US" altLang="ko-KR" sz="2400" dirty="0">
-              <a:latin typeface="나눔스퀘어 네오 Regular" panose="00000500000000000000" pitchFamily="2" charset="-127"/>
-              <a:ea typeface="나눔스퀘어 네오 Regular" panose="00000500000000000000" pitchFamily="2" charset="-127"/>
+              <a:latin typeface="나눔스퀘어" panose="020B0600000101010101" pitchFamily="50" charset="-127"/>
+              <a:ea typeface="나눔스퀘어" panose="020B0600000101010101" pitchFamily="50" charset="-127"/>
             </a:endParaRPr>
           </a:p>
           <a:p>
@@ -5604,21 +7666,21 @@
             </a:pPr>
             <a:r>
               <a:rPr lang="en-US" altLang="ko-KR" sz="2400" dirty="0">
-                <a:latin typeface="나눔스퀘어 네오 Regular" panose="00000500000000000000" pitchFamily="2" charset="-127"/>
-                <a:ea typeface="나눔스퀘어 네오 Regular" panose="00000500000000000000" pitchFamily="2" charset="-127"/>
+                <a:latin typeface="나눔스퀘어" panose="020B0600000101010101" pitchFamily="50" charset="-127"/>
+                <a:ea typeface="나눔스퀘어" panose="020B0600000101010101" pitchFamily="50" charset="-127"/>
               </a:rPr>
               <a:t>Graph </a:t>
             </a:r>
             <a:r>
               <a:rPr lang="ko-KR" altLang="en-US" sz="2400" dirty="0">
-                <a:latin typeface="나눔스퀘어 네오 Regular" panose="00000500000000000000" pitchFamily="2" charset="-127"/>
-                <a:ea typeface="나눔스퀘어 네오 Regular" panose="00000500000000000000" pitchFamily="2" charset="-127"/>
+                <a:latin typeface="나눔스퀘어" panose="020B0600000101010101" pitchFamily="50" charset="-127"/>
+                <a:ea typeface="나눔스퀘어" panose="020B0600000101010101" pitchFamily="50" charset="-127"/>
               </a:rPr>
               <a:t>데이터 변환</a:t>
             </a:r>
             <a:endParaRPr lang="en-US" altLang="ko-KR" sz="2400" dirty="0">
-              <a:latin typeface="나눔스퀘어 네오 Regular" panose="00000500000000000000" pitchFamily="2" charset="-127"/>
-              <a:ea typeface="나눔스퀘어 네오 Regular" panose="00000500000000000000" pitchFamily="2" charset="-127"/>
+              <a:latin typeface="나눔스퀘어" panose="020B0600000101010101" pitchFamily="50" charset="-127"/>
+              <a:ea typeface="나눔스퀘어" panose="020B0600000101010101" pitchFamily="50" charset="-127"/>
             </a:endParaRPr>
           </a:p>
           <a:p>
@@ -5630,21 +7692,21 @@
             </a:pPr>
             <a:r>
               <a:rPr lang="en-US" altLang="ko-KR" sz="2400" dirty="0">
-                <a:latin typeface="나눔스퀘어 네오 Regular" panose="00000500000000000000" pitchFamily="2" charset="-127"/>
-                <a:ea typeface="나눔스퀘어 네오 Regular" panose="00000500000000000000" pitchFamily="2" charset="-127"/>
+                <a:latin typeface="나눔스퀘어" panose="020B0600000101010101" pitchFamily="50" charset="-127"/>
+                <a:ea typeface="나눔스퀘어" panose="020B0600000101010101" pitchFamily="50" charset="-127"/>
               </a:rPr>
               <a:t>GCN model </a:t>
             </a:r>
             <a:r>
               <a:rPr lang="ko-KR" altLang="en-US" sz="2400" dirty="0">
-                <a:latin typeface="나눔스퀘어 네오 Regular" panose="00000500000000000000" pitchFamily="2" charset="-127"/>
-                <a:ea typeface="나눔스퀘어 네오 Regular" panose="00000500000000000000" pitchFamily="2" charset="-127"/>
+                <a:latin typeface="나눔스퀘어" panose="020B0600000101010101" pitchFamily="50" charset="-127"/>
+                <a:ea typeface="나눔스퀘어" panose="020B0600000101010101" pitchFamily="50" charset="-127"/>
               </a:rPr>
               <a:t>구축</a:t>
             </a:r>
             <a:endParaRPr lang="en-US" altLang="ko-KR" sz="2400" dirty="0">
-              <a:latin typeface="나눔스퀘어 네오 Regular" panose="00000500000000000000" pitchFamily="2" charset="-127"/>
-              <a:ea typeface="나눔스퀘어 네오 Regular" panose="00000500000000000000" pitchFamily="2" charset="-127"/>
+              <a:latin typeface="나눔스퀘어" panose="020B0600000101010101" pitchFamily="50" charset="-127"/>
+              <a:ea typeface="나눔스퀘어" panose="020B0600000101010101" pitchFamily="50" charset="-127"/>
             </a:endParaRPr>
           </a:p>
           <a:p>
@@ -5656,21 +7718,21 @@
             </a:pPr>
             <a:r>
               <a:rPr lang="en-US" altLang="ko-KR" sz="2400" dirty="0">
-                <a:latin typeface="나눔스퀘어 네오 Regular" panose="00000500000000000000" pitchFamily="2" charset="-127"/>
-                <a:ea typeface="나눔스퀘어 네오 Regular" panose="00000500000000000000" pitchFamily="2" charset="-127"/>
+                <a:latin typeface="나눔스퀘어" panose="020B0600000101010101" pitchFamily="50" charset="-127"/>
+                <a:ea typeface="나눔스퀘어" panose="020B0600000101010101" pitchFamily="50" charset="-127"/>
               </a:rPr>
               <a:t>schizophrenia </a:t>
             </a:r>
             <a:r>
               <a:rPr lang="ko-KR" altLang="en-US" sz="2400" dirty="0">
-                <a:latin typeface="나눔스퀘어 네오 Regular" panose="00000500000000000000" pitchFamily="2" charset="-127"/>
-                <a:ea typeface="나눔스퀘어 네오 Regular" panose="00000500000000000000" pitchFamily="2" charset="-127"/>
+                <a:latin typeface="나눔스퀘어" panose="020B0600000101010101" pitchFamily="50" charset="-127"/>
+                <a:ea typeface="나눔스퀘어" panose="020B0600000101010101" pitchFamily="50" charset="-127"/>
               </a:rPr>
               <a:t>환자 분류</a:t>
             </a:r>
             <a:endParaRPr lang="en-US" altLang="ko-KR" sz="2400" dirty="0">
-              <a:latin typeface="나눔스퀘어 네오 Regular" panose="00000500000000000000" pitchFamily="2" charset="-127"/>
-              <a:ea typeface="나눔스퀘어 네오 Regular" panose="00000500000000000000" pitchFamily="2" charset="-127"/>
+              <a:latin typeface="나눔스퀘어" panose="020B0600000101010101" pitchFamily="50" charset="-127"/>
+              <a:ea typeface="나눔스퀘어" panose="020B0600000101010101" pitchFamily="50" charset="-127"/>
             </a:endParaRPr>
           </a:p>
           <a:p>
@@ -5681,57 +7743,57 @@
             </a:pPr>
             <a:r>
               <a:rPr lang="en-US" altLang="ko-KR" sz="2400" dirty="0">
-                <a:latin typeface="나눔스퀘어 네오 Regular" panose="00000500000000000000" pitchFamily="2" charset="-127"/>
-                <a:ea typeface="나눔스퀘어 네오 Regular" panose="00000500000000000000" pitchFamily="2" charset="-127"/>
+                <a:latin typeface="나눔스퀘어" panose="020B0600000101010101" pitchFamily="50" charset="-127"/>
+                <a:ea typeface="나눔스퀘어" panose="020B0600000101010101" pitchFamily="50" charset="-127"/>
               </a:rPr>
               <a:t>- </a:t>
             </a:r>
             <a:r>
               <a:rPr lang="ko-KR" altLang="en-US" sz="2400" dirty="0">
-                <a:latin typeface="나눔스퀘어 네오 Regular" panose="00000500000000000000" pitchFamily="2" charset="-127"/>
-                <a:ea typeface="나눔스퀘어 네오 Regular" panose="00000500000000000000" pitchFamily="2" charset="-127"/>
+                <a:latin typeface="나눔스퀘어" panose="020B0600000101010101" pitchFamily="50" charset="-127"/>
+                <a:ea typeface="나눔스퀘어" panose="020B0600000101010101" pitchFamily="50" charset="-127"/>
               </a:rPr>
               <a:t>목표 </a:t>
             </a:r>
             <a:r>
               <a:rPr lang="en-US" altLang="ko-KR" sz="2400" dirty="0">
-                <a:latin typeface="나눔스퀘어 네오 Regular" panose="00000500000000000000" pitchFamily="2" charset="-127"/>
-                <a:ea typeface="나눔스퀘어 네오 Regular" panose="00000500000000000000" pitchFamily="2" charset="-127"/>
+                <a:latin typeface="나눔스퀘어" panose="020B0600000101010101" pitchFamily="50" charset="-127"/>
+                <a:ea typeface="나눔스퀘어" panose="020B0600000101010101" pitchFamily="50" charset="-127"/>
               </a:rPr>
               <a:t>: </a:t>
             </a:r>
             <a:r>
               <a:rPr lang="ko-KR" altLang="en-US" sz="2400" dirty="0">
-                <a:latin typeface="나눔스퀘어 네오 Regular" panose="00000500000000000000" pitchFamily="2" charset="-127"/>
-                <a:ea typeface="나눔스퀘어 네오 Regular" panose="00000500000000000000" pitchFamily="2" charset="-127"/>
+                <a:latin typeface="나눔스퀘어" panose="020B0600000101010101" pitchFamily="50" charset="-127"/>
+                <a:ea typeface="나눔스퀘어" panose="020B0600000101010101" pitchFamily="50" charset="-127"/>
               </a:rPr>
               <a:t>선행연구에서의</a:t>
             </a:r>
             <a:r>
               <a:rPr lang="en-US" altLang="ko-KR" sz="2400" dirty="0">
-                <a:latin typeface="나눔스퀘어 네오 Regular" panose="00000500000000000000" pitchFamily="2" charset="-127"/>
-                <a:ea typeface="나눔스퀘어 네오 Regular" panose="00000500000000000000" pitchFamily="2" charset="-127"/>
+                <a:latin typeface="나눔스퀘어" panose="020B0600000101010101" pitchFamily="50" charset="-127"/>
+                <a:ea typeface="나눔스퀘어" panose="020B0600000101010101" pitchFamily="50" charset="-127"/>
               </a:rPr>
               <a:t> BAC 85.8% </a:t>
             </a:r>
             <a:r>
               <a:rPr lang="en-US" altLang="ko-KR" sz="2000" dirty="0">
-                <a:latin typeface="나눔스퀘어 네오 Regular" panose="00000500000000000000" pitchFamily="2" charset="-127"/>
-                <a:ea typeface="나눔스퀘어 네오 Regular" panose="00000500000000000000" pitchFamily="2" charset="-127"/>
+                <a:latin typeface="나눔스퀘어" panose="020B0600000101010101" pitchFamily="50" charset="-127"/>
+                <a:ea typeface="나눔스퀘어" panose="020B0600000101010101" pitchFamily="50" charset="-127"/>
               </a:rPr>
               <a:t>(SEN 74.0%, SPE 97.6%)</a:t>
             </a:r>
             <a:r>
               <a:rPr lang="ko-KR" altLang="en-US" sz="2400" dirty="0">
-                <a:latin typeface="나눔스퀘어 네오 Regular" panose="00000500000000000000" pitchFamily="2" charset="-127"/>
-                <a:ea typeface="나눔스퀘어 네오 Regular" panose="00000500000000000000" pitchFamily="2" charset="-127"/>
+                <a:latin typeface="나눔스퀘어" panose="020B0600000101010101" pitchFamily="50" charset="-127"/>
+                <a:ea typeface="나눔스퀘어" panose="020B0600000101010101" pitchFamily="50" charset="-127"/>
               </a:rPr>
               <a:t>에 근접한 성능의 </a:t>
             </a:r>
             <a:r>
               <a:rPr lang="en-US" altLang="ko-KR" sz="2400" dirty="0">
-                <a:latin typeface="나눔스퀘어 네오 Regular" panose="00000500000000000000" pitchFamily="2" charset="-127"/>
-                <a:ea typeface="나눔스퀘어 네오 Regular" panose="00000500000000000000" pitchFamily="2" charset="-127"/>
+                <a:latin typeface="나눔스퀘어" panose="020B0600000101010101" pitchFamily="50" charset="-127"/>
+                <a:ea typeface="나눔스퀘어" panose="020B0600000101010101" pitchFamily="50" charset="-127"/>
               </a:rPr>
               <a:t>model</a:t>
             </a:r>
@@ -5816,10 +7878,16 @@
           </a:lstStyle>
           <a:p>
             <a:r>
-              <a:rPr lang="en-US" altLang="ko-KR" sz="3200" dirty="0"/>
+              <a:rPr lang="en-US" altLang="ko-KR" sz="3200" dirty="0">
+                <a:latin typeface="나눔스퀘어" panose="020B0600000101010101" pitchFamily="50" charset="-127"/>
+                <a:ea typeface="나눔스퀘어" panose="020B0600000101010101" pitchFamily="50" charset="-127"/>
+              </a:rPr>
               <a:t>0. Dataset</a:t>
             </a:r>
-            <a:endParaRPr lang="ko-KR" altLang="en-US" sz="3200" dirty="0"/>
+            <a:endParaRPr lang="ko-KR" altLang="en-US" sz="3200" dirty="0">
+              <a:latin typeface="나눔스퀘어" panose="020B0600000101010101" pitchFamily="50" charset="-127"/>
+              <a:ea typeface="나눔스퀘어" panose="020B0600000101010101" pitchFamily="50" charset="-127"/>
+            </a:endParaRPr>
           </a:p>
         </p:txBody>
       </p:sp>
@@ -5853,43 +7921,43 @@
           <a:p>
             <a:r>
               <a:rPr lang="en-US" altLang="ko-KR" sz="2400" b="1" dirty="0">
-                <a:latin typeface="나눔스퀘어 네오 Regular" panose="00000500000000000000" pitchFamily="2" charset="-127"/>
-                <a:ea typeface="나눔스퀘어 네오 Regular" panose="00000500000000000000" pitchFamily="2" charset="-127"/>
+                <a:latin typeface="나눔스퀘어" panose="020B0600000101010101" pitchFamily="50" charset="-127"/>
+                <a:ea typeface="나눔스퀘어" panose="020B0600000101010101" pitchFamily="50" charset="-127"/>
               </a:rPr>
               <a:t>Dataset 1 (UCLA_CNP) </a:t>
             </a:r>
             <a:r>
               <a:rPr lang="en-US" altLang="ko-KR" sz="2400" dirty="0">
-                <a:latin typeface="나눔스퀘어 네오 Regular" panose="00000500000000000000" pitchFamily="2" charset="-127"/>
-                <a:ea typeface="나눔스퀘어 네오 Regular" panose="00000500000000000000" pitchFamily="2" charset="-127"/>
+                <a:latin typeface="나눔스퀘어" panose="020B0600000101010101" pitchFamily="50" charset="-127"/>
+                <a:ea typeface="나눔스퀘어" panose="020B0600000101010101" pitchFamily="50" charset="-127"/>
               </a:rPr>
               <a:t>: </a:t>
             </a:r>
             <a:r>
               <a:rPr lang="ko-KR" altLang="en-US" sz="2400" dirty="0">
-                <a:latin typeface="나눔스퀘어 네오 Regular" panose="00000500000000000000" pitchFamily="2" charset="-127"/>
-                <a:ea typeface="나눔스퀘어 네오 Regular" panose="00000500000000000000" pitchFamily="2" charset="-127"/>
+                <a:latin typeface="나눔스퀘어" panose="020B0600000101010101" pitchFamily="50" charset="-127"/>
+                <a:ea typeface="나눔스퀘어" panose="020B0600000101010101" pitchFamily="50" charset="-127"/>
               </a:rPr>
               <a:t>총</a:t>
             </a:r>
             <a:r>
               <a:rPr lang="en-US" altLang="ko-KR" sz="2400" dirty="0">
-                <a:latin typeface="나눔스퀘어 네오 Regular" panose="00000500000000000000" pitchFamily="2" charset="-127"/>
-                <a:ea typeface="나눔스퀘어 네오 Regular" panose="00000500000000000000" pitchFamily="2" charset="-127"/>
+                <a:latin typeface="나눔스퀘어" panose="020B0600000101010101" pitchFamily="50" charset="-127"/>
+                <a:ea typeface="나눔스퀘어" panose="020B0600000101010101" pitchFamily="50" charset="-127"/>
               </a:rPr>
               <a:t> 180</a:t>
             </a:r>
             <a:r>
               <a:rPr lang="ko-KR" altLang="en-US" sz="2400" dirty="0">
-                <a:latin typeface="나눔스퀘어 네오 Regular" panose="00000500000000000000" pitchFamily="2" charset="-127"/>
-                <a:ea typeface="나눔스퀘어 네오 Regular" panose="00000500000000000000" pitchFamily="2" charset="-127"/>
+                <a:latin typeface="나눔스퀘어" panose="020B0600000101010101" pitchFamily="50" charset="-127"/>
+                <a:ea typeface="나눔스퀘어" panose="020B0600000101010101" pitchFamily="50" charset="-127"/>
               </a:rPr>
               <a:t>명 </a:t>
             </a:r>
             <a:r>
               <a:rPr lang="en-US" altLang="ko-KR" sz="2400" dirty="0">
-                <a:latin typeface="나눔스퀘어 네오 Regular" panose="00000500000000000000" pitchFamily="2" charset="-127"/>
-                <a:ea typeface="나눔스퀘어 네오 Regular" panose="00000500000000000000" pitchFamily="2" charset="-127"/>
+                <a:latin typeface="나눔스퀘어" panose="020B0600000101010101" pitchFamily="50" charset="-127"/>
+                <a:ea typeface="나눔스퀘어" panose="020B0600000101010101" pitchFamily="50" charset="-127"/>
               </a:rPr>
               <a:t>(HC 130, SCZ 50)</a:t>
             </a:r>
@@ -5897,76 +7965,83 @@
           <a:p>
             <a:r>
               <a:rPr lang="en-US" altLang="ko-KR" sz="2400" dirty="0">
-                <a:latin typeface="나눔스퀘어 네오 Regular" panose="00000500000000000000" pitchFamily="2" charset="-127"/>
-                <a:ea typeface="나눔스퀘어 네오 Regular" panose="00000500000000000000" pitchFamily="2" charset="-127"/>
-              </a:rPr>
-              <a:t>			            </a:t>
-            </a:r>
-            <a:r>
-              <a:rPr lang="ko-KR" altLang="en-US" sz="2400" dirty="0" err="1">
-                <a:latin typeface="나눔스퀘어 네오 Regular" panose="00000500000000000000" pitchFamily="2" charset="-127"/>
-                <a:ea typeface="나눔스퀘어 네오 Regular" panose="00000500000000000000" pitchFamily="2" charset="-127"/>
-              </a:rPr>
-              <a:t>전처리</a:t>
+                <a:latin typeface="나눔스퀘어" panose="020B0600000101010101" pitchFamily="50" charset="-127"/>
+                <a:ea typeface="나눔스퀘어" panose="020B0600000101010101" pitchFamily="50" charset="-127"/>
+              </a:rPr>
+              <a:t>			</a:t>
+            </a:r>
+            <a:r>
+              <a:rPr lang="en-US" altLang="ko-KR" sz="2400">
+                <a:latin typeface="나눔스퀘어" panose="020B0600000101010101" pitchFamily="50" charset="-127"/>
+                <a:ea typeface="나눔스퀘어" panose="020B0600000101010101" pitchFamily="50" charset="-127"/>
+              </a:rPr>
+              <a:t>        </a:t>
+            </a:r>
+            <a:r>
+              <a:rPr lang="ko-KR" altLang="en-US" sz="2400">
+                <a:latin typeface="나눔스퀘어" panose="020B0600000101010101" pitchFamily="50" charset="-127"/>
+                <a:ea typeface="나눔스퀘어" panose="020B0600000101010101" pitchFamily="50" charset="-127"/>
+              </a:rPr>
+              <a:t>전처리 </a:t>
             </a:r>
             <a:r>
               <a:rPr lang="ko-KR" altLang="en-US" sz="2400" dirty="0">
-                <a:latin typeface="나눔스퀘어 네오 Regular" panose="00000500000000000000" pitchFamily="2" charset="-127"/>
-                <a:ea typeface="나눔스퀘어 네오 Regular" panose="00000500000000000000" pitchFamily="2" charset="-127"/>
-              </a:rPr>
-              <a:t> 완료</a:t>
+                <a:latin typeface="나눔스퀘어" panose="020B0600000101010101" pitchFamily="50" charset="-127"/>
+                <a:ea typeface="나눔스퀘어" panose="020B0600000101010101" pitchFamily="50" charset="-127"/>
+              </a:rPr>
+              <a:t>완료</a:t>
             </a:r>
             <a:endParaRPr lang="en-US" altLang="ko-KR" sz="2400" dirty="0">
-              <a:latin typeface="나눔스퀘어 네오 Regular" panose="00000500000000000000" pitchFamily="2" charset="-127"/>
-              <a:ea typeface="나눔스퀘어 네오 Regular" panose="00000500000000000000" pitchFamily="2" charset="-127"/>
+              <a:latin typeface="나눔스퀘어" panose="020B0600000101010101" pitchFamily="50" charset="-127"/>
+              <a:ea typeface="나눔스퀘어" panose="020B0600000101010101" pitchFamily="50" charset="-127"/>
             </a:endParaRPr>
           </a:p>
           <a:p>
             <a:endParaRPr lang="en-US" altLang="ko-KR" sz="2400" dirty="0">
-              <a:latin typeface="나눔스퀘어 네오 Regular" panose="00000500000000000000" pitchFamily="2" charset="-127"/>
-              <a:ea typeface="나눔스퀘어 네오 Regular" panose="00000500000000000000" pitchFamily="2" charset="-127"/>
+              <a:latin typeface="나눔스퀘어" panose="020B0600000101010101" pitchFamily="50" charset="-127"/>
+              <a:ea typeface="나눔스퀘어" panose="020B0600000101010101" pitchFamily="50" charset="-127"/>
             </a:endParaRPr>
           </a:p>
           <a:p>
             <a:r>
               <a:rPr lang="en-US" altLang="ko-KR" sz="2400" b="1" dirty="0">
-                <a:latin typeface="나눔스퀘어 네오 Regular" panose="00000500000000000000" pitchFamily="2" charset="-127"/>
-                <a:ea typeface="나눔스퀘어 네오 Regular" panose="00000500000000000000" pitchFamily="2" charset="-127"/>
+                <a:latin typeface="나눔스퀘어" panose="020B0600000101010101" pitchFamily="50" charset="-127"/>
+                <a:ea typeface="나눔스퀘어" panose="020B0600000101010101" pitchFamily="50" charset="-127"/>
               </a:rPr>
               <a:t>Dataset 2 (COBRE) </a:t>
             </a:r>
             <a:r>
               <a:rPr lang="en-US" altLang="ko-KR" sz="2400" dirty="0">
-                <a:latin typeface="나눔스퀘어 네오 Regular" panose="00000500000000000000" pitchFamily="2" charset="-127"/>
-                <a:ea typeface="나눔스퀘어 네오 Regular" panose="00000500000000000000" pitchFamily="2" charset="-127"/>
+                <a:latin typeface="나눔스퀘어" panose="020B0600000101010101" pitchFamily="50" charset="-127"/>
+                <a:ea typeface="나눔스퀘어" panose="020B0600000101010101" pitchFamily="50" charset="-127"/>
               </a:rPr>
               <a:t>: </a:t>
             </a:r>
             <a:r>
               <a:rPr lang="ko-KR" altLang="en-US" sz="2400" dirty="0">
-                <a:latin typeface="나눔스퀘어 네오 Regular" panose="00000500000000000000" pitchFamily="2" charset="-127"/>
-                <a:ea typeface="나눔스퀘어 네오 Regular" panose="00000500000000000000" pitchFamily="2" charset="-127"/>
+                <a:latin typeface="나눔스퀘어" panose="020B0600000101010101" pitchFamily="50" charset="-127"/>
+                <a:ea typeface="나눔스퀘어" panose="020B0600000101010101" pitchFamily="50" charset="-127"/>
               </a:rPr>
               <a:t>총 </a:t>
             </a:r>
             <a:r>
               <a:rPr lang="en-US" altLang="ko-KR" sz="2400" dirty="0">
-                <a:latin typeface="나눔스퀘어 네오 Regular" panose="00000500000000000000" pitchFamily="2" charset="-127"/>
-                <a:ea typeface="나눔스퀘어 네오 Regular" panose="00000500000000000000" pitchFamily="2" charset="-127"/>
+                <a:latin typeface="나눔스퀘어" panose="020B0600000101010101" pitchFamily="50" charset="-127"/>
+                <a:ea typeface="나눔스퀘어" panose="020B0600000101010101" pitchFamily="50" charset="-127"/>
               </a:rPr>
               <a:t>144</a:t>
             </a:r>
             <a:r>
               <a:rPr lang="ko-KR" altLang="en-US" sz="2400" dirty="0">
-                <a:latin typeface="나눔스퀘어 네오 Regular" panose="00000500000000000000" pitchFamily="2" charset="-127"/>
-                <a:ea typeface="나눔스퀘어 네오 Regular" panose="00000500000000000000" pitchFamily="2" charset="-127"/>
+                <a:latin typeface="나눔스퀘어" panose="020B0600000101010101" pitchFamily="50" charset="-127"/>
+                <a:ea typeface="나눔스퀘어" panose="020B0600000101010101" pitchFamily="50" charset="-127"/>
               </a:rPr>
               <a:t>명 </a:t>
             </a:r>
             <a:r>
               <a:rPr lang="en-US" altLang="ko-KR" sz="2400" dirty="0">
-                <a:latin typeface="나눔스퀘어 네오 Regular" panose="00000500000000000000" pitchFamily="2" charset="-127"/>
-                <a:ea typeface="나눔스퀘어 네오 Regular" panose="00000500000000000000" pitchFamily="2" charset="-127"/>
+                <a:latin typeface="나눔스퀘어" panose="020B0600000101010101" pitchFamily="50" charset="-127"/>
+                <a:ea typeface="나눔스퀘어" panose="020B0600000101010101" pitchFamily="50" charset="-127"/>
               </a:rPr>
               <a:t>(HC 73, SCZ 71)</a:t>
             </a:r>
@@ -5974,112 +8049,126 @@
           <a:p>
             <a:r>
               <a:rPr lang="en-US" altLang="ko-KR" sz="2400" dirty="0">
-                <a:latin typeface="나눔스퀘어 네오 Regular" panose="00000500000000000000" pitchFamily="2" charset="-127"/>
-                <a:ea typeface="나눔스퀘어 네오 Regular" panose="00000500000000000000" pitchFamily="2" charset="-127"/>
-              </a:rPr>
-              <a:t>		                </a:t>
-            </a:r>
-            <a:r>
-              <a:rPr lang="ko-KR" altLang="en-US" sz="2400" dirty="0" err="1">
-                <a:latin typeface="나눔스퀘어 네오 Regular" panose="00000500000000000000" pitchFamily="2" charset="-127"/>
-                <a:ea typeface="나눔스퀘어 네오 Regular" panose="00000500000000000000" pitchFamily="2" charset="-127"/>
-              </a:rPr>
-              <a:t>전처리</a:t>
+                <a:latin typeface="나눔스퀘어" panose="020B0600000101010101" pitchFamily="50" charset="-127"/>
+                <a:ea typeface="나눔스퀘어" panose="020B0600000101010101" pitchFamily="50" charset="-127"/>
+              </a:rPr>
+              <a:t>		</a:t>
+            </a:r>
+            <a:r>
+              <a:rPr lang="en-US" altLang="ko-KR" sz="2400">
+                <a:latin typeface="나눔스퀘어" panose="020B0600000101010101" pitchFamily="50" charset="-127"/>
+                <a:ea typeface="나눔스퀘어" panose="020B0600000101010101" pitchFamily="50" charset="-127"/>
+              </a:rPr>
+              <a:t>             </a:t>
+            </a:r>
+            <a:r>
+              <a:rPr lang="ko-KR" altLang="en-US" sz="2400">
+                <a:latin typeface="나눔스퀘어" panose="020B0600000101010101" pitchFamily="50" charset="-127"/>
+                <a:ea typeface="나눔스퀘어" panose="020B0600000101010101" pitchFamily="50" charset="-127"/>
+              </a:rPr>
+              <a:t>전처리 </a:t>
             </a:r>
             <a:r>
               <a:rPr lang="ko-KR" altLang="en-US" sz="2400" dirty="0">
-                <a:latin typeface="나눔스퀘어 네오 Regular" panose="00000500000000000000" pitchFamily="2" charset="-127"/>
-                <a:ea typeface="나눔스퀘어 네오 Regular" panose="00000500000000000000" pitchFamily="2" charset="-127"/>
-              </a:rPr>
-              <a:t> 완료</a:t>
+                <a:latin typeface="나눔스퀘어" panose="020B0600000101010101" pitchFamily="50" charset="-127"/>
+                <a:ea typeface="나눔스퀘어" panose="020B0600000101010101" pitchFamily="50" charset="-127"/>
+              </a:rPr>
+              <a:t>완료</a:t>
             </a:r>
             <a:endParaRPr lang="en-US" altLang="ko-KR" sz="2400" dirty="0">
-              <a:latin typeface="나눔스퀘어 네오 Regular" panose="00000500000000000000" pitchFamily="2" charset="-127"/>
-              <a:ea typeface="나눔스퀘어 네오 Regular" panose="00000500000000000000" pitchFamily="2" charset="-127"/>
+              <a:latin typeface="나눔스퀘어" panose="020B0600000101010101" pitchFamily="50" charset="-127"/>
+              <a:ea typeface="나눔스퀘어" panose="020B0600000101010101" pitchFamily="50" charset="-127"/>
             </a:endParaRPr>
           </a:p>
           <a:p>
             <a:endParaRPr lang="en-US" altLang="ko-KR" sz="2400" dirty="0">
-              <a:latin typeface="나눔스퀘어 네오 Regular" panose="00000500000000000000" pitchFamily="2" charset="-127"/>
-              <a:ea typeface="나눔스퀘어 네오 Regular" panose="00000500000000000000" pitchFamily="2" charset="-127"/>
+              <a:latin typeface="나눔스퀘어" panose="020B0600000101010101" pitchFamily="50" charset="-127"/>
+              <a:ea typeface="나눔스퀘어" panose="020B0600000101010101" pitchFamily="50" charset="-127"/>
             </a:endParaRPr>
           </a:p>
           <a:p>
             <a:r>
               <a:rPr lang="en-US" altLang="ko-KR" sz="2400" b="1" dirty="0">
-                <a:latin typeface="나눔스퀘어 네오 Regular" panose="00000500000000000000" pitchFamily="2" charset="-127"/>
-                <a:ea typeface="나눔스퀘어 네오 Regular" panose="00000500000000000000" pitchFamily="2" charset="-127"/>
+                <a:latin typeface="나눔스퀘어" panose="020B0600000101010101" pitchFamily="50" charset="-127"/>
+                <a:ea typeface="나눔스퀘어" panose="020B0600000101010101" pitchFamily="50" charset="-127"/>
               </a:rPr>
               <a:t>Dataset 3 (DecNef-SRPBS_1600) </a:t>
             </a:r>
             <a:r>
               <a:rPr lang="en-US" altLang="ko-KR" sz="2400" dirty="0">
-                <a:latin typeface="나눔스퀘어 네오 Regular" panose="00000500000000000000" pitchFamily="2" charset="-127"/>
-                <a:ea typeface="나눔스퀘어 네오 Regular" panose="00000500000000000000" pitchFamily="2" charset="-127"/>
+                <a:latin typeface="나눔스퀘어" panose="020B0600000101010101" pitchFamily="50" charset="-127"/>
+                <a:ea typeface="나눔스퀘어" panose="020B0600000101010101" pitchFamily="50" charset="-127"/>
               </a:rPr>
               <a:t>: </a:t>
             </a:r>
             <a:r>
               <a:rPr lang="ko-KR" altLang="en-US" sz="2400" dirty="0">
-                <a:latin typeface="나눔스퀘어 네오 Regular" panose="00000500000000000000" pitchFamily="2" charset="-127"/>
-                <a:ea typeface="나눔스퀘어 네오 Regular" panose="00000500000000000000" pitchFamily="2" charset="-127"/>
+                <a:latin typeface="나눔스퀘어" panose="020B0600000101010101" pitchFamily="50" charset="-127"/>
+                <a:ea typeface="나눔스퀘어" panose="020B0600000101010101" pitchFamily="50" charset="-127"/>
               </a:rPr>
               <a:t>총</a:t>
             </a:r>
             <a:r>
               <a:rPr lang="en-US" altLang="ko-KR" sz="2400" dirty="0">
-                <a:latin typeface="나눔스퀘어 네오 Regular" panose="00000500000000000000" pitchFamily="2" charset="-127"/>
-                <a:ea typeface="나눔스퀘어 네오 Regular" panose="00000500000000000000" pitchFamily="2" charset="-127"/>
+                <a:latin typeface="나눔스퀘어" panose="020B0600000101010101" pitchFamily="50" charset="-127"/>
+                <a:ea typeface="나눔스퀘어" panose="020B0600000101010101" pitchFamily="50" charset="-127"/>
               </a:rPr>
               <a:t> 1627</a:t>
             </a:r>
             <a:r>
               <a:rPr lang="ko-KR" altLang="en-US" sz="2400" dirty="0">
-                <a:latin typeface="나눔스퀘어 네오 Regular" panose="00000500000000000000" pitchFamily="2" charset="-127"/>
-                <a:ea typeface="나눔스퀘어 네오 Regular" panose="00000500000000000000" pitchFamily="2" charset="-127"/>
+                <a:latin typeface="나눔스퀘어" panose="020B0600000101010101" pitchFamily="50" charset="-127"/>
+                <a:ea typeface="나눔스퀘어" panose="020B0600000101010101" pitchFamily="50" charset="-127"/>
               </a:rPr>
               <a:t>명 </a:t>
             </a:r>
             <a:endParaRPr lang="en-US" altLang="ko-KR" sz="2400" dirty="0">
-              <a:latin typeface="나눔스퀘어 네오 Regular" panose="00000500000000000000" pitchFamily="2" charset="-127"/>
-              <a:ea typeface="나눔스퀘어 네오 Regular" panose="00000500000000000000" pitchFamily="2" charset="-127"/>
+              <a:latin typeface="나눔스퀘어" panose="020B0600000101010101" pitchFamily="50" charset="-127"/>
+              <a:ea typeface="나눔스퀘어" panose="020B0600000101010101" pitchFamily="50" charset="-127"/>
             </a:endParaRPr>
           </a:p>
           <a:p>
             <a:r>
               <a:rPr lang="en-US" altLang="ko-KR" sz="2400" dirty="0">
-                <a:latin typeface="나눔스퀘어 네오 Regular" panose="00000500000000000000" pitchFamily="2" charset="-127"/>
-                <a:ea typeface="나눔스퀘어 네오 Regular" panose="00000500000000000000" pitchFamily="2" charset="-127"/>
-              </a:rPr>
-              <a:t>					          </a:t>
-            </a:r>
-            <a:r>
-              <a:rPr lang="ko-KR" altLang="en-US" sz="2400" dirty="0" err="1">
+                <a:latin typeface="나눔스퀘어" panose="020B0600000101010101" pitchFamily="50" charset="-127"/>
+                <a:ea typeface="나눔스퀘어" panose="020B0600000101010101" pitchFamily="50" charset="-127"/>
+              </a:rPr>
+              <a:t>					</a:t>
+            </a:r>
+            <a:r>
+              <a:rPr lang="en-US" altLang="ko-KR" sz="2400">
+                <a:latin typeface="나눔스퀘어" panose="020B0600000101010101" pitchFamily="50" charset="-127"/>
+                <a:ea typeface="나눔스퀘어" panose="020B0600000101010101" pitchFamily="50" charset="-127"/>
+              </a:rPr>
+              <a:t>   </a:t>
+            </a:r>
+            <a:r>
+              <a:rPr lang="ko-KR" altLang="en-US" sz="2400">
                 <a:highlight>
                   <a:srgbClr val="C0C0C0"/>
                 </a:highlight>
-                <a:latin typeface="나눔스퀘어 네오 Regular" panose="00000500000000000000" pitchFamily="2" charset="-127"/>
-                <a:ea typeface="나눔스퀘어 네오 Regular" panose="00000500000000000000" pitchFamily="2" charset="-127"/>
-              </a:rPr>
-              <a:t>전처리</a:t>
+                <a:latin typeface="나눔스퀘어" panose="020B0600000101010101" pitchFamily="50" charset="-127"/>
+                <a:ea typeface="나눔스퀘어" panose="020B0600000101010101" pitchFamily="50" charset="-127"/>
+              </a:rPr>
+              <a:t>전처리 </a:t>
             </a:r>
             <a:r>
               <a:rPr lang="ko-KR" altLang="en-US" sz="2400" dirty="0">
                 <a:highlight>
                   <a:srgbClr val="C0C0C0"/>
                 </a:highlight>
-                <a:latin typeface="나눔스퀘어 네오 Regular" panose="00000500000000000000" pitchFamily="2" charset="-127"/>
-                <a:ea typeface="나눔스퀘어 네오 Regular" panose="00000500000000000000" pitchFamily="2" charset="-127"/>
-              </a:rPr>
-              <a:t> 방법을 아직 모름</a:t>
+                <a:latin typeface="나눔스퀘어" panose="020B0600000101010101" pitchFamily="50" charset="-127"/>
+                <a:ea typeface="나눔스퀘어" panose="020B0600000101010101" pitchFamily="50" charset="-127"/>
+              </a:rPr>
+              <a:t>방법을 아직 모름</a:t>
             </a:r>
             <a:r>
               <a:rPr lang="en-US" altLang="ko-KR" sz="2400" dirty="0">
                 <a:highlight>
                   <a:srgbClr val="C0C0C0"/>
                 </a:highlight>
-                <a:latin typeface="나눔스퀘어 네오 Regular" panose="00000500000000000000" pitchFamily="2" charset="-127"/>
-                <a:ea typeface="나눔스퀘어 네오 Regular" panose="00000500000000000000" pitchFamily="2" charset="-127"/>
+                <a:latin typeface="나눔스퀘어" panose="020B0600000101010101" pitchFamily="50" charset="-127"/>
+                <a:ea typeface="나눔스퀘어" panose="020B0600000101010101" pitchFamily="50" charset="-127"/>
               </a:rPr>
               <a:t>. </a:t>
             </a:r>
@@ -6088,8 +8177,8 @@
                 <a:highlight>
                   <a:srgbClr val="C0C0C0"/>
                 </a:highlight>
-                <a:latin typeface="나눔스퀘어 네오 Regular" panose="00000500000000000000" pitchFamily="2" charset="-127"/>
-                <a:ea typeface="나눔스퀘어 네오 Regular" panose="00000500000000000000" pitchFamily="2" charset="-127"/>
+                <a:latin typeface="나눔스퀘어" panose="020B0600000101010101" pitchFamily="50" charset="-127"/>
+                <a:ea typeface="나눔스퀘어" panose="020B0600000101010101" pitchFamily="50" charset="-127"/>
               </a:rPr>
               <a:t>진행 예정</a:t>
             </a:r>
@@ -6097,8 +8186,8 @@
               <a:highlight>
                 <a:srgbClr val="C0C0C0"/>
               </a:highlight>
-              <a:latin typeface="나눔스퀘어 네오 Regular" panose="00000500000000000000" pitchFamily="2" charset="-127"/>
-              <a:ea typeface="나눔스퀘어 네오 Regular" panose="00000500000000000000" pitchFamily="2" charset="-127"/>
+              <a:latin typeface="나눔스퀘어" panose="020B0600000101010101" pitchFamily="50" charset="-127"/>
+              <a:ea typeface="나눔스퀘어" panose="020B0600000101010101" pitchFamily="50" charset="-127"/>
             </a:endParaRPr>
           </a:p>
         </p:txBody>
@@ -6199,51 +8288,51 @@
           <a:p>
             <a:r>
               <a:rPr lang="en-US" altLang="ko-KR" sz="2000" b="1" dirty="0">
-                <a:latin typeface="나눔스퀘어 네오 Regular" panose="00000500000000000000" pitchFamily="2" charset="-127"/>
-                <a:ea typeface="나눔스퀘어 네오 Regular" panose="00000500000000000000" pitchFamily="2" charset="-127"/>
+                <a:latin typeface="나눔스퀘어" panose="020B0600000101010101" pitchFamily="50" charset="-127"/>
+                <a:ea typeface="나눔스퀘어" panose="020B0600000101010101" pitchFamily="50" charset="-127"/>
               </a:rPr>
               <a:t>Tool</a:t>
             </a:r>
             <a:r>
               <a:rPr lang="ko-KR" altLang="en-US" sz="2000" dirty="0">
-                <a:latin typeface="나눔스퀘어 네오 Regular" panose="00000500000000000000" pitchFamily="2" charset="-127"/>
-                <a:ea typeface="나눔스퀘어 네오 Regular" panose="00000500000000000000" pitchFamily="2" charset="-127"/>
+                <a:latin typeface="나눔스퀘어" panose="020B0600000101010101" pitchFamily="50" charset="-127"/>
+                <a:ea typeface="나눔스퀘어" panose="020B0600000101010101" pitchFamily="50" charset="-127"/>
               </a:rPr>
               <a:t> </a:t>
             </a:r>
             <a:r>
               <a:rPr lang="en-US" altLang="ko-KR" sz="2000" dirty="0">
-                <a:latin typeface="나눔스퀘어 네오 Regular" panose="00000500000000000000" pitchFamily="2" charset="-127"/>
-                <a:ea typeface="나눔스퀘어 네오 Regular" panose="00000500000000000000" pitchFamily="2" charset="-127"/>
+                <a:latin typeface="나눔스퀘어" panose="020B0600000101010101" pitchFamily="50" charset="-127"/>
+                <a:ea typeface="나눔스퀘어" panose="020B0600000101010101" pitchFamily="50" charset="-127"/>
               </a:rPr>
               <a:t>:</a:t>
             </a:r>
             <a:r>
               <a:rPr lang="ko-KR" altLang="en-US" sz="2000" dirty="0">
-                <a:latin typeface="나눔스퀘어 네오 Regular" panose="00000500000000000000" pitchFamily="2" charset="-127"/>
-                <a:ea typeface="나눔스퀘어 네오 Regular" panose="00000500000000000000" pitchFamily="2" charset="-127"/>
+                <a:latin typeface="나눔스퀘어" panose="020B0600000101010101" pitchFamily="50" charset="-127"/>
+                <a:ea typeface="나눔스퀘어" panose="020B0600000101010101" pitchFamily="50" charset="-127"/>
               </a:rPr>
               <a:t> </a:t>
             </a:r>
             <a:r>
               <a:rPr lang="en-US" altLang="ko-KR" sz="2000" dirty="0" err="1">
-                <a:latin typeface="나눔스퀘어 네오 Regular" panose="00000500000000000000" pitchFamily="2" charset="-127"/>
-                <a:ea typeface="나눔스퀘어 네오 Regular" panose="00000500000000000000" pitchFamily="2" charset="-127"/>
+                <a:latin typeface="나눔스퀘어" panose="020B0600000101010101" pitchFamily="50" charset="-127"/>
+                <a:ea typeface="나눔스퀘어" panose="020B0600000101010101" pitchFamily="50" charset="-127"/>
               </a:rPr>
               <a:t>fmriprep</a:t>
             </a:r>
             <a:r>
               <a:rPr lang="en-US" altLang="ko-KR" sz="2000" dirty="0">
-                <a:latin typeface="나눔스퀘어 네오 Regular" panose="00000500000000000000" pitchFamily="2" charset="-127"/>
-                <a:ea typeface="나눔스퀘어 네오 Regular" panose="00000500000000000000" pitchFamily="2" charset="-127"/>
+                <a:latin typeface="나눔스퀘어" panose="020B0600000101010101" pitchFamily="50" charset="-127"/>
+                <a:ea typeface="나눔스퀘어" panose="020B0600000101010101" pitchFamily="50" charset="-127"/>
               </a:rPr>
               <a:t> 22.02</a:t>
             </a:r>
           </a:p>
           <a:p>
             <a:endParaRPr lang="en-US" altLang="ko-KR" sz="2000" dirty="0">
-              <a:latin typeface="나눔스퀘어 네오 Regular" panose="00000500000000000000" pitchFamily="2" charset="-127"/>
-              <a:ea typeface="나눔스퀘어 네오 Regular" panose="00000500000000000000" pitchFamily="2" charset="-127"/>
+              <a:latin typeface="나눔스퀘어" panose="020B0600000101010101" pitchFamily="50" charset="-127"/>
+              <a:ea typeface="나눔스퀘어" panose="020B0600000101010101" pitchFamily="50" charset="-127"/>
             </a:endParaRPr>
           </a:p>
         </p:txBody>
@@ -6263,7 +8352,7 @@
         <p:spPr>
           <a:xfrm>
             <a:off x="357465" y="2379490"/>
-            <a:ext cx="11834535" cy="2356286"/>
+            <a:ext cx="11834535" cy="1891287"/>
           </a:xfrm>
           <a:prstGeom prst="rect">
             <a:avLst/>
@@ -6283,56 +8372,56 @@
             </a:pPr>
             <a:r>
               <a:rPr lang="en-US" altLang="ko-KR" sz="2000" dirty="0">
-                <a:latin typeface="나눔스퀘어 네오 Regular" panose="00000500000000000000" pitchFamily="2" charset="-127"/>
-                <a:ea typeface="나눔스퀘어 네오 Regular" panose="00000500000000000000" pitchFamily="2" charset="-127"/>
+                <a:latin typeface="나눔스퀘어" panose="020B0600000101010101" pitchFamily="50" charset="-127"/>
+                <a:ea typeface="나눔스퀘어" panose="020B0600000101010101" pitchFamily="50" charset="-127"/>
               </a:rPr>
               <a:t>1. </a:t>
             </a:r>
             <a:r>
               <a:rPr lang="en-US" altLang="ko-KR" sz="2000" b="1" dirty="0">
-                <a:latin typeface="나눔스퀘어 네오 Regular" panose="00000500000000000000" pitchFamily="2" charset="-127"/>
-                <a:ea typeface="나눔스퀘어 네오 Regular" panose="00000500000000000000" pitchFamily="2" charset="-127"/>
+                <a:latin typeface="나눔스퀘어" panose="020B0600000101010101" pitchFamily="50" charset="-127"/>
+                <a:ea typeface="나눔스퀘어" panose="020B0600000101010101" pitchFamily="50" charset="-127"/>
               </a:rPr>
               <a:t>skull-stripping</a:t>
             </a:r>
             <a:r>
               <a:rPr lang="en-US" altLang="ko-KR" sz="2000" dirty="0">
-                <a:latin typeface="나눔스퀘어 네오 Regular" panose="00000500000000000000" pitchFamily="2" charset="-127"/>
-                <a:ea typeface="나눔스퀘어 네오 Regular" panose="00000500000000000000" pitchFamily="2" charset="-127"/>
+                <a:latin typeface="나눔스퀘어" panose="020B0600000101010101" pitchFamily="50" charset="-127"/>
+                <a:ea typeface="나눔스퀘어" panose="020B0600000101010101" pitchFamily="50" charset="-127"/>
               </a:rPr>
               <a:t> : </a:t>
             </a:r>
             <a:r>
               <a:rPr lang="ko-KR" altLang="en-US" sz="2000" dirty="0">
-                <a:latin typeface="나눔스퀘어 네오 Regular" panose="00000500000000000000" pitchFamily="2" charset="-127"/>
-                <a:ea typeface="나눔스퀘어 네오 Regular" panose="00000500000000000000" pitchFamily="2" charset="-127"/>
+                <a:latin typeface="나눔스퀘어" panose="020B0600000101010101" pitchFamily="50" charset="-127"/>
+                <a:ea typeface="나눔스퀘어" panose="020B0600000101010101" pitchFamily="50" charset="-127"/>
               </a:rPr>
               <a:t>두개골</a:t>
             </a:r>
             <a:r>
               <a:rPr lang="en-US" altLang="ko-KR" sz="2000" dirty="0">
-                <a:latin typeface="나눔스퀘어 네오 Regular" panose="00000500000000000000" pitchFamily="2" charset="-127"/>
-                <a:ea typeface="나눔스퀘어 네오 Regular" panose="00000500000000000000" pitchFamily="2" charset="-127"/>
+                <a:latin typeface="나눔스퀘어" panose="020B0600000101010101" pitchFamily="50" charset="-127"/>
+                <a:ea typeface="나눔스퀘어" panose="020B0600000101010101" pitchFamily="50" charset="-127"/>
               </a:rPr>
               <a:t>, </a:t>
             </a:r>
             <a:r>
               <a:rPr lang="ko-KR" altLang="en-US" sz="2000" dirty="0" err="1">
-                <a:latin typeface="나눔스퀘어 네오 Regular" panose="00000500000000000000" pitchFamily="2" charset="-127"/>
-                <a:ea typeface="나눔스퀘어 네오 Regular" panose="00000500000000000000" pitchFamily="2" charset="-127"/>
+                <a:latin typeface="나눔스퀘어" panose="020B0600000101010101" pitchFamily="50" charset="-127"/>
+                <a:ea typeface="나눔스퀘어" panose="020B0600000101010101" pitchFamily="50" charset="-127"/>
               </a:rPr>
               <a:t>비뇌조직</a:t>
             </a:r>
             <a:r>
               <a:rPr lang="ko-KR" altLang="en-US" sz="2000" dirty="0">
-                <a:latin typeface="나눔스퀘어 네오 Regular" panose="00000500000000000000" pitchFamily="2" charset="-127"/>
-                <a:ea typeface="나눔스퀘어 네오 Regular" panose="00000500000000000000" pitchFamily="2" charset="-127"/>
+                <a:latin typeface="나눔스퀘어" panose="020B0600000101010101" pitchFamily="50" charset="-127"/>
+                <a:ea typeface="나눔스퀘어" panose="020B0600000101010101" pitchFamily="50" charset="-127"/>
               </a:rPr>
               <a:t> 제거</a:t>
             </a:r>
             <a:endParaRPr lang="en-US" altLang="ko-KR" sz="2000" dirty="0">
-              <a:latin typeface="나눔스퀘어 네오 Regular" panose="00000500000000000000" pitchFamily="2" charset="-127"/>
-              <a:ea typeface="나눔스퀘어 네오 Regular" panose="00000500000000000000" pitchFamily="2" charset="-127"/>
+              <a:latin typeface="나눔스퀘어" panose="020B0600000101010101" pitchFamily="50" charset="-127"/>
+              <a:ea typeface="나눔스퀘어" panose="020B0600000101010101" pitchFamily="50" charset="-127"/>
             </a:endParaRPr>
           </a:p>
           <a:p>
@@ -6343,63 +8432,63 @@
             </a:pPr>
             <a:r>
               <a:rPr lang="en-US" altLang="ko-KR" sz="2000" dirty="0">
-                <a:latin typeface="나눔스퀘어 네오 Regular" panose="00000500000000000000" pitchFamily="2" charset="-127"/>
-                <a:ea typeface="나눔스퀘어 네오 Regular" panose="00000500000000000000" pitchFamily="2" charset="-127"/>
+                <a:latin typeface="나눔스퀘어" panose="020B0600000101010101" pitchFamily="50" charset="-127"/>
+                <a:ea typeface="나눔스퀘어" panose="020B0600000101010101" pitchFamily="50" charset="-127"/>
               </a:rPr>
               <a:t>2. </a:t>
             </a:r>
             <a:r>
               <a:rPr lang="en-US" altLang="ko-KR" sz="2000" b="1" dirty="0">
-                <a:latin typeface="나눔스퀘어 네오 Regular" panose="00000500000000000000" pitchFamily="2" charset="-127"/>
-                <a:ea typeface="나눔스퀘어 네오 Regular" panose="00000500000000000000" pitchFamily="2" charset="-127"/>
+                <a:latin typeface="나눔스퀘어" panose="020B0600000101010101" pitchFamily="50" charset="-127"/>
+                <a:ea typeface="나눔스퀘어" panose="020B0600000101010101" pitchFamily="50" charset="-127"/>
               </a:rPr>
               <a:t>acquisition time delay(</a:t>
             </a:r>
             <a:r>
               <a:rPr lang="en-US" altLang="ko-KR" sz="2000" b="1" dirty="0" err="1">
-                <a:latin typeface="나눔스퀘어 네오 Regular" panose="00000500000000000000" pitchFamily="2" charset="-127"/>
-                <a:ea typeface="나눔스퀘어 네오 Regular" panose="00000500000000000000" pitchFamily="2" charset="-127"/>
+                <a:latin typeface="나눔스퀘어" panose="020B0600000101010101" pitchFamily="50" charset="-127"/>
+                <a:ea typeface="나눔스퀘어" panose="020B0600000101010101" pitchFamily="50" charset="-127"/>
               </a:rPr>
               <a:t>intravolume</a:t>
             </a:r>
             <a:r>
               <a:rPr lang="en-US" altLang="ko-KR" sz="2000" b="1" dirty="0">
-                <a:latin typeface="나눔스퀘어 네오 Regular" panose="00000500000000000000" pitchFamily="2" charset="-127"/>
-                <a:ea typeface="나눔스퀘어 네오 Regular" panose="00000500000000000000" pitchFamily="2" charset="-127"/>
+                <a:latin typeface="나눔스퀘어" panose="020B0600000101010101" pitchFamily="50" charset="-127"/>
+                <a:ea typeface="나눔스퀘어" panose="020B0600000101010101" pitchFamily="50" charset="-127"/>
               </a:rPr>
               <a:t>) </a:t>
             </a:r>
             <a:r>
               <a:rPr lang="ko-KR" altLang="en-US" sz="2000" b="1" dirty="0">
-                <a:latin typeface="나눔스퀘어 네오 Regular" panose="00000500000000000000" pitchFamily="2" charset="-127"/>
-                <a:ea typeface="나눔스퀘어 네오 Regular" panose="00000500000000000000" pitchFamily="2" charset="-127"/>
+                <a:latin typeface="나눔스퀘어" panose="020B0600000101010101" pitchFamily="50" charset="-127"/>
+                <a:ea typeface="나눔스퀘어" panose="020B0600000101010101" pitchFamily="50" charset="-127"/>
               </a:rPr>
               <a:t>보정</a:t>
             </a:r>
             <a:r>
               <a:rPr lang="ko-KR" altLang="en-US" sz="2000" dirty="0">
-                <a:latin typeface="나눔스퀘어 네오 Regular" panose="00000500000000000000" pitchFamily="2" charset="-127"/>
-                <a:ea typeface="나눔스퀘어 네오 Regular" panose="00000500000000000000" pitchFamily="2" charset="-127"/>
+                <a:latin typeface="나눔스퀘어" panose="020B0600000101010101" pitchFamily="50" charset="-127"/>
+                <a:ea typeface="나눔스퀘어" panose="020B0600000101010101" pitchFamily="50" charset="-127"/>
               </a:rPr>
               <a:t> </a:t>
             </a:r>
             <a:r>
               <a:rPr lang="en-US" altLang="ko-KR" sz="2000" dirty="0">
-                <a:latin typeface="나눔스퀘어 네오 Regular" panose="00000500000000000000" pitchFamily="2" charset="-127"/>
-                <a:ea typeface="나눔스퀘어 네오 Regular" panose="00000500000000000000" pitchFamily="2" charset="-127"/>
+                <a:latin typeface="나눔스퀘어" panose="020B0600000101010101" pitchFamily="50" charset="-127"/>
+                <a:ea typeface="나눔스퀘어" panose="020B0600000101010101" pitchFamily="50" charset="-127"/>
               </a:rPr>
               <a:t>: slice timing</a:t>
             </a:r>
             <a:r>
               <a:rPr lang="ko-KR" altLang="en-US" sz="2000" dirty="0">
-                <a:latin typeface="나눔스퀘어 네오 Regular" panose="00000500000000000000" pitchFamily="2" charset="-127"/>
-                <a:ea typeface="나눔스퀘어 네오 Regular" panose="00000500000000000000" pitchFamily="2" charset="-127"/>
+                <a:latin typeface="나눔스퀘어" panose="020B0600000101010101" pitchFamily="50" charset="-127"/>
+                <a:ea typeface="나눔스퀘어" panose="020B0600000101010101" pitchFamily="50" charset="-127"/>
               </a:rPr>
               <a:t> 보정</a:t>
             </a:r>
             <a:endParaRPr lang="en-US" altLang="ko-KR" sz="2000" dirty="0">
-              <a:latin typeface="나눔스퀘어 네오 Regular" panose="00000500000000000000" pitchFamily="2" charset="-127"/>
-              <a:ea typeface="나눔스퀘어 네오 Regular" panose="00000500000000000000" pitchFamily="2" charset="-127"/>
+              <a:latin typeface="나눔스퀘어" panose="020B0600000101010101" pitchFamily="50" charset="-127"/>
+              <a:ea typeface="나눔스퀘어" panose="020B0600000101010101" pitchFamily="50" charset="-127"/>
             </a:endParaRPr>
           </a:p>
           <a:p>
@@ -6410,99 +8499,99 @@
             </a:pPr>
             <a:r>
               <a:rPr lang="en-US" altLang="ko-KR" sz="2000" dirty="0">
-                <a:latin typeface="나눔스퀘어 네오 Regular" panose="00000500000000000000" pitchFamily="2" charset="-127"/>
-                <a:ea typeface="나눔스퀘어 네오 Regular" panose="00000500000000000000" pitchFamily="2" charset="-127"/>
+                <a:latin typeface="나눔스퀘어" panose="020B0600000101010101" pitchFamily="50" charset="-127"/>
+                <a:ea typeface="나눔스퀘어" panose="020B0600000101010101" pitchFamily="50" charset="-127"/>
               </a:rPr>
               <a:t>3. </a:t>
             </a:r>
             <a:r>
               <a:rPr lang="en-US" altLang="ko-KR" sz="2000" b="1" dirty="0">
-                <a:latin typeface="나눔스퀘어 네오 Regular" panose="00000500000000000000" pitchFamily="2" charset="-127"/>
-                <a:ea typeface="나눔스퀘어 네오 Regular" panose="00000500000000000000" pitchFamily="2" charset="-127"/>
+                <a:latin typeface="나눔스퀘어" panose="020B0600000101010101" pitchFamily="50" charset="-127"/>
+                <a:ea typeface="나눔스퀘어" panose="020B0600000101010101" pitchFamily="50" charset="-127"/>
               </a:rPr>
               <a:t>Head motion artifacts </a:t>
             </a:r>
             <a:r>
               <a:rPr lang="ko-KR" altLang="en-US" sz="2000" b="1" dirty="0">
-                <a:latin typeface="나눔스퀘어 네오 Regular" panose="00000500000000000000" pitchFamily="2" charset="-127"/>
-                <a:ea typeface="나눔스퀘어 네오 Regular" panose="00000500000000000000" pitchFamily="2" charset="-127"/>
+                <a:latin typeface="나눔스퀘어" panose="020B0600000101010101" pitchFamily="50" charset="-127"/>
+                <a:ea typeface="나눔스퀘어" panose="020B0600000101010101" pitchFamily="50" charset="-127"/>
               </a:rPr>
               <a:t>보정 </a:t>
             </a:r>
             <a:r>
               <a:rPr lang="en-US" altLang="ko-KR" sz="2000" dirty="0">
-                <a:latin typeface="나눔스퀘어 네오 Regular" panose="00000500000000000000" pitchFamily="2" charset="-127"/>
-                <a:ea typeface="나눔스퀘어 네오 Regular" panose="00000500000000000000" pitchFamily="2" charset="-127"/>
+                <a:latin typeface="나눔스퀘어" panose="020B0600000101010101" pitchFamily="50" charset="-127"/>
+                <a:ea typeface="나눔스퀘어" panose="020B0600000101010101" pitchFamily="50" charset="-127"/>
               </a:rPr>
               <a:t>: 6 motion</a:t>
             </a:r>
             <a:r>
               <a:rPr lang="ko-KR" altLang="en-US" sz="2000" dirty="0">
-                <a:latin typeface="나눔스퀘어 네오 Regular" panose="00000500000000000000" pitchFamily="2" charset="-127"/>
-                <a:ea typeface="나눔스퀘어 네오 Regular" panose="00000500000000000000" pitchFamily="2" charset="-127"/>
+                <a:latin typeface="나눔스퀘어" panose="020B0600000101010101" pitchFamily="50" charset="-127"/>
+                <a:ea typeface="나눔스퀘어" panose="020B0600000101010101" pitchFamily="50" charset="-127"/>
               </a:rPr>
               <a:t> </a:t>
             </a:r>
             <a:r>
               <a:rPr lang="en-US" altLang="ko-KR" sz="2000" dirty="0">
-                <a:latin typeface="나눔스퀘어 네오 Regular" panose="00000500000000000000" pitchFamily="2" charset="-127"/>
-                <a:ea typeface="나눔스퀘어 네오 Regular" panose="00000500000000000000" pitchFamily="2" charset="-127"/>
+                <a:latin typeface="나눔스퀘어" panose="020B0600000101010101" pitchFamily="50" charset="-127"/>
+                <a:ea typeface="나눔스퀘어" panose="020B0600000101010101" pitchFamily="50" charset="-127"/>
               </a:rPr>
               <a:t>parameters(</a:t>
             </a:r>
             <a:r>
               <a:rPr lang="ko-KR" altLang="en-US" sz="2000" dirty="0">
-                <a:latin typeface="나눔스퀘어 네오 Regular" panose="00000500000000000000" pitchFamily="2" charset="-127"/>
-                <a:ea typeface="나눔스퀘어 네오 Regular" panose="00000500000000000000" pitchFamily="2" charset="-127"/>
+                <a:latin typeface="나눔스퀘어" panose="020B0600000101010101" pitchFamily="50" charset="-127"/>
+                <a:ea typeface="나눔스퀘어" panose="020B0600000101010101" pitchFamily="50" charset="-127"/>
               </a:rPr>
               <a:t>회전</a:t>
             </a:r>
             <a:r>
               <a:rPr lang="en-US" altLang="ko-KR" sz="2000" dirty="0">
-                <a:latin typeface="나눔스퀘어 네오 Regular" panose="00000500000000000000" pitchFamily="2" charset="-127"/>
-                <a:ea typeface="나눔스퀘어 네오 Regular" panose="00000500000000000000" pitchFamily="2" charset="-127"/>
+                <a:latin typeface="나눔스퀘어" panose="020B0600000101010101" pitchFamily="50" charset="-127"/>
+                <a:ea typeface="나눔스퀘어" panose="020B0600000101010101" pitchFamily="50" charset="-127"/>
               </a:rPr>
               <a:t> 3</a:t>
             </a:r>
             <a:r>
               <a:rPr lang="ko-KR" altLang="en-US" sz="2000" dirty="0">
-                <a:latin typeface="나눔스퀘어 네오 Regular" panose="00000500000000000000" pitchFamily="2" charset="-127"/>
-                <a:ea typeface="나눔스퀘어 네오 Regular" panose="00000500000000000000" pitchFamily="2" charset="-127"/>
+                <a:latin typeface="나눔스퀘어" panose="020B0600000101010101" pitchFamily="50" charset="-127"/>
+                <a:ea typeface="나눔스퀘어" panose="020B0600000101010101" pitchFamily="50" charset="-127"/>
               </a:rPr>
               <a:t>개</a:t>
             </a:r>
             <a:r>
               <a:rPr lang="en-US" altLang="ko-KR" sz="2000" dirty="0">
-                <a:latin typeface="나눔스퀘어 네오 Regular" panose="00000500000000000000" pitchFamily="2" charset="-127"/>
-                <a:ea typeface="나눔스퀘어 네오 Regular" panose="00000500000000000000" pitchFamily="2" charset="-127"/>
+                <a:latin typeface="나눔스퀘어" panose="020B0600000101010101" pitchFamily="50" charset="-127"/>
+                <a:ea typeface="나눔스퀘어" panose="020B0600000101010101" pitchFamily="50" charset="-127"/>
               </a:rPr>
               <a:t>, </a:t>
             </a:r>
             <a:r>
               <a:rPr lang="ko-KR" altLang="en-US" sz="2000" dirty="0">
-                <a:latin typeface="나눔스퀘어 네오 Regular" panose="00000500000000000000" pitchFamily="2" charset="-127"/>
-                <a:ea typeface="나눔스퀘어 네오 Regular" panose="00000500000000000000" pitchFamily="2" charset="-127"/>
+                <a:latin typeface="나눔스퀘어" panose="020B0600000101010101" pitchFamily="50" charset="-127"/>
+                <a:ea typeface="나눔스퀘어" panose="020B0600000101010101" pitchFamily="50" charset="-127"/>
               </a:rPr>
               <a:t>이동 </a:t>
             </a:r>
             <a:r>
               <a:rPr lang="en-US" altLang="ko-KR" sz="2000" dirty="0">
-                <a:latin typeface="나눔스퀘어 네오 Regular" panose="00000500000000000000" pitchFamily="2" charset="-127"/>
-                <a:ea typeface="나눔스퀘어 네오 Regular" panose="00000500000000000000" pitchFamily="2" charset="-127"/>
+                <a:latin typeface="나눔스퀘어" panose="020B0600000101010101" pitchFamily="50" charset="-127"/>
+                <a:ea typeface="나눔스퀘어" panose="020B0600000101010101" pitchFamily="50" charset="-127"/>
               </a:rPr>
               <a:t>3</a:t>
             </a:r>
             <a:r>
               <a:rPr lang="ko-KR" altLang="en-US" sz="2000" dirty="0">
-                <a:latin typeface="나눔스퀘어 네오 Regular" panose="00000500000000000000" pitchFamily="2" charset="-127"/>
-                <a:ea typeface="나눔스퀘어 네오 Regular" panose="00000500000000000000" pitchFamily="2" charset="-127"/>
+                <a:latin typeface="나눔스퀘어" panose="020B0600000101010101" pitchFamily="50" charset="-127"/>
+                <a:ea typeface="나눔스퀘어" panose="020B0600000101010101" pitchFamily="50" charset="-127"/>
               </a:rPr>
               <a:t>개</a:t>
             </a:r>
             <a:r>
               <a:rPr lang="en-US" altLang="ko-KR" sz="2000" dirty="0">
-                <a:latin typeface="나눔스퀘어 네오 Regular" panose="00000500000000000000" pitchFamily="2" charset="-127"/>
-                <a:ea typeface="나눔스퀘어 네오 Regular" panose="00000500000000000000" pitchFamily="2" charset="-127"/>
+                <a:latin typeface="나눔스퀘어" panose="020B0600000101010101" pitchFamily="50" charset="-127"/>
+                <a:ea typeface="나눔스퀘어" panose="020B0600000101010101" pitchFamily="50" charset="-127"/>
               </a:rPr>
               <a:t>)</a:t>
             </a:r>
@@ -6515,100 +8604,100 @@
             </a:pPr>
             <a:r>
               <a:rPr lang="en-US" altLang="ko-KR" sz="2000" dirty="0">
-                <a:latin typeface="나눔스퀘어 네오 Regular" panose="00000500000000000000" pitchFamily="2" charset="-127"/>
-                <a:ea typeface="나눔스퀘어 네오 Regular" panose="00000500000000000000" pitchFamily="2" charset="-127"/>
+                <a:latin typeface="나눔스퀘어" panose="020B0600000101010101" pitchFamily="50" charset="-127"/>
+                <a:ea typeface="나눔스퀘어" panose="020B0600000101010101" pitchFamily="50" charset="-127"/>
               </a:rPr>
               <a:t>4. </a:t>
             </a:r>
             <a:r>
               <a:rPr lang="ko-KR" altLang="en-US" sz="2000" b="1" dirty="0">
-                <a:latin typeface="나눔스퀘어 네오 Regular" panose="00000500000000000000" pitchFamily="2" charset="-127"/>
-                <a:ea typeface="나눔스퀘어 네오 Regular" panose="00000500000000000000" pitchFamily="2" charset="-127"/>
+                <a:latin typeface="나눔스퀘어" panose="020B0600000101010101" pitchFamily="50" charset="-127"/>
+                <a:ea typeface="나눔스퀘어" panose="020B0600000101010101" pitchFamily="50" charset="-127"/>
               </a:rPr>
               <a:t>공간 정규화 </a:t>
             </a:r>
             <a:r>
               <a:rPr lang="en-US" altLang="ko-KR" sz="2000" dirty="0">
-                <a:latin typeface="나눔스퀘어 네오 Regular" panose="00000500000000000000" pitchFamily="2" charset="-127"/>
-                <a:ea typeface="나눔스퀘어 네오 Regular" panose="00000500000000000000" pitchFamily="2" charset="-127"/>
+                <a:latin typeface="나눔스퀘어" panose="020B0600000101010101" pitchFamily="50" charset="-127"/>
+                <a:ea typeface="나눔스퀘어" panose="020B0600000101010101" pitchFamily="50" charset="-127"/>
               </a:rPr>
               <a:t>: </a:t>
             </a:r>
             <a:r>
               <a:rPr lang="ko-KR" altLang="en-US" sz="2000" dirty="0">
-                <a:latin typeface="나눔스퀘어 네오 Regular" panose="00000500000000000000" pitchFamily="2" charset="-127"/>
-                <a:ea typeface="나눔스퀘어 네오 Regular" panose="00000500000000000000" pitchFamily="2" charset="-127"/>
+                <a:latin typeface="나눔스퀘어" panose="020B0600000101010101" pitchFamily="50" charset="-127"/>
+                <a:ea typeface="나눔스퀘어" panose="020B0600000101010101" pitchFamily="50" charset="-127"/>
               </a:rPr>
               <a:t>개인의 </a:t>
             </a:r>
             <a:r>
               <a:rPr lang="en-US" altLang="ko-KR" sz="2000" dirty="0">
-                <a:latin typeface="나눔스퀘어 네오 Regular" panose="00000500000000000000" pitchFamily="2" charset="-127"/>
-                <a:ea typeface="나눔스퀘어 네오 Regular" panose="00000500000000000000" pitchFamily="2" charset="-127"/>
+                <a:latin typeface="나눔스퀘어" panose="020B0600000101010101" pitchFamily="50" charset="-127"/>
+                <a:ea typeface="나눔스퀘어" panose="020B0600000101010101" pitchFamily="50" charset="-127"/>
               </a:rPr>
               <a:t>brain</a:t>
             </a:r>
             <a:r>
               <a:rPr lang="ko-KR" altLang="en-US" sz="2000" dirty="0">
-                <a:latin typeface="나눔스퀘어 네오 Regular" panose="00000500000000000000" pitchFamily="2" charset="-127"/>
-                <a:ea typeface="나눔스퀘어 네오 Regular" panose="00000500000000000000" pitchFamily="2" charset="-127"/>
+                <a:latin typeface="나눔스퀘어" panose="020B0600000101010101" pitchFamily="50" charset="-127"/>
+                <a:ea typeface="나눔스퀘어" panose="020B0600000101010101" pitchFamily="50" charset="-127"/>
               </a:rPr>
               <a:t> </a:t>
             </a:r>
             <a:r>
               <a:rPr lang="en-US" altLang="ko-KR" sz="2000" dirty="0">
-                <a:latin typeface="나눔스퀘어 네오 Regular" panose="00000500000000000000" pitchFamily="2" charset="-127"/>
-                <a:ea typeface="나눔스퀘어 네오 Regular" panose="00000500000000000000" pitchFamily="2" charset="-127"/>
+                <a:latin typeface="나눔스퀘어" panose="020B0600000101010101" pitchFamily="50" charset="-127"/>
+                <a:ea typeface="나눔스퀘어" panose="020B0600000101010101" pitchFamily="50" charset="-127"/>
               </a:rPr>
               <a:t>image</a:t>
             </a:r>
             <a:r>
               <a:rPr lang="ko-KR" altLang="en-US" sz="2000" dirty="0">
-                <a:latin typeface="나눔스퀘어 네오 Regular" panose="00000500000000000000" pitchFamily="2" charset="-127"/>
-                <a:ea typeface="나눔스퀘어 네오 Regular" panose="00000500000000000000" pitchFamily="2" charset="-127"/>
+                <a:latin typeface="나눔스퀘어" panose="020B0600000101010101" pitchFamily="50" charset="-127"/>
+                <a:ea typeface="나눔스퀘어" panose="020B0600000101010101" pitchFamily="50" charset="-127"/>
               </a:rPr>
               <a:t>를 표준 뇌 공간</a:t>
             </a:r>
             <a:r>
               <a:rPr lang="en-US" altLang="ko-KR" sz="2000" dirty="0">
-                <a:latin typeface="나눔스퀘어 네오 Regular" panose="00000500000000000000" pitchFamily="2" charset="-127"/>
-                <a:ea typeface="나눔스퀘어 네오 Regular" panose="00000500000000000000" pitchFamily="2" charset="-127"/>
+                <a:latin typeface="나눔스퀘어" panose="020B0600000101010101" pitchFamily="50" charset="-127"/>
+                <a:ea typeface="나눔스퀘어" panose="020B0600000101010101" pitchFamily="50" charset="-127"/>
               </a:rPr>
               <a:t>(</a:t>
             </a:r>
             <a:r>
               <a:rPr lang="en-US" altLang="ko-KR" sz="2000" b="0" i="0" dirty="0">
                 <a:effectLst/>
-                <a:latin typeface="나눔스퀘어 네오 Regular" panose="00000500000000000000" pitchFamily="2" charset="-127"/>
-                <a:ea typeface="나눔스퀘어 네오 Regular" panose="00000500000000000000" pitchFamily="2" charset="-127"/>
+                <a:latin typeface="나눔스퀘어" panose="020B0600000101010101" pitchFamily="50" charset="-127"/>
+                <a:ea typeface="나눔스퀘어" panose="020B0600000101010101" pitchFamily="50" charset="-127"/>
               </a:rPr>
               <a:t>MNI152NLin6Asym template</a:t>
             </a:r>
             <a:r>
               <a:rPr lang="en-US" altLang="ko-KR" sz="1400" b="0" i="0" dirty="0">
                 <a:effectLst/>
-                <a:latin typeface="나눔스퀘어 네오 Regular" panose="00000500000000000000" pitchFamily="2" charset="-127"/>
-                <a:ea typeface="나눔스퀘어 네오 Regular" panose="00000500000000000000" pitchFamily="2" charset="-127"/>
+                <a:latin typeface="나눔스퀘어" panose="020B0600000101010101" pitchFamily="50" charset="-127"/>
+                <a:ea typeface="나눔스퀘어" panose="020B0600000101010101" pitchFamily="50" charset="-127"/>
               </a:rPr>
               <a:t>)(1X1X1mm^3</a:t>
             </a:r>
             <a:r>
               <a:rPr lang="en-US" altLang="ko-KR" sz="1400" dirty="0">
-                <a:latin typeface="나눔스퀘어 네오 Regular" panose="00000500000000000000" pitchFamily="2" charset="-127"/>
-                <a:ea typeface="나눔스퀘어 네오 Regular" panose="00000500000000000000" pitchFamily="2" charset="-127"/>
+                <a:latin typeface="나눔스퀘어" panose="020B0600000101010101" pitchFamily="50" charset="-127"/>
+                <a:ea typeface="나눔스퀘어" panose="020B0600000101010101" pitchFamily="50" charset="-127"/>
               </a:rPr>
               <a:t>)</a:t>
             </a:r>
             <a:r>
               <a:rPr lang="ko-KR" altLang="en-US" sz="2000" dirty="0">
-                <a:latin typeface="나눔스퀘어 네오 Regular" panose="00000500000000000000" pitchFamily="2" charset="-127"/>
-                <a:ea typeface="나눔스퀘어 네오 Regular" panose="00000500000000000000" pitchFamily="2" charset="-127"/>
+                <a:latin typeface="나눔스퀘어" panose="020B0600000101010101" pitchFamily="50" charset="-127"/>
+                <a:ea typeface="나눔스퀘어" panose="020B0600000101010101" pitchFamily="50" charset="-127"/>
               </a:rPr>
               <a:t>으로 정규화</a:t>
             </a:r>
             <a:endParaRPr lang="en-US" altLang="ko-KR" sz="2000" dirty="0">
-              <a:latin typeface="나눔스퀘어 네오 Regular" panose="00000500000000000000" pitchFamily="2" charset="-127"/>
-              <a:ea typeface="나눔스퀘어 네오 Regular" panose="00000500000000000000" pitchFamily="2" charset="-127"/>
+              <a:latin typeface="나눔스퀘어" panose="020B0600000101010101" pitchFamily="50" charset="-127"/>
+              <a:ea typeface="나눔스퀘어" panose="020B0600000101010101" pitchFamily="50" charset="-127"/>
             </a:endParaRPr>
           </a:p>
         </p:txBody>
@@ -6724,63 +8813,63 @@
             <a:r>
               <a:rPr lang="ko-KR" altLang="en-US" sz="2000" b="1" i="0" dirty="0">
                 <a:effectLst/>
-                <a:latin typeface="나눔스퀘어 네오 Regular" panose="00000500000000000000" pitchFamily="2" charset="-127"/>
-                <a:ea typeface="나눔스퀘어 네오 Regular" panose="00000500000000000000" pitchFamily="2" charset="-127"/>
+                <a:latin typeface="나눔스퀘어" panose="020B0600000101010101" pitchFamily="50" charset="-127"/>
+                <a:ea typeface="나눔스퀘어" panose="020B0600000101010101" pitchFamily="50" charset="-127"/>
               </a:rPr>
               <a:t> 초기 </a:t>
             </a:r>
             <a:r>
               <a:rPr lang="en-US" altLang="ko-KR" sz="2000" b="1" i="0" dirty="0">
                 <a:effectLst/>
-                <a:latin typeface="나눔스퀘어 네오 Regular" panose="00000500000000000000" pitchFamily="2" charset="-127"/>
-                <a:ea typeface="나눔스퀘어 네오 Regular" panose="00000500000000000000" pitchFamily="2" charset="-127"/>
+                <a:latin typeface="나눔스퀘어" panose="020B0600000101010101" pitchFamily="50" charset="-127"/>
+                <a:ea typeface="나눔스퀘어" panose="020B0600000101010101" pitchFamily="50" charset="-127"/>
               </a:rPr>
               <a:t>10</a:t>
             </a:r>
             <a:r>
               <a:rPr lang="ko-KR" altLang="en-US" sz="2000" b="1" i="0" dirty="0">
                 <a:effectLst/>
-                <a:latin typeface="나눔스퀘어 네오 Regular" panose="00000500000000000000" pitchFamily="2" charset="-127"/>
-                <a:ea typeface="나눔스퀘어 네오 Regular" panose="00000500000000000000" pitchFamily="2" charset="-127"/>
+                <a:latin typeface="나눔스퀘어" panose="020B0600000101010101" pitchFamily="50" charset="-127"/>
+                <a:ea typeface="나눔스퀘어" panose="020B0600000101010101" pitchFamily="50" charset="-127"/>
               </a:rPr>
               <a:t>개 시점 </a:t>
             </a:r>
             <a:r>
               <a:rPr lang="en-US" altLang="ko-KR" sz="2000" b="1" i="0" dirty="0">
                 <a:effectLst/>
-                <a:latin typeface="나눔스퀘어 네오 Regular" panose="00000500000000000000" pitchFamily="2" charset="-127"/>
-                <a:ea typeface="나눔스퀘어 네오 Regular" panose="00000500000000000000" pitchFamily="2" charset="-127"/>
+                <a:latin typeface="나눔스퀘어" panose="020B0600000101010101" pitchFamily="50" charset="-127"/>
+                <a:ea typeface="나눔스퀘어" panose="020B0600000101010101" pitchFamily="50" charset="-127"/>
               </a:rPr>
               <a:t>image</a:t>
             </a:r>
             <a:r>
               <a:rPr lang="ko-KR" altLang="en-US" sz="2000" b="1" i="0" dirty="0">
                 <a:effectLst/>
-                <a:latin typeface="나눔스퀘어 네오 Regular" panose="00000500000000000000" pitchFamily="2" charset="-127"/>
-                <a:ea typeface="나눔스퀘어 네오 Regular" panose="00000500000000000000" pitchFamily="2" charset="-127"/>
+                <a:latin typeface="나눔스퀘어" panose="020B0600000101010101" pitchFamily="50" charset="-127"/>
+                <a:ea typeface="나눔스퀘어" panose="020B0600000101010101" pitchFamily="50" charset="-127"/>
               </a:rPr>
               <a:t> 제거</a:t>
             </a:r>
             <a:r>
               <a:rPr lang="en-US" altLang="ko-KR" sz="2000" b="0" i="0" dirty="0">
                 <a:effectLst/>
-                <a:latin typeface="나눔스퀘어 네오 Regular" panose="00000500000000000000" pitchFamily="2" charset="-127"/>
-                <a:ea typeface="나눔스퀘어 네오 Regular" panose="00000500000000000000" pitchFamily="2" charset="-127"/>
+                <a:latin typeface="나눔스퀘어" panose="020B0600000101010101" pitchFamily="50" charset="-127"/>
+                <a:ea typeface="나눔스퀘어" panose="020B0600000101010101" pitchFamily="50" charset="-127"/>
               </a:rPr>
               <a:t>: MRI </a:t>
             </a:r>
             <a:r>
               <a:rPr lang="ko-KR" altLang="en-US" sz="2000" b="0" i="0" dirty="0">
                 <a:effectLst/>
-                <a:latin typeface="나눔스퀘어 네오 Regular" panose="00000500000000000000" pitchFamily="2" charset="-127"/>
-                <a:ea typeface="나눔스퀘어 네오 Regular" panose="00000500000000000000" pitchFamily="2" charset="-127"/>
+                <a:latin typeface="나눔스퀘어" panose="020B0600000101010101" pitchFamily="50" charset="-127"/>
+                <a:ea typeface="나눔스퀘어" panose="020B0600000101010101" pitchFamily="50" charset="-127"/>
               </a:rPr>
               <a:t>신호의 초기 불안정성의 영향 최소화</a:t>
             </a:r>
             <a:endParaRPr lang="en-US" altLang="ko-KR" sz="2000" b="0" i="0" dirty="0">
               <a:effectLst/>
-              <a:latin typeface="나눔스퀘어 네오 Regular" panose="00000500000000000000" pitchFamily="2" charset="-127"/>
-              <a:ea typeface="나눔스퀘어 네오 Regular" panose="00000500000000000000" pitchFamily="2" charset="-127"/>
+              <a:latin typeface="나눔스퀘어" panose="020B0600000101010101" pitchFamily="50" charset="-127"/>
+              <a:ea typeface="나눔스퀘어" panose="020B0600000101010101" pitchFamily="50" charset="-127"/>
             </a:endParaRPr>
           </a:p>
           <a:p>
@@ -6794,46 +8883,46 @@
             <a:r>
               <a:rPr lang="en-US" altLang="ko-KR" sz="2000" b="1" i="0" dirty="0">
                 <a:effectLst/>
-                <a:latin typeface="나눔스퀘어 네오 Regular" panose="00000500000000000000" pitchFamily="2" charset="-127"/>
-                <a:ea typeface="나눔스퀘어 네오 Regular" panose="00000500000000000000" pitchFamily="2" charset="-127"/>
+                <a:latin typeface="나눔스퀘어" panose="020B0600000101010101" pitchFamily="50" charset="-127"/>
+                <a:ea typeface="나눔스퀘어" panose="020B0600000101010101" pitchFamily="50" charset="-127"/>
               </a:rPr>
               <a:t> Head motion artifacts </a:t>
             </a:r>
             <a:r>
               <a:rPr lang="ko-KR" altLang="en-US" sz="2000" b="1" dirty="0">
-                <a:latin typeface="나눔스퀘어 네오 Regular" panose="00000500000000000000" pitchFamily="2" charset="-127"/>
-                <a:ea typeface="나눔스퀘어 네오 Regular" panose="00000500000000000000" pitchFamily="2" charset="-127"/>
+                <a:latin typeface="나눔스퀘어" panose="020B0600000101010101" pitchFamily="50" charset="-127"/>
+                <a:ea typeface="나눔스퀘어" panose="020B0600000101010101" pitchFamily="50" charset="-127"/>
               </a:rPr>
               <a:t>보정 </a:t>
             </a:r>
             <a:r>
               <a:rPr lang="en-US" altLang="ko-KR" sz="2000" b="1" dirty="0">
-                <a:latin typeface="나눔스퀘어 네오 Regular" panose="00000500000000000000" pitchFamily="2" charset="-127"/>
-                <a:ea typeface="나눔스퀘어 네오 Regular" panose="00000500000000000000" pitchFamily="2" charset="-127"/>
+                <a:latin typeface="나눔스퀘어" panose="020B0600000101010101" pitchFamily="50" charset="-127"/>
+                <a:ea typeface="나눔스퀘어" panose="020B0600000101010101" pitchFamily="50" charset="-127"/>
               </a:rPr>
               <a:t>: </a:t>
             </a:r>
             <a:r>
               <a:rPr lang="en-US" altLang="ko-KR" sz="2000" b="0" i="0" dirty="0" err="1">
                 <a:effectLst/>
-                <a:latin typeface="나눔스퀘어 네오 Regular" panose="00000500000000000000" pitchFamily="2" charset="-127"/>
-                <a:ea typeface="나눔스퀘어 네오 Regular" panose="00000500000000000000" pitchFamily="2" charset="-127"/>
+                <a:latin typeface="나눔스퀘어" panose="020B0600000101010101" pitchFamily="50" charset="-127"/>
+                <a:ea typeface="나눔스퀘어" panose="020B0600000101010101" pitchFamily="50" charset="-127"/>
               </a:rPr>
               <a:t>Friston</a:t>
             </a:r>
             <a:r>
               <a:rPr lang="ko-KR" altLang="en-US" sz="2000" b="0" i="0" dirty="0">
                 <a:effectLst/>
-                <a:latin typeface="나눔스퀘어 네오 Regular" panose="00000500000000000000" pitchFamily="2" charset="-127"/>
-                <a:ea typeface="나눔스퀘어 네오 Regular" panose="00000500000000000000" pitchFamily="2" charset="-127"/>
+                <a:latin typeface="나눔스퀘어" panose="020B0600000101010101" pitchFamily="50" charset="-127"/>
+                <a:ea typeface="나눔스퀘어" panose="020B0600000101010101" pitchFamily="50" charset="-127"/>
               </a:rPr>
               <a:t>의 </a:t>
             </a:r>
             <a:r>
               <a:rPr lang="en-US" altLang="ko-KR" sz="2000" b="0" i="0" dirty="0">
                 <a:effectLst/>
-                <a:latin typeface="나눔스퀘어 네오 Regular" panose="00000500000000000000" pitchFamily="2" charset="-127"/>
-                <a:ea typeface="나눔스퀘어 네오 Regular" panose="00000500000000000000" pitchFamily="2" charset="-127"/>
+                <a:latin typeface="나눔스퀘어" panose="020B0600000101010101" pitchFamily="50" charset="-127"/>
+                <a:ea typeface="나눔스퀘어" panose="020B0600000101010101" pitchFamily="50" charset="-127"/>
               </a:rPr>
               <a:t>24 motion parameters , </a:t>
             </a:r>
@@ -6846,30 +8935,30 @@
             </a:pPr>
             <a:r>
               <a:rPr lang="en-US" altLang="ko-KR" sz="2000" dirty="0">
-                <a:latin typeface="나눔스퀘어 네오 Regular" panose="00000500000000000000" pitchFamily="2" charset="-127"/>
-                <a:ea typeface="나눔스퀘어 네오 Regular" panose="00000500000000000000" pitchFamily="2" charset="-127"/>
+                <a:latin typeface="나눔스퀘어" panose="020B0600000101010101" pitchFamily="50" charset="-127"/>
+                <a:ea typeface="나눔스퀘어" panose="020B0600000101010101" pitchFamily="50" charset="-127"/>
               </a:rPr>
               <a:t>				</a:t>
             </a:r>
             <a:r>
               <a:rPr lang="en-US" altLang="ko-KR" sz="2000" b="0" i="0" dirty="0">
                 <a:effectLst/>
-                <a:latin typeface="나눔스퀘어 네오 Regular" panose="00000500000000000000" pitchFamily="2" charset="-127"/>
-                <a:ea typeface="나눔스퀘어 네오 Regular" panose="00000500000000000000" pitchFamily="2" charset="-127"/>
+                <a:latin typeface="나눔스퀘어" panose="020B0600000101010101" pitchFamily="50" charset="-127"/>
+                <a:ea typeface="나눔스퀘어" panose="020B0600000101010101" pitchFamily="50" charset="-127"/>
               </a:rPr>
               <a:t>"head motion scrubbing" </a:t>
             </a:r>
             <a:r>
               <a:rPr lang="ko-KR" altLang="en-US" sz="2000" dirty="0">
-                <a:latin typeface="나눔스퀘어 네오 Regular" panose="00000500000000000000" pitchFamily="2" charset="-127"/>
-                <a:ea typeface="나눔스퀘어 네오 Regular" panose="00000500000000000000" pitchFamily="2" charset="-127"/>
+                <a:latin typeface="나눔스퀘어" panose="020B0600000101010101" pitchFamily="50" charset="-127"/>
+                <a:ea typeface="나눔스퀘어" panose="020B0600000101010101" pitchFamily="50" charset="-127"/>
               </a:rPr>
               <a:t>방법 적용</a:t>
             </a:r>
             <a:r>
               <a:rPr lang="en-US" altLang="ko-KR" sz="2000" dirty="0">
-                <a:latin typeface="나눔스퀘어 네오 Regular" panose="00000500000000000000" pitchFamily="2" charset="-127"/>
-                <a:ea typeface="나눔스퀘어 네오 Regular" panose="00000500000000000000" pitchFamily="2" charset="-127"/>
+                <a:latin typeface="나눔스퀘어" panose="020B0600000101010101" pitchFamily="50" charset="-127"/>
+                <a:ea typeface="나눔스퀘어" panose="020B0600000101010101" pitchFamily="50" charset="-127"/>
               </a:rPr>
               <a:t>,</a:t>
             </a:r>
@@ -6883,71 +8972,71 @@
             <a:r>
               <a:rPr lang="en-US" altLang="ko-KR" sz="2000" b="0" i="0" dirty="0">
                 <a:effectLst/>
-                <a:latin typeface="나눔스퀘어 네오 Regular" panose="00000500000000000000" pitchFamily="2" charset="-127"/>
-                <a:ea typeface="나눔스퀘어 네오 Regular" panose="00000500000000000000" pitchFamily="2" charset="-127"/>
+                <a:latin typeface="나눔스퀘어" panose="020B0600000101010101" pitchFamily="50" charset="-127"/>
+                <a:ea typeface="나눔스퀘어" panose="020B0600000101010101" pitchFamily="50" charset="-127"/>
               </a:rPr>
               <a:t>				</a:t>
             </a:r>
             <a:r>
               <a:rPr lang="ko-KR" altLang="en-US" sz="2000" b="0" i="0" dirty="0">
                 <a:effectLst/>
-                <a:latin typeface="나눔스퀘어 네오 Regular" panose="00000500000000000000" pitchFamily="2" charset="-127"/>
-                <a:ea typeface="나눔스퀘어 네오 Regular" panose="00000500000000000000" pitchFamily="2" charset="-127"/>
+                <a:latin typeface="나눔스퀘어" panose="020B0600000101010101" pitchFamily="50" charset="-127"/>
+                <a:ea typeface="나눔스퀘어" panose="020B0600000101010101" pitchFamily="50" charset="-127"/>
               </a:rPr>
               <a:t>프레임별 변위</a:t>
             </a:r>
             <a:r>
               <a:rPr lang="en-US" altLang="ko-KR" sz="2000" b="0" i="0" dirty="0">
                 <a:effectLst/>
-                <a:latin typeface="나눔스퀘어 네오 Regular" panose="00000500000000000000" pitchFamily="2" charset="-127"/>
-                <a:ea typeface="나눔스퀘어 네오 Regular" panose="00000500000000000000" pitchFamily="2" charset="-127"/>
+                <a:latin typeface="나눔스퀘어" panose="020B0600000101010101" pitchFamily="50" charset="-127"/>
+                <a:ea typeface="나눔스퀘어" panose="020B0600000101010101" pitchFamily="50" charset="-127"/>
               </a:rPr>
               <a:t>(FD)</a:t>
             </a:r>
             <a:r>
               <a:rPr lang="ko-KR" altLang="en-US" sz="2000" b="0" i="0" dirty="0">
                 <a:effectLst/>
-                <a:latin typeface="나눔스퀘어 네오 Regular" panose="00000500000000000000" pitchFamily="2" charset="-127"/>
-                <a:ea typeface="나눔스퀘어 네오 Regular" panose="00000500000000000000" pitchFamily="2" charset="-127"/>
+                <a:latin typeface="나눔스퀘어" panose="020B0600000101010101" pitchFamily="50" charset="-127"/>
+                <a:ea typeface="나눔스퀘어" panose="020B0600000101010101" pitchFamily="50" charset="-127"/>
               </a:rPr>
               <a:t>가 </a:t>
             </a:r>
             <a:r>
               <a:rPr lang="en-US" altLang="ko-KR" sz="2000" b="0" i="0" dirty="0">
                 <a:effectLst/>
-                <a:latin typeface="나눔스퀘어 네오 Regular" panose="00000500000000000000" pitchFamily="2" charset="-127"/>
-                <a:ea typeface="나눔스퀘어 네오 Regular" panose="00000500000000000000" pitchFamily="2" charset="-127"/>
+                <a:latin typeface="나눔스퀘어" panose="020B0600000101010101" pitchFamily="50" charset="-127"/>
+                <a:ea typeface="나눔스퀘어" panose="020B0600000101010101" pitchFamily="50" charset="-127"/>
               </a:rPr>
               <a:t>0.5mm </a:t>
             </a:r>
             <a:r>
               <a:rPr lang="ko-KR" altLang="en-US" sz="2000" b="0" i="0" dirty="0">
                 <a:effectLst/>
-                <a:latin typeface="나눔스퀘어 네오 Regular" panose="00000500000000000000" pitchFamily="2" charset="-127"/>
-                <a:ea typeface="나눔스퀘어 네오 Regular" panose="00000500000000000000" pitchFamily="2" charset="-127"/>
+                <a:latin typeface="나눔스퀘어" panose="020B0600000101010101" pitchFamily="50" charset="-127"/>
+                <a:ea typeface="나눔스퀘어" panose="020B0600000101010101" pitchFamily="50" charset="-127"/>
               </a:rPr>
               <a:t>이상인 </a:t>
             </a:r>
             <a:r>
               <a:rPr lang="en-US" altLang="ko-KR" sz="2000" b="0" i="0" dirty="0">
                 <a:effectLst/>
-                <a:latin typeface="나눔스퀘어 네오 Regular" panose="00000500000000000000" pitchFamily="2" charset="-127"/>
-                <a:ea typeface="나눔스퀘어 네오 Regular" panose="00000500000000000000" pitchFamily="2" charset="-127"/>
+                <a:latin typeface="나눔스퀘어" panose="020B0600000101010101" pitchFamily="50" charset="-127"/>
+                <a:ea typeface="나눔스퀘어" panose="020B0600000101010101" pitchFamily="50" charset="-127"/>
               </a:rPr>
               <a:t>subject</a:t>
             </a:r>
             <a:r>
               <a:rPr lang="ko-KR" altLang="en-US" sz="2000" b="0" i="0" dirty="0">
                 <a:effectLst/>
-                <a:latin typeface="나눔스퀘어 네오 Regular" panose="00000500000000000000" pitchFamily="2" charset="-127"/>
-                <a:ea typeface="나눔스퀘어 네오 Regular" panose="00000500000000000000" pitchFamily="2" charset="-127"/>
+                <a:latin typeface="나눔스퀘어" panose="020B0600000101010101" pitchFamily="50" charset="-127"/>
+                <a:ea typeface="나눔스퀘어" panose="020B0600000101010101" pitchFamily="50" charset="-127"/>
               </a:rPr>
               <a:t> 제외</a:t>
             </a:r>
             <a:endParaRPr lang="en-US" altLang="ko-KR" sz="2000" b="0" i="0" dirty="0">
               <a:effectLst/>
-              <a:latin typeface="나눔스퀘어 네오 Regular" panose="00000500000000000000" pitchFamily="2" charset="-127"/>
-              <a:ea typeface="나눔스퀘어 네오 Regular" panose="00000500000000000000" pitchFamily="2" charset="-127"/>
+              <a:latin typeface="나눔스퀘어" panose="020B0600000101010101" pitchFamily="50" charset="-127"/>
+              <a:ea typeface="나눔스퀘어" panose="020B0600000101010101" pitchFamily="50" charset="-127"/>
             </a:endParaRPr>
           </a:p>
           <a:p>
@@ -6959,46 +9048,46 @@
             <a:r>
               <a:rPr lang="en-US" altLang="ko-KR" sz="2000" b="1" i="0" dirty="0">
                 <a:effectLst/>
-                <a:latin typeface="나눔스퀘어 네오 Regular" panose="00000500000000000000" pitchFamily="2" charset="-127"/>
-                <a:ea typeface="나눔스퀘어 네오 Regular" panose="00000500000000000000" pitchFamily="2" charset="-127"/>
+                <a:latin typeface="나눔스퀘어" panose="020B0600000101010101" pitchFamily="50" charset="-127"/>
+                <a:ea typeface="나눔스퀘어" panose="020B0600000101010101" pitchFamily="50" charset="-127"/>
               </a:rPr>
               <a:t>3. </a:t>
             </a:r>
             <a:r>
               <a:rPr lang="ko-KR" altLang="en-US" sz="2000" b="1" i="0" dirty="0">
                 <a:effectLst/>
-                <a:latin typeface="나눔스퀘어 네오 Regular" panose="00000500000000000000" pitchFamily="2" charset="-127"/>
-                <a:ea typeface="나눔스퀘어 네오 Regular" panose="00000500000000000000" pitchFamily="2" charset="-127"/>
+                <a:latin typeface="나눔스퀘어" panose="020B0600000101010101" pitchFamily="50" charset="-127"/>
+                <a:ea typeface="나눔스퀘어" panose="020B0600000101010101" pitchFamily="50" charset="-127"/>
               </a:rPr>
               <a:t>공간 정규화</a:t>
             </a:r>
             <a:r>
               <a:rPr lang="en-US" altLang="ko-KR" sz="2000" b="0" i="0" dirty="0">
                 <a:effectLst/>
-                <a:latin typeface="나눔스퀘어 네오 Regular" panose="00000500000000000000" pitchFamily="2" charset="-127"/>
-                <a:ea typeface="나눔스퀘어 네오 Regular" panose="00000500000000000000" pitchFamily="2" charset="-127"/>
+                <a:latin typeface="나눔스퀘어" panose="020B0600000101010101" pitchFamily="50" charset="-127"/>
+                <a:ea typeface="나눔스퀘어" panose="020B0600000101010101" pitchFamily="50" charset="-127"/>
               </a:rPr>
               <a:t>: MNI 152 </a:t>
             </a:r>
             <a:r>
               <a:rPr lang="en-US" altLang="ko-KR" sz="2000" dirty="0">
-                <a:latin typeface="나눔스퀘어 네오 Regular" panose="00000500000000000000" pitchFamily="2" charset="-127"/>
-                <a:ea typeface="나눔스퀘어 네오 Regular" panose="00000500000000000000" pitchFamily="2" charset="-127"/>
+                <a:latin typeface="나눔스퀘어" panose="020B0600000101010101" pitchFamily="50" charset="-127"/>
+                <a:ea typeface="나눔스퀘어" panose="020B0600000101010101" pitchFamily="50" charset="-127"/>
               </a:rPr>
               <a:t>template(</a:t>
             </a:r>
             <a:r>
               <a:rPr lang="en-US" altLang="ko-KR" sz="2000" b="0" i="0" dirty="0">
                 <a:effectLst/>
-                <a:latin typeface="나눔스퀘어 네오 Regular" panose="00000500000000000000" pitchFamily="2" charset="-127"/>
-                <a:ea typeface="나눔스퀘어 네오 Regular" panose="00000500000000000000" pitchFamily="2" charset="-127"/>
+                <a:latin typeface="나눔스퀘어" panose="020B0600000101010101" pitchFamily="50" charset="-127"/>
+                <a:ea typeface="나눔스퀘어" panose="020B0600000101010101" pitchFamily="50" charset="-127"/>
               </a:rPr>
               <a:t>3 × 3 × 3mm^3</a:t>
             </a:r>
             <a:r>
               <a:rPr lang="en-US" altLang="ko-KR" sz="2000" dirty="0">
-                <a:latin typeface="나눔스퀘어 네오 Regular" panose="00000500000000000000" pitchFamily="2" charset="-127"/>
-                <a:ea typeface="나눔스퀘어 네오 Regular" panose="00000500000000000000" pitchFamily="2" charset="-127"/>
+                <a:latin typeface="나눔스퀘어" panose="020B0600000101010101" pitchFamily="50" charset="-127"/>
+                <a:ea typeface="나눔스퀘어" panose="020B0600000101010101" pitchFamily="50" charset="-127"/>
               </a:rPr>
               <a:t>)</a:t>
             </a:r>
@@ -7012,103 +9101,103 @@
             <a:r>
               <a:rPr lang="en-US" altLang="ko-KR" sz="2000" b="1" i="0" dirty="0">
                 <a:effectLst/>
-                <a:latin typeface="나눔스퀘어 네오 Regular" panose="00000500000000000000" pitchFamily="2" charset="-127"/>
-                <a:ea typeface="나눔스퀘어 네오 Regular" panose="00000500000000000000" pitchFamily="2" charset="-127"/>
+                <a:latin typeface="나눔스퀘어" panose="020B0600000101010101" pitchFamily="50" charset="-127"/>
+                <a:ea typeface="나눔스퀘어" panose="020B0600000101010101" pitchFamily="50" charset="-127"/>
               </a:rPr>
               <a:t>4. </a:t>
             </a:r>
             <a:r>
               <a:rPr lang="ko-KR" altLang="en-US" sz="2000" b="1" i="0" dirty="0">
                 <a:effectLst/>
-                <a:latin typeface="나눔스퀘어 네오 Regular" panose="00000500000000000000" pitchFamily="2" charset="-127"/>
-                <a:ea typeface="나눔스퀘어 네오 Regular" panose="00000500000000000000" pitchFamily="2" charset="-127"/>
+                <a:latin typeface="나눔스퀘어" panose="020B0600000101010101" pitchFamily="50" charset="-127"/>
+                <a:ea typeface="나눔스퀘어" panose="020B0600000101010101" pitchFamily="50" charset="-127"/>
               </a:rPr>
               <a:t>선형 </a:t>
             </a:r>
             <a:r>
               <a:rPr lang="ko-KR" altLang="en-US" sz="2000" b="1" i="0" dirty="0" err="1">
                 <a:effectLst/>
-                <a:latin typeface="나눔스퀘어 네오 Regular" panose="00000500000000000000" pitchFamily="2" charset="-127"/>
-                <a:ea typeface="나눔스퀘어 네오 Regular" panose="00000500000000000000" pitchFamily="2" charset="-127"/>
+                <a:latin typeface="나눔스퀘어" panose="020B0600000101010101" pitchFamily="50" charset="-127"/>
+                <a:ea typeface="나눔스퀘어" panose="020B0600000101010101" pitchFamily="50" charset="-127"/>
               </a:rPr>
               <a:t>디트렌딩</a:t>
             </a:r>
             <a:r>
               <a:rPr lang="ko-KR" altLang="en-US" sz="2000" b="1" i="0" dirty="0">
                 <a:effectLst/>
-                <a:latin typeface="나눔스퀘어 네오 Regular" panose="00000500000000000000" pitchFamily="2" charset="-127"/>
-                <a:ea typeface="나눔스퀘어 네오 Regular" panose="00000500000000000000" pitchFamily="2" charset="-127"/>
+                <a:latin typeface="나눔스퀘어" panose="020B0600000101010101" pitchFamily="50" charset="-127"/>
+                <a:ea typeface="나눔스퀘어" panose="020B0600000101010101" pitchFamily="50" charset="-127"/>
               </a:rPr>
               <a:t> 및 시간 대역 필터링</a:t>
             </a:r>
             <a:r>
               <a:rPr lang="en-US" altLang="ko-KR" sz="2000" b="0" i="0" dirty="0">
                 <a:effectLst/>
-                <a:latin typeface="나눔스퀘어 네오 Regular" panose="00000500000000000000" pitchFamily="2" charset="-127"/>
-                <a:ea typeface="나눔스퀘어 네오 Regular" panose="00000500000000000000" pitchFamily="2" charset="-127"/>
+                <a:latin typeface="나눔스퀘어" panose="020B0600000101010101" pitchFamily="50" charset="-127"/>
+                <a:ea typeface="나눔스퀘어" panose="020B0600000101010101" pitchFamily="50" charset="-127"/>
               </a:rPr>
               <a:t>: 0.01–0.08 Hz </a:t>
             </a:r>
             <a:r>
               <a:rPr lang="ko-KR" altLang="en-US" sz="2000" b="0" i="0" dirty="0">
                 <a:effectLst/>
-                <a:latin typeface="나눔스퀘어 네오 Regular" panose="00000500000000000000" pitchFamily="2" charset="-127"/>
-                <a:ea typeface="나눔스퀘어 네오 Regular" panose="00000500000000000000" pitchFamily="2" charset="-127"/>
+                <a:latin typeface="나눔스퀘어" panose="020B0600000101010101" pitchFamily="50" charset="-127"/>
+                <a:ea typeface="나눔스퀘어" panose="020B0600000101010101" pitchFamily="50" charset="-127"/>
               </a:rPr>
               <a:t>대역으로 </a:t>
             </a:r>
             <a:r>
               <a:rPr lang="en-US" altLang="ko-KR" sz="2000" b="0" i="0" dirty="0">
                 <a:effectLst/>
-                <a:latin typeface="나눔스퀘어 네오 Regular" panose="00000500000000000000" pitchFamily="2" charset="-127"/>
-                <a:ea typeface="나눔스퀘어 네오 Regular" panose="00000500000000000000" pitchFamily="2" charset="-127"/>
+                <a:latin typeface="나눔스퀘어" panose="020B0600000101010101" pitchFamily="50" charset="-127"/>
+                <a:ea typeface="나눔스퀘어" panose="020B0600000101010101" pitchFamily="50" charset="-127"/>
               </a:rPr>
               <a:t>bandpass </a:t>
             </a:r>
             <a:r>
               <a:rPr lang="ko-KR" altLang="en-US" sz="2000" b="0" i="0" dirty="0">
                 <a:effectLst/>
-                <a:latin typeface="나눔스퀘어 네오 Regular" panose="00000500000000000000" pitchFamily="2" charset="-127"/>
-                <a:ea typeface="나눔스퀘어 네오 Regular" panose="00000500000000000000" pitchFamily="2" charset="-127"/>
+                <a:latin typeface="나눔스퀘어" panose="020B0600000101010101" pitchFamily="50" charset="-127"/>
+                <a:ea typeface="나눔스퀘어" panose="020B0600000101010101" pitchFamily="50" charset="-127"/>
               </a:rPr>
               <a:t>필터링해서</a:t>
             </a:r>
             <a:r>
               <a:rPr lang="en-US" altLang="ko-KR" sz="2000" b="0" i="0" dirty="0">
                 <a:effectLst/>
-                <a:latin typeface="나눔스퀘어 네오 Regular" panose="00000500000000000000" pitchFamily="2" charset="-127"/>
-                <a:ea typeface="나눔스퀘어 네오 Regular" panose="00000500000000000000" pitchFamily="2" charset="-127"/>
+                <a:latin typeface="나눔스퀘어" panose="020B0600000101010101" pitchFamily="50" charset="-127"/>
+                <a:ea typeface="나눔스퀘어" panose="020B0600000101010101" pitchFamily="50" charset="-127"/>
               </a:rPr>
               <a:t> </a:t>
             </a:r>
             <a:r>
               <a:rPr lang="ko-KR" altLang="en-US" sz="2000" b="0" i="0" dirty="0">
                 <a:effectLst/>
-                <a:latin typeface="나눔스퀘어 네오 Regular" panose="00000500000000000000" pitchFamily="2" charset="-127"/>
-                <a:ea typeface="나눔스퀘어 네오 Regular" panose="00000500000000000000" pitchFamily="2" charset="-127"/>
+                <a:latin typeface="나눔스퀘어" panose="020B0600000101010101" pitchFamily="50" charset="-127"/>
+                <a:ea typeface="나눔스퀘어" panose="020B0600000101010101" pitchFamily="50" charset="-127"/>
               </a:rPr>
               <a:t>저주파 </a:t>
             </a:r>
             <a:r>
               <a:rPr lang="ko-KR" altLang="en-US" sz="2000" b="0" i="0" dirty="0" err="1">
                 <a:effectLst/>
-                <a:latin typeface="나눔스퀘어 네오 Regular" panose="00000500000000000000" pitchFamily="2" charset="-127"/>
-                <a:ea typeface="나눔스퀘어 네오 Regular" panose="00000500000000000000" pitchFamily="2" charset="-127"/>
+                <a:latin typeface="나눔스퀘어" panose="020B0600000101010101" pitchFamily="50" charset="-127"/>
+                <a:ea typeface="나눔스퀘어" panose="020B0600000101010101" pitchFamily="50" charset="-127"/>
               </a:rPr>
               <a:t>드리프트</a:t>
             </a:r>
             <a:r>
               <a:rPr lang="ko-KR" altLang="en-US" sz="2000" b="0" i="0" dirty="0">
                 <a:effectLst/>
-                <a:latin typeface="나눔스퀘어 네오 Regular" panose="00000500000000000000" pitchFamily="2" charset="-127"/>
-                <a:ea typeface="나눔스퀘어 네오 Regular" panose="00000500000000000000" pitchFamily="2" charset="-127"/>
+                <a:latin typeface="나눔스퀘어" panose="020B0600000101010101" pitchFamily="50" charset="-127"/>
+                <a:ea typeface="나눔스퀘어" panose="020B0600000101010101" pitchFamily="50" charset="-127"/>
               </a:rPr>
               <a:t> 및 고주파 생리적 노이즈 제거</a:t>
             </a:r>
             <a:endParaRPr lang="en-US" altLang="ko-KR" sz="2000" b="0" i="0" dirty="0">
               <a:effectLst/>
-              <a:latin typeface="나눔스퀘어 네오 Regular" panose="00000500000000000000" pitchFamily="2" charset="-127"/>
-              <a:ea typeface="나눔스퀘어 네오 Regular" panose="00000500000000000000" pitchFamily="2" charset="-127"/>
+              <a:latin typeface="나눔스퀘어" panose="020B0600000101010101" pitchFamily="50" charset="-127"/>
+              <a:ea typeface="나눔스퀘어" panose="020B0600000101010101" pitchFamily="50" charset="-127"/>
             </a:endParaRPr>
           </a:p>
           <a:p>
@@ -7120,79 +9209,79 @@
             <a:r>
               <a:rPr lang="en-US" altLang="ko-KR" sz="2000" b="1" i="0" dirty="0">
                 <a:effectLst/>
-                <a:latin typeface="나눔스퀘어 네오 Regular" panose="00000500000000000000" pitchFamily="2" charset="-127"/>
-                <a:ea typeface="나눔스퀘어 네오 Regular" panose="00000500000000000000" pitchFamily="2" charset="-127"/>
+                <a:latin typeface="나눔스퀘어" panose="020B0600000101010101" pitchFamily="50" charset="-127"/>
+                <a:ea typeface="나눔스퀘어" panose="020B0600000101010101" pitchFamily="50" charset="-127"/>
               </a:rPr>
               <a:t>5. </a:t>
             </a:r>
             <a:r>
               <a:rPr lang="ko-KR" altLang="en-US" sz="2000" b="1" i="0" dirty="0">
                 <a:effectLst/>
-                <a:latin typeface="나눔스퀘어 네오 Regular" panose="00000500000000000000" pitchFamily="2" charset="-127"/>
-                <a:ea typeface="나눔스퀘어 네오 Regular" panose="00000500000000000000" pitchFamily="2" charset="-127"/>
+                <a:latin typeface="나눔스퀘어" panose="020B0600000101010101" pitchFamily="50" charset="-127"/>
+                <a:ea typeface="나눔스퀘어" panose="020B0600000101010101" pitchFamily="50" charset="-127"/>
               </a:rPr>
               <a:t>신호 회귀</a:t>
             </a:r>
             <a:r>
               <a:rPr lang="en-US" altLang="ko-KR" sz="2000" b="0" i="0" dirty="0">
                 <a:effectLst/>
-                <a:latin typeface="나눔스퀘어 네오 Regular" panose="00000500000000000000" pitchFamily="2" charset="-127"/>
-                <a:ea typeface="나눔스퀘어 네오 Regular" panose="00000500000000000000" pitchFamily="2" charset="-127"/>
+                <a:latin typeface="나눔스퀘어" panose="020B0600000101010101" pitchFamily="50" charset="-127"/>
+                <a:ea typeface="나눔스퀘어" panose="020B0600000101010101" pitchFamily="50" charset="-127"/>
               </a:rPr>
               <a:t>: </a:t>
             </a:r>
             <a:r>
               <a:rPr lang="ko-KR" altLang="en-US" sz="2000" b="0" i="0" dirty="0">
                 <a:effectLst/>
-                <a:latin typeface="나눔스퀘어 네오 Regular" panose="00000500000000000000" pitchFamily="2" charset="-127"/>
-                <a:ea typeface="나눔스퀘어 네오 Regular" panose="00000500000000000000" pitchFamily="2" charset="-127"/>
+                <a:latin typeface="나눔스퀘어" panose="020B0600000101010101" pitchFamily="50" charset="-127"/>
+                <a:ea typeface="나눔스퀘어" panose="020B0600000101010101" pitchFamily="50" charset="-127"/>
               </a:rPr>
               <a:t>전역 신호</a:t>
             </a:r>
             <a:r>
               <a:rPr lang="en-US" altLang="ko-KR" sz="2000" b="0" i="0" dirty="0">
                 <a:effectLst/>
-                <a:latin typeface="나눔스퀘어 네오 Regular" panose="00000500000000000000" pitchFamily="2" charset="-127"/>
-                <a:ea typeface="나눔스퀘어 네오 Regular" panose="00000500000000000000" pitchFamily="2" charset="-127"/>
+                <a:latin typeface="나눔스퀘어" panose="020B0600000101010101" pitchFamily="50" charset="-127"/>
+                <a:ea typeface="나눔스퀘어" panose="020B0600000101010101" pitchFamily="50" charset="-127"/>
               </a:rPr>
               <a:t>, </a:t>
             </a:r>
             <a:r>
               <a:rPr lang="ko-KR" altLang="en-US" sz="2000" b="0" i="0" dirty="0" err="1">
                 <a:effectLst/>
-                <a:latin typeface="나눔스퀘어 네오 Regular" panose="00000500000000000000" pitchFamily="2" charset="-127"/>
-                <a:ea typeface="나눔스퀘어 네오 Regular" panose="00000500000000000000" pitchFamily="2" charset="-127"/>
+                <a:latin typeface="나눔스퀘어" panose="020B0600000101010101" pitchFamily="50" charset="-127"/>
+                <a:ea typeface="나눔스퀘어" panose="020B0600000101010101" pitchFamily="50" charset="-127"/>
               </a:rPr>
               <a:t>백질</a:t>
             </a:r>
             <a:r>
               <a:rPr lang="ko-KR" altLang="en-US" sz="2000" b="0" i="0" dirty="0">
                 <a:effectLst/>
-                <a:latin typeface="나눔스퀘어 네오 Regular" panose="00000500000000000000" pitchFamily="2" charset="-127"/>
-                <a:ea typeface="나눔스퀘어 네오 Regular" panose="00000500000000000000" pitchFamily="2" charset="-127"/>
+                <a:latin typeface="나눔스퀘어" panose="020B0600000101010101" pitchFamily="50" charset="-127"/>
+                <a:ea typeface="나눔스퀘어" panose="020B0600000101010101" pitchFamily="50" charset="-127"/>
               </a:rPr>
               <a:t> 신호</a:t>
             </a:r>
             <a:r>
               <a:rPr lang="en-US" altLang="ko-KR" sz="2000" b="0" i="0" dirty="0">
                 <a:effectLst/>
-                <a:latin typeface="나눔스퀘어 네오 Regular" panose="00000500000000000000" pitchFamily="2" charset="-127"/>
-                <a:ea typeface="나눔스퀘어 네오 Regular" panose="00000500000000000000" pitchFamily="2" charset="-127"/>
+                <a:latin typeface="나눔스퀘어" panose="020B0600000101010101" pitchFamily="50" charset="-127"/>
+                <a:ea typeface="나눔스퀘어" panose="020B0600000101010101" pitchFamily="50" charset="-127"/>
               </a:rPr>
               <a:t>, </a:t>
             </a:r>
             <a:r>
               <a:rPr lang="ko-KR" altLang="en-US" sz="2000" b="0" i="0" dirty="0">
                 <a:effectLst/>
-                <a:latin typeface="나눔스퀘어 네오 Regular" panose="00000500000000000000" pitchFamily="2" charset="-127"/>
-                <a:ea typeface="나눔스퀘어 네오 Regular" panose="00000500000000000000" pitchFamily="2" charset="-127"/>
+                <a:latin typeface="나눔스퀘어" panose="020B0600000101010101" pitchFamily="50" charset="-127"/>
+                <a:ea typeface="나눔스퀘어" panose="020B0600000101010101" pitchFamily="50" charset="-127"/>
               </a:rPr>
               <a:t>뇌척수액 신호 및 운동 파라미터를 제거</a:t>
             </a:r>
             <a:endParaRPr lang="en-US" altLang="ko-KR" sz="2000" b="0" i="0" dirty="0">
               <a:effectLst/>
-              <a:latin typeface="나눔스퀘어 네오 Regular" panose="00000500000000000000" pitchFamily="2" charset="-127"/>
-              <a:ea typeface="나눔스퀘어 네오 Regular" panose="00000500000000000000" pitchFamily="2" charset="-127"/>
+              <a:latin typeface="나눔스퀘어" panose="020B0600000101010101" pitchFamily="50" charset="-127"/>
+              <a:ea typeface="나눔스퀘어" panose="020B0600000101010101" pitchFamily="50" charset="-127"/>
             </a:endParaRPr>
           </a:p>
         </p:txBody>
@@ -7281,11 +9370,17 @@
           </a:lstStyle>
           <a:p>
             <a:r>
-              <a:rPr lang="en-US" altLang="ko-KR" sz="3200" dirty="0"/>
+              <a:rPr lang="en-US" altLang="ko-KR" sz="3200" dirty="0">
+                <a:latin typeface="나눔스퀘어" panose="020B0600000101010101" pitchFamily="50" charset="-127"/>
+                <a:ea typeface="나눔스퀘어" panose="020B0600000101010101" pitchFamily="50" charset="-127"/>
+              </a:rPr>
               <a:t>2. Functional Connectivity </a:t>
             </a:r>
             <a:r>
-              <a:rPr lang="ko-KR" altLang="en-US" sz="3200" dirty="0"/>
+              <a:rPr lang="ko-KR" altLang="en-US" sz="3200" dirty="0">
+                <a:latin typeface="나눔스퀘어" panose="020B0600000101010101" pitchFamily="50" charset="-127"/>
+                <a:ea typeface="나눔스퀘어" panose="020B0600000101010101" pitchFamily="50" charset="-127"/>
+              </a:rPr>
               <a:t>제작</a:t>
             </a:r>
           </a:p>
@@ -7324,36 +9419,36 @@
             </a:pPr>
             <a:r>
               <a:rPr lang="en-US" altLang="ko-KR" sz="1600" dirty="0">
-                <a:latin typeface="나눔스퀘어 네오 Regular" panose="00000500000000000000" pitchFamily="2" charset="-127"/>
-                <a:ea typeface="나눔스퀘어 네오 Regular" panose="00000500000000000000" pitchFamily="2" charset="-127"/>
+                <a:latin typeface="나눔스퀘어" panose="020B0600000101010101" pitchFamily="50" charset="-127"/>
+                <a:ea typeface="나눔스퀘어" panose="020B0600000101010101" pitchFamily="50" charset="-127"/>
               </a:rPr>
               <a:t>*brain mask : MRI brain</a:t>
             </a:r>
             <a:r>
               <a:rPr lang="ko-KR" altLang="en-US" sz="1600" dirty="0">
-                <a:latin typeface="나눔스퀘어 네오 Regular" panose="00000500000000000000" pitchFamily="2" charset="-127"/>
-                <a:ea typeface="나눔스퀘어 네오 Regular" panose="00000500000000000000" pitchFamily="2" charset="-127"/>
+                <a:latin typeface="나눔스퀘어" panose="020B0600000101010101" pitchFamily="50" charset="-127"/>
+                <a:ea typeface="나눔스퀘어" panose="020B0600000101010101" pitchFamily="50" charset="-127"/>
               </a:rPr>
               <a:t> </a:t>
             </a:r>
             <a:r>
               <a:rPr lang="en-US" altLang="ko-KR" sz="1600" dirty="0">
-                <a:latin typeface="나눔스퀘어 네오 Regular" panose="00000500000000000000" pitchFamily="2" charset="-127"/>
-                <a:ea typeface="나눔스퀘어 네오 Regular" panose="00000500000000000000" pitchFamily="2" charset="-127"/>
+                <a:latin typeface="나눔스퀘어" panose="020B0600000101010101" pitchFamily="50" charset="-127"/>
+                <a:ea typeface="나눔스퀘어" panose="020B0600000101010101" pitchFamily="50" charset="-127"/>
               </a:rPr>
               <a:t>image</a:t>
             </a:r>
             <a:r>
               <a:rPr lang="ko-KR" altLang="en-US" sz="1600" dirty="0">
-                <a:latin typeface="나눔스퀘어 네오 Regular" panose="00000500000000000000" pitchFamily="2" charset="-127"/>
-                <a:ea typeface="나눔스퀘어 네오 Regular" panose="00000500000000000000" pitchFamily="2" charset="-127"/>
+                <a:latin typeface="나눔스퀘어" panose="020B0600000101010101" pitchFamily="50" charset="-127"/>
+                <a:ea typeface="나눔스퀘어" panose="020B0600000101010101" pitchFamily="50" charset="-127"/>
               </a:rPr>
               <a:t>에서 뇌 조직 영역과 뇌 조직이 아닌 영역을 구분하기 위해 사용되는 </a:t>
             </a:r>
             <a:r>
               <a:rPr lang="en-US" altLang="ko-KR" sz="1600" dirty="0">
-                <a:latin typeface="나눔스퀘어 네오 Regular" panose="00000500000000000000" pitchFamily="2" charset="-127"/>
-                <a:ea typeface="나눔스퀘어 네오 Regular" panose="00000500000000000000" pitchFamily="2" charset="-127"/>
+                <a:latin typeface="나눔스퀘어" panose="020B0600000101010101" pitchFamily="50" charset="-127"/>
+                <a:ea typeface="나눔스퀘어" panose="020B0600000101010101" pitchFamily="50" charset="-127"/>
               </a:rPr>
               <a:t>binary image</a:t>
             </a:r>
@@ -7393,49 +9488,49 @@
             </a:pPr>
             <a:r>
               <a:rPr lang="en-US" altLang="ko-KR" sz="2000" dirty="0">
-                <a:latin typeface="나눔스퀘어 네오 Regular" panose="00000500000000000000" pitchFamily="2" charset="-127"/>
-                <a:ea typeface="나눔스퀘어 네오 Regular" panose="00000500000000000000" pitchFamily="2" charset="-127"/>
+                <a:latin typeface="나눔스퀘어" panose="020B0600000101010101" pitchFamily="50" charset="-127"/>
+                <a:ea typeface="나눔스퀘어" panose="020B0600000101010101" pitchFamily="50" charset="-127"/>
               </a:rPr>
               <a:t>Atlas </a:t>
             </a:r>
             <a:r>
               <a:rPr lang="ko-KR" altLang="en-US" sz="2000" dirty="0">
-                <a:latin typeface="나눔스퀘어 네오 Regular" panose="00000500000000000000" pitchFamily="2" charset="-127"/>
-                <a:ea typeface="나눔스퀘어 네오 Regular" panose="00000500000000000000" pitchFamily="2" charset="-127"/>
+                <a:latin typeface="나눔스퀘어" panose="020B0600000101010101" pitchFamily="50" charset="-127"/>
+                <a:ea typeface="나눔스퀘어" panose="020B0600000101010101" pitchFamily="50" charset="-127"/>
               </a:rPr>
               <a:t>적용한 </a:t>
             </a:r>
             <a:r>
               <a:rPr lang="en-US" altLang="ko-KR" sz="2000" dirty="0">
-                <a:latin typeface="나눔스퀘어 네오 Regular" panose="00000500000000000000" pitchFamily="2" charset="-127"/>
-                <a:ea typeface="나눔스퀘어 네오 Regular" panose="00000500000000000000" pitchFamily="2" charset="-127"/>
+                <a:latin typeface="나눔스퀘어" panose="020B0600000101010101" pitchFamily="50" charset="-127"/>
+                <a:ea typeface="나눔스퀘어" panose="020B0600000101010101" pitchFamily="50" charset="-127"/>
               </a:rPr>
               <a:t>mask</a:t>
             </a:r>
             <a:r>
               <a:rPr lang="ko-KR" altLang="en-US" sz="2000" dirty="0">
-                <a:latin typeface="나눔스퀘어 네오 Regular" panose="00000500000000000000" pitchFamily="2" charset="-127"/>
-                <a:ea typeface="나눔스퀘어 네오 Regular" panose="00000500000000000000" pitchFamily="2" charset="-127"/>
+                <a:latin typeface="나눔스퀘어" panose="020B0600000101010101" pitchFamily="50" charset="-127"/>
+                <a:ea typeface="나눔스퀘어" panose="020B0600000101010101" pitchFamily="50" charset="-127"/>
               </a:rPr>
               <a:t>를 </a:t>
             </a:r>
             <a:r>
               <a:rPr lang="en-US" altLang="ko-KR" sz="2000" dirty="0">
-                <a:latin typeface="나눔스퀘어 네오 Regular" panose="00000500000000000000" pitchFamily="2" charset="-127"/>
-                <a:ea typeface="나눔스퀘어 네오 Regular" panose="00000500000000000000" pitchFamily="2" charset="-127"/>
+                <a:latin typeface="나눔스퀘어" panose="020B0600000101010101" pitchFamily="50" charset="-127"/>
+                <a:ea typeface="나눔스퀘어" panose="020B0600000101010101" pitchFamily="50" charset="-127"/>
               </a:rPr>
               <a:t>fMRI image</a:t>
             </a:r>
             <a:r>
               <a:rPr lang="ko-KR" altLang="en-US" sz="2000" dirty="0">
-                <a:latin typeface="나눔스퀘어 네오 Regular" panose="00000500000000000000" pitchFamily="2" charset="-127"/>
-                <a:ea typeface="나눔스퀘어 네오 Regular" panose="00000500000000000000" pitchFamily="2" charset="-127"/>
+                <a:latin typeface="나눔스퀘어" panose="020B0600000101010101" pitchFamily="50" charset="-127"/>
+                <a:ea typeface="나눔스퀘어" panose="020B0600000101010101" pitchFamily="50" charset="-127"/>
               </a:rPr>
               <a:t>에 적용</a:t>
             </a:r>
             <a:endParaRPr lang="en-US" altLang="ko-KR" sz="2000" dirty="0">
-              <a:latin typeface="나눔스퀘어 네오 Regular" panose="00000500000000000000" pitchFamily="2" charset="-127"/>
-              <a:ea typeface="나눔스퀘어 네오 Regular" panose="00000500000000000000" pitchFamily="2" charset="-127"/>
+              <a:latin typeface="나눔스퀘어" panose="020B0600000101010101" pitchFamily="50" charset="-127"/>
+              <a:ea typeface="나눔스퀘어" panose="020B0600000101010101" pitchFamily="50" charset="-127"/>
             </a:endParaRPr>
           </a:p>
           <a:p>
@@ -7443,8 +9538,8 @@
               <a:buAutoNum type="arabicPeriod"/>
             </a:pPr>
             <a:endParaRPr lang="en-US" altLang="ko-KR" sz="2000" dirty="0">
-              <a:latin typeface="나눔스퀘어 네오 Regular" panose="00000500000000000000" pitchFamily="2" charset="-127"/>
-              <a:ea typeface="나눔스퀘어 네오 Regular" panose="00000500000000000000" pitchFamily="2" charset="-127"/>
+              <a:latin typeface="나눔스퀘어" panose="020B0600000101010101" pitchFamily="50" charset="-127"/>
+              <a:ea typeface="나눔스퀘어" panose="020B0600000101010101" pitchFamily="50" charset="-127"/>
             </a:endParaRPr>
           </a:p>
           <a:p>
@@ -7453,63 +9548,63 @@
             </a:pPr>
             <a:r>
               <a:rPr lang="ko-KR" altLang="en-US" sz="2000" dirty="0">
-                <a:latin typeface="나눔스퀘어 네오 Regular" panose="00000500000000000000" pitchFamily="2" charset="-127"/>
-                <a:ea typeface="나눔스퀘어 네오 Regular" panose="00000500000000000000" pitchFamily="2" charset="-127"/>
+                <a:latin typeface="나눔스퀘어" panose="020B0600000101010101" pitchFamily="50" charset="-127"/>
+                <a:ea typeface="나눔스퀘어" panose="020B0600000101010101" pitchFamily="50" charset="-127"/>
               </a:rPr>
               <a:t>시간에 따른 두 </a:t>
             </a:r>
             <a:r>
               <a:rPr lang="en-US" altLang="ko-KR" sz="2000" dirty="0">
-                <a:latin typeface="나눔스퀘어 네오 Regular" panose="00000500000000000000" pitchFamily="2" charset="-127"/>
-                <a:ea typeface="나눔스퀘어 네오 Regular" panose="00000500000000000000" pitchFamily="2" charset="-127"/>
+                <a:latin typeface="나눔스퀘어" panose="020B0600000101010101" pitchFamily="50" charset="-127"/>
+                <a:ea typeface="나눔스퀘어" panose="020B0600000101010101" pitchFamily="50" charset="-127"/>
               </a:rPr>
               <a:t>ROI</a:t>
             </a:r>
             <a:r>
               <a:rPr lang="ko-KR" altLang="en-US" sz="2000" dirty="0">
-                <a:latin typeface="나눔스퀘어 네오 Regular" panose="00000500000000000000" pitchFamily="2" charset="-127"/>
-                <a:ea typeface="나눔스퀘어 네오 Regular" panose="00000500000000000000" pitchFamily="2" charset="-127"/>
+                <a:latin typeface="나눔스퀘어" panose="020B0600000101010101" pitchFamily="50" charset="-127"/>
+                <a:ea typeface="나눔스퀘어" panose="020B0600000101010101" pitchFamily="50" charset="-127"/>
               </a:rPr>
               <a:t>의 </a:t>
             </a:r>
             <a:r>
               <a:rPr lang="en-US" altLang="ko-KR" sz="2000" dirty="0">
-                <a:latin typeface="나눔스퀘어 네오 Regular" panose="00000500000000000000" pitchFamily="2" charset="-127"/>
-                <a:ea typeface="나눔스퀘어 네오 Regular" panose="00000500000000000000" pitchFamily="2" charset="-127"/>
+                <a:latin typeface="나눔스퀘어" panose="020B0600000101010101" pitchFamily="50" charset="-127"/>
+                <a:ea typeface="나눔스퀘어" panose="020B0600000101010101" pitchFamily="50" charset="-127"/>
               </a:rPr>
               <a:t>fMRI signal</a:t>
             </a:r>
             <a:r>
               <a:rPr lang="ko-KR" altLang="en-US" sz="2000" dirty="0">
-                <a:latin typeface="나눔스퀘어 네오 Regular" panose="00000500000000000000" pitchFamily="2" charset="-127"/>
-                <a:ea typeface="나눔스퀘어 네오 Regular" panose="00000500000000000000" pitchFamily="2" charset="-127"/>
+                <a:latin typeface="나눔스퀘어" panose="020B0600000101010101" pitchFamily="50" charset="-127"/>
+                <a:ea typeface="나눔스퀘어" panose="020B0600000101010101" pitchFamily="50" charset="-127"/>
               </a:rPr>
               <a:t>간 </a:t>
             </a:r>
             <a:r>
               <a:rPr lang="en-US" altLang="ko-KR" sz="2000" dirty="0" err="1">
-                <a:latin typeface="나눔스퀘어 네오 Regular" panose="00000500000000000000" pitchFamily="2" charset="-127"/>
-                <a:ea typeface="나눔스퀘어 네오 Regular" panose="00000500000000000000" pitchFamily="2" charset="-127"/>
+                <a:latin typeface="나눔스퀘어" panose="020B0600000101010101" pitchFamily="50" charset="-127"/>
+                <a:ea typeface="나눔스퀘어" panose="020B0600000101010101" pitchFamily="50" charset="-127"/>
               </a:rPr>
               <a:t>pearson</a:t>
             </a:r>
             <a:r>
               <a:rPr lang="en-US" altLang="ko-KR" sz="2000" dirty="0">
-                <a:latin typeface="나눔스퀘어 네오 Regular" panose="00000500000000000000" pitchFamily="2" charset="-127"/>
-                <a:ea typeface="나눔스퀘어 네오 Regular" panose="00000500000000000000" pitchFamily="2" charset="-127"/>
+                <a:latin typeface="나눔스퀘어" panose="020B0600000101010101" pitchFamily="50" charset="-127"/>
+                <a:ea typeface="나눔스퀘어" panose="020B0600000101010101" pitchFamily="50" charset="-127"/>
               </a:rPr>
               <a:t> correlation </a:t>
             </a:r>
             <a:r>
               <a:rPr lang="ko-KR" altLang="en-US" sz="2000" dirty="0">
-                <a:latin typeface="나눔스퀘어 네오 Regular" panose="00000500000000000000" pitchFamily="2" charset="-127"/>
-                <a:ea typeface="나눔스퀘어 네오 Regular" panose="00000500000000000000" pitchFamily="2" charset="-127"/>
+                <a:latin typeface="나눔스퀘어" panose="020B0600000101010101" pitchFamily="50" charset="-127"/>
+                <a:ea typeface="나눔스퀘어" panose="020B0600000101010101" pitchFamily="50" charset="-127"/>
               </a:rPr>
               <a:t>계산</a:t>
             </a:r>
             <a:endParaRPr lang="en-US" altLang="ko-KR" sz="2000" dirty="0">
-              <a:latin typeface="나눔스퀘어 네오 Regular" panose="00000500000000000000" pitchFamily="2" charset="-127"/>
-              <a:ea typeface="나눔스퀘어 네오 Regular" panose="00000500000000000000" pitchFamily="2" charset="-127"/>
+              <a:latin typeface="나눔스퀘어" panose="020B0600000101010101" pitchFamily="50" charset="-127"/>
+              <a:ea typeface="나눔스퀘어" panose="020B0600000101010101" pitchFamily="50" charset="-127"/>
             </a:endParaRPr>
           </a:p>
         </p:txBody>
@@ -7544,8 +9639,8 @@
           <a:p>
             <a:r>
               <a:rPr lang="en-US" altLang="ko-KR" sz="2000" b="1" dirty="0">
-                <a:latin typeface="나눔스퀘어 네오 Regular" panose="00000500000000000000" pitchFamily="2" charset="-127"/>
-                <a:ea typeface="나눔스퀘어 네오 Regular" panose="00000500000000000000" pitchFamily="2" charset="-127"/>
+                <a:latin typeface="나눔스퀘어" panose="020B0600000101010101" pitchFamily="50" charset="-127"/>
+                <a:ea typeface="나눔스퀘어" panose="020B0600000101010101" pitchFamily="50" charset="-127"/>
               </a:rPr>
               <a:t>1. Schaefer2018 (400Parcels_17Networks_1mm)</a:t>
             </a:r>
@@ -7553,43 +9648,43 @@
           <a:p>
             <a:r>
               <a:rPr lang="en-US" altLang="ko-KR" sz="2000" b="1" dirty="0">
-                <a:latin typeface="나눔스퀘어 네오 Regular" panose="00000500000000000000" pitchFamily="2" charset="-127"/>
-                <a:ea typeface="나눔스퀘어 네오 Regular" panose="00000500000000000000" pitchFamily="2" charset="-127"/>
+                <a:latin typeface="나눔스퀘어" panose="020B0600000101010101" pitchFamily="50" charset="-127"/>
+                <a:ea typeface="나눔스퀘어" panose="020B0600000101010101" pitchFamily="50" charset="-127"/>
               </a:rPr>
               <a:t>	</a:t>
             </a:r>
             <a:r>
               <a:rPr lang="en-US" altLang="ko-KR" sz="2000" dirty="0">
-                <a:latin typeface="나눔스퀘어 네오 Regular" panose="00000500000000000000" pitchFamily="2" charset="-127"/>
-                <a:ea typeface="나눔스퀘어 네오 Regular" panose="00000500000000000000" pitchFamily="2" charset="-127"/>
+                <a:latin typeface="나눔스퀘어" panose="020B0600000101010101" pitchFamily="50" charset="-127"/>
+                <a:ea typeface="나눔스퀘어" panose="020B0600000101010101" pitchFamily="50" charset="-127"/>
               </a:rPr>
               <a:t>Dataset1(UCLA_CNP) : </a:t>
             </a:r>
             <a:r>
               <a:rPr lang="ko-KR" altLang="en-US" sz="2000" dirty="0">
-                <a:latin typeface="나눔스퀘어 네오 Regular" panose="00000500000000000000" pitchFamily="2" charset="-127"/>
-                <a:ea typeface="나눔스퀘어 네오 Regular" panose="00000500000000000000" pitchFamily="2" charset="-127"/>
+                <a:latin typeface="나눔스퀘어" panose="020B0600000101010101" pitchFamily="50" charset="-127"/>
+                <a:ea typeface="나눔스퀘어" panose="020B0600000101010101" pitchFamily="50" charset="-127"/>
               </a:rPr>
               <a:t>총 </a:t>
             </a:r>
             <a:r>
               <a:rPr lang="en-US" altLang="ko-KR" sz="2000" dirty="0">
-                <a:latin typeface="나눔스퀘어 네오 Regular" panose="00000500000000000000" pitchFamily="2" charset="-127"/>
-                <a:ea typeface="나눔스퀘어 네오 Regular" panose="00000500000000000000" pitchFamily="2" charset="-127"/>
+                <a:latin typeface="나눔스퀘어" panose="020B0600000101010101" pitchFamily="50" charset="-127"/>
+                <a:ea typeface="나눔스퀘어" panose="020B0600000101010101" pitchFamily="50" charset="-127"/>
               </a:rPr>
               <a:t>77</a:t>
             </a:r>
             <a:r>
               <a:rPr lang="ko-KR" altLang="en-US" sz="2000" dirty="0">
-                <a:latin typeface="나눔스퀘어 네오 Regular" panose="00000500000000000000" pitchFamily="2" charset="-127"/>
-                <a:ea typeface="나눔스퀘어 네오 Regular" panose="00000500000000000000" pitchFamily="2" charset="-127"/>
+                <a:latin typeface="나눔스퀘어" panose="020B0600000101010101" pitchFamily="50" charset="-127"/>
+                <a:ea typeface="나눔스퀘어" panose="020B0600000101010101" pitchFamily="50" charset="-127"/>
               </a:rPr>
               <a:t>명 </a:t>
             </a:r>
             <a:r>
               <a:rPr lang="en-US" altLang="ko-KR" sz="2000" dirty="0">
-                <a:latin typeface="나눔스퀘어 네오 Regular" panose="00000500000000000000" pitchFamily="2" charset="-127"/>
-                <a:ea typeface="나눔스퀘어 네오 Regular" panose="00000500000000000000" pitchFamily="2" charset="-127"/>
+                <a:latin typeface="나눔스퀘어" panose="020B0600000101010101" pitchFamily="50" charset="-127"/>
+                <a:ea typeface="나눔스퀘어" panose="020B0600000101010101" pitchFamily="50" charset="-127"/>
               </a:rPr>
               <a:t>(HC 52, SCZ 25)</a:t>
             </a:r>
@@ -7600,8 +9695,8 @@
               <a:buChar char="è"/>
             </a:pPr>
             <a:endParaRPr lang="en-US" altLang="ko-KR" sz="2000" dirty="0">
-              <a:latin typeface="나눔스퀘어 네오 Regular" panose="00000500000000000000" pitchFamily="2" charset="-127"/>
-              <a:ea typeface="나눔스퀘어 네오 Regular" panose="00000500000000000000" pitchFamily="2" charset="-127"/>
+              <a:latin typeface="나눔스퀘어" panose="020B0600000101010101" pitchFamily="50" charset="-127"/>
+              <a:ea typeface="나눔스퀘어" panose="020B0600000101010101" pitchFamily="50" charset="-127"/>
             </a:endParaRPr>
           </a:p>
           <a:p>
@@ -7611,8 +9706,8 @@
             </a:pPr>
             <a:r>
               <a:rPr lang="en-US" altLang="ko-KR" sz="2000" b="1" dirty="0">
-                <a:latin typeface="나눔스퀘어 네오 Regular" panose="00000500000000000000" pitchFamily="2" charset="-127"/>
-                <a:ea typeface="나눔스퀘어 네오 Regular" panose="00000500000000000000" pitchFamily="2" charset="-127"/>
+                <a:latin typeface="나눔스퀘어" panose="020B0600000101010101" pitchFamily="50" charset="-127"/>
+                <a:ea typeface="나눔스퀘어" panose="020B0600000101010101" pitchFamily="50" charset="-127"/>
               </a:rPr>
               <a:t>2. AAL3v1 (164parcels_1mm)</a:t>
             </a:r>
@@ -7624,43 +9719,43 @@
             </a:pPr>
             <a:r>
               <a:rPr lang="en-US" altLang="ko-KR" sz="2000" b="1" dirty="0">
-                <a:latin typeface="나눔스퀘어 네오 Regular" panose="00000500000000000000" pitchFamily="2" charset="-127"/>
-                <a:ea typeface="나눔스퀘어 네오 Regular" panose="00000500000000000000" pitchFamily="2" charset="-127"/>
+                <a:latin typeface="나눔스퀘어" panose="020B0600000101010101" pitchFamily="50" charset="-127"/>
+                <a:ea typeface="나눔스퀘어" panose="020B0600000101010101" pitchFamily="50" charset="-127"/>
               </a:rPr>
               <a:t>	</a:t>
             </a:r>
             <a:r>
               <a:rPr lang="en-US" altLang="ko-KR" sz="2000" dirty="0">
-                <a:latin typeface="나눔스퀘어 네오 Regular" panose="00000500000000000000" pitchFamily="2" charset="-127"/>
-                <a:ea typeface="나눔스퀘어 네오 Regular" panose="00000500000000000000" pitchFamily="2" charset="-127"/>
+                <a:latin typeface="나눔스퀘어" panose="020B0600000101010101" pitchFamily="50" charset="-127"/>
+                <a:ea typeface="나눔스퀘어" panose="020B0600000101010101" pitchFamily="50" charset="-127"/>
               </a:rPr>
               <a:t>Dataset 1 (UCLA_CNP) : </a:t>
             </a:r>
             <a:r>
               <a:rPr lang="ko-KR" altLang="en-US" sz="2000" dirty="0">
-                <a:latin typeface="나눔스퀘어 네오 Regular" panose="00000500000000000000" pitchFamily="2" charset="-127"/>
-                <a:ea typeface="나눔스퀘어 네오 Regular" panose="00000500000000000000" pitchFamily="2" charset="-127"/>
+                <a:latin typeface="나눔스퀘어" panose="020B0600000101010101" pitchFamily="50" charset="-127"/>
+                <a:ea typeface="나눔스퀘어" panose="020B0600000101010101" pitchFamily="50" charset="-127"/>
               </a:rPr>
               <a:t>총 </a:t>
             </a:r>
             <a:r>
               <a:rPr lang="en-US" altLang="ko-KR" sz="2000" dirty="0">
-                <a:latin typeface="나눔스퀘어 네오 Regular" panose="00000500000000000000" pitchFamily="2" charset="-127"/>
-                <a:ea typeface="나눔스퀘어 네오 Regular" panose="00000500000000000000" pitchFamily="2" charset="-127"/>
+                <a:latin typeface="나눔스퀘어" panose="020B0600000101010101" pitchFamily="50" charset="-127"/>
+                <a:ea typeface="나눔스퀘어" panose="020B0600000101010101" pitchFamily="50" charset="-127"/>
               </a:rPr>
               <a:t>148</a:t>
             </a:r>
             <a:r>
               <a:rPr lang="ko-KR" altLang="en-US" sz="2000" dirty="0">
-                <a:latin typeface="나눔스퀘어 네오 Regular" panose="00000500000000000000" pitchFamily="2" charset="-127"/>
-                <a:ea typeface="나눔스퀘어 네오 Regular" panose="00000500000000000000" pitchFamily="2" charset="-127"/>
+                <a:latin typeface="나눔스퀘어" panose="020B0600000101010101" pitchFamily="50" charset="-127"/>
+                <a:ea typeface="나눔스퀘어" panose="020B0600000101010101" pitchFamily="50" charset="-127"/>
               </a:rPr>
               <a:t>명 </a:t>
             </a:r>
             <a:r>
               <a:rPr lang="en-US" altLang="ko-KR" sz="2000" dirty="0">
-                <a:latin typeface="나눔스퀘어 네오 Regular" panose="00000500000000000000" pitchFamily="2" charset="-127"/>
-                <a:ea typeface="나눔스퀘어 네오 Regular" panose="00000500000000000000" pitchFamily="2" charset="-127"/>
+                <a:latin typeface="나눔스퀘어" panose="020B0600000101010101" pitchFamily="50" charset="-127"/>
+                <a:ea typeface="나눔스퀘어" panose="020B0600000101010101" pitchFamily="50" charset="-127"/>
               </a:rPr>
               <a:t>(HC 104, SCZ 44)</a:t>
             </a:r>
@@ -7668,50 +9763,50 @@
           <a:p>
             <a:r>
               <a:rPr lang="en-US" altLang="ko-KR" sz="2000" dirty="0">
-                <a:latin typeface="나눔스퀘어 네오 Regular" panose="00000500000000000000" pitchFamily="2" charset="-127"/>
-                <a:ea typeface="나눔스퀘어 네오 Regular" panose="00000500000000000000" pitchFamily="2" charset="-127"/>
+                <a:latin typeface="나눔스퀘어" panose="020B0600000101010101" pitchFamily="50" charset="-127"/>
+                <a:ea typeface="나눔스퀘어" panose="020B0600000101010101" pitchFamily="50" charset="-127"/>
               </a:rPr>
               <a:t>	Dataset2 (COBRE) : </a:t>
             </a:r>
             <a:r>
               <a:rPr lang="ko-KR" altLang="en-US" sz="2000" dirty="0">
-                <a:latin typeface="나눔스퀘어 네오 Regular" panose="00000500000000000000" pitchFamily="2" charset="-127"/>
-                <a:ea typeface="나눔스퀘어 네오 Regular" panose="00000500000000000000" pitchFamily="2" charset="-127"/>
+                <a:latin typeface="나눔스퀘어" panose="020B0600000101010101" pitchFamily="50" charset="-127"/>
+                <a:ea typeface="나눔스퀘어" panose="020B0600000101010101" pitchFamily="50" charset="-127"/>
               </a:rPr>
               <a:t>총</a:t>
             </a:r>
             <a:r>
               <a:rPr lang="en-US" altLang="ko-KR" sz="2000" dirty="0">
-                <a:latin typeface="나눔스퀘어 네오 Regular" panose="00000500000000000000" pitchFamily="2" charset="-127"/>
-                <a:ea typeface="나눔스퀘어 네오 Regular" panose="00000500000000000000" pitchFamily="2" charset="-127"/>
+                <a:latin typeface="나눔스퀘어" panose="020B0600000101010101" pitchFamily="50" charset="-127"/>
+                <a:ea typeface="나눔스퀘어" panose="020B0600000101010101" pitchFamily="50" charset="-127"/>
               </a:rPr>
               <a:t> 114</a:t>
             </a:r>
             <a:r>
               <a:rPr lang="ko-KR" altLang="en-US" sz="2000" dirty="0">
-                <a:latin typeface="나눔스퀘어 네오 Regular" panose="00000500000000000000" pitchFamily="2" charset="-127"/>
-                <a:ea typeface="나눔스퀘어 네오 Regular" panose="00000500000000000000" pitchFamily="2" charset="-127"/>
+                <a:latin typeface="나눔스퀘어" panose="020B0600000101010101" pitchFamily="50" charset="-127"/>
+                <a:ea typeface="나눔스퀘어" panose="020B0600000101010101" pitchFamily="50" charset="-127"/>
               </a:rPr>
               <a:t>명 </a:t>
             </a:r>
             <a:r>
               <a:rPr lang="en-US" altLang="ko-KR" sz="2000" dirty="0">
-                <a:latin typeface="나눔스퀘어 네오 Regular" panose="00000500000000000000" pitchFamily="2" charset="-127"/>
-                <a:ea typeface="나눔스퀘어 네오 Regular" panose="00000500000000000000" pitchFamily="2" charset="-127"/>
+                <a:latin typeface="나눔스퀘어" panose="020B0600000101010101" pitchFamily="50" charset="-127"/>
+                <a:ea typeface="나눔스퀘어" panose="020B0600000101010101" pitchFamily="50" charset="-127"/>
               </a:rPr>
               <a:t>(HC</a:t>
             </a:r>
             <a:r>
               <a:rPr lang="ko-KR" altLang="en-US" sz="2000" dirty="0">
-                <a:latin typeface="나눔스퀘어 네오 Regular" panose="00000500000000000000" pitchFamily="2" charset="-127"/>
-                <a:ea typeface="나눔스퀘어 네오 Regular" panose="00000500000000000000" pitchFamily="2" charset="-127"/>
+                <a:latin typeface="나눔스퀘어" panose="020B0600000101010101" pitchFamily="50" charset="-127"/>
+                <a:ea typeface="나눔스퀘어" panose="020B0600000101010101" pitchFamily="50" charset="-127"/>
               </a:rPr>
               <a:t> </a:t>
             </a:r>
             <a:r>
               <a:rPr lang="en-US" altLang="ko-KR" sz="2000" dirty="0">
-                <a:latin typeface="나눔스퀘어 네오 Regular" panose="00000500000000000000" pitchFamily="2" charset="-127"/>
-                <a:ea typeface="나눔스퀘어 네오 Regular" panose="00000500000000000000" pitchFamily="2" charset="-127"/>
+                <a:latin typeface="나눔스퀘어" panose="020B0600000101010101" pitchFamily="50" charset="-127"/>
+                <a:ea typeface="나눔스퀘어" panose="020B0600000101010101" pitchFamily="50" charset="-127"/>
               </a:rPr>
               <a:t>55, SCZ 59)</a:t>
             </a:r>
@@ -7722,8 +9817,8 @@
               <a:buChar char="è"/>
             </a:pPr>
             <a:endParaRPr lang="en-US" altLang="ko-KR" sz="2000" dirty="0">
-              <a:latin typeface="나눔스퀘어 네오 Regular" panose="00000500000000000000" pitchFamily="2" charset="-127"/>
-              <a:ea typeface="나눔스퀘어 네오 Regular" panose="00000500000000000000" pitchFamily="2" charset="-127"/>
+              <a:latin typeface="나눔스퀘어" panose="020B0600000101010101" pitchFamily="50" charset="-127"/>
+              <a:ea typeface="나눔스퀘어" panose="020B0600000101010101" pitchFamily="50" charset="-127"/>
             </a:endParaRPr>
           </a:p>
           <a:p>
@@ -7733,8 +9828,8 @@
             </a:pPr>
             <a:r>
               <a:rPr lang="en-US" altLang="ko-KR" sz="2000" b="1" dirty="0">
-                <a:latin typeface="나눔스퀘어 네오 Regular" panose="00000500000000000000" pitchFamily="2" charset="-127"/>
-                <a:ea typeface="나눔스퀘어 네오 Regular" panose="00000500000000000000" pitchFamily="2" charset="-127"/>
+                <a:latin typeface="나눔스퀘어" panose="020B0600000101010101" pitchFamily="50" charset="-127"/>
+                <a:ea typeface="나눔스퀘어" panose="020B0600000101010101" pitchFamily="50" charset="-127"/>
               </a:rPr>
               <a:t>3. AAL1 (116parcels_2mm)</a:t>
             </a:r>
@@ -7746,43 +9841,43 @@
             </a:pPr>
             <a:r>
               <a:rPr lang="en-US" altLang="ko-KR" sz="2000" b="1" dirty="0">
-                <a:latin typeface="나눔스퀘어 네오 Regular" panose="00000500000000000000" pitchFamily="2" charset="-127"/>
-                <a:ea typeface="나눔스퀘어 네오 Regular" panose="00000500000000000000" pitchFamily="2" charset="-127"/>
+                <a:latin typeface="나눔스퀘어" panose="020B0600000101010101" pitchFamily="50" charset="-127"/>
+                <a:ea typeface="나눔스퀘어" panose="020B0600000101010101" pitchFamily="50" charset="-127"/>
               </a:rPr>
               <a:t>	</a:t>
             </a:r>
             <a:r>
               <a:rPr lang="en-US" altLang="ko-KR" sz="2000" dirty="0">
-                <a:latin typeface="나눔스퀘어 네오 Regular" panose="00000500000000000000" pitchFamily="2" charset="-127"/>
-                <a:ea typeface="나눔스퀘어 네오 Regular" panose="00000500000000000000" pitchFamily="2" charset="-127"/>
+                <a:latin typeface="나눔스퀘어" panose="020B0600000101010101" pitchFamily="50" charset="-127"/>
+                <a:ea typeface="나눔스퀘어" panose="020B0600000101010101" pitchFamily="50" charset="-127"/>
               </a:rPr>
               <a:t>Dataset 1 (UCLA_CNP) : </a:t>
             </a:r>
             <a:r>
               <a:rPr lang="ko-KR" altLang="en-US" sz="2000" dirty="0">
-                <a:latin typeface="나눔스퀘어 네오 Regular" panose="00000500000000000000" pitchFamily="2" charset="-127"/>
-                <a:ea typeface="나눔스퀘어 네오 Regular" panose="00000500000000000000" pitchFamily="2" charset="-127"/>
+                <a:latin typeface="나눔스퀘어" panose="020B0600000101010101" pitchFamily="50" charset="-127"/>
+                <a:ea typeface="나눔스퀘어" panose="020B0600000101010101" pitchFamily="50" charset="-127"/>
               </a:rPr>
               <a:t>총 </a:t>
             </a:r>
             <a:r>
               <a:rPr lang="en-US" altLang="ko-KR" sz="2000" dirty="0">
-                <a:latin typeface="나눔스퀘어 네오 Regular" panose="00000500000000000000" pitchFamily="2" charset="-127"/>
-                <a:ea typeface="나눔스퀘어 네오 Regular" panose="00000500000000000000" pitchFamily="2" charset="-127"/>
+                <a:latin typeface="나눔스퀘어" panose="020B0600000101010101" pitchFamily="50" charset="-127"/>
+                <a:ea typeface="나눔스퀘어" panose="020B0600000101010101" pitchFamily="50" charset="-127"/>
               </a:rPr>
               <a:t>160</a:t>
             </a:r>
             <a:r>
               <a:rPr lang="ko-KR" altLang="en-US" sz="2000" dirty="0">
-                <a:latin typeface="나눔스퀘어 네오 Regular" panose="00000500000000000000" pitchFamily="2" charset="-127"/>
-                <a:ea typeface="나눔스퀘어 네오 Regular" panose="00000500000000000000" pitchFamily="2" charset="-127"/>
+                <a:latin typeface="나눔스퀘어" panose="020B0600000101010101" pitchFamily="50" charset="-127"/>
+                <a:ea typeface="나눔스퀘어" panose="020B0600000101010101" pitchFamily="50" charset="-127"/>
               </a:rPr>
               <a:t>명 </a:t>
             </a:r>
             <a:r>
               <a:rPr lang="en-US" altLang="ko-KR" sz="2000" dirty="0">
-                <a:latin typeface="나눔스퀘어 네오 Regular" panose="00000500000000000000" pitchFamily="2" charset="-127"/>
-                <a:ea typeface="나눔스퀘어 네오 Regular" panose="00000500000000000000" pitchFamily="2" charset="-127"/>
+                <a:latin typeface="나눔스퀘어" panose="020B0600000101010101" pitchFamily="50" charset="-127"/>
+                <a:ea typeface="나눔스퀘어" panose="020B0600000101010101" pitchFamily="50" charset="-127"/>
               </a:rPr>
               <a:t>(HC 113, SCZ 47)</a:t>
             </a:r>
@@ -7790,58 +9885,58 @@
           <a:p>
             <a:r>
               <a:rPr lang="en-US" altLang="ko-KR" sz="2000" dirty="0">
-                <a:latin typeface="나눔스퀘어 네오 Regular" panose="00000500000000000000" pitchFamily="2" charset="-127"/>
-                <a:ea typeface="나눔스퀘어 네오 Regular" panose="00000500000000000000" pitchFamily="2" charset="-127"/>
+                <a:latin typeface="나눔스퀘어" panose="020B0600000101010101" pitchFamily="50" charset="-127"/>
+                <a:ea typeface="나눔스퀘어" panose="020B0600000101010101" pitchFamily="50" charset="-127"/>
               </a:rPr>
               <a:t>	Dataset2 (COBRE) : </a:t>
             </a:r>
             <a:r>
               <a:rPr lang="ko-KR" altLang="en-US" sz="2000" dirty="0">
-                <a:latin typeface="나눔스퀘어 네오 Regular" panose="00000500000000000000" pitchFamily="2" charset="-127"/>
-                <a:ea typeface="나눔스퀘어 네오 Regular" panose="00000500000000000000" pitchFamily="2" charset="-127"/>
+                <a:latin typeface="나눔스퀘어" panose="020B0600000101010101" pitchFamily="50" charset="-127"/>
+                <a:ea typeface="나눔스퀘어" panose="020B0600000101010101" pitchFamily="50" charset="-127"/>
               </a:rPr>
               <a:t>총</a:t>
             </a:r>
             <a:r>
               <a:rPr lang="en-US" altLang="ko-KR" sz="2000" dirty="0">
-                <a:latin typeface="나눔스퀘어 네오 Regular" panose="00000500000000000000" pitchFamily="2" charset="-127"/>
-                <a:ea typeface="나눔스퀘어 네오 Regular" panose="00000500000000000000" pitchFamily="2" charset="-127"/>
+                <a:latin typeface="나눔스퀘어" panose="020B0600000101010101" pitchFamily="50" charset="-127"/>
+                <a:ea typeface="나눔스퀘어" panose="020B0600000101010101" pitchFamily="50" charset="-127"/>
               </a:rPr>
               <a:t> 144</a:t>
             </a:r>
             <a:r>
               <a:rPr lang="ko-KR" altLang="en-US" sz="2000" dirty="0">
-                <a:latin typeface="나눔스퀘어 네오 Regular" panose="00000500000000000000" pitchFamily="2" charset="-127"/>
-                <a:ea typeface="나눔스퀘어 네오 Regular" panose="00000500000000000000" pitchFamily="2" charset="-127"/>
+                <a:latin typeface="나눔스퀘어" panose="020B0600000101010101" pitchFamily="50" charset="-127"/>
+                <a:ea typeface="나눔스퀘어" panose="020B0600000101010101" pitchFamily="50" charset="-127"/>
               </a:rPr>
               <a:t>명 </a:t>
             </a:r>
             <a:r>
               <a:rPr lang="en-US" altLang="ko-KR" sz="2000" dirty="0">
-                <a:latin typeface="나눔스퀘어 네오 Regular" panose="00000500000000000000" pitchFamily="2" charset="-127"/>
-                <a:ea typeface="나눔스퀘어 네오 Regular" panose="00000500000000000000" pitchFamily="2" charset="-127"/>
+                <a:latin typeface="나눔스퀘어" panose="020B0600000101010101" pitchFamily="50" charset="-127"/>
+                <a:ea typeface="나눔스퀘어" panose="020B0600000101010101" pitchFamily="50" charset="-127"/>
               </a:rPr>
               <a:t>(HC</a:t>
             </a:r>
             <a:r>
               <a:rPr lang="ko-KR" altLang="en-US" sz="2000" dirty="0">
-                <a:latin typeface="나눔스퀘어 네오 Regular" panose="00000500000000000000" pitchFamily="2" charset="-127"/>
-                <a:ea typeface="나눔스퀘어 네오 Regular" panose="00000500000000000000" pitchFamily="2" charset="-127"/>
+                <a:latin typeface="나눔스퀘어" panose="020B0600000101010101" pitchFamily="50" charset="-127"/>
+                <a:ea typeface="나눔스퀘어" panose="020B0600000101010101" pitchFamily="50" charset="-127"/>
               </a:rPr>
               <a:t> </a:t>
             </a:r>
             <a:r>
               <a:rPr lang="en-US" altLang="ko-KR" sz="2000" dirty="0">
-                <a:latin typeface="나눔스퀘어 네오 Regular" panose="00000500000000000000" pitchFamily="2" charset="-127"/>
-                <a:ea typeface="나눔스퀘어 네오 Regular" panose="00000500000000000000" pitchFamily="2" charset="-127"/>
+                <a:latin typeface="나눔스퀘어" panose="020B0600000101010101" pitchFamily="50" charset="-127"/>
+                <a:ea typeface="나눔스퀘어" panose="020B0600000101010101" pitchFamily="50" charset="-127"/>
               </a:rPr>
               <a:t>73, SCZ 71)</a:t>
             </a:r>
           </a:p>
           <a:p>
             <a:endParaRPr lang="en-US" altLang="ko-KR" sz="2000" dirty="0">
-              <a:latin typeface="나눔스퀘어 네오 Regular" panose="00000500000000000000" pitchFamily="2" charset="-127"/>
-              <a:ea typeface="나눔스퀘어 네오 Regular" panose="00000500000000000000" pitchFamily="2" charset="-127"/>
+              <a:latin typeface="나눔스퀘어" panose="020B0600000101010101" pitchFamily="50" charset="-127"/>
+              <a:ea typeface="나눔스퀘어" panose="020B0600000101010101" pitchFamily="50" charset="-127"/>
             </a:endParaRPr>
           </a:p>
           <a:p>
@@ -7851,77 +9946,77 @@
             </a:pPr>
             <a:r>
               <a:rPr lang="en-US" altLang="ko-KR" sz="2000" dirty="0">
-                <a:latin typeface="나눔스퀘어 네오 Regular" panose="00000500000000000000" pitchFamily="2" charset="-127"/>
-                <a:ea typeface="나눔스퀘어 네오 Regular" panose="00000500000000000000" pitchFamily="2" charset="-127"/>
+                <a:latin typeface="나눔스퀘어" panose="020B0600000101010101" pitchFamily="50" charset="-127"/>
+                <a:ea typeface="나눔스퀘어" panose="020B0600000101010101" pitchFamily="50" charset="-127"/>
               </a:rPr>
               <a:t>Parcel </a:t>
             </a:r>
             <a:r>
               <a:rPr lang="ko-KR" altLang="en-US" sz="2000" dirty="0">
-                <a:latin typeface="나눔스퀘어 네오 Regular" panose="00000500000000000000" pitchFamily="2" charset="-127"/>
-                <a:ea typeface="나눔스퀘어 네오 Regular" panose="00000500000000000000" pitchFamily="2" charset="-127"/>
+                <a:latin typeface="나눔스퀘어" panose="020B0600000101010101" pitchFamily="50" charset="-127"/>
+                <a:ea typeface="나눔스퀘어" panose="020B0600000101010101" pitchFamily="50" charset="-127"/>
               </a:rPr>
               <a:t>수가 적어 </a:t>
             </a:r>
             <a:r>
               <a:rPr lang="en-US" altLang="ko-KR" sz="2000" dirty="0">
-                <a:latin typeface="나눔스퀘어 네오 Regular" panose="00000500000000000000" pitchFamily="2" charset="-127"/>
-                <a:ea typeface="나눔스퀘어 네오 Regular" panose="00000500000000000000" pitchFamily="2" charset="-127"/>
+                <a:latin typeface="나눔스퀘어" panose="020B0600000101010101" pitchFamily="50" charset="-127"/>
+                <a:ea typeface="나눔스퀘어" panose="020B0600000101010101" pitchFamily="50" charset="-127"/>
               </a:rPr>
               <a:t>model </a:t>
             </a:r>
             <a:r>
               <a:rPr lang="ko-KR" altLang="en-US" sz="2000" dirty="0">
-                <a:latin typeface="나눔스퀘어 네오 Regular" panose="00000500000000000000" pitchFamily="2" charset="-127"/>
-                <a:ea typeface="나눔스퀘어 네오 Regular" panose="00000500000000000000" pitchFamily="2" charset="-127"/>
+                <a:latin typeface="나눔스퀘어" panose="020B0600000101010101" pitchFamily="50" charset="-127"/>
+                <a:ea typeface="나눔스퀘어" panose="020B0600000101010101" pitchFamily="50" charset="-127"/>
               </a:rPr>
               <a:t>학습 시 덜 복잡하고</a:t>
             </a:r>
             <a:r>
               <a:rPr lang="en-US" altLang="ko-KR" sz="2000" dirty="0">
-                <a:latin typeface="나눔스퀘어 네오 Regular" panose="00000500000000000000" pitchFamily="2" charset="-127"/>
-                <a:ea typeface="나눔스퀘어 네오 Regular" panose="00000500000000000000" pitchFamily="2" charset="-127"/>
+                <a:latin typeface="나눔스퀘어" panose="020B0600000101010101" pitchFamily="50" charset="-127"/>
+                <a:ea typeface="나눔스퀘어" panose="020B0600000101010101" pitchFamily="50" charset="-127"/>
               </a:rPr>
               <a:t>, FC</a:t>
             </a:r>
             <a:r>
               <a:rPr lang="ko-KR" altLang="en-US" sz="2000" dirty="0">
-                <a:latin typeface="나눔스퀘어 네오 Regular" panose="00000500000000000000" pitchFamily="2" charset="-127"/>
-                <a:ea typeface="나눔스퀘어 네오 Regular" panose="00000500000000000000" pitchFamily="2" charset="-127"/>
+                <a:latin typeface="나눔스퀘어" panose="020B0600000101010101" pitchFamily="50" charset="-127"/>
+                <a:ea typeface="나눔스퀘어" panose="020B0600000101010101" pitchFamily="50" charset="-127"/>
               </a:rPr>
               <a:t> 제작이 가능한 </a:t>
             </a:r>
             <a:r>
               <a:rPr lang="en-US" altLang="ko-KR" sz="2000" dirty="0">
-                <a:latin typeface="나눔스퀘어 네오 Regular" panose="00000500000000000000" pitchFamily="2" charset="-127"/>
-                <a:ea typeface="나눔스퀘어 네오 Regular" panose="00000500000000000000" pitchFamily="2" charset="-127"/>
+                <a:latin typeface="나눔스퀘어" panose="020B0600000101010101" pitchFamily="50" charset="-127"/>
+                <a:ea typeface="나눔스퀘어" panose="020B0600000101010101" pitchFamily="50" charset="-127"/>
               </a:rPr>
               <a:t>subjects </a:t>
             </a:r>
             <a:r>
               <a:rPr lang="ko-KR" altLang="en-US" sz="2000" dirty="0">
-                <a:latin typeface="나눔스퀘어 네오 Regular" panose="00000500000000000000" pitchFamily="2" charset="-127"/>
-                <a:ea typeface="나눔스퀘어 네오 Regular" panose="00000500000000000000" pitchFamily="2" charset="-127"/>
+                <a:latin typeface="나눔스퀘어" panose="020B0600000101010101" pitchFamily="50" charset="-127"/>
+                <a:ea typeface="나눔스퀘어" panose="020B0600000101010101" pitchFamily="50" charset="-127"/>
               </a:rPr>
               <a:t>수가 많은 </a:t>
             </a:r>
             <a:r>
               <a:rPr lang="en-US" altLang="ko-KR" sz="2000" b="1" dirty="0">
-                <a:latin typeface="나눔스퀘어 네오 Regular" panose="00000500000000000000" pitchFamily="2" charset="-127"/>
-                <a:ea typeface="나눔스퀘어 네오 Regular" panose="00000500000000000000" pitchFamily="2" charset="-127"/>
+                <a:latin typeface="나눔스퀘어" panose="020B0600000101010101" pitchFamily="50" charset="-127"/>
+                <a:ea typeface="나눔스퀘어" panose="020B0600000101010101" pitchFamily="50" charset="-127"/>
               </a:rPr>
               <a:t>AAL1 atlas</a:t>
             </a:r>
             <a:r>
               <a:rPr lang="ko-KR" altLang="en-US" sz="2000" dirty="0">
-                <a:latin typeface="나눔스퀘어 네오 Regular" panose="00000500000000000000" pitchFamily="2" charset="-127"/>
-                <a:ea typeface="나눔스퀘어 네오 Regular" panose="00000500000000000000" pitchFamily="2" charset="-127"/>
+                <a:latin typeface="나눔스퀘어" panose="020B0600000101010101" pitchFamily="50" charset="-127"/>
+                <a:ea typeface="나눔스퀘어" panose="020B0600000101010101" pitchFamily="50" charset="-127"/>
               </a:rPr>
               <a:t>로 결정</a:t>
             </a:r>
             <a:endParaRPr lang="en-US" altLang="ko-KR" sz="2000" dirty="0">
-              <a:latin typeface="나눔스퀘어 네오 Regular" panose="00000500000000000000" pitchFamily="2" charset="-127"/>
-              <a:ea typeface="나눔스퀘어 네오 Regular" panose="00000500000000000000" pitchFamily="2" charset="-127"/>
+              <a:latin typeface="나눔스퀘어" panose="020B0600000101010101" pitchFamily="50" charset="-127"/>
+              <a:ea typeface="나눔스퀘어" panose="020B0600000101010101" pitchFamily="50" charset="-127"/>
             </a:endParaRPr>
           </a:p>
         </p:txBody>
@@ -8010,19 +10105,31 @@
           </a:lstStyle>
           <a:p>
             <a:r>
-              <a:rPr lang="en-US" altLang="ko-KR" sz="3200" dirty="0"/>
+              <a:rPr lang="en-US" altLang="ko-KR" sz="3200" dirty="0">
+                <a:latin typeface="나눔스퀘어" panose="020B0600000101010101" pitchFamily="50" charset="-127"/>
+                <a:ea typeface="나눔스퀘어" panose="020B0600000101010101" pitchFamily="50" charset="-127"/>
+              </a:rPr>
               <a:t>3. Graph Dataset</a:t>
             </a:r>
             <a:r>
-              <a:rPr lang="ko-KR" altLang="en-US" sz="3200" dirty="0"/>
+              <a:rPr lang="ko-KR" altLang="en-US" sz="3200" dirty="0">
+                <a:latin typeface="나눔스퀘어" panose="020B0600000101010101" pitchFamily="50" charset="-127"/>
+                <a:ea typeface="나눔스퀘어" panose="020B0600000101010101" pitchFamily="50" charset="-127"/>
+              </a:rPr>
               <a:t>으로</a:t>
             </a:r>
             <a:r>
-              <a:rPr lang="en-US" altLang="ko-KR" sz="3200" dirty="0"/>
+              <a:rPr lang="en-US" altLang="ko-KR" sz="3200" dirty="0">
+                <a:latin typeface="나눔스퀘어" panose="020B0600000101010101" pitchFamily="50" charset="-127"/>
+                <a:ea typeface="나눔스퀘어" panose="020B0600000101010101" pitchFamily="50" charset="-127"/>
+              </a:rPr>
               <a:t> </a:t>
             </a:r>
             <a:r>
-              <a:rPr lang="ko-KR" altLang="en-US" sz="3200" dirty="0"/>
+              <a:rPr lang="ko-KR" altLang="en-US" sz="3200" dirty="0">
+                <a:latin typeface="나눔스퀘어" panose="020B0600000101010101" pitchFamily="50" charset="-127"/>
+                <a:ea typeface="나눔스퀘어" panose="020B0600000101010101" pitchFamily="50" charset="-127"/>
+              </a:rPr>
               <a:t>변환</a:t>
             </a:r>
           </a:p>
@@ -8091,8 +10198,8 @@
             </a:pPr>
             <a:r>
               <a:rPr lang="en-US" altLang="ko-KR" sz="2000" dirty="0">
-                <a:latin typeface="나눔스퀘어 네오 Regular" panose="00000500000000000000" pitchFamily="2" charset="-127"/>
-                <a:ea typeface="나눔스퀘어 네오 Regular" panose="00000500000000000000" pitchFamily="2" charset="-127"/>
+                <a:latin typeface="나눔스퀘어" panose="020B0600000101010101" pitchFamily="50" charset="-127"/>
+                <a:ea typeface="나눔스퀘어" panose="020B0600000101010101" pitchFamily="50" charset="-127"/>
               </a:rPr>
               <a:t>G = (V, E)</a:t>
             </a:r>
@@ -8102,8 +10209,8 @@
               <a:buNone/>
             </a:pPr>
             <a:endParaRPr lang="en-US" altLang="ko-KR" sz="2000" dirty="0">
-              <a:latin typeface="나눔스퀘어 네오 Regular" panose="00000500000000000000" pitchFamily="2" charset="-127"/>
-              <a:ea typeface="나눔스퀘어 네오 Regular" panose="00000500000000000000" pitchFamily="2" charset="-127"/>
+              <a:latin typeface="나눔스퀘어" panose="020B0600000101010101" pitchFamily="50" charset="-127"/>
+              <a:ea typeface="나눔스퀘어" panose="020B0600000101010101" pitchFamily="50" charset="-127"/>
             </a:endParaRPr>
           </a:p>
           <a:p>
@@ -8114,29 +10221,29 @@
             </a:pPr>
             <a:r>
               <a:rPr lang="en-US" altLang="ko-KR" sz="2000" b="1" dirty="0">
-                <a:latin typeface="나눔스퀘어 네오 Regular" panose="00000500000000000000" pitchFamily="2" charset="-127"/>
-                <a:ea typeface="나눔스퀘어 네오 Regular" panose="00000500000000000000" pitchFamily="2" charset="-127"/>
+                <a:latin typeface="나눔스퀘어" panose="020B0600000101010101" pitchFamily="50" charset="-127"/>
+                <a:ea typeface="나눔스퀘어" panose="020B0600000101010101" pitchFamily="50" charset="-127"/>
               </a:rPr>
               <a:t>G</a:t>
             </a:r>
             <a:r>
               <a:rPr lang="en-US" altLang="ko-KR" sz="2000" dirty="0">
-                <a:latin typeface="나눔스퀘어 네오 Regular" panose="00000500000000000000" pitchFamily="2" charset="-127"/>
-                <a:ea typeface="나눔스퀘어 네오 Regular" panose="00000500000000000000" pitchFamily="2" charset="-127"/>
+                <a:latin typeface="나눔스퀘어" panose="020B0600000101010101" pitchFamily="50" charset="-127"/>
+                <a:ea typeface="나눔스퀘어" panose="020B0600000101010101" pitchFamily="50" charset="-127"/>
               </a:rPr>
               <a:t> : subject 1</a:t>
             </a:r>
             <a:r>
               <a:rPr lang="ko-KR" altLang="en-US" sz="2000" dirty="0">
-                <a:latin typeface="나눔스퀘어 네오 Regular" panose="00000500000000000000" pitchFamily="2" charset="-127"/>
-                <a:ea typeface="나눔스퀘어 네오 Regular" panose="00000500000000000000" pitchFamily="2" charset="-127"/>
+                <a:latin typeface="나눔스퀘어" panose="020B0600000101010101" pitchFamily="50" charset="-127"/>
+                <a:ea typeface="나눔스퀘어" panose="020B0600000101010101" pitchFamily="50" charset="-127"/>
               </a:rPr>
               <a:t>명의 </a:t>
             </a:r>
             <a:r>
               <a:rPr lang="en-US" altLang="ko-KR" sz="2000" dirty="0">
-                <a:latin typeface="나눔스퀘어 네오 Regular" panose="00000500000000000000" pitchFamily="2" charset="-127"/>
-                <a:ea typeface="나눔스퀘어 네오 Regular" panose="00000500000000000000" pitchFamily="2" charset="-127"/>
+                <a:latin typeface="나눔스퀘어" panose="020B0600000101010101" pitchFamily="50" charset="-127"/>
+                <a:ea typeface="나눔스퀘어" panose="020B0600000101010101" pitchFamily="50" charset="-127"/>
               </a:rPr>
               <a:t>brain network</a:t>
             </a:r>
@@ -8149,15 +10256,15 @@
             </a:pPr>
             <a:r>
               <a:rPr lang="en-US" altLang="ko-KR" sz="2000" b="1" dirty="0">
-                <a:latin typeface="나눔스퀘어 네오 Regular" panose="00000500000000000000" pitchFamily="2" charset="-127"/>
-                <a:ea typeface="나눔스퀘어 네오 Regular" panose="00000500000000000000" pitchFamily="2" charset="-127"/>
+                <a:latin typeface="나눔스퀘어" panose="020B0600000101010101" pitchFamily="50" charset="-127"/>
+                <a:ea typeface="나눔스퀘어" panose="020B0600000101010101" pitchFamily="50" charset="-127"/>
               </a:rPr>
               <a:t>V</a:t>
             </a:r>
             <a:r>
               <a:rPr lang="en-US" altLang="ko-KR" sz="2000" dirty="0">
-                <a:latin typeface="나눔스퀘어 네오 Regular" panose="00000500000000000000" pitchFamily="2" charset="-127"/>
-                <a:ea typeface="나눔스퀘어 네오 Regular" panose="00000500000000000000" pitchFamily="2" charset="-127"/>
+                <a:latin typeface="나눔스퀘어" panose="020B0600000101010101" pitchFamily="50" charset="-127"/>
+                <a:ea typeface="나눔스퀘어" panose="020B0600000101010101" pitchFamily="50" charset="-127"/>
               </a:rPr>
               <a:t> : brain regions (116 ROI)</a:t>
             </a:r>
@@ -8171,22 +10278,22 @@
             </a:pPr>
             <a:r>
               <a:rPr lang="en-US" altLang="ko-KR" sz="2000" dirty="0">
-                <a:latin typeface="나눔스퀘어 네오 Regular" panose="00000500000000000000" pitchFamily="2" charset="-127"/>
-                <a:ea typeface="나눔스퀘어 네오 Regular" panose="00000500000000000000" pitchFamily="2" charset="-127"/>
+                <a:latin typeface="나눔스퀘어" panose="020B0600000101010101" pitchFamily="50" charset="-127"/>
+                <a:ea typeface="나눔스퀘어" panose="020B0600000101010101" pitchFamily="50" charset="-127"/>
               </a:rPr>
               <a:t>	</a:t>
             </a:r>
             <a:r>
               <a:rPr lang="en-US" altLang="ko-KR" sz="2000" b="1" dirty="0">
-                <a:latin typeface="나눔스퀘어 네오 Regular" panose="00000500000000000000" pitchFamily="2" charset="-127"/>
-                <a:ea typeface="나눔스퀘어 네오 Regular" panose="00000500000000000000" pitchFamily="2" charset="-127"/>
+                <a:latin typeface="나눔스퀘어" panose="020B0600000101010101" pitchFamily="50" charset="-127"/>
+                <a:ea typeface="나눔스퀘어" panose="020B0600000101010101" pitchFamily="50" charset="-127"/>
               </a:rPr>
               <a:t>feature(x)</a:t>
             </a:r>
             <a:r>
               <a:rPr lang="en-US" altLang="ko-KR" sz="2000" dirty="0">
-                <a:latin typeface="나눔스퀘어 네오 Regular" panose="00000500000000000000" pitchFamily="2" charset="-127"/>
-                <a:ea typeface="나눔스퀘어 네오 Regular" panose="00000500000000000000" pitchFamily="2" charset="-127"/>
+                <a:latin typeface="나눔스퀘어" panose="020B0600000101010101" pitchFamily="50" charset="-127"/>
+                <a:ea typeface="나눔스퀘어" panose="020B0600000101010101" pitchFamily="50" charset="-127"/>
               </a:rPr>
               <a:t> : functional connectivity matrix</a:t>
             </a:r>
@@ -8199,57 +10306,57 @@
             </a:pPr>
             <a:r>
               <a:rPr lang="en-US" altLang="ko-KR" sz="2000" b="1" dirty="0">
-                <a:latin typeface="나눔스퀘어 네오 Regular" panose="00000500000000000000" pitchFamily="2" charset="-127"/>
-                <a:ea typeface="나눔스퀘어 네오 Regular" panose="00000500000000000000" pitchFamily="2" charset="-127"/>
+                <a:latin typeface="나눔스퀘어" panose="020B0600000101010101" pitchFamily="50" charset="-127"/>
+                <a:ea typeface="나눔스퀘어" panose="020B0600000101010101" pitchFamily="50" charset="-127"/>
               </a:rPr>
               <a:t>E(</a:t>
             </a:r>
             <a:r>
               <a:rPr lang="en-US" altLang="ko-KR" sz="2000" b="1" dirty="0" err="1">
-                <a:latin typeface="나눔스퀘어 네오 Regular" panose="00000500000000000000" pitchFamily="2" charset="-127"/>
-                <a:ea typeface="나눔스퀘어 네오 Regular" panose="00000500000000000000" pitchFamily="2" charset="-127"/>
+                <a:latin typeface="나눔스퀘어" panose="020B0600000101010101" pitchFamily="50" charset="-127"/>
+                <a:ea typeface="나눔스퀘어" panose="020B0600000101010101" pitchFamily="50" charset="-127"/>
               </a:rPr>
               <a:t>edge_index</a:t>
             </a:r>
             <a:r>
               <a:rPr lang="en-US" altLang="ko-KR" sz="2000" b="1" dirty="0">
-                <a:latin typeface="나눔스퀘어 네오 Regular" panose="00000500000000000000" pitchFamily="2" charset="-127"/>
-                <a:ea typeface="나눔스퀘어 네오 Regular" panose="00000500000000000000" pitchFamily="2" charset="-127"/>
+                <a:latin typeface="나눔스퀘어" panose="020B0600000101010101" pitchFamily="50" charset="-127"/>
+                <a:ea typeface="나눔스퀘어" panose="020B0600000101010101" pitchFamily="50" charset="-127"/>
               </a:rPr>
               <a:t>) </a:t>
             </a:r>
             <a:r>
               <a:rPr lang="en-US" altLang="ko-KR" sz="2000" dirty="0">
-                <a:latin typeface="나눔스퀘어 네오 Regular" panose="00000500000000000000" pitchFamily="2" charset="-127"/>
-                <a:ea typeface="나눔스퀘어 네오 Regular" panose="00000500000000000000" pitchFamily="2" charset="-127"/>
+                <a:latin typeface="나눔스퀘어" panose="020B0600000101010101" pitchFamily="50" charset="-127"/>
+                <a:ea typeface="나눔스퀘어" panose="020B0600000101010101" pitchFamily="50" charset="-127"/>
               </a:rPr>
               <a:t>: functional connection </a:t>
             </a:r>
             <a:r>
               <a:rPr lang="ko-KR" altLang="en-US" sz="2000" dirty="0">
-                <a:latin typeface="나눔스퀘어 네오 Regular" panose="00000500000000000000" pitchFamily="2" charset="-127"/>
-                <a:ea typeface="나눔스퀘어 네오 Regular" panose="00000500000000000000" pitchFamily="2" charset="-127"/>
+                <a:latin typeface="나눔스퀘어" panose="020B0600000101010101" pitchFamily="50" charset="-127"/>
+                <a:ea typeface="나눔스퀘어" panose="020B0600000101010101" pitchFamily="50" charset="-127"/>
               </a:rPr>
               <a:t>존재하는 </a:t>
             </a:r>
             <a:r>
               <a:rPr lang="en-US" altLang="ko-KR" sz="2000" dirty="0">
-                <a:latin typeface="나눔스퀘어 네오 Regular" panose="00000500000000000000" pitchFamily="2" charset="-127"/>
-                <a:ea typeface="나눔스퀘어 네오 Regular" panose="00000500000000000000" pitchFamily="2" charset="-127"/>
+                <a:latin typeface="나눔스퀘어" panose="020B0600000101010101" pitchFamily="50" charset="-127"/>
+                <a:ea typeface="나눔스퀘어" panose="020B0600000101010101" pitchFamily="50" charset="-127"/>
               </a:rPr>
               <a:t>brain region </a:t>
             </a:r>
             <a:r>
               <a:rPr lang="ko-KR" altLang="en-US" sz="2000" dirty="0">
-                <a:latin typeface="나눔스퀘어 네오 Regular" panose="00000500000000000000" pitchFamily="2" charset="-127"/>
-                <a:ea typeface="나눔스퀘어 네오 Regular" panose="00000500000000000000" pitchFamily="2" charset="-127"/>
+                <a:latin typeface="나눔스퀘어" panose="020B0600000101010101" pitchFamily="50" charset="-127"/>
+                <a:ea typeface="나눔스퀘어" panose="020B0600000101010101" pitchFamily="50" charset="-127"/>
               </a:rPr>
               <a:t>쌍</a:t>
             </a:r>
             <a:r>
               <a:rPr lang="en-US" altLang="ko-KR" sz="2000" dirty="0">
-                <a:latin typeface="나눔스퀘어 네오 Regular" panose="00000500000000000000" pitchFamily="2" charset="-127"/>
-                <a:ea typeface="나눔스퀘어 네오 Regular" panose="00000500000000000000" pitchFamily="2" charset="-127"/>
+                <a:latin typeface="나눔스퀘어" panose="020B0600000101010101" pitchFamily="50" charset="-127"/>
+                <a:ea typeface="나눔스퀘어" panose="020B0600000101010101" pitchFamily="50" charset="-127"/>
               </a:rPr>
               <a:t> (KNN, k=10)</a:t>
             </a:r>
@@ -8263,78 +10370,78 @@
             </a:pPr>
             <a:r>
               <a:rPr lang="en-US" altLang="ko-KR" sz="2000" dirty="0">
-                <a:latin typeface="나눔스퀘어 네오 Regular" panose="00000500000000000000" pitchFamily="2" charset="-127"/>
-                <a:ea typeface="나눔스퀘어 네오 Regular" panose="00000500000000000000" pitchFamily="2" charset="-127"/>
+                <a:latin typeface="나눔스퀘어" panose="020B0600000101010101" pitchFamily="50" charset="-127"/>
+                <a:ea typeface="나눔스퀘어" panose="020B0600000101010101" pitchFamily="50" charset="-127"/>
               </a:rPr>
               <a:t>	</a:t>
             </a:r>
             <a:r>
               <a:rPr lang="en-US" altLang="ko-KR" sz="2000" b="1" dirty="0">
-                <a:latin typeface="나눔스퀘어 네오 Regular" panose="00000500000000000000" pitchFamily="2" charset="-127"/>
-                <a:ea typeface="나눔스퀘어 네오 Regular" panose="00000500000000000000" pitchFamily="2" charset="-127"/>
+                <a:latin typeface="나눔스퀘어" panose="020B0600000101010101" pitchFamily="50" charset="-127"/>
+                <a:ea typeface="나눔스퀘어" panose="020B0600000101010101" pitchFamily="50" charset="-127"/>
               </a:rPr>
               <a:t>feature(</a:t>
             </a:r>
             <a:r>
               <a:rPr lang="en-US" altLang="ko-KR" sz="2000" b="1" dirty="0" err="1">
-                <a:latin typeface="나눔스퀘어 네오 Regular" panose="00000500000000000000" pitchFamily="2" charset="-127"/>
-                <a:ea typeface="나눔스퀘어 네오 Regular" panose="00000500000000000000" pitchFamily="2" charset="-127"/>
+                <a:latin typeface="나눔스퀘어" panose="020B0600000101010101" pitchFamily="50" charset="-127"/>
+                <a:ea typeface="나눔스퀘어" panose="020B0600000101010101" pitchFamily="50" charset="-127"/>
               </a:rPr>
               <a:t>edge_attr</a:t>
             </a:r>
             <a:r>
               <a:rPr lang="en-US" altLang="ko-KR" sz="2000" b="1" dirty="0">
-                <a:latin typeface="나눔스퀘어 네오 Regular" panose="00000500000000000000" pitchFamily="2" charset="-127"/>
-                <a:ea typeface="나눔스퀘어 네오 Regular" panose="00000500000000000000" pitchFamily="2" charset="-127"/>
+                <a:latin typeface="나눔스퀘어" panose="020B0600000101010101" pitchFamily="50" charset="-127"/>
+                <a:ea typeface="나눔스퀘어" panose="020B0600000101010101" pitchFamily="50" charset="-127"/>
               </a:rPr>
               <a:t>) </a:t>
             </a:r>
             <a:r>
               <a:rPr lang="en-US" altLang="ko-KR" sz="2000" dirty="0">
-                <a:latin typeface="나눔스퀘어 네오 Regular" panose="00000500000000000000" pitchFamily="2" charset="-127"/>
-                <a:ea typeface="나눔스퀘어 네오 Regular" panose="00000500000000000000" pitchFamily="2" charset="-127"/>
+                <a:latin typeface="나눔스퀘어" panose="020B0600000101010101" pitchFamily="50" charset="-127"/>
+                <a:ea typeface="나눔스퀘어" panose="020B0600000101010101" pitchFamily="50" charset="-127"/>
               </a:rPr>
               <a:t>:  </a:t>
             </a:r>
             <a:r>
               <a:rPr lang="ko-KR" altLang="en-US" sz="2000" dirty="0">
-                <a:latin typeface="나눔스퀘어 네오 Regular" panose="00000500000000000000" pitchFamily="2" charset="-127"/>
-                <a:ea typeface="나눔스퀘어 네오 Regular" panose="00000500000000000000" pitchFamily="2" charset="-127"/>
+                <a:latin typeface="나눔스퀘어" panose="020B0600000101010101" pitchFamily="50" charset="-127"/>
+                <a:ea typeface="나눔스퀘어" panose="020B0600000101010101" pitchFamily="50" charset="-127"/>
               </a:rPr>
               <a:t>두 </a:t>
             </a:r>
             <a:r>
               <a:rPr lang="en-US" altLang="ko-KR" sz="2000" dirty="0">
-                <a:latin typeface="나눔스퀘어 네오 Regular" panose="00000500000000000000" pitchFamily="2" charset="-127"/>
-                <a:ea typeface="나눔스퀘어 네오 Regular" panose="00000500000000000000" pitchFamily="2" charset="-127"/>
+                <a:latin typeface="나눔스퀘어" panose="020B0600000101010101" pitchFamily="50" charset="-127"/>
+                <a:ea typeface="나눔스퀘어" panose="020B0600000101010101" pitchFamily="50" charset="-127"/>
               </a:rPr>
               <a:t>node</a:t>
             </a:r>
             <a:r>
               <a:rPr lang="ko-KR" altLang="en-US" sz="2000" dirty="0">
-                <a:latin typeface="나눔스퀘어 네오 Regular" panose="00000500000000000000" pitchFamily="2" charset="-127"/>
-                <a:ea typeface="나눔스퀘어 네오 Regular" panose="00000500000000000000" pitchFamily="2" charset="-127"/>
+                <a:latin typeface="나눔스퀘어" panose="020B0600000101010101" pitchFamily="50" charset="-127"/>
+                <a:ea typeface="나눔스퀘어" panose="020B0600000101010101" pitchFamily="50" charset="-127"/>
               </a:rPr>
               <a:t> 사이 </a:t>
             </a:r>
             <a:r>
               <a:rPr lang="en-US" altLang="ko-KR" sz="2000" dirty="0">
-                <a:latin typeface="나눔스퀘어 네오 Regular" panose="00000500000000000000" pitchFamily="2" charset="-127"/>
-                <a:ea typeface="나눔스퀘어 네오 Regular" panose="00000500000000000000" pitchFamily="2" charset="-127"/>
+                <a:latin typeface="나눔스퀘어" panose="020B0600000101010101" pitchFamily="50" charset="-127"/>
+                <a:ea typeface="나눔스퀘어" panose="020B0600000101010101" pitchFamily="50" charset="-127"/>
               </a:rPr>
               <a:t>edge</a:t>
             </a:r>
             <a:r>
               <a:rPr lang="ko-KR" altLang="en-US" sz="2000" dirty="0">
-                <a:latin typeface="나눔스퀘어 네오 Regular" panose="00000500000000000000" pitchFamily="2" charset="-127"/>
-                <a:ea typeface="나눔스퀘어 네오 Regular" panose="00000500000000000000" pitchFamily="2" charset="-127"/>
+                <a:latin typeface="나눔스퀘어" panose="020B0600000101010101" pitchFamily="50" charset="-127"/>
+                <a:ea typeface="나눔스퀘어" panose="020B0600000101010101" pitchFamily="50" charset="-127"/>
               </a:rPr>
               <a:t>의 </a:t>
             </a:r>
             <a:r>
               <a:rPr lang="en-US" altLang="ko-KR" sz="2000" dirty="0">
-                <a:latin typeface="나눔스퀘어 네오 Regular" panose="00000500000000000000" pitchFamily="2" charset="-127"/>
-                <a:ea typeface="나눔스퀘어 네오 Regular" panose="00000500000000000000" pitchFamily="2" charset="-127"/>
+                <a:latin typeface="나눔스퀘어" panose="020B0600000101010101" pitchFamily="50" charset="-127"/>
+                <a:ea typeface="나눔스퀘어" panose="020B0600000101010101" pitchFamily="50" charset="-127"/>
               </a:rPr>
               <a:t>weight</a:t>
             </a:r>
@@ -8348,78 +10455,78 @@
             </a:pPr>
             <a:r>
               <a:rPr lang="en-US" altLang="ko-KR" sz="2000" dirty="0">
-                <a:latin typeface="나눔스퀘어 네오 Regular" panose="00000500000000000000" pitchFamily="2" charset="-127"/>
-                <a:ea typeface="나눔스퀘어 네오 Regular" panose="00000500000000000000" pitchFamily="2" charset="-127"/>
+                <a:latin typeface="나눔스퀘어" panose="020B0600000101010101" pitchFamily="50" charset="-127"/>
+                <a:ea typeface="나눔스퀘어" panose="020B0600000101010101" pitchFamily="50" charset="-127"/>
               </a:rPr>
               <a:t>	(</a:t>
             </a:r>
             <a:r>
               <a:rPr lang="ko-KR" altLang="en-US" sz="2000" dirty="0">
-                <a:latin typeface="나눔스퀘어 네오 Regular" panose="00000500000000000000" pitchFamily="2" charset="-127"/>
-                <a:ea typeface="나눔스퀘어 네오 Regular" panose="00000500000000000000" pitchFamily="2" charset="-127"/>
+                <a:latin typeface="나눔스퀘어" panose="020B0600000101010101" pitchFamily="50" charset="-127"/>
+                <a:ea typeface="나눔스퀘어" panose="020B0600000101010101" pitchFamily="50" charset="-127"/>
               </a:rPr>
               <a:t>두 </a:t>
             </a:r>
             <a:r>
               <a:rPr lang="en-US" altLang="ko-KR" sz="2000" dirty="0">
-                <a:latin typeface="나눔스퀘어 네오 Regular" panose="00000500000000000000" pitchFamily="2" charset="-127"/>
-                <a:ea typeface="나눔스퀘어 네오 Regular" panose="00000500000000000000" pitchFamily="2" charset="-127"/>
+                <a:latin typeface="나눔스퀘어" panose="020B0600000101010101" pitchFamily="50" charset="-127"/>
+                <a:ea typeface="나눔스퀘어" panose="020B0600000101010101" pitchFamily="50" charset="-127"/>
               </a:rPr>
               <a:t>node</a:t>
             </a:r>
             <a:r>
               <a:rPr lang="ko-KR" altLang="en-US" sz="2000" dirty="0">
-                <a:latin typeface="나눔스퀘어 네오 Regular" panose="00000500000000000000" pitchFamily="2" charset="-127"/>
-                <a:ea typeface="나눔스퀘어 네오 Regular" panose="00000500000000000000" pitchFamily="2" charset="-127"/>
+                <a:latin typeface="나눔스퀘어" panose="020B0600000101010101" pitchFamily="50" charset="-127"/>
+                <a:ea typeface="나눔스퀘어" panose="020B0600000101010101" pitchFamily="50" charset="-127"/>
               </a:rPr>
               <a:t>의</a:t>
             </a:r>
             <a:r>
               <a:rPr lang="en-US" altLang="ko-KR" sz="2000" dirty="0">
-                <a:latin typeface="나눔스퀘어 네오 Regular" panose="00000500000000000000" pitchFamily="2" charset="-127"/>
-                <a:ea typeface="나눔스퀘어 네오 Regular" panose="00000500000000000000" pitchFamily="2" charset="-127"/>
+                <a:latin typeface="나눔스퀘어" panose="020B0600000101010101" pitchFamily="50" charset="-127"/>
+                <a:ea typeface="나눔스퀘어" panose="020B0600000101010101" pitchFamily="50" charset="-127"/>
               </a:rPr>
               <a:t> functional connectivity pattern</a:t>
             </a:r>
             <a:r>
               <a:rPr lang="ko-KR" altLang="en-US" sz="2000" dirty="0">
-                <a:latin typeface="나눔스퀘어 네오 Regular" panose="00000500000000000000" pitchFamily="2" charset="-127"/>
-                <a:ea typeface="나눔스퀘어 네오 Regular" panose="00000500000000000000" pitchFamily="2" charset="-127"/>
+                <a:latin typeface="나눔스퀘어" panose="020B0600000101010101" pitchFamily="50" charset="-127"/>
+                <a:ea typeface="나눔스퀘어" panose="020B0600000101010101" pitchFamily="50" charset="-127"/>
               </a:rPr>
               <a:t>간</a:t>
             </a:r>
             <a:r>
               <a:rPr lang="en-US" altLang="ko-KR" sz="2000" dirty="0">
-                <a:latin typeface="나눔스퀘어 네오 Regular" panose="00000500000000000000" pitchFamily="2" charset="-127"/>
-                <a:ea typeface="나눔스퀘어 네오 Regular" panose="00000500000000000000" pitchFamily="2" charset="-127"/>
+                <a:latin typeface="나눔스퀘어" panose="020B0600000101010101" pitchFamily="50" charset="-127"/>
+                <a:ea typeface="나눔스퀘어" panose="020B0600000101010101" pitchFamily="50" charset="-127"/>
               </a:rPr>
               <a:t> </a:t>
             </a:r>
             <a:r>
               <a:rPr lang="ko-KR" altLang="en-US" sz="2000" dirty="0">
-                <a:latin typeface="나눔스퀘어 네오 Regular" panose="00000500000000000000" pitchFamily="2" charset="-127"/>
-                <a:ea typeface="나눔스퀘어 네오 Regular" panose="00000500000000000000" pitchFamily="2" charset="-127"/>
+                <a:latin typeface="나눔스퀘어" panose="020B0600000101010101" pitchFamily="50" charset="-127"/>
+                <a:ea typeface="나눔스퀘어" panose="020B0600000101010101" pitchFamily="50" charset="-127"/>
               </a:rPr>
               <a:t>유사성을 기반으로 </a:t>
             </a:r>
             <a:r>
               <a:rPr lang="en-US" altLang="ko-KR" sz="2000" dirty="0">
-                <a:latin typeface="나눔스퀘어 네오 Regular" panose="00000500000000000000" pitchFamily="2" charset="-127"/>
-                <a:ea typeface="나눔스퀘어 네오 Regular" panose="00000500000000000000" pitchFamily="2" charset="-127"/>
+                <a:latin typeface="나눔스퀘어" panose="020B0600000101010101" pitchFamily="50" charset="-127"/>
+                <a:ea typeface="나눔스퀘어" panose="020B0600000101010101" pitchFamily="50" charset="-127"/>
               </a:rPr>
               <a:t>weight </a:t>
             </a:r>
             <a:r>
               <a:rPr lang="ko-KR" altLang="en-US" sz="2000" dirty="0">
-                <a:latin typeface="나눔스퀘어 네오 Regular" panose="00000500000000000000" pitchFamily="2" charset="-127"/>
-                <a:ea typeface="나눔스퀘어 네오 Regular" panose="00000500000000000000" pitchFamily="2" charset="-127"/>
+                <a:latin typeface="나눔스퀘어" panose="020B0600000101010101" pitchFamily="50" charset="-127"/>
+                <a:ea typeface="나눔스퀘어" panose="020B0600000101010101" pitchFamily="50" charset="-127"/>
               </a:rPr>
               <a:t>계산</a:t>
             </a:r>
             <a:r>
               <a:rPr lang="en-US" altLang="ko-KR" sz="2000" dirty="0">
-                <a:latin typeface="나눔스퀘어 네오 Regular" panose="00000500000000000000" pitchFamily="2" charset="-127"/>
-                <a:ea typeface="나눔스퀘어 네오 Regular" panose="00000500000000000000" pitchFamily="2" charset="-127"/>
+                <a:latin typeface="나눔스퀘어" panose="020B0600000101010101" pitchFamily="50" charset="-127"/>
+                <a:ea typeface="나눔스퀘어" panose="020B0600000101010101" pitchFamily="50" charset="-127"/>
               </a:rPr>
               <a:t>)</a:t>
             </a:r>
@@ -8427,8 +10534,8 @@
               <a:highlight>
                 <a:srgbClr val="FFFF00"/>
               </a:highlight>
-              <a:latin typeface="나눔스퀘어 네오 Regular" panose="00000500000000000000" pitchFamily="2" charset="-127"/>
-              <a:ea typeface="나눔스퀘어 네오 Regular" panose="00000500000000000000" pitchFamily="2" charset="-127"/>
+              <a:latin typeface="나눔스퀘어" panose="020B0600000101010101" pitchFamily="50" charset="-127"/>
+              <a:ea typeface="나눔스퀘어" panose="020B0600000101010101" pitchFamily="50" charset="-127"/>
             </a:endParaRPr>
           </a:p>
           <a:p>
@@ -8436,8 +10543,8 @@
               <a:buNone/>
             </a:pPr>
             <a:endParaRPr lang="en-US" altLang="ko-KR" sz="2000" dirty="0">
-              <a:latin typeface="나눔스퀘어 네오 Regular" panose="00000500000000000000" pitchFamily="2" charset="-127"/>
-              <a:ea typeface="나눔스퀘어 네오 Regular" panose="00000500000000000000" pitchFamily="2" charset="-127"/>
+              <a:latin typeface="나눔스퀘어" panose="020B0600000101010101" pitchFamily="50" charset="-127"/>
+              <a:ea typeface="나눔스퀘어" panose="020B0600000101010101" pitchFamily="50" charset="-127"/>
             </a:endParaRPr>
           </a:p>
           <a:p>
@@ -8445,8 +10552,8 @@
               <a:buNone/>
             </a:pPr>
             <a:endParaRPr lang="en-US" altLang="ko-KR" sz="2000" dirty="0">
-              <a:latin typeface="나눔스퀘어 네오 Regular" panose="00000500000000000000" pitchFamily="2" charset="-127"/>
-              <a:ea typeface="나눔스퀘어 네오 Regular" panose="00000500000000000000" pitchFamily="2" charset="-127"/>
+              <a:latin typeface="나눔스퀘어" panose="020B0600000101010101" pitchFamily="50" charset="-127"/>
+              <a:ea typeface="나눔스퀘어" panose="020B0600000101010101" pitchFamily="50" charset="-127"/>
             </a:endParaRPr>
           </a:p>
           <a:p>
@@ -8455,29 +10562,29 @@
             </a:pPr>
             <a:r>
               <a:rPr lang="en-US" altLang="ko-KR" sz="2000" b="1" dirty="0">
-                <a:latin typeface="나눔스퀘어 네오 Regular" panose="00000500000000000000" pitchFamily="2" charset="-127"/>
-                <a:ea typeface="나눔스퀘어 네오 Regular" panose="00000500000000000000" pitchFamily="2" charset="-127"/>
+                <a:latin typeface="나눔스퀘어" panose="020B0600000101010101" pitchFamily="50" charset="-127"/>
+                <a:ea typeface="나눔스퀘어" panose="020B0600000101010101" pitchFamily="50" charset="-127"/>
               </a:rPr>
               <a:t>Class(y) </a:t>
             </a:r>
             <a:r>
               <a:rPr lang="en-US" altLang="ko-KR" sz="2000" dirty="0">
-                <a:latin typeface="나눔스퀘어 네오 Regular" panose="00000500000000000000" pitchFamily="2" charset="-127"/>
-                <a:ea typeface="나눔스퀘어 네오 Regular" panose="00000500000000000000" pitchFamily="2" charset="-127"/>
+                <a:latin typeface="나눔스퀘어" panose="020B0600000101010101" pitchFamily="50" charset="-127"/>
+                <a:ea typeface="나눔스퀘어" panose="020B0600000101010101" pitchFamily="50" charset="-127"/>
               </a:rPr>
               <a:t>: HC(0),</a:t>
             </a:r>
             <a:r>
               <a:rPr lang="ko-KR" altLang="en-US" sz="2000" dirty="0">
-                <a:latin typeface="나눔스퀘어 네오 Regular" panose="00000500000000000000" pitchFamily="2" charset="-127"/>
-                <a:ea typeface="나눔스퀘어 네오 Regular" panose="00000500000000000000" pitchFamily="2" charset="-127"/>
+                <a:latin typeface="나눔스퀘어" panose="020B0600000101010101" pitchFamily="50" charset="-127"/>
+                <a:ea typeface="나눔스퀘어" panose="020B0600000101010101" pitchFamily="50" charset="-127"/>
               </a:rPr>
               <a:t> </a:t>
             </a:r>
             <a:r>
               <a:rPr lang="en-US" altLang="ko-KR" sz="2000" dirty="0">
-                <a:latin typeface="나눔스퀘어 네오 Regular" panose="00000500000000000000" pitchFamily="2" charset="-127"/>
-                <a:ea typeface="나눔스퀘어 네오 Regular" panose="00000500000000000000" pitchFamily="2" charset="-127"/>
+                <a:latin typeface="나눔스퀘어" panose="020B0600000101010101" pitchFamily="50" charset="-127"/>
+                <a:ea typeface="나눔스퀘어" panose="020B0600000101010101" pitchFamily="50" charset="-127"/>
               </a:rPr>
               <a:t>SCZ(1)</a:t>
             </a:r>
@@ -8550,42 +10657,42 @@
           <a:p>
             <a:r>
               <a:rPr lang="ko-KR" altLang="en-US" dirty="0">
-                <a:latin typeface="나눔스퀘어 네오 Regular" panose="00000500000000000000" pitchFamily="2" charset="-127"/>
-                <a:ea typeface="나눔스퀘어 네오 Regular" panose="00000500000000000000" pitchFamily="2" charset="-127"/>
+                <a:latin typeface="나눔스퀘어" panose="020B0600000101010101" pitchFamily="50" charset="-127"/>
+                <a:ea typeface="나눔스퀘어" panose="020B0600000101010101" pitchFamily="50" charset="-127"/>
               </a:rPr>
               <a:t>값이 클 수록 두 </a:t>
             </a:r>
             <a:r>
               <a:rPr lang="en-US" altLang="ko-KR" dirty="0">
-                <a:latin typeface="나눔스퀘어 네오 Regular" panose="00000500000000000000" pitchFamily="2" charset="-127"/>
-                <a:ea typeface="나눔스퀘어 네오 Regular" panose="00000500000000000000" pitchFamily="2" charset="-127"/>
+                <a:latin typeface="나눔스퀘어" panose="020B0600000101010101" pitchFamily="50" charset="-127"/>
+                <a:ea typeface="나눔스퀘어" panose="020B0600000101010101" pitchFamily="50" charset="-127"/>
               </a:rPr>
               <a:t>node</a:t>
             </a:r>
             <a:r>
               <a:rPr lang="ko-KR" altLang="en-US" dirty="0">
-                <a:latin typeface="나눔스퀘어 네오 Regular" panose="00000500000000000000" pitchFamily="2" charset="-127"/>
-                <a:ea typeface="나눔스퀘어 네오 Regular" panose="00000500000000000000" pitchFamily="2" charset="-127"/>
+                <a:latin typeface="나눔스퀘어" panose="020B0600000101010101" pitchFamily="50" charset="-127"/>
+                <a:ea typeface="나눔스퀘어" panose="020B0600000101010101" pitchFamily="50" charset="-127"/>
               </a:rPr>
               <a:t>간 </a:t>
             </a:r>
             <a:endParaRPr lang="en-US" altLang="ko-KR" dirty="0">
-              <a:latin typeface="나눔스퀘어 네오 Regular" panose="00000500000000000000" pitchFamily="2" charset="-127"/>
-              <a:ea typeface="나눔스퀘어 네오 Regular" panose="00000500000000000000" pitchFamily="2" charset="-127"/>
+              <a:latin typeface="나눔스퀘어" panose="020B0600000101010101" pitchFamily="50" charset="-127"/>
+              <a:ea typeface="나눔스퀘어" panose="020B0600000101010101" pitchFamily="50" charset="-127"/>
             </a:endParaRPr>
           </a:p>
           <a:p>
             <a:r>
               <a:rPr lang="en-US" altLang="ko-KR" dirty="0">
-                <a:latin typeface="나눔스퀘어 네오 Regular" panose="00000500000000000000" pitchFamily="2" charset="-127"/>
-                <a:ea typeface="나눔스퀘어 네오 Regular" panose="00000500000000000000" pitchFamily="2" charset="-127"/>
+                <a:latin typeface="나눔스퀘어" panose="020B0600000101010101" pitchFamily="50" charset="-127"/>
+                <a:ea typeface="나눔스퀘어" panose="020B0600000101010101" pitchFamily="50" charset="-127"/>
               </a:rPr>
               <a:t>functional connectivity </a:t>
             </a:r>
             <a:r>
               <a:rPr lang="ko-KR" altLang="en-US" dirty="0">
-                <a:latin typeface="나눔스퀘어 네오 Regular" panose="00000500000000000000" pitchFamily="2" charset="-127"/>
-                <a:ea typeface="나눔스퀘어 네오 Regular" panose="00000500000000000000" pitchFamily="2" charset="-127"/>
+                <a:latin typeface="나눔스퀘어" panose="020B0600000101010101" pitchFamily="50" charset="-127"/>
+                <a:ea typeface="나눔스퀘어" panose="020B0600000101010101" pitchFamily="50" charset="-127"/>
               </a:rPr>
               <a:t>크다</a:t>
             </a:r>
@@ -8622,43 +10729,43 @@
           <a:p>
             <a:r>
               <a:rPr lang="en-US" altLang="ko-KR" dirty="0">
-                <a:latin typeface="나눔스퀘어 네오 Regular" panose="00000500000000000000" pitchFamily="2" charset="-127"/>
-                <a:ea typeface="나눔스퀘어 네오 Regular" panose="00000500000000000000" pitchFamily="2" charset="-127"/>
+                <a:latin typeface="나눔스퀘어" panose="020B0600000101010101" pitchFamily="50" charset="-127"/>
+                <a:ea typeface="나눔스퀘어" panose="020B0600000101010101" pitchFamily="50" charset="-127"/>
               </a:rPr>
               <a:t>n0,</a:t>
             </a:r>
             <a:r>
               <a:rPr lang="ko-KR" altLang="en-US" dirty="0">
-                <a:latin typeface="나눔스퀘어 네오 Regular" panose="00000500000000000000" pitchFamily="2" charset="-127"/>
-                <a:ea typeface="나눔스퀘어 네오 Regular" panose="00000500000000000000" pitchFamily="2" charset="-127"/>
+                <a:latin typeface="나눔스퀘어" panose="020B0600000101010101" pitchFamily="50" charset="-127"/>
+                <a:ea typeface="나눔스퀘어" panose="020B0600000101010101" pitchFamily="50" charset="-127"/>
               </a:rPr>
               <a:t> </a:t>
             </a:r>
             <a:r>
               <a:rPr lang="en-US" altLang="ko-KR" dirty="0">
-                <a:latin typeface="나눔스퀘어 네오 Regular" panose="00000500000000000000" pitchFamily="2" charset="-127"/>
-                <a:ea typeface="나눔스퀘어 네오 Regular" panose="00000500000000000000" pitchFamily="2" charset="-127"/>
+                <a:latin typeface="나눔스퀘어" panose="020B0600000101010101" pitchFamily="50" charset="-127"/>
+                <a:ea typeface="나눔스퀘어" panose="020B0600000101010101" pitchFamily="50" charset="-127"/>
               </a:rPr>
               <a:t>n2</a:t>
             </a:r>
             <a:r>
               <a:rPr lang="ko-KR" altLang="en-US" dirty="0">
-                <a:latin typeface="나눔스퀘어 네오 Regular" panose="00000500000000000000" pitchFamily="2" charset="-127"/>
-                <a:ea typeface="나눔스퀘어 네오 Regular" panose="00000500000000000000" pitchFamily="2" charset="-127"/>
+                <a:latin typeface="나눔스퀘어" panose="020B0600000101010101" pitchFamily="50" charset="-127"/>
+                <a:ea typeface="나눔스퀘어" panose="020B0600000101010101" pitchFamily="50" charset="-127"/>
               </a:rPr>
               <a:t>의 </a:t>
             </a:r>
             <a:r>
               <a:rPr lang="en-US" altLang="ko-KR" dirty="0">
-                <a:latin typeface="나눔스퀘어 네오 Regular" panose="00000500000000000000" pitchFamily="2" charset="-127"/>
-                <a:ea typeface="나눔스퀘어 네오 Regular" panose="00000500000000000000" pitchFamily="2" charset="-127"/>
+                <a:latin typeface="나눔스퀘어" panose="020B0600000101010101" pitchFamily="50" charset="-127"/>
+                <a:ea typeface="나눔스퀘어" panose="020B0600000101010101" pitchFamily="50" charset="-127"/>
               </a:rPr>
               <a:t>pairwise distance </a:t>
             </a:r>
             <a:r>
               <a:rPr lang="ko-KR" altLang="en-US" dirty="0">
-                <a:latin typeface="나눔스퀘어 네오 Regular" panose="00000500000000000000" pitchFamily="2" charset="-127"/>
-                <a:ea typeface="나눔스퀘어 네오 Regular" panose="00000500000000000000" pitchFamily="2" charset="-127"/>
+                <a:latin typeface="나눔스퀘어" panose="020B0600000101010101" pitchFamily="50" charset="-127"/>
+                <a:ea typeface="나눔스퀘어" panose="020B0600000101010101" pitchFamily="50" charset="-127"/>
               </a:rPr>
               <a:t>계산</a:t>
             </a:r>
@@ -8679,7 +10786,7 @@
         </p:nvSpPr>
         <p:spPr>
           <a:xfrm>
-            <a:off x="7257659" y="3865752"/>
+            <a:off x="7489788" y="3780617"/>
             <a:ext cx="4722696" cy="646331"/>
           </a:xfrm>
           <a:prstGeom prst="rect">
@@ -8695,49 +10802,49 @@
           <a:p>
             <a:r>
               <a:rPr lang="ko-KR" altLang="en-US" dirty="0">
-                <a:latin typeface="나눔스퀘어 네오 Regular" panose="00000500000000000000" pitchFamily="2" charset="-127"/>
-                <a:ea typeface="나눔스퀘어 네오 Regular" panose="00000500000000000000" pitchFamily="2" charset="-127"/>
+                <a:latin typeface="나눔스퀘어" panose="020B0600000101010101" pitchFamily="50" charset="-127"/>
+                <a:ea typeface="나눔스퀘어" panose="020B0600000101010101" pitchFamily="50" charset="-127"/>
               </a:rPr>
               <a:t>값이 작을 수록 두 </a:t>
             </a:r>
             <a:r>
               <a:rPr lang="en-US" altLang="ko-KR" dirty="0">
-                <a:latin typeface="나눔스퀘어 네오 Regular" panose="00000500000000000000" pitchFamily="2" charset="-127"/>
-                <a:ea typeface="나눔스퀘어 네오 Regular" panose="00000500000000000000" pitchFamily="2" charset="-127"/>
+                <a:latin typeface="나눔스퀘어" panose="020B0600000101010101" pitchFamily="50" charset="-127"/>
+                <a:ea typeface="나눔스퀘어" panose="020B0600000101010101" pitchFamily="50" charset="-127"/>
               </a:rPr>
               <a:t>node</a:t>
             </a:r>
             <a:r>
               <a:rPr lang="ko-KR" altLang="en-US" dirty="0">
-                <a:latin typeface="나눔스퀘어 네오 Regular" panose="00000500000000000000" pitchFamily="2" charset="-127"/>
-                <a:ea typeface="나눔스퀘어 네오 Regular" panose="00000500000000000000" pitchFamily="2" charset="-127"/>
+                <a:latin typeface="나눔스퀘어" panose="020B0600000101010101" pitchFamily="50" charset="-127"/>
+                <a:ea typeface="나눔스퀘어" panose="020B0600000101010101" pitchFamily="50" charset="-127"/>
               </a:rPr>
               <a:t>의 </a:t>
             </a:r>
             <a:endParaRPr lang="en-US" altLang="ko-KR" dirty="0">
-              <a:latin typeface="나눔스퀘어 네오 Regular" panose="00000500000000000000" pitchFamily="2" charset="-127"/>
-              <a:ea typeface="나눔스퀘어 네오 Regular" panose="00000500000000000000" pitchFamily="2" charset="-127"/>
+              <a:latin typeface="나눔스퀘어" panose="020B0600000101010101" pitchFamily="50" charset="-127"/>
+              <a:ea typeface="나눔스퀘어" panose="020B0600000101010101" pitchFamily="50" charset="-127"/>
             </a:endParaRPr>
           </a:p>
           <a:p>
             <a:r>
               <a:rPr lang="en-US" altLang="ko-KR" dirty="0">
-                <a:latin typeface="나눔스퀘어 네오 Regular" panose="00000500000000000000" pitchFamily="2" charset="-127"/>
-                <a:ea typeface="나눔스퀘어 네오 Regular" panose="00000500000000000000" pitchFamily="2" charset="-127"/>
+                <a:latin typeface="나눔스퀘어" panose="020B0600000101010101" pitchFamily="50" charset="-127"/>
+                <a:ea typeface="나눔스퀘어" panose="020B0600000101010101" pitchFamily="50" charset="-127"/>
               </a:rPr>
               <a:t>functional connectivity pattern</a:t>
             </a:r>
             <a:r>
               <a:rPr lang="ko-KR" altLang="en-US" dirty="0">
-                <a:latin typeface="나눔스퀘어 네오 Regular" panose="00000500000000000000" pitchFamily="2" charset="-127"/>
-                <a:ea typeface="나눔스퀘어 네오 Regular" panose="00000500000000000000" pitchFamily="2" charset="-127"/>
+                <a:latin typeface="나눔스퀘어" panose="020B0600000101010101" pitchFamily="50" charset="-127"/>
+                <a:ea typeface="나눔스퀘어" panose="020B0600000101010101" pitchFamily="50" charset="-127"/>
               </a:rPr>
               <a:t> 유사하다</a:t>
             </a:r>
             <a:r>
               <a:rPr lang="en-US" altLang="ko-KR" dirty="0">
-                <a:latin typeface="나눔스퀘어 네오 Regular" panose="00000500000000000000" pitchFamily="2" charset="-127"/>
-                <a:ea typeface="나눔스퀘어 네오 Regular" panose="00000500000000000000" pitchFamily="2" charset="-127"/>
+                <a:latin typeface="나눔스퀘어" panose="020B0600000101010101" pitchFamily="50" charset="-127"/>
+                <a:ea typeface="나눔스퀘어" panose="020B0600000101010101" pitchFamily="50" charset="-127"/>
               </a:rPr>
               <a:t>.</a:t>
             </a:r>
@@ -8759,7 +10866,7 @@
         <p:spPr>
           <a:xfrm>
             <a:off x="509586" y="1227054"/>
-            <a:ext cx="3288080" cy="369332"/>
+            <a:ext cx="2964722" cy="369332"/>
           </a:xfrm>
           <a:prstGeom prst="rect">
             <a:avLst/>
@@ -8774,14 +10881,14 @@
           <a:p>
             <a:r>
               <a:rPr lang="en-US" altLang="ko-KR" b="1" dirty="0">
-                <a:latin typeface="나눔스퀘어 네오 Regular" panose="00000500000000000000" pitchFamily="2" charset="-127"/>
-                <a:ea typeface="나눔스퀘어 네오 Regular" panose="00000500000000000000" pitchFamily="2" charset="-127"/>
+                <a:latin typeface="나눔스퀘어" panose="020B0600000101010101" pitchFamily="50" charset="-127"/>
+                <a:ea typeface="나눔스퀘어" panose="020B0600000101010101" pitchFamily="50" charset="-127"/>
               </a:rPr>
               <a:t>Functional connectivity(X) </a:t>
             </a:r>
             <a:endParaRPr lang="ko-KR" altLang="en-US" b="1" dirty="0">
-              <a:latin typeface="나눔스퀘어 네오 Regular" panose="00000500000000000000" pitchFamily="2" charset="-127"/>
-              <a:ea typeface="나눔스퀘어 네오 Regular" panose="00000500000000000000" pitchFamily="2" charset="-127"/>
+              <a:latin typeface="나눔스퀘어" panose="020B0600000101010101" pitchFamily="50" charset="-127"/>
+              <a:ea typeface="나눔스퀘어" panose="020B0600000101010101" pitchFamily="50" charset="-127"/>
             </a:endParaRPr>
           </a:p>
         </p:txBody>
@@ -8859,7 +10966,7 @@
             <a:noFill/>
             <a:ln w="28575">
               <a:solidFill>
-                <a:srgbClr val="FFFF00"/>
+                <a:srgbClr val="FFC000"/>
               </a:solidFill>
             </a:ln>
           </p:spPr>
@@ -8885,8 +10992,8 @@
             <a:p>
               <a:pPr algn="ctr"/>
               <a:endParaRPr lang="ko-KR" altLang="en-US" dirty="0">
-                <a:latin typeface="나눔스퀘어 네오 Regular" panose="00000500000000000000" pitchFamily="2" charset="-127"/>
-                <a:ea typeface="나눔스퀘어 네오 Regular" panose="00000500000000000000" pitchFamily="2" charset="-127"/>
+                <a:latin typeface="나눔스퀘어" panose="020B0600000101010101" pitchFamily="50" charset="-127"/>
+                <a:ea typeface="나눔스퀘어" panose="020B0600000101010101" pitchFamily="50" charset="-127"/>
               </a:endParaRPr>
             </a:p>
           </p:txBody>
@@ -8914,7 +11021,7 @@
             <a:noFill/>
             <a:ln w="28575">
               <a:solidFill>
-                <a:srgbClr val="FFFF00"/>
+                <a:srgbClr val="FFC000"/>
               </a:solidFill>
             </a:ln>
           </p:spPr>
@@ -8940,8 +11047,8 @@
             <a:p>
               <a:pPr algn="ctr"/>
               <a:endParaRPr lang="ko-KR" altLang="en-US" dirty="0">
-                <a:latin typeface="나눔스퀘어 네오 Regular" panose="00000500000000000000" pitchFamily="2" charset="-127"/>
-                <a:ea typeface="나눔스퀘어 네오 Regular" panose="00000500000000000000" pitchFamily="2" charset="-127"/>
+                <a:latin typeface="나눔스퀘어" panose="020B0600000101010101" pitchFamily="50" charset="-127"/>
+                <a:ea typeface="나눔스퀘어" panose="020B0600000101010101" pitchFamily="50" charset="-127"/>
               </a:endParaRPr>
             </a:p>
           </p:txBody>
@@ -8961,7 +11068,7 @@
           <p:spPr>
             <a:xfrm>
               <a:off x="193766" y="2042202"/>
-              <a:ext cx="566181" cy="1631216"/>
+              <a:ext cx="521297" cy="1631216"/>
             </a:xfrm>
             <a:prstGeom prst="rect">
               <a:avLst/>
@@ -8976,8 +11083,8 @@
             <a:p>
               <a:r>
                 <a:rPr lang="en-US" altLang="ko-KR" sz="2000" dirty="0">
-                  <a:latin typeface="나눔스퀘어 네오 Regular" panose="00000500000000000000" pitchFamily="2" charset="-127"/>
-                  <a:ea typeface="나눔스퀘어 네오 Regular" panose="00000500000000000000" pitchFamily="2" charset="-127"/>
+                  <a:latin typeface="나눔스퀘어" panose="020B0600000101010101" pitchFamily="50" charset="-127"/>
+                  <a:ea typeface="나눔스퀘어" panose="020B0600000101010101" pitchFamily="50" charset="-127"/>
                 </a:rPr>
                 <a:t>N0</a:t>
               </a:r>
@@ -8985,8 +11092,8 @@
             <a:p>
               <a:r>
                 <a:rPr lang="en-US" altLang="ko-KR" sz="2000" dirty="0">
-                  <a:latin typeface="나눔스퀘어 네오 Regular" panose="00000500000000000000" pitchFamily="2" charset="-127"/>
-                  <a:ea typeface="나눔스퀘어 네오 Regular" panose="00000500000000000000" pitchFamily="2" charset="-127"/>
+                  <a:latin typeface="나눔스퀘어" panose="020B0600000101010101" pitchFamily="50" charset="-127"/>
+                  <a:ea typeface="나눔스퀘어" panose="020B0600000101010101" pitchFamily="50" charset="-127"/>
                 </a:rPr>
                 <a:t>N1</a:t>
               </a:r>
@@ -8994,8 +11101,8 @@
             <a:p>
               <a:r>
                 <a:rPr lang="en-US" altLang="ko-KR" sz="2000" dirty="0">
-                  <a:latin typeface="나눔스퀘어 네오 Regular" panose="00000500000000000000" pitchFamily="2" charset="-127"/>
-                  <a:ea typeface="나눔스퀘어 네오 Regular" panose="00000500000000000000" pitchFamily="2" charset="-127"/>
+                  <a:latin typeface="나눔스퀘어" panose="020B0600000101010101" pitchFamily="50" charset="-127"/>
+                  <a:ea typeface="나눔스퀘어" panose="020B0600000101010101" pitchFamily="50" charset="-127"/>
                 </a:rPr>
                 <a:t>N2</a:t>
               </a:r>
@@ -9003,8 +11110,8 @@
             <a:p>
               <a:r>
                 <a:rPr lang="en-US" altLang="ko-KR" sz="2000" dirty="0">
-                  <a:latin typeface="나눔스퀘어 네오 Regular" panose="00000500000000000000" pitchFamily="2" charset="-127"/>
-                  <a:ea typeface="나눔스퀘어 네오 Regular" panose="00000500000000000000" pitchFamily="2" charset="-127"/>
+                  <a:latin typeface="나눔스퀘어" panose="020B0600000101010101" pitchFamily="50" charset="-127"/>
+                  <a:ea typeface="나눔스퀘어" panose="020B0600000101010101" pitchFamily="50" charset="-127"/>
                 </a:rPr>
                 <a:t>N3</a:t>
               </a:r>
@@ -9012,8 +11119,8 @@
             <a:p>
               <a:r>
                 <a:rPr lang="en-US" altLang="ko-KR" sz="2000" dirty="0">
-                  <a:latin typeface="나눔스퀘어 네오 Regular" panose="00000500000000000000" pitchFamily="2" charset="-127"/>
-                  <a:ea typeface="나눔스퀘어 네오 Regular" panose="00000500000000000000" pitchFamily="2" charset="-127"/>
+                  <a:latin typeface="나눔스퀘어" panose="020B0600000101010101" pitchFamily="50" charset="-127"/>
+                  <a:ea typeface="나눔스퀘어" panose="020B0600000101010101" pitchFamily="50" charset="-127"/>
                 </a:rPr>
                 <a:t>N4</a:t>
               </a:r>
@@ -9050,8 +11157,8 @@
             <a:p>
               <a:r>
                 <a:rPr lang="en-US" altLang="ko-KR" sz="2000" dirty="0">
-                  <a:latin typeface="나눔스퀘어 네오 Regular" panose="00000500000000000000" pitchFamily="2" charset="-127"/>
-                  <a:ea typeface="나눔스퀘어 네오 Regular" panose="00000500000000000000" pitchFamily="2" charset="-127"/>
+                  <a:latin typeface="나눔스퀘어" panose="020B0600000101010101" pitchFamily="50" charset="-127"/>
+                  <a:ea typeface="나눔스퀘어" panose="020B0600000101010101" pitchFamily="50" charset="-127"/>
                 </a:rPr>
                 <a:t>N0 N1 N2 N3 N4</a:t>
               </a:r>
@@ -9074,7 +11181,7 @@
         <p:spPr>
           <a:xfrm>
             <a:off x="1345872" y="4981762"/>
-            <a:ext cx="8505264" cy="1754326"/>
+            <a:ext cx="8413948" cy="1754326"/>
           </a:xfrm>
           <a:prstGeom prst="rect">
             <a:avLst/>
@@ -9089,64 +11196,64 @@
           <a:p>
             <a:r>
               <a:rPr lang="en-US" altLang="ko-KR" dirty="0">
-                <a:latin typeface="나눔스퀘어 네오 Regular" panose="00000500000000000000" pitchFamily="2" charset="-127"/>
-                <a:ea typeface="나눔스퀘어 네오 Regular" panose="00000500000000000000" pitchFamily="2" charset="-127"/>
+                <a:latin typeface="나눔스퀘어" panose="020B0600000101010101" pitchFamily="50" charset="-127"/>
+                <a:ea typeface="나눔스퀘어" panose="020B0600000101010101" pitchFamily="50" charset="-127"/>
               </a:rPr>
               <a:t>X </a:t>
             </a:r>
             <a:r>
               <a:rPr lang="ko-KR" altLang="en-US" dirty="0">
-                <a:latin typeface="나눔스퀘어 네오 Regular" panose="00000500000000000000" pitchFamily="2" charset="-127"/>
-                <a:ea typeface="나눔스퀘어 네오 Regular" panose="00000500000000000000" pitchFamily="2" charset="-127"/>
+                <a:latin typeface="나눔스퀘어" panose="020B0600000101010101" pitchFamily="50" charset="-127"/>
+                <a:ea typeface="나눔스퀘어" panose="020B0600000101010101" pitchFamily="50" charset="-127"/>
               </a:rPr>
               <a:t>크고</a:t>
             </a:r>
             <a:r>
               <a:rPr lang="en-US" altLang="ko-KR" dirty="0">
-                <a:latin typeface="나눔스퀘어 네오 Regular" panose="00000500000000000000" pitchFamily="2" charset="-127"/>
-                <a:ea typeface="나눔스퀘어 네오 Regular" panose="00000500000000000000" pitchFamily="2" charset="-127"/>
+                <a:latin typeface="나눔스퀘어" panose="020B0600000101010101" pitchFamily="50" charset="-127"/>
+                <a:ea typeface="나눔스퀘어" panose="020B0600000101010101" pitchFamily="50" charset="-127"/>
               </a:rPr>
               <a:t>, pd </a:t>
             </a:r>
             <a:r>
               <a:rPr lang="ko-KR" altLang="en-US" dirty="0">
-                <a:latin typeface="나눔스퀘어 네오 Regular" panose="00000500000000000000" pitchFamily="2" charset="-127"/>
-                <a:ea typeface="나눔스퀘어 네오 Regular" panose="00000500000000000000" pitchFamily="2" charset="-127"/>
+                <a:latin typeface="나눔스퀘어" panose="020B0600000101010101" pitchFamily="50" charset="-127"/>
+                <a:ea typeface="나눔스퀘어" panose="020B0600000101010101" pitchFamily="50" charset="-127"/>
               </a:rPr>
               <a:t>크다 </a:t>
             </a:r>
             <a:r>
               <a:rPr lang="en-US" altLang="ko-KR" dirty="0">
-                <a:latin typeface="나눔스퀘어 네오 Regular" panose="00000500000000000000" pitchFamily="2" charset="-127"/>
-                <a:ea typeface="나눔스퀘어 네오 Regular" panose="00000500000000000000" pitchFamily="2" charset="-127"/>
+                <a:latin typeface="나눔스퀘어" panose="020B0600000101010101" pitchFamily="50" charset="-127"/>
+                <a:ea typeface="나눔스퀘어" panose="020B0600000101010101" pitchFamily="50" charset="-127"/>
               </a:rPr>
               <a:t>: </a:t>
             </a:r>
             <a:r>
               <a:rPr lang="ko-KR" altLang="en-US" dirty="0">
-                <a:latin typeface="나눔스퀘어 네오 Regular" panose="00000500000000000000" pitchFamily="2" charset="-127"/>
-                <a:ea typeface="나눔스퀘어 네오 Regular" panose="00000500000000000000" pitchFamily="2" charset="-127"/>
+                <a:latin typeface="나눔스퀘어" panose="020B0600000101010101" pitchFamily="50" charset="-127"/>
+                <a:ea typeface="나눔스퀘어" panose="020B0600000101010101" pitchFamily="50" charset="-127"/>
               </a:rPr>
               <a:t>특정 작업이나 기능을 수행할 땐 밀접하게 협력하나 다른 </a:t>
             </a:r>
             <a:r>
               <a:rPr lang="en-US" altLang="ko-KR" dirty="0">
-                <a:latin typeface="나눔스퀘어 네오 Regular" panose="00000500000000000000" pitchFamily="2" charset="-127"/>
-                <a:ea typeface="나눔스퀘어 네오 Regular" panose="00000500000000000000" pitchFamily="2" charset="-127"/>
+                <a:latin typeface="나눔스퀘어" panose="020B0600000101010101" pitchFamily="50" charset="-127"/>
+                <a:ea typeface="나눔스퀘어" panose="020B0600000101010101" pitchFamily="50" charset="-127"/>
               </a:rPr>
               <a:t>node</a:t>
             </a:r>
             <a:r>
               <a:rPr lang="ko-KR" altLang="en-US" dirty="0">
-                <a:latin typeface="나눔스퀘어 네오 Regular" panose="00000500000000000000" pitchFamily="2" charset="-127"/>
-                <a:ea typeface="나눔스퀘어 네오 Regular" panose="00000500000000000000" pitchFamily="2" charset="-127"/>
+                <a:latin typeface="나눔스퀘어" panose="020B0600000101010101" pitchFamily="50" charset="-127"/>
+                <a:ea typeface="나눔스퀘어" panose="020B0600000101010101" pitchFamily="50" charset="-127"/>
               </a:rPr>
               <a:t>들과의 연결 패턴은 다르다</a:t>
             </a:r>
             <a:r>
               <a:rPr lang="en-US" altLang="ko-KR" dirty="0">
-                <a:latin typeface="나눔스퀘어 네오 Regular" panose="00000500000000000000" pitchFamily="2" charset="-127"/>
-                <a:ea typeface="나눔스퀘어 네오 Regular" panose="00000500000000000000" pitchFamily="2" charset="-127"/>
+                <a:latin typeface="나눔스퀘어" panose="020B0600000101010101" pitchFamily="50" charset="-127"/>
+                <a:ea typeface="나눔스퀘어" panose="020B0600000101010101" pitchFamily="50" charset="-127"/>
               </a:rPr>
               <a:t>. </a:t>
             </a:r>
@@ -9154,64 +11261,64 @@
           <a:p>
             <a:r>
               <a:rPr lang="en-US" altLang="ko-KR" dirty="0">
-                <a:latin typeface="나눔스퀘어 네오 Regular" panose="00000500000000000000" pitchFamily="2" charset="-127"/>
-                <a:ea typeface="나눔스퀘어 네오 Regular" panose="00000500000000000000" pitchFamily="2" charset="-127"/>
+                <a:latin typeface="나눔스퀘어" panose="020B0600000101010101" pitchFamily="50" charset="-127"/>
+                <a:ea typeface="나눔스퀘어" panose="020B0600000101010101" pitchFamily="50" charset="-127"/>
               </a:rPr>
               <a:t>X </a:t>
             </a:r>
             <a:r>
               <a:rPr lang="ko-KR" altLang="en-US" dirty="0">
-                <a:latin typeface="나눔스퀘어 네오 Regular" panose="00000500000000000000" pitchFamily="2" charset="-127"/>
-                <a:ea typeface="나눔스퀘어 네오 Regular" panose="00000500000000000000" pitchFamily="2" charset="-127"/>
+                <a:latin typeface="나눔스퀘어" panose="020B0600000101010101" pitchFamily="50" charset="-127"/>
+                <a:ea typeface="나눔스퀘어" panose="020B0600000101010101" pitchFamily="50" charset="-127"/>
               </a:rPr>
               <a:t>크고</a:t>
             </a:r>
             <a:r>
               <a:rPr lang="en-US" altLang="ko-KR" dirty="0">
-                <a:latin typeface="나눔스퀘어 네오 Regular" panose="00000500000000000000" pitchFamily="2" charset="-127"/>
-                <a:ea typeface="나눔스퀘어 네오 Regular" panose="00000500000000000000" pitchFamily="2" charset="-127"/>
+                <a:latin typeface="나눔스퀘어" panose="020B0600000101010101" pitchFamily="50" charset="-127"/>
+                <a:ea typeface="나눔스퀘어" panose="020B0600000101010101" pitchFamily="50" charset="-127"/>
               </a:rPr>
               <a:t>, pd </a:t>
             </a:r>
             <a:r>
               <a:rPr lang="ko-KR" altLang="en-US" dirty="0">
-                <a:latin typeface="나눔스퀘어 네오 Regular" panose="00000500000000000000" pitchFamily="2" charset="-127"/>
-                <a:ea typeface="나눔스퀘어 네오 Regular" panose="00000500000000000000" pitchFamily="2" charset="-127"/>
+                <a:latin typeface="나눔스퀘어" panose="020B0600000101010101" pitchFamily="50" charset="-127"/>
+                <a:ea typeface="나눔스퀘어" panose="020B0600000101010101" pitchFamily="50" charset="-127"/>
               </a:rPr>
               <a:t>작다 </a:t>
             </a:r>
             <a:r>
               <a:rPr lang="en-US" altLang="ko-KR" dirty="0">
-                <a:latin typeface="나눔스퀘어 네오 Regular" panose="00000500000000000000" pitchFamily="2" charset="-127"/>
-                <a:ea typeface="나눔스퀘어 네오 Regular" panose="00000500000000000000" pitchFamily="2" charset="-127"/>
+                <a:latin typeface="나눔스퀘어" panose="020B0600000101010101" pitchFamily="50" charset="-127"/>
+                <a:ea typeface="나눔스퀘어" panose="020B0600000101010101" pitchFamily="50" charset="-127"/>
               </a:rPr>
               <a:t>: </a:t>
             </a:r>
             <a:r>
               <a:rPr lang="ko-KR" altLang="en-US" dirty="0">
-                <a:latin typeface="나눔스퀘어 네오 Regular" panose="00000500000000000000" pitchFamily="2" charset="-127"/>
-                <a:ea typeface="나눔스퀘어 네오 Regular" panose="00000500000000000000" pitchFamily="2" charset="-127"/>
+                <a:latin typeface="나눔스퀘어" panose="020B0600000101010101" pitchFamily="50" charset="-127"/>
+                <a:ea typeface="나눔스퀘어" panose="020B0600000101010101" pitchFamily="50" charset="-127"/>
               </a:rPr>
               <a:t>기능적인 연결 강도 높고</a:t>
             </a:r>
             <a:r>
               <a:rPr lang="en-US" altLang="ko-KR" dirty="0">
-                <a:latin typeface="나눔스퀘어 네오 Regular" panose="00000500000000000000" pitchFamily="2" charset="-127"/>
-                <a:ea typeface="나눔스퀘어 네오 Regular" panose="00000500000000000000" pitchFamily="2" charset="-127"/>
+                <a:latin typeface="나눔스퀘어" panose="020B0600000101010101" pitchFamily="50" charset="-127"/>
+                <a:ea typeface="나눔스퀘어" panose="020B0600000101010101" pitchFamily="50" charset="-127"/>
               </a:rPr>
               <a:t>, </a:t>
             </a:r>
             <a:r>
               <a:rPr lang="ko-KR" altLang="en-US" dirty="0">
-                <a:latin typeface="나눔스퀘어 네오 Regular" panose="00000500000000000000" pitchFamily="2" charset="-127"/>
-                <a:ea typeface="나눔스퀘어 네오 Regular" panose="00000500000000000000" pitchFamily="2" charset="-127"/>
+                <a:latin typeface="나눔스퀘어" panose="020B0600000101010101" pitchFamily="50" charset="-127"/>
+                <a:ea typeface="나눔스퀘어" panose="020B0600000101010101" pitchFamily="50" charset="-127"/>
               </a:rPr>
               <a:t>유사한 역할을 수행한다</a:t>
             </a:r>
             <a:r>
               <a:rPr lang="en-US" altLang="ko-KR" dirty="0">
-                <a:latin typeface="나눔스퀘어 네오 Regular" panose="00000500000000000000" pitchFamily="2" charset="-127"/>
-                <a:ea typeface="나눔스퀘어 네오 Regular" panose="00000500000000000000" pitchFamily="2" charset="-127"/>
+                <a:latin typeface="나눔스퀘어" panose="020B0600000101010101" pitchFamily="50" charset="-127"/>
+                <a:ea typeface="나눔스퀘어" panose="020B0600000101010101" pitchFamily="50" charset="-127"/>
               </a:rPr>
               <a:t>. </a:t>
             </a:r>
@@ -9219,64 +11326,64 @@
           <a:p>
             <a:r>
               <a:rPr lang="en-US" altLang="ko-KR" dirty="0">
-                <a:latin typeface="나눔스퀘어 네오 Regular" panose="00000500000000000000" pitchFamily="2" charset="-127"/>
-                <a:ea typeface="나눔스퀘어 네오 Regular" panose="00000500000000000000" pitchFamily="2" charset="-127"/>
+                <a:latin typeface="나눔스퀘어" panose="020B0600000101010101" pitchFamily="50" charset="-127"/>
+                <a:ea typeface="나눔스퀘어" panose="020B0600000101010101" pitchFamily="50" charset="-127"/>
               </a:rPr>
               <a:t>X </a:t>
             </a:r>
             <a:r>
               <a:rPr lang="ko-KR" altLang="en-US" dirty="0">
-                <a:latin typeface="나눔스퀘어 네오 Regular" panose="00000500000000000000" pitchFamily="2" charset="-127"/>
-                <a:ea typeface="나눔스퀘어 네오 Regular" panose="00000500000000000000" pitchFamily="2" charset="-127"/>
+                <a:latin typeface="나눔스퀘어" panose="020B0600000101010101" pitchFamily="50" charset="-127"/>
+                <a:ea typeface="나눔스퀘어" panose="020B0600000101010101" pitchFamily="50" charset="-127"/>
               </a:rPr>
               <a:t>작고</a:t>
             </a:r>
             <a:r>
               <a:rPr lang="en-US" altLang="ko-KR" dirty="0">
-                <a:latin typeface="나눔스퀘어 네오 Regular" panose="00000500000000000000" pitchFamily="2" charset="-127"/>
-                <a:ea typeface="나눔스퀘어 네오 Regular" panose="00000500000000000000" pitchFamily="2" charset="-127"/>
+                <a:latin typeface="나눔스퀘어" panose="020B0600000101010101" pitchFamily="50" charset="-127"/>
+                <a:ea typeface="나눔스퀘어" panose="020B0600000101010101" pitchFamily="50" charset="-127"/>
               </a:rPr>
               <a:t>, pd </a:t>
             </a:r>
             <a:r>
               <a:rPr lang="ko-KR" altLang="en-US" dirty="0">
-                <a:latin typeface="나눔스퀘어 네오 Regular" panose="00000500000000000000" pitchFamily="2" charset="-127"/>
-                <a:ea typeface="나눔스퀘어 네오 Regular" panose="00000500000000000000" pitchFamily="2" charset="-127"/>
+                <a:latin typeface="나눔스퀘어" panose="020B0600000101010101" pitchFamily="50" charset="-127"/>
+                <a:ea typeface="나눔스퀘어" panose="020B0600000101010101" pitchFamily="50" charset="-127"/>
               </a:rPr>
               <a:t>작다 </a:t>
             </a:r>
             <a:r>
               <a:rPr lang="en-US" altLang="ko-KR" dirty="0">
-                <a:latin typeface="나눔스퀘어 네오 Regular" panose="00000500000000000000" pitchFamily="2" charset="-127"/>
-                <a:ea typeface="나눔스퀘어 네오 Regular" panose="00000500000000000000" pitchFamily="2" charset="-127"/>
+                <a:latin typeface="나눔스퀘어" panose="020B0600000101010101" pitchFamily="50" charset="-127"/>
+                <a:ea typeface="나눔스퀘어" panose="020B0600000101010101" pitchFamily="50" charset="-127"/>
               </a:rPr>
               <a:t>: </a:t>
             </a:r>
             <a:r>
               <a:rPr lang="ko-KR" altLang="en-US" dirty="0">
-                <a:latin typeface="나눔스퀘어 네오 Regular" panose="00000500000000000000" pitchFamily="2" charset="-127"/>
-                <a:ea typeface="나눔스퀘어 네오 Regular" panose="00000500000000000000" pitchFamily="2" charset="-127"/>
+                <a:latin typeface="나눔스퀘어" panose="020B0600000101010101" pitchFamily="50" charset="-127"/>
+                <a:ea typeface="나눔스퀘어" panose="020B0600000101010101" pitchFamily="50" charset="-127"/>
               </a:rPr>
               <a:t>기능 중복</a:t>
             </a:r>
             <a:r>
               <a:rPr lang="en-US" altLang="ko-KR" dirty="0">
-                <a:latin typeface="나눔스퀘어 네오 Regular" panose="00000500000000000000" pitchFamily="2" charset="-127"/>
-                <a:ea typeface="나눔스퀘어 네오 Regular" panose="00000500000000000000" pitchFamily="2" charset="-127"/>
+                <a:latin typeface="나눔스퀘어" panose="020B0600000101010101" pitchFamily="50" charset="-127"/>
+                <a:ea typeface="나눔스퀘어" panose="020B0600000101010101" pitchFamily="50" charset="-127"/>
               </a:rPr>
               <a:t>,</a:t>
             </a:r>
             <a:r>
               <a:rPr lang="ko-KR" altLang="en-US" dirty="0">
-                <a:latin typeface="나눔스퀘어 네오 Regular" panose="00000500000000000000" pitchFamily="2" charset="-127"/>
-                <a:ea typeface="나눔스퀘어 네오 Regular" panose="00000500000000000000" pitchFamily="2" charset="-127"/>
+                <a:latin typeface="나눔스퀘어" panose="020B0600000101010101" pitchFamily="50" charset="-127"/>
+                <a:ea typeface="나눔스퀘어" panose="020B0600000101010101" pitchFamily="50" charset="-127"/>
               </a:rPr>
               <a:t> 역할 분배 등으로 직접적인 기능적 연결은 적지만 유사한 역할을 수행한다</a:t>
             </a:r>
             <a:r>
               <a:rPr lang="en-US" altLang="ko-KR" dirty="0">
-                <a:latin typeface="나눔스퀘어 네오 Regular" panose="00000500000000000000" pitchFamily="2" charset="-127"/>
-                <a:ea typeface="나눔스퀘어 네오 Regular" panose="00000500000000000000" pitchFamily="2" charset="-127"/>
+                <a:latin typeface="나눔스퀘어" panose="020B0600000101010101" pitchFamily="50" charset="-127"/>
+                <a:ea typeface="나눔스퀘어" panose="020B0600000101010101" pitchFamily="50" charset="-127"/>
               </a:rPr>
               <a:t>. </a:t>
             </a:r>
@@ -9284,70 +11391,70 @@
           <a:p>
             <a:r>
               <a:rPr lang="en-US" altLang="ko-KR" dirty="0">
-                <a:latin typeface="나눔스퀘어 네오 Regular" panose="00000500000000000000" pitchFamily="2" charset="-127"/>
-                <a:ea typeface="나눔스퀘어 네오 Regular" panose="00000500000000000000" pitchFamily="2" charset="-127"/>
+                <a:latin typeface="나눔스퀘어" panose="020B0600000101010101" pitchFamily="50" charset="-127"/>
+                <a:ea typeface="나눔스퀘어" panose="020B0600000101010101" pitchFamily="50" charset="-127"/>
               </a:rPr>
               <a:t>X </a:t>
             </a:r>
             <a:r>
               <a:rPr lang="ko-KR" altLang="en-US" dirty="0">
-                <a:latin typeface="나눔스퀘어 네오 Regular" panose="00000500000000000000" pitchFamily="2" charset="-127"/>
-                <a:ea typeface="나눔스퀘어 네오 Regular" panose="00000500000000000000" pitchFamily="2" charset="-127"/>
+                <a:latin typeface="나눔스퀘어" panose="020B0600000101010101" pitchFamily="50" charset="-127"/>
+                <a:ea typeface="나눔스퀘어" panose="020B0600000101010101" pitchFamily="50" charset="-127"/>
               </a:rPr>
               <a:t>작고</a:t>
             </a:r>
             <a:r>
               <a:rPr lang="en-US" altLang="ko-KR" dirty="0">
-                <a:latin typeface="나눔스퀘어 네오 Regular" panose="00000500000000000000" pitchFamily="2" charset="-127"/>
-                <a:ea typeface="나눔스퀘어 네오 Regular" panose="00000500000000000000" pitchFamily="2" charset="-127"/>
+                <a:latin typeface="나눔스퀘어" panose="020B0600000101010101" pitchFamily="50" charset="-127"/>
+                <a:ea typeface="나눔스퀘어" panose="020B0600000101010101" pitchFamily="50" charset="-127"/>
               </a:rPr>
               <a:t>, pd </a:t>
             </a:r>
             <a:r>
               <a:rPr lang="ko-KR" altLang="en-US" dirty="0">
-                <a:latin typeface="나눔스퀘어 네오 Regular" panose="00000500000000000000" pitchFamily="2" charset="-127"/>
-                <a:ea typeface="나눔스퀘어 네오 Regular" panose="00000500000000000000" pitchFamily="2" charset="-127"/>
+                <a:latin typeface="나눔스퀘어" panose="020B0600000101010101" pitchFamily="50" charset="-127"/>
+                <a:ea typeface="나눔스퀘어" panose="020B0600000101010101" pitchFamily="50" charset="-127"/>
               </a:rPr>
               <a:t>크다 </a:t>
             </a:r>
             <a:r>
               <a:rPr lang="en-US" altLang="ko-KR" dirty="0">
-                <a:latin typeface="나눔스퀘어 네오 Regular" panose="00000500000000000000" pitchFamily="2" charset="-127"/>
-                <a:ea typeface="나눔스퀘어 네오 Regular" panose="00000500000000000000" pitchFamily="2" charset="-127"/>
+                <a:latin typeface="나눔스퀘어" panose="020B0600000101010101" pitchFamily="50" charset="-127"/>
+                <a:ea typeface="나눔스퀘어" panose="020B0600000101010101" pitchFamily="50" charset="-127"/>
               </a:rPr>
               <a:t>: </a:t>
             </a:r>
             <a:r>
               <a:rPr lang="ko-KR" altLang="en-US" dirty="0">
-                <a:latin typeface="나눔스퀘어 네오 Regular" panose="00000500000000000000" pitchFamily="2" charset="-127"/>
-                <a:ea typeface="나눔스퀘어 네오 Regular" panose="00000500000000000000" pitchFamily="2" charset="-127"/>
+                <a:latin typeface="나눔스퀘어" panose="020B0600000101010101" pitchFamily="50" charset="-127"/>
+                <a:ea typeface="나눔스퀘어" panose="020B0600000101010101" pitchFamily="50" charset="-127"/>
               </a:rPr>
               <a:t>직접적인 기능적 연결성도 낮고</a:t>
             </a:r>
             <a:r>
               <a:rPr lang="en-US" altLang="ko-KR" dirty="0">
-                <a:latin typeface="나눔스퀘어 네오 Regular" panose="00000500000000000000" pitchFamily="2" charset="-127"/>
-                <a:ea typeface="나눔스퀘어 네오 Regular" panose="00000500000000000000" pitchFamily="2" charset="-127"/>
+                <a:latin typeface="나눔스퀘어" panose="020B0600000101010101" pitchFamily="50" charset="-127"/>
+                <a:ea typeface="나눔스퀘어" panose="020B0600000101010101" pitchFamily="50" charset="-127"/>
               </a:rPr>
               <a:t>, </a:t>
             </a:r>
             <a:r>
               <a:rPr lang="ko-KR" altLang="en-US" dirty="0">
-                <a:latin typeface="나눔스퀘어 네오 Regular" panose="00000500000000000000" pitchFamily="2" charset="-127"/>
-                <a:ea typeface="나눔스퀘어 네오 Regular" panose="00000500000000000000" pitchFamily="2" charset="-127"/>
+                <a:latin typeface="나눔스퀘어" panose="020B0600000101010101" pitchFamily="50" charset="-127"/>
+                <a:ea typeface="나눔스퀘어" panose="020B0600000101010101" pitchFamily="50" charset="-127"/>
               </a:rPr>
               <a:t>수행하는 역할도 다르다</a:t>
             </a:r>
             <a:r>
               <a:rPr lang="en-US" altLang="ko-KR" dirty="0">
-                <a:latin typeface="나눔스퀘어 네오 Regular" panose="00000500000000000000" pitchFamily="2" charset="-127"/>
-                <a:ea typeface="나눔스퀘어 네오 Regular" panose="00000500000000000000" pitchFamily="2" charset="-127"/>
+                <a:latin typeface="나눔스퀘어" panose="020B0600000101010101" pitchFamily="50" charset="-127"/>
+                <a:ea typeface="나눔스퀘어" panose="020B0600000101010101" pitchFamily="50" charset="-127"/>
               </a:rPr>
               <a:t>.</a:t>
             </a:r>
             <a:endParaRPr lang="ko-KR" altLang="en-US" dirty="0">
-              <a:latin typeface="나눔스퀘어 네오 Regular" panose="00000500000000000000" pitchFamily="2" charset="-127"/>
-              <a:ea typeface="나눔스퀘어 네오 Regular" panose="00000500000000000000" pitchFamily="2" charset="-127"/>
+              <a:latin typeface="나눔스퀘어" panose="020B0600000101010101" pitchFamily="50" charset="-127"/>
+              <a:ea typeface="나눔스퀘어" panose="020B0600000101010101" pitchFamily="50" charset="-127"/>
             </a:endParaRPr>
           </a:p>
         </p:txBody>
@@ -9387,7 +11494,7 @@
           <p:spPr>
             <a:xfrm>
               <a:off x="7645083" y="1325563"/>
-              <a:ext cx="2206053" cy="369332"/>
+              <a:ext cx="1996059" cy="369332"/>
             </a:xfrm>
             <a:prstGeom prst="rect">
               <a:avLst/>
@@ -9402,14 +11509,14 @@
             <a:p>
               <a:r>
                 <a:rPr lang="en-US" altLang="ko-KR" b="1" dirty="0">
-                  <a:latin typeface="나눔스퀘어 네오 Regular" panose="00000500000000000000" pitchFamily="2" charset="-127"/>
-                  <a:ea typeface="나눔스퀘어 네오 Regular" panose="00000500000000000000" pitchFamily="2" charset="-127"/>
+                  <a:latin typeface="나눔스퀘어" panose="020B0600000101010101" pitchFamily="50" charset="-127"/>
+                  <a:ea typeface="나눔스퀘어" panose="020B0600000101010101" pitchFamily="50" charset="-127"/>
                 </a:rPr>
                 <a:t>Adjacency matrix</a:t>
               </a:r>
               <a:endParaRPr lang="ko-KR" altLang="en-US" b="1" dirty="0">
-                <a:latin typeface="나눔스퀘어 네오 Regular" panose="00000500000000000000" pitchFamily="2" charset="-127"/>
-                <a:ea typeface="나눔스퀘어 네오 Regular" panose="00000500000000000000" pitchFamily="2" charset="-127"/>
+                <a:latin typeface="나눔스퀘어" panose="020B0600000101010101" pitchFamily="50" charset="-127"/>
+                <a:ea typeface="나눔스퀘어" panose="020B0600000101010101" pitchFamily="50" charset="-127"/>
               </a:endParaRPr>
             </a:p>
           </p:txBody>
@@ -9467,7 +11574,7 @@
             <a:noFill/>
             <a:ln w="28575">
               <a:solidFill>
-                <a:srgbClr val="FFFF00"/>
+                <a:srgbClr val="FFC000"/>
               </a:solidFill>
             </a:ln>
           </p:spPr>
@@ -9493,8 +11600,8 @@
             <a:p>
               <a:pPr algn="ctr"/>
               <a:endParaRPr lang="ko-KR" altLang="en-US" dirty="0">
-                <a:latin typeface="나눔스퀘어 네오 Regular" panose="00000500000000000000" pitchFamily="2" charset="-127"/>
-                <a:ea typeface="나눔스퀘어 네오 Regular" panose="00000500000000000000" pitchFamily="2" charset="-127"/>
+                <a:latin typeface="나눔스퀘어" panose="020B0600000101010101" pitchFamily="50" charset="-127"/>
+                <a:ea typeface="나눔스퀘어" panose="020B0600000101010101" pitchFamily="50" charset="-127"/>
               </a:endParaRPr>
             </a:p>
           </p:txBody>
@@ -9514,7 +11621,7 @@
           <p:spPr>
             <a:xfrm>
               <a:off x="6473645" y="2002558"/>
-              <a:ext cx="566181" cy="1631216"/>
+              <a:ext cx="521297" cy="1631216"/>
             </a:xfrm>
             <a:prstGeom prst="rect">
               <a:avLst/>
@@ -9529,8 +11636,8 @@
             <a:p>
               <a:r>
                 <a:rPr lang="en-US" altLang="ko-KR" sz="2000" dirty="0">
-                  <a:latin typeface="나눔스퀘어 네오 Regular" panose="00000500000000000000" pitchFamily="2" charset="-127"/>
-                  <a:ea typeface="나눔스퀘어 네오 Regular" panose="00000500000000000000" pitchFamily="2" charset="-127"/>
+                  <a:latin typeface="나눔스퀘어" panose="020B0600000101010101" pitchFamily="50" charset="-127"/>
+                  <a:ea typeface="나눔스퀘어" panose="020B0600000101010101" pitchFamily="50" charset="-127"/>
                 </a:rPr>
                 <a:t>N0</a:t>
               </a:r>
@@ -9538,8 +11645,8 @@
             <a:p>
               <a:r>
                 <a:rPr lang="en-US" altLang="ko-KR" sz="2000" dirty="0">
-                  <a:latin typeface="나눔스퀘어 네오 Regular" panose="00000500000000000000" pitchFamily="2" charset="-127"/>
-                  <a:ea typeface="나눔스퀘어 네오 Regular" panose="00000500000000000000" pitchFamily="2" charset="-127"/>
+                  <a:latin typeface="나눔스퀘어" panose="020B0600000101010101" pitchFamily="50" charset="-127"/>
+                  <a:ea typeface="나눔스퀘어" panose="020B0600000101010101" pitchFamily="50" charset="-127"/>
                 </a:rPr>
                 <a:t>N1</a:t>
               </a:r>
@@ -9547,8 +11654,8 @@
             <a:p>
               <a:r>
                 <a:rPr lang="en-US" altLang="ko-KR" sz="2000" dirty="0">
-                  <a:latin typeface="나눔스퀘어 네오 Regular" panose="00000500000000000000" pitchFamily="2" charset="-127"/>
-                  <a:ea typeface="나눔스퀘어 네오 Regular" panose="00000500000000000000" pitchFamily="2" charset="-127"/>
+                  <a:latin typeface="나눔스퀘어" panose="020B0600000101010101" pitchFamily="50" charset="-127"/>
+                  <a:ea typeface="나눔스퀘어" panose="020B0600000101010101" pitchFamily="50" charset="-127"/>
                 </a:rPr>
                 <a:t>N2</a:t>
               </a:r>
@@ -9556,8 +11663,8 @@
             <a:p>
               <a:r>
                 <a:rPr lang="en-US" altLang="ko-KR" sz="2000" dirty="0">
-                  <a:latin typeface="나눔스퀘어 네오 Regular" panose="00000500000000000000" pitchFamily="2" charset="-127"/>
-                  <a:ea typeface="나눔스퀘어 네오 Regular" panose="00000500000000000000" pitchFamily="2" charset="-127"/>
+                  <a:latin typeface="나눔스퀘어" panose="020B0600000101010101" pitchFamily="50" charset="-127"/>
+                  <a:ea typeface="나눔스퀘어" panose="020B0600000101010101" pitchFamily="50" charset="-127"/>
                 </a:rPr>
                 <a:t>N3</a:t>
               </a:r>
@@ -9565,8 +11672,8 @@
             <a:p>
               <a:r>
                 <a:rPr lang="en-US" altLang="ko-KR" sz="2000" dirty="0">
-                  <a:latin typeface="나눔스퀘어 네오 Regular" panose="00000500000000000000" pitchFamily="2" charset="-127"/>
-                  <a:ea typeface="나눔스퀘어 네오 Regular" panose="00000500000000000000" pitchFamily="2" charset="-127"/>
+                  <a:latin typeface="나눔스퀘어" panose="020B0600000101010101" pitchFamily="50" charset="-127"/>
+                  <a:ea typeface="나눔스퀘어" panose="020B0600000101010101" pitchFamily="50" charset="-127"/>
                 </a:rPr>
                 <a:t>N4</a:t>
               </a:r>
@@ -9603,8 +11710,8 @@
             <a:p>
               <a:r>
                 <a:rPr lang="en-US" altLang="ko-KR" sz="2000" dirty="0">
-                  <a:latin typeface="나눔스퀘어 네오 Regular" panose="00000500000000000000" pitchFamily="2" charset="-127"/>
-                  <a:ea typeface="나눔스퀘어 네오 Regular" panose="00000500000000000000" pitchFamily="2" charset="-127"/>
+                  <a:latin typeface="나눔스퀘어" panose="020B0600000101010101" pitchFamily="50" charset="-127"/>
+                  <a:ea typeface="나눔스퀘어" panose="020B0600000101010101" pitchFamily="50" charset="-127"/>
                 </a:rPr>
                 <a:t>N0       N1     N2     N3    N4</a:t>
               </a:r>
@@ -9660,26 +11767,44 @@
           </a:lstStyle>
           <a:p>
             <a:r>
-              <a:rPr lang="en-US" altLang="ko-KR" sz="3200" dirty="0"/>
+              <a:rPr lang="en-US" altLang="ko-KR" sz="3200" dirty="0">
+                <a:latin typeface="나눔스퀘어" panose="020B0600000101010101" pitchFamily="50" charset="-127"/>
+                <a:ea typeface="나눔스퀘어" panose="020B0600000101010101" pitchFamily="50" charset="-127"/>
+              </a:rPr>
               <a:t>3. Graph Dataset</a:t>
             </a:r>
             <a:r>
-              <a:rPr lang="ko-KR" altLang="en-US" sz="3200" dirty="0"/>
+              <a:rPr lang="ko-KR" altLang="en-US" sz="3200" dirty="0">
+                <a:latin typeface="나눔스퀘어" panose="020B0600000101010101" pitchFamily="50" charset="-127"/>
+                <a:ea typeface="나눔스퀘어" panose="020B0600000101010101" pitchFamily="50" charset="-127"/>
+              </a:rPr>
               <a:t>으로</a:t>
             </a:r>
             <a:r>
-              <a:rPr lang="en-US" altLang="ko-KR" sz="3200" dirty="0"/>
+              <a:rPr lang="en-US" altLang="ko-KR" sz="3200" dirty="0">
+                <a:latin typeface="나눔스퀘어" panose="020B0600000101010101" pitchFamily="50" charset="-127"/>
+                <a:ea typeface="나눔스퀘어" panose="020B0600000101010101" pitchFamily="50" charset="-127"/>
+              </a:rPr>
               <a:t> </a:t>
             </a:r>
             <a:r>
-              <a:rPr lang="ko-KR" altLang="en-US" sz="3200" dirty="0"/>
+              <a:rPr lang="ko-KR" altLang="en-US" sz="3200" dirty="0">
+                <a:latin typeface="나눔스퀘어" panose="020B0600000101010101" pitchFamily="50" charset="-127"/>
+                <a:ea typeface="나눔스퀘어" panose="020B0600000101010101" pitchFamily="50" charset="-127"/>
+              </a:rPr>
               <a:t>변환</a:t>
             </a:r>
             <a:r>
-              <a:rPr lang="en-US" altLang="ko-KR" sz="3200" dirty="0"/>
+              <a:rPr lang="en-US" altLang="ko-KR" sz="3200" dirty="0">
+                <a:latin typeface="나눔스퀘어" panose="020B0600000101010101" pitchFamily="50" charset="-127"/>
+                <a:ea typeface="나눔스퀘어" panose="020B0600000101010101" pitchFamily="50" charset="-127"/>
+              </a:rPr>
               <a:t> – weighted adjacency matrix</a:t>
             </a:r>
-            <a:endParaRPr lang="ko-KR" altLang="en-US" sz="3200" dirty="0"/>
+            <a:endParaRPr lang="ko-KR" altLang="en-US" sz="3200" dirty="0">
+              <a:latin typeface="나눔스퀘어" panose="020B0600000101010101" pitchFamily="50" charset="-127"/>
+              <a:ea typeface="나눔스퀘어" panose="020B0600000101010101" pitchFamily="50" charset="-127"/>
+            </a:endParaRPr>
           </a:p>
         </p:txBody>
       </p:sp>
@@ -9805,37 +11930,6 @@
           <a:chExt cx="0" cy="0"/>
         </a:xfrm>
       </p:grpSpPr>
-      <p:sp>
-        <p:nvSpPr>
-          <p:cNvPr id="2" name="제목 1">
-            <a:extLst>
-              <a:ext uri="{FF2B5EF4-FFF2-40B4-BE49-F238E27FC236}">
-                <a16:creationId xmlns:a16="http://schemas.microsoft.com/office/drawing/2014/main" id="{D1329C84-438E-3035-82EF-FA18BB26431A}"/>
-              </a:ext>
-            </a:extLst>
-          </p:cNvPr>
-          <p:cNvSpPr>
-            <a:spLocks noGrp="1"/>
-          </p:cNvSpPr>
-          <p:nvPr>
-            <p:ph type="title"/>
-          </p:nvPr>
-        </p:nvSpPr>
-        <p:spPr/>
-        <p:txBody>
-          <a:bodyPr>
-            <a:normAutofit/>
-          </a:bodyPr>
-          <a:lstStyle/>
-          <a:p>
-            <a:r>
-              <a:rPr lang="en-US" altLang="ko-KR" sz="3200"/>
-              <a:t>3. Graph dataset – weighted adjacency matrix</a:t>
-            </a:r>
-            <a:endParaRPr lang="ko-KR" altLang="en-US" sz="3200" dirty="0"/>
-          </a:p>
-        </p:txBody>
-      </p:sp>
       <p:pic>
         <p:nvPicPr>
           <p:cNvPr id="10" name="그림 9">
@@ -9858,7 +11952,7 @@
         </p:blipFill>
         <p:spPr>
           <a:xfrm>
-            <a:off x="8481252" y="1715084"/>
+            <a:off x="8549151" y="1803105"/>
             <a:ext cx="3277550" cy="1817409"/>
           </a:xfrm>
           <a:prstGeom prst="rect">
@@ -9911,7 +12005,7 @@
         <p:spPr>
           <a:xfrm>
             <a:off x="596891" y="2116635"/>
-            <a:ext cx="527709" cy="1477328"/>
+            <a:ext cx="487634" cy="1477328"/>
           </a:xfrm>
           <a:prstGeom prst="rect">
             <a:avLst/>
@@ -9926,8 +12020,8 @@
           <a:p>
             <a:r>
               <a:rPr lang="en-US" altLang="ko-KR" dirty="0">
-                <a:latin typeface="나눔스퀘어 네오 Regular" panose="00000500000000000000" pitchFamily="2" charset="-127"/>
-                <a:ea typeface="나눔스퀘어 네오 Regular" panose="00000500000000000000" pitchFamily="2" charset="-127"/>
+                <a:latin typeface="나눔스퀘어" panose="020B0600000101010101" pitchFamily="50" charset="-127"/>
+                <a:ea typeface="나눔스퀘어" panose="020B0600000101010101" pitchFamily="50" charset="-127"/>
               </a:rPr>
               <a:t>N0</a:t>
             </a:r>
@@ -9935,8 +12029,8 @@
           <a:p>
             <a:r>
               <a:rPr lang="en-US" altLang="ko-KR" dirty="0">
-                <a:latin typeface="나눔스퀘어 네오 Regular" panose="00000500000000000000" pitchFamily="2" charset="-127"/>
-                <a:ea typeface="나눔스퀘어 네오 Regular" panose="00000500000000000000" pitchFamily="2" charset="-127"/>
+                <a:latin typeface="나눔스퀘어" panose="020B0600000101010101" pitchFamily="50" charset="-127"/>
+                <a:ea typeface="나눔스퀘어" panose="020B0600000101010101" pitchFamily="50" charset="-127"/>
               </a:rPr>
               <a:t>N1</a:t>
             </a:r>
@@ -9944,8 +12038,8 @@
           <a:p>
             <a:r>
               <a:rPr lang="en-US" altLang="ko-KR" dirty="0">
-                <a:latin typeface="나눔스퀘어 네오 Regular" panose="00000500000000000000" pitchFamily="2" charset="-127"/>
-                <a:ea typeface="나눔스퀘어 네오 Regular" panose="00000500000000000000" pitchFamily="2" charset="-127"/>
+                <a:latin typeface="나눔스퀘어" panose="020B0600000101010101" pitchFamily="50" charset="-127"/>
+                <a:ea typeface="나눔스퀘어" panose="020B0600000101010101" pitchFamily="50" charset="-127"/>
               </a:rPr>
               <a:t>N2</a:t>
             </a:r>
@@ -9953,8 +12047,8 @@
           <a:p>
             <a:r>
               <a:rPr lang="en-US" altLang="ko-KR" dirty="0">
-                <a:latin typeface="나눔스퀘어 네오 Regular" panose="00000500000000000000" pitchFamily="2" charset="-127"/>
-                <a:ea typeface="나눔스퀘어 네오 Regular" panose="00000500000000000000" pitchFamily="2" charset="-127"/>
+                <a:latin typeface="나눔스퀘어" panose="020B0600000101010101" pitchFamily="50" charset="-127"/>
+                <a:ea typeface="나눔스퀘어" panose="020B0600000101010101" pitchFamily="50" charset="-127"/>
               </a:rPr>
               <a:t>N3</a:t>
             </a:r>
@@ -9962,8 +12056,8 @@
           <a:p>
             <a:r>
               <a:rPr lang="en-US" altLang="ko-KR" dirty="0">
-                <a:latin typeface="나눔스퀘어 네오 Regular" panose="00000500000000000000" pitchFamily="2" charset="-127"/>
-                <a:ea typeface="나눔스퀘어 네오 Regular" panose="00000500000000000000" pitchFamily="2" charset="-127"/>
+                <a:latin typeface="나눔스퀘어" panose="020B0600000101010101" pitchFamily="50" charset="-127"/>
+                <a:ea typeface="나눔스퀘어" panose="020B0600000101010101" pitchFamily="50" charset="-127"/>
               </a:rPr>
               <a:t>N4</a:t>
             </a:r>
@@ -9999,12 +12093,16 @@
           <a:lstStyle/>
           <a:p>
             <a:r>
-              <a:rPr lang="en-US" altLang="ko-KR" dirty="0">
-                <a:latin typeface="나눔스퀘어 네오 Regular" panose="00000500000000000000" pitchFamily="2" charset="-127"/>
-                <a:ea typeface="나눔스퀘어 네오 Regular" panose="00000500000000000000" pitchFamily="2" charset="-127"/>
-              </a:rPr>
-              <a:t>N0     N1      N2    N3   N4 </a:t>
-            </a:r>
+              <a:rPr lang="en-US" altLang="ko-KR">
+                <a:latin typeface="나눔스퀘어" panose="020B0600000101010101" pitchFamily="50" charset="-127"/>
+                <a:ea typeface="나눔스퀘어" panose="020B0600000101010101" pitchFamily="50" charset="-127"/>
+              </a:rPr>
+              <a:t>N0       N1        N2      N3     N4 </a:t>
+            </a:r>
+            <a:endParaRPr lang="en-US" altLang="ko-KR" dirty="0">
+              <a:latin typeface="나눔스퀘어" panose="020B0600000101010101" pitchFamily="50" charset="-127"/>
+              <a:ea typeface="나눔스퀘어" panose="020B0600000101010101" pitchFamily="50" charset="-127"/>
+            </a:endParaRPr>
           </a:p>
         </p:txBody>
       </p:sp>
@@ -10057,8 +12155,8 @@
           <a:p>
             <a:pPr algn="ctr"/>
             <a:endParaRPr lang="ko-KR" altLang="en-US" dirty="0">
-              <a:latin typeface="나눔스퀘어 네오 Regular" panose="00000500000000000000" pitchFamily="2" charset="-127"/>
-              <a:ea typeface="나눔스퀘어 네오 Regular" panose="00000500000000000000" pitchFamily="2" charset="-127"/>
+              <a:latin typeface="나눔스퀘어" panose="020B0600000101010101" pitchFamily="50" charset="-127"/>
+              <a:ea typeface="나눔스퀘어" panose="020B0600000101010101" pitchFamily="50" charset="-127"/>
             </a:endParaRPr>
           </a:p>
         </p:txBody>
@@ -10112,8 +12210,8 @@
           <a:p>
             <a:pPr algn="ctr"/>
             <a:endParaRPr lang="ko-KR" altLang="en-US" dirty="0">
-              <a:latin typeface="나눔스퀘어 네오 Regular" panose="00000500000000000000" pitchFamily="2" charset="-127"/>
-              <a:ea typeface="나눔스퀘어 네오 Regular" panose="00000500000000000000" pitchFamily="2" charset="-127"/>
+              <a:latin typeface="나눔스퀘어" panose="020B0600000101010101" pitchFamily="50" charset="-127"/>
+              <a:ea typeface="나눔스퀘어" panose="020B0600000101010101" pitchFamily="50" charset="-127"/>
             </a:endParaRPr>
           </a:p>
         </p:txBody>
@@ -10167,8 +12265,8 @@
           <a:p>
             <a:pPr algn="ctr"/>
             <a:endParaRPr lang="ko-KR" altLang="en-US" dirty="0">
-              <a:latin typeface="나눔스퀘어 네오 Regular" panose="00000500000000000000" pitchFamily="2" charset="-127"/>
-              <a:ea typeface="나눔스퀘어 네오 Regular" panose="00000500000000000000" pitchFamily="2" charset="-127"/>
+              <a:latin typeface="나눔스퀘어" panose="020B0600000101010101" pitchFamily="50" charset="-127"/>
+              <a:ea typeface="나눔스퀘어" panose="020B0600000101010101" pitchFamily="50" charset="-127"/>
             </a:endParaRPr>
           </a:p>
         </p:txBody>
@@ -10222,8 +12320,8 @@
           <a:p>
             <a:pPr algn="ctr"/>
             <a:endParaRPr lang="ko-KR" altLang="en-US" dirty="0">
-              <a:latin typeface="나눔스퀘어 네오 Regular" panose="00000500000000000000" pitchFamily="2" charset="-127"/>
-              <a:ea typeface="나눔스퀘어 네오 Regular" panose="00000500000000000000" pitchFamily="2" charset="-127"/>
+              <a:latin typeface="나눔스퀘어" panose="020B0600000101010101" pitchFamily="50" charset="-127"/>
+              <a:ea typeface="나눔스퀘어" panose="020B0600000101010101" pitchFamily="50" charset="-127"/>
             </a:endParaRPr>
           </a:p>
         </p:txBody>
@@ -10277,8 +12375,8 @@
           <a:p>
             <a:pPr algn="ctr"/>
             <a:endParaRPr lang="ko-KR" altLang="en-US" dirty="0">
-              <a:latin typeface="나눔스퀘어 네오 Regular" panose="00000500000000000000" pitchFamily="2" charset="-127"/>
-              <a:ea typeface="나눔스퀘어 네오 Regular" panose="00000500000000000000" pitchFamily="2" charset="-127"/>
+              <a:latin typeface="나눔스퀘어" panose="020B0600000101010101" pitchFamily="50" charset="-127"/>
+              <a:ea typeface="나눔스퀘어" panose="020B0600000101010101" pitchFamily="50" charset="-127"/>
             </a:endParaRPr>
           </a:p>
         </p:txBody>
@@ -10332,8 +12430,8 @@
           <a:p>
             <a:pPr algn="ctr"/>
             <a:endParaRPr lang="ko-KR" altLang="en-US" dirty="0">
-              <a:latin typeface="나눔스퀘어 네오 Regular" panose="00000500000000000000" pitchFamily="2" charset="-127"/>
-              <a:ea typeface="나눔스퀘어 네오 Regular" panose="00000500000000000000" pitchFamily="2" charset="-127"/>
+              <a:latin typeface="나눔스퀘어" panose="020B0600000101010101" pitchFamily="50" charset="-127"/>
+              <a:ea typeface="나눔스퀘어" panose="020B0600000101010101" pitchFamily="50" charset="-127"/>
             </a:endParaRPr>
           </a:p>
         </p:txBody>
@@ -10387,8 +12485,8 @@
           <a:p>
             <a:pPr algn="ctr"/>
             <a:endParaRPr lang="ko-KR" altLang="en-US" dirty="0">
-              <a:latin typeface="나눔스퀘어 네오 Regular" panose="00000500000000000000" pitchFamily="2" charset="-127"/>
-              <a:ea typeface="나눔스퀘어 네오 Regular" panose="00000500000000000000" pitchFamily="2" charset="-127"/>
+              <a:latin typeface="나눔스퀘어" panose="020B0600000101010101" pitchFamily="50" charset="-127"/>
+              <a:ea typeface="나눔스퀘어" panose="020B0600000101010101" pitchFamily="50" charset="-127"/>
             </a:endParaRPr>
           </a:p>
         </p:txBody>
@@ -10442,8 +12540,8 @@
           <a:p>
             <a:pPr algn="ctr"/>
             <a:endParaRPr lang="ko-KR" altLang="en-US" dirty="0">
-              <a:latin typeface="나눔스퀘어 네오 Regular" panose="00000500000000000000" pitchFamily="2" charset="-127"/>
-              <a:ea typeface="나눔스퀘어 네오 Regular" panose="00000500000000000000" pitchFamily="2" charset="-127"/>
+              <a:latin typeface="나눔스퀘어" panose="020B0600000101010101" pitchFamily="50" charset="-127"/>
+              <a:ea typeface="나눔스퀘어" panose="020B0600000101010101" pitchFamily="50" charset="-127"/>
             </a:endParaRPr>
           </a:p>
         </p:txBody>
@@ -10497,8 +12595,8 @@
           <a:p>
             <a:pPr algn="ctr"/>
             <a:endParaRPr lang="ko-KR" altLang="en-US" dirty="0">
-              <a:latin typeface="나눔스퀘어 네오 Regular" panose="00000500000000000000" pitchFamily="2" charset="-127"/>
-              <a:ea typeface="나눔스퀘어 네오 Regular" panose="00000500000000000000" pitchFamily="2" charset="-127"/>
+              <a:latin typeface="나눔스퀘어" panose="020B0600000101010101" pitchFamily="50" charset="-127"/>
+              <a:ea typeface="나눔스퀘어" panose="020B0600000101010101" pitchFamily="50" charset="-127"/>
             </a:endParaRPr>
           </a:p>
         </p:txBody>
@@ -10552,8 +12650,8 @@
           <a:p>
             <a:pPr algn="ctr"/>
             <a:endParaRPr lang="ko-KR" altLang="en-US" dirty="0">
-              <a:latin typeface="나눔스퀘어 네오 Regular" panose="00000500000000000000" pitchFamily="2" charset="-127"/>
-              <a:ea typeface="나눔스퀘어 네오 Regular" panose="00000500000000000000" pitchFamily="2" charset="-127"/>
+              <a:latin typeface="나눔스퀘어" panose="020B0600000101010101" pitchFamily="50" charset="-127"/>
+              <a:ea typeface="나눔스퀘어" panose="020B0600000101010101" pitchFamily="50" charset="-127"/>
             </a:endParaRPr>
           </a:p>
         </p:txBody>
@@ -10572,8 +12670,8 @@
         </p:nvSpPr>
         <p:spPr>
           <a:xfrm>
-            <a:off x="5004350" y="2571653"/>
-            <a:ext cx="6097554" cy="646331"/>
+            <a:off x="4922010" y="2116635"/>
+            <a:ext cx="3519704" cy="646331"/>
           </a:xfrm>
           <a:prstGeom prst="rect">
             <a:avLst/>
@@ -10588,51 +12686,65 @@
           <a:p>
             <a:r>
               <a:rPr lang="en-US" altLang="ko-KR" dirty="0">
-                <a:latin typeface="나눔스퀘어 네오 Regular" panose="00000500000000000000" pitchFamily="2" charset="-127"/>
-                <a:ea typeface="나눔스퀘어 네오 Regular" panose="00000500000000000000" pitchFamily="2" charset="-127"/>
+                <a:latin typeface="나눔스퀘어" panose="020B0600000101010101" pitchFamily="50" charset="-127"/>
+                <a:ea typeface="나눔스퀘어" panose="020B0600000101010101" pitchFamily="50" charset="-127"/>
               </a:rPr>
               <a:t>Gaussian Kernel</a:t>
             </a:r>
             <a:r>
               <a:rPr lang="ko-KR" altLang="en-US" dirty="0">
-                <a:latin typeface="나눔스퀘어 네오 Regular" panose="00000500000000000000" pitchFamily="2" charset="-127"/>
-                <a:ea typeface="나눔스퀘어 네오 Regular" panose="00000500000000000000" pitchFamily="2" charset="-127"/>
+                <a:latin typeface="나눔스퀘어" panose="020B0600000101010101" pitchFamily="50" charset="-127"/>
+                <a:ea typeface="나눔스퀘어" panose="020B0600000101010101" pitchFamily="50" charset="-127"/>
               </a:rPr>
               <a:t>을 사용해</a:t>
             </a:r>
             <a:endParaRPr lang="en-US" altLang="ko-KR" dirty="0">
-              <a:latin typeface="나눔스퀘어 네오 Regular" panose="00000500000000000000" pitchFamily="2" charset="-127"/>
-              <a:ea typeface="나눔스퀘어 네오 Regular" panose="00000500000000000000" pitchFamily="2" charset="-127"/>
+              <a:latin typeface="나눔스퀘어" panose="020B0600000101010101" pitchFamily="50" charset="-127"/>
+              <a:ea typeface="나눔스퀘어" panose="020B0600000101010101" pitchFamily="50" charset="-127"/>
             </a:endParaRPr>
           </a:p>
           <a:p>
             <a:r>
               <a:rPr lang="en-US" altLang="ko-KR" dirty="0">
-                <a:latin typeface="나눔스퀘어 네오 Regular" panose="00000500000000000000" pitchFamily="2" charset="-127"/>
-                <a:ea typeface="나눔스퀘어 네오 Regular" panose="00000500000000000000" pitchFamily="2" charset="-127"/>
+                <a:latin typeface="나눔스퀘어" panose="020B0600000101010101" pitchFamily="50" charset="-127"/>
+                <a:ea typeface="나눔스퀘어" panose="020B0600000101010101" pitchFamily="50" charset="-127"/>
               </a:rPr>
               <a:t>Distance</a:t>
             </a:r>
             <a:r>
               <a:rPr lang="ko-KR" altLang="en-US" dirty="0">
-                <a:latin typeface="나눔스퀘어 네오 Regular" panose="00000500000000000000" pitchFamily="2" charset="-127"/>
-                <a:ea typeface="나눔스퀘어 네오 Regular" panose="00000500000000000000" pitchFamily="2" charset="-127"/>
-              </a:rPr>
-              <a:t> 값을 </a:t>
-            </a:r>
-            <a:r>
-              <a:rPr lang="en-US" altLang="ko-KR" dirty="0">
-                <a:latin typeface="나눔스퀘어 네오 Regular" panose="00000500000000000000" pitchFamily="2" charset="-127"/>
-                <a:ea typeface="나눔스퀘어 네오 Regular" panose="00000500000000000000" pitchFamily="2" charset="-127"/>
+                <a:latin typeface="나눔스퀘어" panose="020B0600000101010101" pitchFamily="50" charset="-127"/>
+                <a:ea typeface="나눔스퀘어" panose="020B0600000101010101" pitchFamily="50" charset="-127"/>
+              </a:rPr>
+              <a:t> </a:t>
+            </a:r>
+            <a:r>
+              <a:rPr lang="ko-KR" altLang="en-US">
+                <a:latin typeface="나눔스퀘어" panose="020B0600000101010101" pitchFamily="50" charset="-127"/>
+                <a:ea typeface="나눔스퀘어" panose="020B0600000101010101" pitchFamily="50" charset="-127"/>
+              </a:rPr>
+              <a:t>값을 </a:t>
+            </a:r>
+            <a:r>
+              <a:rPr lang="en-US" altLang="ko-KR">
+                <a:latin typeface="나눔스퀘어" panose="020B0600000101010101" pitchFamily="50" charset="-127"/>
+                <a:ea typeface="나눔스퀘어" panose="020B0600000101010101" pitchFamily="50" charset="-127"/>
               </a:rPr>
               <a:t>weight</a:t>
             </a:r>
             <a:r>
+              <a:rPr lang="ko-KR" altLang="en-US">
+                <a:latin typeface="나눔스퀘어" panose="020B0600000101010101" pitchFamily="50" charset="-127"/>
+                <a:ea typeface="나눔스퀘어" panose="020B0600000101010101" pitchFamily="50" charset="-127"/>
+              </a:rPr>
+              <a:t>값으로 </a:t>
+            </a:r>
+            <a:r>
               <a:rPr lang="ko-KR" altLang="en-US" dirty="0">
-                <a:latin typeface="나눔스퀘어 네오 Regular" panose="00000500000000000000" pitchFamily="2" charset="-127"/>
-                <a:ea typeface="나눔스퀘어 네오 Regular" panose="00000500000000000000" pitchFamily="2" charset="-127"/>
-              </a:rPr>
-              <a:t>으로 변환</a:t>
+                <a:latin typeface="나눔스퀘어" panose="020B0600000101010101" pitchFamily="50" charset="-127"/>
+                <a:ea typeface="나눔스퀘어" panose="020B0600000101010101" pitchFamily="50" charset="-127"/>
+              </a:rPr>
+              <a:t>변환</a:t>
             </a:r>
           </a:p>
         </p:txBody>
@@ -10658,7 +12770,7 @@
         </p:blipFill>
         <p:spPr>
           <a:xfrm>
-            <a:off x="2540558" y="4815922"/>
+            <a:off x="2290459" y="5281682"/>
             <a:ext cx="6195688" cy="589181"/>
           </a:xfrm>
           <a:prstGeom prst="rect">
@@ -10688,7 +12800,7 @@
         </p:blipFill>
         <p:spPr>
           <a:xfrm>
-            <a:off x="2540558" y="5489523"/>
+            <a:off x="2290459" y="5955283"/>
             <a:ext cx="6195688" cy="360047"/>
           </a:xfrm>
           <a:prstGeom prst="rect">
@@ -10710,7 +12822,7 @@
         </p:nvSpPr>
         <p:spPr>
           <a:xfrm rot="5400000">
-            <a:off x="2866093" y="4960871"/>
+            <a:off x="2615994" y="5426631"/>
             <a:ext cx="678024" cy="265142"/>
           </a:xfrm>
           <a:prstGeom prst="rect">
@@ -10745,8 +12857,8 @@
           <a:p>
             <a:pPr algn="ctr"/>
             <a:endParaRPr lang="ko-KR" altLang="en-US" dirty="0">
-              <a:latin typeface="나눔스퀘어 네오 Regular" panose="00000500000000000000" pitchFamily="2" charset="-127"/>
-              <a:ea typeface="나눔스퀘어 네오 Regular" panose="00000500000000000000" pitchFamily="2" charset="-127"/>
+              <a:latin typeface="나눔스퀘어" panose="020B0600000101010101" pitchFamily="50" charset="-127"/>
+              <a:ea typeface="나눔스퀘어" panose="020B0600000101010101" pitchFamily="50" charset="-127"/>
             </a:endParaRPr>
           </a:p>
         </p:txBody>
@@ -10765,7 +12877,7 @@
         </p:nvSpPr>
         <p:spPr>
           <a:xfrm rot="5400000">
-            <a:off x="2948674" y="5470689"/>
+            <a:off x="2698575" y="5936449"/>
             <a:ext cx="380290" cy="397713"/>
           </a:xfrm>
           <a:prstGeom prst="rect">
@@ -10800,8 +12912,8 @@
           <a:p>
             <a:pPr algn="ctr"/>
             <a:endParaRPr lang="ko-KR" altLang="en-US" dirty="0">
-              <a:latin typeface="나눔스퀘어 네오 Regular" panose="00000500000000000000" pitchFamily="2" charset="-127"/>
-              <a:ea typeface="나눔스퀘어 네오 Regular" panose="00000500000000000000" pitchFamily="2" charset="-127"/>
+              <a:latin typeface="나눔스퀘어" panose="020B0600000101010101" pitchFamily="50" charset="-127"/>
+              <a:ea typeface="나눔스퀘어" panose="020B0600000101010101" pitchFamily="50" charset="-127"/>
             </a:endParaRPr>
           </a:p>
         </p:txBody>
@@ -10820,7 +12932,7 @@
         </p:nvSpPr>
         <p:spPr>
           <a:xfrm>
-            <a:off x="596891" y="4940966"/>
+            <a:off x="346792" y="5406726"/>
             <a:ext cx="1993383" cy="369332"/>
           </a:xfrm>
           <a:prstGeom prst="rect">
@@ -10835,15 +12947,15 @@
           <a:lstStyle/>
           <a:p>
             <a:r>
-              <a:rPr lang="en-US" altLang="ko-KR" dirty="0" err="1">
-                <a:latin typeface="나눔스퀘어 네오 Regular" panose="00000500000000000000" pitchFamily="2" charset="-127"/>
-                <a:ea typeface="나눔스퀘어 네오 Regular" panose="00000500000000000000" pitchFamily="2" charset="-127"/>
+              <a:rPr lang="en-US" altLang="ko-KR" b="1" dirty="0" err="1">
+                <a:latin typeface="나눔스퀘어" panose="020B0600000101010101" pitchFamily="50" charset="-127"/>
+                <a:ea typeface="나눔스퀘어" panose="020B0600000101010101" pitchFamily="50" charset="-127"/>
               </a:rPr>
               <a:t>Edge_index</a:t>
             </a:r>
-            <a:endParaRPr lang="ko-KR" altLang="en-US" dirty="0">
-              <a:latin typeface="나눔스퀘어 네오 Regular" panose="00000500000000000000" pitchFamily="2" charset="-127"/>
-              <a:ea typeface="나눔스퀘어 네오 Regular" panose="00000500000000000000" pitchFamily="2" charset="-127"/>
+            <a:endParaRPr lang="ko-KR" altLang="en-US" b="1" dirty="0">
+              <a:latin typeface="나눔스퀘어" panose="020B0600000101010101" pitchFamily="50" charset="-127"/>
+              <a:ea typeface="나눔스퀘어" panose="020B0600000101010101" pitchFamily="50" charset="-127"/>
             </a:endParaRPr>
           </a:p>
         </p:txBody>
@@ -10862,8 +12974,8 @@
         </p:nvSpPr>
         <p:spPr>
           <a:xfrm>
-            <a:off x="596891" y="5425347"/>
-            <a:ext cx="1772909" cy="646331"/>
+            <a:off x="346792" y="5891107"/>
+            <a:ext cx="1772909" cy="369332"/>
           </a:xfrm>
           <a:prstGeom prst="rect">
             <a:avLst/>
@@ -10877,15 +12989,15 @@
           <a:lstStyle/>
           <a:p>
             <a:r>
-              <a:rPr lang="en-US" altLang="ko-KR" dirty="0" err="1">
-                <a:latin typeface="나눔스퀘어 네오 Regular" panose="00000500000000000000" pitchFamily="2" charset="-127"/>
-                <a:ea typeface="나눔스퀘어 네오 Regular" panose="00000500000000000000" pitchFamily="2" charset="-127"/>
+              <a:rPr lang="en-US" altLang="ko-KR" b="1" dirty="0" err="1">
+                <a:latin typeface="나눔스퀘어" panose="020B0600000101010101" pitchFamily="50" charset="-127"/>
+                <a:ea typeface="나눔스퀘어" panose="020B0600000101010101" pitchFamily="50" charset="-127"/>
               </a:rPr>
               <a:t>Edge_attribute</a:t>
             </a:r>
-            <a:endParaRPr lang="ko-KR" altLang="en-US" dirty="0">
-              <a:latin typeface="나눔스퀘어 네오 Regular" panose="00000500000000000000" pitchFamily="2" charset="-127"/>
-              <a:ea typeface="나눔스퀘어 네오 Regular" panose="00000500000000000000" pitchFamily="2" charset="-127"/>
+            <a:endParaRPr lang="ko-KR" altLang="en-US" b="1" dirty="0">
+              <a:latin typeface="나눔스퀘어" panose="020B0600000101010101" pitchFamily="50" charset="-127"/>
+              <a:ea typeface="나눔스퀘어" panose="020B0600000101010101" pitchFamily="50" charset="-127"/>
             </a:endParaRPr>
           </a:p>
         </p:txBody>
@@ -10904,8 +13016,8 @@
         </p:nvSpPr>
         <p:spPr>
           <a:xfrm>
-            <a:off x="8556803" y="1358505"/>
-            <a:ext cx="3201999" cy="646331"/>
+            <a:off x="8342354" y="1302587"/>
+            <a:ext cx="3691144" cy="369332"/>
           </a:xfrm>
           <a:prstGeom prst="rect">
             <a:avLst/>
@@ -10919,15 +13031,22 @@
           <a:lstStyle/>
           <a:p>
             <a:r>
-              <a:rPr lang="en-US" altLang="ko-KR" dirty="0">
-                <a:latin typeface="나눔스퀘어 네오 Regular" panose="00000500000000000000" pitchFamily="2" charset="-127"/>
-                <a:ea typeface="나눔스퀘어 네오 Regular" panose="00000500000000000000" pitchFamily="2" charset="-127"/>
-              </a:rPr>
-              <a:t>Weighted adjacency matrix</a:t>
-            </a:r>
-            <a:endParaRPr lang="ko-KR" altLang="en-US" dirty="0">
-              <a:latin typeface="나눔스퀘어 네오 Regular" panose="00000500000000000000" pitchFamily="2" charset="-127"/>
-              <a:ea typeface="나눔스퀘어 네오 Regular" panose="00000500000000000000" pitchFamily="2" charset="-127"/>
+              <a:rPr lang="en-US" altLang="ko-KR" b="1" dirty="0">
+                <a:latin typeface="나눔스퀘어" panose="020B0600000101010101" pitchFamily="50" charset="-127"/>
+                <a:ea typeface="나눔스퀘어" panose="020B0600000101010101" pitchFamily="50" charset="-127"/>
+              </a:rPr>
+              <a:t>Weighted </a:t>
+            </a:r>
+            <a:r>
+              <a:rPr lang="en-US" altLang="ko-KR" b="1">
+                <a:latin typeface="나눔스퀘어" panose="020B0600000101010101" pitchFamily="50" charset="-127"/>
+                <a:ea typeface="나눔스퀘어" panose="020B0600000101010101" pitchFamily="50" charset="-127"/>
+              </a:rPr>
+              <a:t>adjacency matrix (K=3)</a:t>
+            </a:r>
+            <a:endParaRPr lang="ko-KR" altLang="en-US" b="1" dirty="0">
+              <a:latin typeface="나눔스퀘어" panose="020B0600000101010101" pitchFamily="50" charset="-127"/>
+              <a:ea typeface="나눔스퀘어" panose="020B0600000101010101" pitchFamily="50" charset="-127"/>
             </a:endParaRPr>
           </a:p>
         </p:txBody>
@@ -10961,15 +13080,15 @@
           <a:lstStyle/>
           <a:p>
             <a:r>
-              <a:rPr lang="en-US" altLang="ko-KR" dirty="0">
-                <a:latin typeface="나눔스퀘어 네오 Regular" panose="00000500000000000000" pitchFamily="2" charset="-127"/>
-                <a:ea typeface="나눔스퀘어 네오 Regular" panose="00000500000000000000" pitchFamily="2" charset="-127"/>
+              <a:rPr lang="en-US" altLang="ko-KR" b="1" dirty="0">
+                <a:latin typeface="나눔스퀘어" panose="020B0600000101010101" pitchFamily="50" charset="-127"/>
+                <a:ea typeface="나눔스퀘어" panose="020B0600000101010101" pitchFamily="50" charset="-127"/>
               </a:rPr>
               <a:t>KNN-based Adjacency matrix (k=3)</a:t>
             </a:r>
-            <a:endParaRPr lang="ko-KR" altLang="en-US" dirty="0">
-              <a:latin typeface="나눔스퀘어 네오 Regular" panose="00000500000000000000" pitchFamily="2" charset="-127"/>
-              <a:ea typeface="나눔스퀘어 네오 Regular" panose="00000500000000000000" pitchFamily="2" charset="-127"/>
+            <a:endParaRPr lang="ko-KR" altLang="en-US" b="1" dirty="0">
+              <a:latin typeface="나눔스퀘어" panose="020B0600000101010101" pitchFamily="50" charset="-127"/>
+              <a:ea typeface="나눔스퀘어" panose="020B0600000101010101" pitchFamily="50" charset="-127"/>
             </a:endParaRPr>
           </a:p>
         </p:txBody>
@@ -10988,8 +13107,8 @@
         </p:nvSpPr>
         <p:spPr>
           <a:xfrm>
-            <a:off x="156328" y="3666813"/>
-            <a:ext cx="6097554" cy="646331"/>
+            <a:off x="8713592" y="3646140"/>
+            <a:ext cx="3699095" cy="646331"/>
           </a:xfrm>
           <a:prstGeom prst="rect">
             <a:avLst/>
@@ -11003,70 +13122,240 @@
           <a:lstStyle/>
           <a:p>
             <a:r>
-              <a:rPr lang="ko-KR" altLang="en-US" dirty="0">
+              <a:rPr lang="ko-KR" altLang="en-US">
+                <a:latin typeface="나눔스퀘어" panose="020B0600000101010101" pitchFamily="50" charset="-127"/>
+                <a:ea typeface="나눔스퀘어" panose="020B0600000101010101" pitchFamily="50" charset="-127"/>
+              </a:rPr>
+              <a:t>유사성 높은 </a:t>
+            </a:r>
+            <a:r>
+              <a:rPr lang="en-US" altLang="ko-KR">
+                <a:latin typeface="나눔스퀘어" panose="020B0600000101010101" pitchFamily="50" charset="-127"/>
+                <a:ea typeface="나눔스퀘어" panose="020B0600000101010101" pitchFamily="50" charset="-127"/>
+              </a:rPr>
+              <a:t>node</a:t>
+            </a:r>
+            <a:r>
+              <a:rPr lang="ko-KR" altLang="en-US">
+                <a:latin typeface="나눔스퀘어" panose="020B0600000101010101" pitchFamily="50" charset="-127"/>
+                <a:ea typeface="나눔스퀘어" panose="020B0600000101010101" pitchFamily="50" charset="-127"/>
+              </a:rPr>
+              <a:t>간 연결을 강조</a:t>
+            </a:r>
+            <a:r>
+              <a:rPr lang="en-US" altLang="ko-KR">
+                <a:latin typeface="나눔스퀘어" panose="020B0600000101010101" pitchFamily="50" charset="-127"/>
+                <a:ea typeface="나눔스퀘어" panose="020B0600000101010101" pitchFamily="50" charset="-127"/>
+              </a:rPr>
+              <a:t>, </a:t>
+            </a:r>
+          </a:p>
+          <a:p>
+            <a:r>
+              <a:rPr lang="ko-KR" altLang="en-US">
+                <a:latin typeface="나눔스퀘어" panose="020B0600000101010101" pitchFamily="50" charset="-127"/>
+                <a:ea typeface="나눔스퀘어" panose="020B0600000101010101" pitchFamily="50" charset="-127"/>
+              </a:rPr>
+              <a:t>유사성 낮은 </a:t>
+            </a:r>
+            <a:r>
+              <a:rPr lang="en-US" altLang="ko-KR">
+                <a:latin typeface="나눔스퀘어" panose="020B0600000101010101" pitchFamily="50" charset="-127"/>
+                <a:ea typeface="나눔스퀘어" panose="020B0600000101010101" pitchFamily="50" charset="-127"/>
+              </a:rPr>
+              <a:t>node</a:t>
+            </a:r>
+            <a:r>
+              <a:rPr lang="ko-KR" altLang="en-US">
+                <a:latin typeface="나눔스퀘어" panose="020B0600000101010101" pitchFamily="50" charset="-127"/>
+                <a:ea typeface="나눔스퀘어" panose="020B0600000101010101" pitchFamily="50" charset="-127"/>
+              </a:rPr>
+              <a:t>간 연결은 약화</a:t>
+            </a:r>
+            <a:endParaRPr lang="ko-KR" altLang="en-US" dirty="0">
+              <a:latin typeface="나눔스퀘어" panose="020B0600000101010101" pitchFamily="50" charset="-127"/>
+              <a:ea typeface="나눔스퀘어" panose="020B0600000101010101" pitchFamily="50" charset="-127"/>
+            </a:endParaRPr>
+          </a:p>
+        </p:txBody>
+      </p:sp>
+      <p:sp>
+        <p:nvSpPr>
+          <p:cNvPr id="3" name="제목 1">
+            <a:extLst>
+              <a:ext uri="{FF2B5EF4-FFF2-40B4-BE49-F238E27FC236}">
+                <a16:creationId xmlns:a16="http://schemas.microsoft.com/office/drawing/2014/main" id="{717E0393-DDCA-F5B5-0F2B-E84E8CEFCA0F}"/>
+              </a:ext>
+            </a:extLst>
+          </p:cNvPr>
+          <p:cNvSpPr txBox="1">
+            <a:spLocks/>
+          </p:cNvSpPr>
+          <p:nvPr/>
+        </p:nvSpPr>
+        <p:spPr>
+          <a:xfrm>
+            <a:off x="509586" y="0"/>
+            <a:ext cx="12120563" cy="1325563"/>
+          </a:xfrm>
+          <a:prstGeom prst="rect">
+            <a:avLst/>
+          </a:prstGeom>
+        </p:spPr>
+        <p:txBody>
+          <a:bodyPr vert="horz" lIns="91440" tIns="45720" rIns="91440" bIns="45720" rtlCol="0" anchor="ctr">
+            <a:normAutofit/>
+          </a:bodyPr>
+          <a:lstStyle>
+            <a:lvl1pPr algn="l" defTabSz="914400" rtl="0" eaLnBrk="1" latinLnBrk="1" hangingPunct="1">
+              <a:lnSpc>
+                <a:spcPct val="90000"/>
+              </a:lnSpc>
+              <a:spcBef>
+                <a:spcPct val="0"/>
+              </a:spcBef>
+              <a:buNone/>
+              <a:defRPr sz="4400" kern="1200">
+                <a:solidFill>
+                  <a:schemeClr val="tx1"/>
+                </a:solidFill>
                 <a:latin typeface="나눔스퀘어 네오 Regular" panose="00000500000000000000" pitchFamily="2" charset="-127"/>
                 <a:ea typeface="나눔스퀘어 네오 Regular" panose="00000500000000000000" pitchFamily="2" charset="-127"/>
-              </a:rPr>
-              <a:t>각 </a:t>
-            </a:r>
-            <a:r>
-              <a:rPr lang="en-US" altLang="ko-KR" dirty="0">
-                <a:latin typeface="나눔스퀘어 네오 Regular" panose="00000500000000000000" pitchFamily="2" charset="-127"/>
-                <a:ea typeface="나눔스퀘어 네오 Regular" panose="00000500000000000000" pitchFamily="2" charset="-127"/>
-              </a:rPr>
-              <a:t>node</a:t>
-            </a:r>
-            <a:r>
-              <a:rPr lang="ko-KR" altLang="en-US" dirty="0">
-                <a:latin typeface="나눔스퀘어 네오 Regular" panose="00000500000000000000" pitchFamily="2" charset="-127"/>
-                <a:ea typeface="나눔스퀘어 네오 Regular" panose="00000500000000000000" pitchFamily="2" charset="-127"/>
-              </a:rPr>
-              <a:t>마다 </a:t>
-            </a:r>
-            <a:endParaRPr lang="en-US" altLang="ko-KR" dirty="0">
-              <a:latin typeface="나눔스퀘어 네오 Regular" panose="00000500000000000000" pitchFamily="2" charset="-127"/>
-              <a:ea typeface="나눔스퀘어 네오 Regular" panose="00000500000000000000" pitchFamily="2" charset="-127"/>
+                <a:cs typeface="+mj-cs"/>
+              </a:defRPr>
+            </a:lvl1pPr>
+          </a:lstStyle>
+          <a:p>
+            <a:r>
+              <a:rPr lang="en-US" altLang="ko-KR" sz="3200" dirty="0">
+                <a:latin typeface="나눔스퀘어" panose="020B0600000101010101" pitchFamily="50" charset="-127"/>
+                <a:ea typeface="나눔스퀘어" panose="020B0600000101010101" pitchFamily="50" charset="-127"/>
+              </a:rPr>
+              <a:t>3. Graph Dataset</a:t>
+            </a:r>
+            <a:r>
+              <a:rPr lang="ko-KR" altLang="en-US" sz="3200" dirty="0">
+                <a:latin typeface="나눔스퀘어" panose="020B0600000101010101" pitchFamily="50" charset="-127"/>
+                <a:ea typeface="나눔스퀘어" panose="020B0600000101010101" pitchFamily="50" charset="-127"/>
+              </a:rPr>
+              <a:t>으로</a:t>
+            </a:r>
+            <a:r>
+              <a:rPr lang="en-US" altLang="ko-KR" sz="3200" dirty="0">
+                <a:latin typeface="나눔스퀘어" panose="020B0600000101010101" pitchFamily="50" charset="-127"/>
+                <a:ea typeface="나눔스퀘어" panose="020B0600000101010101" pitchFamily="50" charset="-127"/>
+              </a:rPr>
+              <a:t> </a:t>
+            </a:r>
+            <a:r>
+              <a:rPr lang="ko-KR" altLang="en-US" sz="3200" dirty="0">
+                <a:latin typeface="나눔스퀘어" panose="020B0600000101010101" pitchFamily="50" charset="-127"/>
+                <a:ea typeface="나눔스퀘어" panose="020B0600000101010101" pitchFamily="50" charset="-127"/>
+              </a:rPr>
+              <a:t>변환</a:t>
+            </a:r>
+            <a:r>
+              <a:rPr lang="en-US" altLang="ko-KR" sz="3200" dirty="0">
+                <a:latin typeface="나눔스퀘어" panose="020B0600000101010101" pitchFamily="50" charset="-127"/>
+                <a:ea typeface="나눔스퀘어" panose="020B0600000101010101" pitchFamily="50" charset="-127"/>
+              </a:rPr>
+              <a:t> – weighted adjacency matrix</a:t>
+            </a:r>
+            <a:endParaRPr lang="ko-KR" altLang="en-US" sz="3200" dirty="0">
+              <a:latin typeface="나눔스퀘어" panose="020B0600000101010101" pitchFamily="50" charset="-127"/>
+              <a:ea typeface="나눔스퀘어" panose="020B0600000101010101" pitchFamily="50" charset="-127"/>
             </a:endParaRPr>
           </a:p>
-          <a:p>
-            <a:r>
-              <a:rPr lang="ko-KR" altLang="en-US" dirty="0">
-                <a:latin typeface="나눔스퀘어 네오 Regular" panose="00000500000000000000" pitchFamily="2" charset="-127"/>
-                <a:ea typeface="나눔스퀘어 네오 Regular" panose="00000500000000000000" pitchFamily="2" charset="-127"/>
-              </a:rPr>
-              <a:t>유사성이 높은 특정 개수</a:t>
-            </a:r>
-            <a:r>
-              <a:rPr lang="en-US" altLang="ko-KR" dirty="0">
-                <a:latin typeface="나눔스퀘어 네오 Regular" panose="00000500000000000000" pitchFamily="2" charset="-127"/>
-                <a:ea typeface="나눔스퀘어 네오 Regular" panose="00000500000000000000" pitchFamily="2" charset="-127"/>
-              </a:rPr>
-              <a:t>(k)</a:t>
-            </a:r>
-            <a:r>
-              <a:rPr lang="ko-KR" altLang="en-US" dirty="0">
-                <a:latin typeface="나눔스퀘어 네오 Regular" panose="00000500000000000000" pitchFamily="2" charset="-127"/>
-                <a:ea typeface="나눔스퀘어 네오 Regular" panose="00000500000000000000" pitchFamily="2" charset="-127"/>
-              </a:rPr>
-              <a:t>의 </a:t>
-            </a:r>
-            <a:r>
-              <a:rPr lang="en-US" altLang="ko-KR" dirty="0">
-                <a:latin typeface="나눔스퀘어 네오 Regular" panose="00000500000000000000" pitchFamily="2" charset="-127"/>
-                <a:ea typeface="나눔스퀘어 네오 Regular" panose="00000500000000000000" pitchFamily="2" charset="-127"/>
-              </a:rPr>
-              <a:t>node</a:t>
-            </a:r>
-            <a:r>
-              <a:rPr lang="ko-KR" altLang="en-US" dirty="0">
-                <a:latin typeface="나눔스퀘어 네오 Regular" panose="00000500000000000000" pitchFamily="2" charset="-127"/>
-                <a:ea typeface="나눔스퀘어 네오 Regular" panose="00000500000000000000" pitchFamily="2" charset="-127"/>
-              </a:rPr>
-              <a:t>와의 관계만 고려</a:t>
-            </a:r>
-          </a:p>
-        </p:txBody>
-      </p:sp>
+        </p:txBody>
+      </p:sp>
+      <p:cxnSp>
+        <p:nvCxnSpPr>
+          <p:cNvPr id="7" name="직선 화살표 연결선 6">
+            <a:extLst>
+              <a:ext uri="{FF2B5EF4-FFF2-40B4-BE49-F238E27FC236}">
+                <a16:creationId xmlns:a16="http://schemas.microsoft.com/office/drawing/2014/main" id="{1EEF3BFA-F5A1-9396-9471-18343F387331}"/>
+              </a:ext>
+            </a:extLst>
+          </p:cNvPr>
+          <p:cNvCxnSpPr>
+            <a:cxnSpLocks/>
+          </p:cNvCxnSpPr>
+          <p:nvPr/>
+        </p:nvCxnSpPr>
+        <p:spPr>
+          <a:xfrm>
+            <a:off x="4890549" y="2817845"/>
+            <a:ext cx="3329720" cy="0"/>
+          </a:xfrm>
+          <a:prstGeom prst="straightConnector1">
+            <a:avLst/>
+          </a:prstGeom>
+          <a:ln w="38100">
+            <a:solidFill>
+              <a:schemeClr val="tx1"/>
+            </a:solidFill>
+            <a:tailEnd type="triangle"/>
+          </a:ln>
+        </p:spPr>
+        <p:style>
+          <a:lnRef idx="1">
+            <a:schemeClr val="accent1"/>
+          </a:lnRef>
+          <a:fillRef idx="0">
+            <a:schemeClr val="accent1"/>
+          </a:fillRef>
+          <a:effectRef idx="0">
+            <a:schemeClr val="accent1"/>
+          </a:effectRef>
+          <a:fontRef idx="minor">
+            <a:schemeClr val="tx1"/>
+          </a:fontRef>
+        </p:style>
+      </p:cxnSp>
+      <p:cxnSp>
+        <p:nvCxnSpPr>
+          <p:cNvPr id="13" name="직선 화살표 연결선 12">
+            <a:extLst>
+              <a:ext uri="{FF2B5EF4-FFF2-40B4-BE49-F238E27FC236}">
+                <a16:creationId xmlns:a16="http://schemas.microsoft.com/office/drawing/2014/main" id="{D1CF0DD4-0E9B-E3B3-604F-43EE209B4F33}"/>
+              </a:ext>
+            </a:extLst>
+          </p:cNvPr>
+          <p:cNvCxnSpPr>
+            <a:cxnSpLocks/>
+          </p:cNvCxnSpPr>
+          <p:nvPr/>
+        </p:nvCxnSpPr>
+        <p:spPr>
+          <a:xfrm flipH="1">
+            <a:off x="7231224" y="3450647"/>
+            <a:ext cx="1153486" cy="1739159"/>
+          </a:xfrm>
+          <a:prstGeom prst="straightConnector1">
+            <a:avLst/>
+          </a:prstGeom>
+          <a:ln w="38100">
+            <a:solidFill>
+              <a:schemeClr val="tx1"/>
+            </a:solidFill>
+            <a:tailEnd type="triangle"/>
+          </a:ln>
+        </p:spPr>
+        <p:style>
+          <a:lnRef idx="1">
+            <a:schemeClr val="accent1"/>
+          </a:lnRef>
+          <a:fillRef idx="0">
+            <a:schemeClr val="accent1"/>
+          </a:fillRef>
+          <a:effectRef idx="0">
+            <a:schemeClr val="accent1"/>
+          </a:effectRef>
+          <a:fontRef idx="minor">
+            <a:schemeClr val="tx1"/>
+          </a:fontRef>
+        </p:style>
+      </p:cxnSp>
     </p:spTree>
     <p:extLst>
       <p:ext uri="{BB962C8B-B14F-4D97-AF65-F5344CB8AC3E}">

--- a/Presentation/초기 발표 (1).pptx
+++ b/Presentation/초기 발표 (1).pptx
@@ -19,10 +19,11 @@
     <p:sldId id="261" r:id="rId13"/>
     <p:sldId id="262" r:id="rId14"/>
     <p:sldId id="277" r:id="rId15"/>
-    <p:sldId id="276" r:id="rId16"/>
-    <p:sldId id="275" r:id="rId17"/>
-    <p:sldId id="278" r:id="rId18"/>
-    <p:sldId id="265" r:id="rId19"/>
+    <p:sldId id="275" r:id="rId16"/>
+    <p:sldId id="278" r:id="rId17"/>
+    <p:sldId id="265" r:id="rId18"/>
+    <p:sldId id="279" r:id="rId19"/>
+    <p:sldId id="276" r:id="rId20"/>
   </p:sldIdLst>
   <p:sldSz cx="12192000" cy="6858000"/>
   <p:notesSz cx="6858000" cy="9144000"/>
@@ -5721,6 +5722,2491 @@
   <p:cSld>
     <p:spTree>
       <p:nvGrpSpPr>
+        <p:cNvPr id="1" name="">
+          <a:extLst>
+            <a:ext uri="{FF2B5EF4-FFF2-40B4-BE49-F238E27FC236}">
+              <a16:creationId xmlns:a16="http://schemas.microsoft.com/office/drawing/2014/main" id="{21BD6788-B2BC-5173-26F7-DDC205710860}"/>
+            </a:ext>
+          </a:extLst>
+        </p:cNvPr>
+        <p:cNvGrpSpPr/>
+        <p:nvPr/>
+      </p:nvGrpSpPr>
+      <p:grpSpPr>
+        <a:xfrm>
+          <a:off x="0" y="0"/>
+          <a:ext cx="0" cy="0"/>
+          <a:chOff x="0" y="0"/>
+          <a:chExt cx="0" cy="0"/>
+        </a:xfrm>
+      </p:grpSpPr>
+      <p:pic>
+        <p:nvPicPr>
+          <p:cNvPr id="12" name="그림 11">
+            <a:extLst>
+              <a:ext uri="{FF2B5EF4-FFF2-40B4-BE49-F238E27FC236}">
+                <a16:creationId xmlns:a16="http://schemas.microsoft.com/office/drawing/2014/main" id="{FAFC6C24-67A7-3C75-EF8B-DBE93AE62D83}"/>
+              </a:ext>
+            </a:extLst>
+          </p:cNvPr>
+          <p:cNvPicPr>
+            <a:picLocks noChangeAspect="1"/>
+          </p:cNvPicPr>
+          <p:nvPr/>
+        </p:nvPicPr>
+        <p:blipFill>
+          <a:blip r:embed="rId2"/>
+          <a:stretch>
+            <a:fillRect/>
+          </a:stretch>
+        </p:blipFill>
+        <p:spPr>
+          <a:xfrm>
+            <a:off x="2879638" y="1162921"/>
+            <a:ext cx="2683244" cy="2172773"/>
+          </a:xfrm>
+          <a:prstGeom prst="rect">
+            <a:avLst/>
+          </a:prstGeom>
+        </p:spPr>
+      </p:pic>
+      <p:sp>
+        <p:nvSpPr>
+          <p:cNvPr id="3" name="TextBox 2">
+            <a:extLst>
+              <a:ext uri="{FF2B5EF4-FFF2-40B4-BE49-F238E27FC236}">
+                <a16:creationId xmlns:a16="http://schemas.microsoft.com/office/drawing/2014/main" id="{C2113DD7-995C-9983-A277-F420A6BB8858}"/>
+              </a:ext>
+            </a:extLst>
+          </p:cNvPr>
+          <p:cNvSpPr txBox="1"/>
+          <p:nvPr/>
+        </p:nvSpPr>
+        <p:spPr>
+          <a:xfrm>
+            <a:off x="2674366" y="579212"/>
+            <a:ext cx="3462569" cy="584775"/>
+          </a:xfrm>
+          <a:prstGeom prst="rect">
+            <a:avLst/>
+          </a:prstGeom>
+          <a:noFill/>
+        </p:spPr>
+        <p:txBody>
+          <a:bodyPr wrap="square">
+            <a:spAutoFit/>
+          </a:bodyPr>
+          <a:lstStyle/>
+          <a:p>
+            <a:r>
+              <a:rPr lang="en-US" altLang="ko-KR" sz="1600">
+                <a:solidFill>
+                  <a:srgbClr val="FF0000"/>
+                </a:solidFill>
+                <a:latin typeface="나눔스퀘어" panose="020B0600000101010101" pitchFamily="50" charset="-127"/>
+                <a:ea typeface="나눔스퀘어" panose="020B0600000101010101" pitchFamily="50" charset="-127"/>
+              </a:rPr>
+              <a:t>Upsampling O, </a:t>
+            </a:r>
+          </a:p>
+          <a:p>
+            <a:r>
+              <a:rPr lang="en-US" altLang="ko-KR" sz="1600">
+                <a:solidFill>
+                  <a:srgbClr val="FF0000"/>
+                </a:solidFill>
+                <a:latin typeface="나눔스퀘어" panose="020B0600000101010101" pitchFamily="50" charset="-127"/>
+                <a:ea typeface="나눔스퀘어" panose="020B0600000101010101" pitchFamily="50" charset="-127"/>
+              </a:rPr>
+              <a:t>class weight [0.8172, 1.2881]</a:t>
+            </a:r>
+            <a:endParaRPr lang="ko-KR" altLang="en-US" sz="1600" dirty="0">
+              <a:solidFill>
+                <a:srgbClr val="FF0000"/>
+              </a:solidFill>
+              <a:latin typeface="나눔스퀘어" panose="020B0600000101010101" pitchFamily="50" charset="-127"/>
+              <a:ea typeface="나눔스퀘어" panose="020B0600000101010101" pitchFamily="50" charset="-127"/>
+            </a:endParaRPr>
+          </a:p>
+        </p:txBody>
+      </p:sp>
+      <p:pic>
+        <p:nvPicPr>
+          <p:cNvPr id="6" name="그림 5">
+            <a:extLst>
+              <a:ext uri="{FF2B5EF4-FFF2-40B4-BE49-F238E27FC236}">
+                <a16:creationId xmlns:a16="http://schemas.microsoft.com/office/drawing/2014/main" id="{F923B836-A6CF-AD68-23B9-47188FF485F9}"/>
+              </a:ext>
+            </a:extLst>
+          </p:cNvPr>
+          <p:cNvPicPr>
+            <a:picLocks noChangeAspect="1"/>
+          </p:cNvPicPr>
+          <p:nvPr/>
+        </p:nvPicPr>
+        <p:blipFill>
+          <a:blip r:embed="rId3"/>
+          <a:stretch>
+            <a:fillRect/>
+          </a:stretch>
+        </p:blipFill>
+        <p:spPr>
+          <a:xfrm>
+            <a:off x="5968497" y="1147418"/>
+            <a:ext cx="2683243" cy="2188276"/>
+          </a:xfrm>
+          <a:prstGeom prst="rect">
+            <a:avLst/>
+          </a:prstGeom>
+        </p:spPr>
+      </p:pic>
+      <p:sp>
+        <p:nvSpPr>
+          <p:cNvPr id="7" name="TextBox 6">
+            <a:extLst>
+              <a:ext uri="{FF2B5EF4-FFF2-40B4-BE49-F238E27FC236}">
+                <a16:creationId xmlns:a16="http://schemas.microsoft.com/office/drawing/2014/main" id="{16C6E6BF-1D81-8C10-88EF-739524A60F49}"/>
+              </a:ext>
+            </a:extLst>
+          </p:cNvPr>
+          <p:cNvSpPr txBox="1"/>
+          <p:nvPr/>
+        </p:nvSpPr>
+        <p:spPr>
+          <a:xfrm>
+            <a:off x="5938730" y="562643"/>
+            <a:ext cx="2917167" cy="584775"/>
+          </a:xfrm>
+          <a:prstGeom prst="rect">
+            <a:avLst/>
+          </a:prstGeom>
+          <a:noFill/>
+        </p:spPr>
+        <p:txBody>
+          <a:bodyPr wrap="square">
+            <a:spAutoFit/>
+          </a:bodyPr>
+          <a:lstStyle/>
+          <a:p>
+            <a:r>
+              <a:rPr lang="en-US" altLang="ko-KR" sz="1600">
+                <a:latin typeface="나눔스퀘어" panose="020B0600000101010101" pitchFamily="50" charset="-127"/>
+                <a:ea typeface="나눔스퀘어" panose="020B0600000101010101" pitchFamily="50" charset="-127"/>
+              </a:rPr>
+              <a:t>Upsampling X, </a:t>
+            </a:r>
+          </a:p>
+          <a:p>
+            <a:r>
+              <a:rPr lang="en-US" altLang="ko-KR" sz="1600">
+                <a:latin typeface="나눔스퀘어" panose="020B0600000101010101" pitchFamily="50" charset="-127"/>
+                <a:ea typeface="나눔스퀘어" panose="020B0600000101010101" pitchFamily="50" charset="-127"/>
+              </a:rPr>
+              <a:t>class weight [0.8172, 1.2881]</a:t>
+            </a:r>
+            <a:endParaRPr lang="ko-KR" altLang="en-US" sz="1600" dirty="0">
+              <a:latin typeface="나눔스퀘어" panose="020B0600000101010101" pitchFamily="50" charset="-127"/>
+              <a:ea typeface="나눔스퀘어" panose="020B0600000101010101" pitchFamily="50" charset="-127"/>
+            </a:endParaRPr>
+          </a:p>
+        </p:txBody>
+      </p:sp>
+      <p:pic>
+        <p:nvPicPr>
+          <p:cNvPr id="10" name="그림 9">
+            <a:extLst>
+              <a:ext uri="{FF2B5EF4-FFF2-40B4-BE49-F238E27FC236}">
+                <a16:creationId xmlns:a16="http://schemas.microsoft.com/office/drawing/2014/main" id="{9D5FC23F-828E-8F26-68BB-92E870EAC52B}"/>
+              </a:ext>
+            </a:extLst>
+          </p:cNvPr>
+          <p:cNvPicPr>
+            <a:picLocks noChangeAspect="1"/>
+          </p:cNvPicPr>
+          <p:nvPr/>
+        </p:nvPicPr>
+        <p:blipFill>
+          <a:blip r:embed="rId4"/>
+          <a:stretch>
+            <a:fillRect/>
+          </a:stretch>
+        </p:blipFill>
+        <p:spPr>
+          <a:xfrm>
+            <a:off x="2879638" y="4111395"/>
+            <a:ext cx="2669596" cy="2172773"/>
+          </a:xfrm>
+          <a:prstGeom prst="rect">
+            <a:avLst/>
+          </a:prstGeom>
+        </p:spPr>
+      </p:pic>
+      <p:sp>
+        <p:nvSpPr>
+          <p:cNvPr id="13" name="TextBox 12">
+            <a:extLst>
+              <a:ext uri="{FF2B5EF4-FFF2-40B4-BE49-F238E27FC236}">
+                <a16:creationId xmlns:a16="http://schemas.microsoft.com/office/drawing/2014/main" id="{6CBD8BF3-E182-3213-1EFA-026D0822C01D}"/>
+              </a:ext>
+            </a:extLst>
+          </p:cNvPr>
+          <p:cNvSpPr txBox="1"/>
+          <p:nvPr/>
+        </p:nvSpPr>
+        <p:spPr>
+          <a:xfrm>
+            <a:off x="2879638" y="3465064"/>
+            <a:ext cx="2782564" cy="646331"/>
+          </a:xfrm>
+          <a:prstGeom prst="rect">
+            <a:avLst/>
+          </a:prstGeom>
+          <a:noFill/>
+        </p:spPr>
+        <p:txBody>
+          <a:bodyPr wrap="square">
+            <a:spAutoFit/>
+          </a:bodyPr>
+          <a:lstStyle/>
+          <a:p>
+            <a:r>
+              <a:rPr lang="en-US" altLang="ko-KR" sz="1800">
+                <a:latin typeface="나눔스퀘어" panose="020B0600000101010101" pitchFamily="50" charset="-127"/>
+                <a:ea typeface="나눔스퀘어" panose="020B0600000101010101" pitchFamily="50" charset="-127"/>
+              </a:rPr>
+              <a:t>Upsampling O, </a:t>
+            </a:r>
+          </a:p>
+          <a:p>
+            <a:r>
+              <a:rPr lang="en-US" altLang="ko-KR" sz="1800">
+                <a:latin typeface="나눔스퀘어" panose="020B0600000101010101" pitchFamily="50" charset="-127"/>
+                <a:ea typeface="나눔스퀘어" panose="020B0600000101010101" pitchFamily="50" charset="-127"/>
+              </a:rPr>
+              <a:t>class weight [1.0, 1.0]</a:t>
+            </a:r>
+            <a:endParaRPr lang="ko-KR" altLang="en-US" sz="1800" dirty="0">
+              <a:latin typeface="나눔스퀘어" panose="020B0600000101010101" pitchFamily="50" charset="-127"/>
+              <a:ea typeface="나눔스퀘어" panose="020B0600000101010101" pitchFamily="50" charset="-127"/>
+            </a:endParaRPr>
+          </a:p>
+        </p:txBody>
+      </p:sp>
+      <p:pic>
+        <p:nvPicPr>
+          <p:cNvPr id="15" name="그림 14">
+            <a:extLst>
+              <a:ext uri="{FF2B5EF4-FFF2-40B4-BE49-F238E27FC236}">
+                <a16:creationId xmlns:a16="http://schemas.microsoft.com/office/drawing/2014/main" id="{3B5A6E14-4464-1C35-748A-A3671F0E0782}"/>
+              </a:ext>
+            </a:extLst>
+          </p:cNvPr>
+          <p:cNvPicPr>
+            <a:picLocks noChangeAspect="1"/>
+          </p:cNvPicPr>
+          <p:nvPr/>
+        </p:nvPicPr>
+        <p:blipFill>
+          <a:blip r:embed="rId5"/>
+          <a:stretch>
+            <a:fillRect/>
+          </a:stretch>
+        </p:blipFill>
+        <p:spPr>
+          <a:xfrm>
+            <a:off x="5938730" y="4111395"/>
+            <a:ext cx="2683244" cy="2220617"/>
+          </a:xfrm>
+          <a:prstGeom prst="rect">
+            <a:avLst/>
+          </a:prstGeom>
+        </p:spPr>
+      </p:pic>
+      <p:sp>
+        <p:nvSpPr>
+          <p:cNvPr id="17" name="TextBox 16">
+            <a:extLst>
+              <a:ext uri="{FF2B5EF4-FFF2-40B4-BE49-F238E27FC236}">
+                <a16:creationId xmlns:a16="http://schemas.microsoft.com/office/drawing/2014/main" id="{9325AAF3-9CF1-1486-CD7F-695253DCE288}"/>
+              </a:ext>
+            </a:extLst>
+          </p:cNvPr>
+          <p:cNvSpPr txBox="1"/>
+          <p:nvPr/>
+        </p:nvSpPr>
+        <p:spPr>
+          <a:xfrm>
+            <a:off x="5933648" y="3426483"/>
+            <a:ext cx="6097554" cy="646331"/>
+          </a:xfrm>
+          <a:prstGeom prst="rect">
+            <a:avLst/>
+          </a:prstGeom>
+          <a:noFill/>
+        </p:spPr>
+        <p:txBody>
+          <a:bodyPr wrap="square">
+            <a:spAutoFit/>
+          </a:bodyPr>
+          <a:lstStyle/>
+          <a:p>
+            <a:r>
+              <a:rPr lang="en-US" altLang="ko-KR" sz="1800">
+                <a:latin typeface="나눔스퀘어" panose="020B0600000101010101" pitchFamily="50" charset="-127"/>
+                <a:ea typeface="나눔스퀘어" panose="020B0600000101010101" pitchFamily="50" charset="-127"/>
+              </a:rPr>
+              <a:t>Upsampling X, </a:t>
+            </a:r>
+          </a:p>
+          <a:p>
+            <a:r>
+              <a:rPr lang="en-US" altLang="ko-KR" sz="1800">
+                <a:latin typeface="나눔스퀘어" panose="020B0600000101010101" pitchFamily="50" charset="-127"/>
+                <a:ea typeface="나눔스퀘어" panose="020B0600000101010101" pitchFamily="50" charset="-127"/>
+              </a:rPr>
+              <a:t>class weight [1.0, 1.0]</a:t>
+            </a:r>
+            <a:endParaRPr lang="ko-KR" altLang="en-US" sz="1800" dirty="0">
+              <a:latin typeface="나눔스퀘어" panose="020B0600000101010101" pitchFamily="50" charset="-127"/>
+              <a:ea typeface="나눔스퀘어" panose="020B0600000101010101" pitchFamily="50" charset="-127"/>
+            </a:endParaRPr>
+          </a:p>
+        </p:txBody>
+      </p:sp>
+      <p:sp>
+        <p:nvSpPr>
+          <p:cNvPr id="19" name="TextBox 18">
+            <a:extLst>
+              <a:ext uri="{FF2B5EF4-FFF2-40B4-BE49-F238E27FC236}">
+                <a16:creationId xmlns:a16="http://schemas.microsoft.com/office/drawing/2014/main" id="{796402CD-9BDC-C61B-5A00-488089477E11}"/>
+              </a:ext>
+            </a:extLst>
+          </p:cNvPr>
+          <p:cNvSpPr txBox="1"/>
+          <p:nvPr/>
+        </p:nvSpPr>
+        <p:spPr>
+          <a:xfrm>
+            <a:off x="160679" y="110443"/>
+            <a:ext cx="6097554" cy="369332"/>
+          </a:xfrm>
+          <a:prstGeom prst="rect">
+            <a:avLst/>
+          </a:prstGeom>
+          <a:noFill/>
+        </p:spPr>
+        <p:txBody>
+          <a:bodyPr wrap="square">
+            <a:spAutoFit/>
+          </a:bodyPr>
+          <a:lstStyle/>
+          <a:p>
+            <a:r>
+              <a:rPr lang="en-US" altLang="ko-KR" sz="1800" b="1">
+                <a:latin typeface="나눔스퀘어" panose="020B0600000101010101" pitchFamily="50" charset="-127"/>
+                <a:ea typeface="나눔스퀘어" panose="020B0600000101010101" pitchFamily="50" charset="-127"/>
+              </a:rPr>
+              <a:t>UCLA_CNP+COBRE</a:t>
+            </a:r>
+            <a:endParaRPr lang="ko-KR" altLang="en-US" b="1"/>
+          </a:p>
+        </p:txBody>
+      </p:sp>
+    </p:spTree>
+    <p:extLst>
+      <p:ext uri="{BB962C8B-B14F-4D97-AF65-F5344CB8AC3E}">
+        <p14:creationId xmlns:p14="http://schemas.microsoft.com/office/powerpoint/2010/main" val="686287438"/>
+      </p:ext>
+    </p:extLst>
+  </p:cSld>
+  <p:clrMapOvr>
+    <a:masterClrMapping/>
+  </p:clrMapOvr>
+</p:sld>
+</file>
+
+<file path=ppt/slides/slide16.xml><?xml version="1.0" encoding="utf-8"?>
+<p:sld xmlns:a="http://schemas.openxmlformats.org/drawingml/2006/main" xmlns:r="http://schemas.openxmlformats.org/officeDocument/2006/relationships" xmlns:p="http://schemas.openxmlformats.org/presentationml/2006/main">
+  <p:cSld>
+    <p:spTree>
+      <p:nvGrpSpPr>
+        <p:cNvPr id="1" name="">
+          <a:extLst>
+            <a:ext uri="{FF2B5EF4-FFF2-40B4-BE49-F238E27FC236}">
+              <a16:creationId xmlns:a16="http://schemas.microsoft.com/office/drawing/2014/main" id="{F0993E89-3128-996B-65B7-856DE87584C3}"/>
+            </a:ext>
+          </a:extLst>
+        </p:cNvPr>
+        <p:cNvGrpSpPr/>
+        <p:nvPr/>
+      </p:nvGrpSpPr>
+      <p:grpSpPr>
+        <a:xfrm>
+          <a:off x="0" y="0"/>
+          <a:ext cx="0" cy="0"/>
+          <a:chOff x="0" y="0"/>
+          <a:chExt cx="0" cy="0"/>
+        </a:xfrm>
+      </p:grpSpPr>
+      <p:sp>
+        <p:nvSpPr>
+          <p:cNvPr id="3" name="TextBox 2">
+            <a:extLst>
+              <a:ext uri="{FF2B5EF4-FFF2-40B4-BE49-F238E27FC236}">
+                <a16:creationId xmlns:a16="http://schemas.microsoft.com/office/drawing/2014/main" id="{42D0BC41-FD1F-2B6E-E2A4-C57F15B9B47E}"/>
+              </a:ext>
+            </a:extLst>
+          </p:cNvPr>
+          <p:cNvSpPr txBox="1"/>
+          <p:nvPr/>
+        </p:nvSpPr>
+        <p:spPr>
+          <a:xfrm>
+            <a:off x="568271" y="910124"/>
+            <a:ext cx="3462569" cy="584775"/>
+          </a:xfrm>
+          <a:prstGeom prst="rect">
+            <a:avLst/>
+          </a:prstGeom>
+          <a:noFill/>
+        </p:spPr>
+        <p:txBody>
+          <a:bodyPr wrap="square">
+            <a:spAutoFit/>
+          </a:bodyPr>
+          <a:lstStyle/>
+          <a:p>
+            <a:r>
+              <a:rPr lang="en-US" altLang="ko-KR" sz="1600">
+                <a:solidFill>
+                  <a:srgbClr val="FF0000"/>
+                </a:solidFill>
+                <a:latin typeface="나눔스퀘어" panose="020B0600000101010101" pitchFamily="50" charset="-127"/>
+                <a:ea typeface="나눔스퀘어" panose="020B0600000101010101" pitchFamily="50" charset="-127"/>
+              </a:rPr>
+              <a:t>Upsampling O, </a:t>
+            </a:r>
+          </a:p>
+          <a:p>
+            <a:r>
+              <a:rPr lang="en-US" altLang="ko-KR" sz="1600">
+                <a:solidFill>
+                  <a:srgbClr val="FF0000"/>
+                </a:solidFill>
+                <a:latin typeface="나눔스퀘어" panose="020B0600000101010101" pitchFamily="50" charset="-127"/>
+                <a:ea typeface="나눔스퀘어" panose="020B0600000101010101" pitchFamily="50" charset="-127"/>
+              </a:rPr>
+              <a:t>class weight [0.8172, 1.2881]</a:t>
+            </a:r>
+            <a:endParaRPr lang="ko-KR" altLang="en-US" sz="1600" dirty="0">
+              <a:solidFill>
+                <a:srgbClr val="FF0000"/>
+              </a:solidFill>
+              <a:latin typeface="나눔스퀘어" panose="020B0600000101010101" pitchFamily="50" charset="-127"/>
+              <a:ea typeface="나눔스퀘어" panose="020B0600000101010101" pitchFamily="50" charset="-127"/>
+            </a:endParaRPr>
+          </a:p>
+        </p:txBody>
+      </p:sp>
+      <p:sp>
+        <p:nvSpPr>
+          <p:cNvPr id="7" name="TextBox 6">
+            <a:extLst>
+              <a:ext uri="{FF2B5EF4-FFF2-40B4-BE49-F238E27FC236}">
+                <a16:creationId xmlns:a16="http://schemas.microsoft.com/office/drawing/2014/main" id="{12A13EEA-9AF5-4542-5088-341434EB16CE}"/>
+              </a:ext>
+            </a:extLst>
+          </p:cNvPr>
+          <p:cNvSpPr txBox="1"/>
+          <p:nvPr/>
+        </p:nvSpPr>
+        <p:spPr>
+          <a:xfrm>
+            <a:off x="568271" y="2354696"/>
+            <a:ext cx="2917167" cy="584775"/>
+          </a:xfrm>
+          <a:prstGeom prst="rect">
+            <a:avLst/>
+          </a:prstGeom>
+          <a:noFill/>
+        </p:spPr>
+        <p:txBody>
+          <a:bodyPr wrap="square">
+            <a:spAutoFit/>
+          </a:bodyPr>
+          <a:lstStyle/>
+          <a:p>
+            <a:r>
+              <a:rPr lang="en-US" altLang="ko-KR" sz="1600">
+                <a:latin typeface="나눔스퀘어" panose="020B0600000101010101" pitchFamily="50" charset="-127"/>
+                <a:ea typeface="나눔스퀘어" panose="020B0600000101010101" pitchFamily="50" charset="-127"/>
+              </a:rPr>
+              <a:t>Upsampling X, </a:t>
+            </a:r>
+          </a:p>
+          <a:p>
+            <a:r>
+              <a:rPr lang="en-US" altLang="ko-KR" sz="1600">
+                <a:latin typeface="나눔스퀘어" panose="020B0600000101010101" pitchFamily="50" charset="-127"/>
+                <a:ea typeface="나눔스퀘어" panose="020B0600000101010101" pitchFamily="50" charset="-127"/>
+              </a:rPr>
+              <a:t>class weight [0.8172, 1.2881]</a:t>
+            </a:r>
+            <a:endParaRPr lang="ko-KR" altLang="en-US" sz="1600" dirty="0">
+              <a:latin typeface="나눔스퀘어" panose="020B0600000101010101" pitchFamily="50" charset="-127"/>
+              <a:ea typeface="나눔스퀘어" panose="020B0600000101010101" pitchFamily="50" charset="-127"/>
+            </a:endParaRPr>
+          </a:p>
+        </p:txBody>
+      </p:sp>
+      <p:sp>
+        <p:nvSpPr>
+          <p:cNvPr id="13" name="TextBox 12">
+            <a:extLst>
+              <a:ext uri="{FF2B5EF4-FFF2-40B4-BE49-F238E27FC236}">
+                <a16:creationId xmlns:a16="http://schemas.microsoft.com/office/drawing/2014/main" id="{53DCE45A-1303-E9F4-DF3C-B97FADFFEB34}"/>
+              </a:ext>
+            </a:extLst>
+          </p:cNvPr>
+          <p:cNvSpPr txBox="1"/>
+          <p:nvPr/>
+        </p:nvSpPr>
+        <p:spPr>
+          <a:xfrm>
+            <a:off x="568271" y="3534504"/>
+            <a:ext cx="2782564" cy="646331"/>
+          </a:xfrm>
+          <a:prstGeom prst="rect">
+            <a:avLst/>
+          </a:prstGeom>
+          <a:noFill/>
+        </p:spPr>
+        <p:txBody>
+          <a:bodyPr wrap="square">
+            <a:spAutoFit/>
+          </a:bodyPr>
+          <a:lstStyle/>
+          <a:p>
+            <a:r>
+              <a:rPr lang="en-US" altLang="ko-KR" sz="1800">
+                <a:latin typeface="나눔스퀘어" panose="020B0600000101010101" pitchFamily="50" charset="-127"/>
+                <a:ea typeface="나눔스퀘어" panose="020B0600000101010101" pitchFamily="50" charset="-127"/>
+              </a:rPr>
+              <a:t>Upsampling O, </a:t>
+            </a:r>
+          </a:p>
+          <a:p>
+            <a:r>
+              <a:rPr lang="en-US" altLang="ko-KR" sz="1800">
+                <a:latin typeface="나눔스퀘어" panose="020B0600000101010101" pitchFamily="50" charset="-127"/>
+                <a:ea typeface="나눔스퀘어" panose="020B0600000101010101" pitchFamily="50" charset="-127"/>
+              </a:rPr>
+              <a:t>class weight [1.0, 1.0]</a:t>
+            </a:r>
+            <a:endParaRPr lang="ko-KR" altLang="en-US" sz="1800" dirty="0">
+              <a:latin typeface="나눔스퀘어" panose="020B0600000101010101" pitchFamily="50" charset="-127"/>
+              <a:ea typeface="나눔스퀘어" panose="020B0600000101010101" pitchFamily="50" charset="-127"/>
+            </a:endParaRPr>
+          </a:p>
+        </p:txBody>
+      </p:sp>
+      <p:sp>
+        <p:nvSpPr>
+          <p:cNvPr id="17" name="TextBox 16">
+            <a:extLst>
+              <a:ext uri="{FF2B5EF4-FFF2-40B4-BE49-F238E27FC236}">
+                <a16:creationId xmlns:a16="http://schemas.microsoft.com/office/drawing/2014/main" id="{457B1DCF-3D9F-443A-1EAD-960D7DE12D7C}"/>
+              </a:ext>
+            </a:extLst>
+          </p:cNvPr>
+          <p:cNvSpPr txBox="1"/>
+          <p:nvPr/>
+        </p:nvSpPr>
+        <p:spPr>
+          <a:xfrm>
+            <a:off x="568271" y="5422200"/>
+            <a:ext cx="2641185" cy="646331"/>
+          </a:xfrm>
+          <a:prstGeom prst="rect">
+            <a:avLst/>
+          </a:prstGeom>
+          <a:noFill/>
+        </p:spPr>
+        <p:txBody>
+          <a:bodyPr wrap="square">
+            <a:spAutoFit/>
+          </a:bodyPr>
+          <a:lstStyle/>
+          <a:p>
+            <a:r>
+              <a:rPr lang="en-US" altLang="ko-KR" sz="1800">
+                <a:latin typeface="나눔스퀘어" panose="020B0600000101010101" pitchFamily="50" charset="-127"/>
+                <a:ea typeface="나눔스퀘어" panose="020B0600000101010101" pitchFamily="50" charset="-127"/>
+              </a:rPr>
+              <a:t>Upsampling X, </a:t>
+            </a:r>
+          </a:p>
+          <a:p>
+            <a:r>
+              <a:rPr lang="en-US" altLang="ko-KR" sz="1800">
+                <a:latin typeface="나눔스퀘어" panose="020B0600000101010101" pitchFamily="50" charset="-127"/>
+                <a:ea typeface="나눔스퀘어" panose="020B0600000101010101" pitchFamily="50" charset="-127"/>
+              </a:rPr>
+              <a:t>class weight [1.0, 1.0]</a:t>
+            </a:r>
+            <a:endParaRPr lang="ko-KR" altLang="en-US" sz="1800" dirty="0">
+              <a:latin typeface="나눔스퀘어" panose="020B0600000101010101" pitchFamily="50" charset="-127"/>
+              <a:ea typeface="나눔스퀘어" panose="020B0600000101010101" pitchFamily="50" charset="-127"/>
+            </a:endParaRPr>
+          </a:p>
+        </p:txBody>
+      </p:sp>
+      <p:sp>
+        <p:nvSpPr>
+          <p:cNvPr id="19" name="TextBox 18">
+            <a:extLst>
+              <a:ext uri="{FF2B5EF4-FFF2-40B4-BE49-F238E27FC236}">
+                <a16:creationId xmlns:a16="http://schemas.microsoft.com/office/drawing/2014/main" id="{07767F2E-7A9C-CA3A-9D68-8833EB117DD4}"/>
+              </a:ext>
+            </a:extLst>
+          </p:cNvPr>
+          <p:cNvSpPr txBox="1"/>
+          <p:nvPr/>
+        </p:nvSpPr>
+        <p:spPr>
+          <a:xfrm>
+            <a:off x="160679" y="110443"/>
+            <a:ext cx="6097554" cy="369332"/>
+          </a:xfrm>
+          <a:prstGeom prst="rect">
+            <a:avLst/>
+          </a:prstGeom>
+          <a:noFill/>
+        </p:spPr>
+        <p:txBody>
+          <a:bodyPr wrap="square">
+            <a:spAutoFit/>
+          </a:bodyPr>
+          <a:lstStyle/>
+          <a:p>
+            <a:r>
+              <a:rPr lang="en-US" altLang="ko-KR" sz="1800" b="1">
+                <a:latin typeface="나눔스퀘어" panose="020B0600000101010101" pitchFamily="50" charset="-127"/>
+                <a:ea typeface="나눔스퀘어" panose="020B0600000101010101" pitchFamily="50" charset="-127"/>
+              </a:rPr>
+              <a:t>UCLA_CNP+COBRE</a:t>
+            </a:r>
+            <a:endParaRPr lang="ko-KR" altLang="en-US" b="1"/>
+          </a:p>
+        </p:txBody>
+      </p:sp>
+      <p:pic>
+        <p:nvPicPr>
+          <p:cNvPr id="4" name="그림 3">
+            <a:extLst>
+              <a:ext uri="{FF2B5EF4-FFF2-40B4-BE49-F238E27FC236}">
+                <a16:creationId xmlns:a16="http://schemas.microsoft.com/office/drawing/2014/main" id="{76F3E22C-0607-4DEE-5E72-CA69167EBD5D}"/>
+              </a:ext>
+            </a:extLst>
+          </p:cNvPr>
+          <p:cNvPicPr>
+            <a:picLocks noChangeAspect="1"/>
+          </p:cNvPicPr>
+          <p:nvPr/>
+        </p:nvPicPr>
+        <p:blipFill>
+          <a:blip r:embed="rId2">
+            <a:extLst>
+              <a:ext uri="{28A0092B-C50C-407E-A947-70E740481C1C}">
+                <a14:useLocalDpi xmlns:a14="http://schemas.microsoft.com/office/drawing/2010/main" val="0"/>
+              </a:ext>
+            </a:extLst>
+          </a:blip>
+          <a:stretch>
+            <a:fillRect/>
+          </a:stretch>
+        </p:blipFill>
+        <p:spPr>
+          <a:xfrm>
+            <a:off x="9686242" y="4978680"/>
+            <a:ext cx="2505758" cy="1879319"/>
+          </a:xfrm>
+          <a:prstGeom prst="rect">
+            <a:avLst/>
+          </a:prstGeom>
+        </p:spPr>
+      </p:pic>
+      <p:pic>
+        <p:nvPicPr>
+          <p:cNvPr id="8" name="그림 7">
+            <a:extLst>
+              <a:ext uri="{FF2B5EF4-FFF2-40B4-BE49-F238E27FC236}">
+                <a16:creationId xmlns:a16="http://schemas.microsoft.com/office/drawing/2014/main" id="{5D6320E2-FFED-5362-D7AC-0F48A422DCAB}"/>
+              </a:ext>
+            </a:extLst>
+          </p:cNvPr>
+          <p:cNvPicPr>
+            <a:picLocks noChangeAspect="1"/>
+          </p:cNvPicPr>
+          <p:nvPr/>
+        </p:nvPicPr>
+        <p:blipFill>
+          <a:blip r:embed="rId3">
+            <a:extLst>
+              <a:ext uri="{28A0092B-C50C-407E-A947-70E740481C1C}">
+                <a14:useLocalDpi xmlns:a14="http://schemas.microsoft.com/office/drawing/2010/main" val="0"/>
+              </a:ext>
+            </a:extLst>
+          </a:blip>
+          <a:stretch>
+            <a:fillRect/>
+          </a:stretch>
+        </p:blipFill>
+        <p:spPr>
+          <a:xfrm>
+            <a:off x="4118855" y="4978681"/>
+            <a:ext cx="2505758" cy="1879319"/>
+          </a:xfrm>
+          <a:prstGeom prst="rect">
+            <a:avLst/>
+          </a:prstGeom>
+        </p:spPr>
+      </p:pic>
+      <p:pic>
+        <p:nvPicPr>
+          <p:cNvPr id="11" name="그림 10">
+            <a:extLst>
+              <a:ext uri="{FF2B5EF4-FFF2-40B4-BE49-F238E27FC236}">
+                <a16:creationId xmlns:a16="http://schemas.microsoft.com/office/drawing/2014/main" id="{E6D922BD-410D-6D32-A91C-9173D0AB4485}"/>
+              </a:ext>
+            </a:extLst>
+          </p:cNvPr>
+          <p:cNvPicPr>
+            <a:picLocks noChangeAspect="1"/>
+          </p:cNvPicPr>
+          <p:nvPr/>
+        </p:nvPicPr>
+        <p:blipFill>
+          <a:blip r:embed="rId4">
+            <a:extLst>
+              <a:ext uri="{28A0092B-C50C-407E-A947-70E740481C1C}">
+                <a14:useLocalDpi xmlns:a14="http://schemas.microsoft.com/office/drawing/2010/main" val="0"/>
+              </a:ext>
+            </a:extLst>
+          </a:blip>
+          <a:stretch>
+            <a:fillRect/>
+          </a:stretch>
+        </p:blipFill>
+        <p:spPr>
+          <a:xfrm>
+            <a:off x="6985845" y="4978680"/>
+            <a:ext cx="2505758" cy="1879319"/>
+          </a:xfrm>
+          <a:prstGeom prst="rect">
+            <a:avLst/>
+          </a:prstGeom>
+        </p:spPr>
+      </p:pic>
+      <p:pic>
+        <p:nvPicPr>
+          <p:cNvPr id="16" name="그림 15">
+            <a:extLst>
+              <a:ext uri="{FF2B5EF4-FFF2-40B4-BE49-F238E27FC236}">
+                <a16:creationId xmlns:a16="http://schemas.microsoft.com/office/drawing/2014/main" id="{215833AC-D021-17DD-7077-54033A363E82}"/>
+              </a:ext>
+            </a:extLst>
+          </p:cNvPr>
+          <p:cNvPicPr>
+            <a:picLocks noChangeAspect="1"/>
+          </p:cNvPicPr>
+          <p:nvPr/>
+        </p:nvPicPr>
+        <p:blipFill>
+          <a:blip r:embed="rId5">
+            <a:extLst>
+              <a:ext uri="{28A0092B-C50C-407E-A947-70E740481C1C}">
+                <a14:useLocalDpi xmlns:a14="http://schemas.microsoft.com/office/drawing/2010/main" val="0"/>
+              </a:ext>
+            </a:extLst>
+          </a:blip>
+          <a:stretch>
+            <a:fillRect/>
+          </a:stretch>
+        </p:blipFill>
+        <p:spPr>
+          <a:xfrm>
+            <a:off x="9670801" y="3256344"/>
+            <a:ext cx="2495074" cy="1871305"/>
+          </a:xfrm>
+          <a:prstGeom prst="rect">
+            <a:avLst/>
+          </a:prstGeom>
+        </p:spPr>
+      </p:pic>
+      <p:pic>
+        <p:nvPicPr>
+          <p:cNvPr id="20" name="그림 19">
+            <a:extLst>
+              <a:ext uri="{FF2B5EF4-FFF2-40B4-BE49-F238E27FC236}">
+                <a16:creationId xmlns:a16="http://schemas.microsoft.com/office/drawing/2014/main" id="{CD1F566D-F084-4B54-473B-DDC1A529D88F}"/>
+              </a:ext>
+            </a:extLst>
+          </p:cNvPr>
+          <p:cNvPicPr>
+            <a:picLocks noChangeAspect="1"/>
+          </p:cNvPicPr>
+          <p:nvPr/>
+        </p:nvPicPr>
+        <p:blipFill>
+          <a:blip r:embed="rId6">
+            <a:extLst>
+              <a:ext uri="{28A0092B-C50C-407E-A947-70E740481C1C}">
+                <a14:useLocalDpi xmlns:a14="http://schemas.microsoft.com/office/drawing/2010/main" val="0"/>
+              </a:ext>
+            </a:extLst>
+          </a:blip>
+          <a:stretch>
+            <a:fillRect/>
+          </a:stretch>
+        </p:blipFill>
+        <p:spPr>
+          <a:xfrm>
+            <a:off x="4102596" y="3256343"/>
+            <a:ext cx="2505760" cy="1879319"/>
+          </a:xfrm>
+          <a:prstGeom prst="rect">
+            <a:avLst/>
+          </a:prstGeom>
+        </p:spPr>
+      </p:pic>
+      <p:pic>
+        <p:nvPicPr>
+          <p:cNvPr id="22" name="그림 21">
+            <a:extLst>
+              <a:ext uri="{FF2B5EF4-FFF2-40B4-BE49-F238E27FC236}">
+                <a16:creationId xmlns:a16="http://schemas.microsoft.com/office/drawing/2014/main" id="{6539365D-6721-4E8E-705C-5644EDE83E2F}"/>
+              </a:ext>
+            </a:extLst>
+          </p:cNvPr>
+          <p:cNvPicPr>
+            <a:picLocks noChangeAspect="1"/>
+          </p:cNvPicPr>
+          <p:nvPr/>
+        </p:nvPicPr>
+        <p:blipFill>
+          <a:blip r:embed="rId7">
+            <a:extLst>
+              <a:ext uri="{28A0092B-C50C-407E-A947-70E740481C1C}">
+                <a14:useLocalDpi xmlns:a14="http://schemas.microsoft.com/office/drawing/2010/main" val="0"/>
+              </a:ext>
+            </a:extLst>
+          </a:blip>
+          <a:stretch>
+            <a:fillRect/>
+          </a:stretch>
+        </p:blipFill>
+        <p:spPr>
+          <a:xfrm>
+            <a:off x="6957549" y="3256344"/>
+            <a:ext cx="2505758" cy="1879318"/>
+          </a:xfrm>
+          <a:prstGeom prst="rect">
+            <a:avLst/>
+          </a:prstGeom>
+        </p:spPr>
+      </p:pic>
+      <p:pic>
+        <p:nvPicPr>
+          <p:cNvPr id="24" name="그림 23">
+            <a:extLst>
+              <a:ext uri="{FF2B5EF4-FFF2-40B4-BE49-F238E27FC236}">
+                <a16:creationId xmlns:a16="http://schemas.microsoft.com/office/drawing/2014/main" id="{8668BC0D-69AA-E52E-9374-0E2A35C40BF9}"/>
+              </a:ext>
+            </a:extLst>
+          </p:cNvPr>
+          <p:cNvPicPr>
+            <a:picLocks noChangeAspect="1"/>
+          </p:cNvPicPr>
+          <p:nvPr/>
+        </p:nvPicPr>
+        <p:blipFill>
+          <a:blip r:embed="rId8">
+            <a:extLst>
+              <a:ext uri="{28A0092B-C50C-407E-A947-70E740481C1C}">
+                <a14:useLocalDpi xmlns:a14="http://schemas.microsoft.com/office/drawing/2010/main" val="0"/>
+              </a:ext>
+            </a:extLst>
+          </a:blip>
+          <a:stretch>
+            <a:fillRect/>
+          </a:stretch>
+        </p:blipFill>
+        <p:spPr>
+          <a:xfrm>
+            <a:off x="9564915" y="0"/>
+            <a:ext cx="2600960" cy="1950721"/>
+          </a:xfrm>
+          <a:prstGeom prst="rect">
+            <a:avLst/>
+          </a:prstGeom>
+        </p:spPr>
+      </p:pic>
+      <p:pic>
+        <p:nvPicPr>
+          <p:cNvPr id="26" name="그림 25">
+            <a:extLst>
+              <a:ext uri="{FF2B5EF4-FFF2-40B4-BE49-F238E27FC236}">
+                <a16:creationId xmlns:a16="http://schemas.microsoft.com/office/drawing/2014/main" id="{C7545C92-DA79-D767-CFC8-5293CFC1EAC6}"/>
+              </a:ext>
+            </a:extLst>
+          </p:cNvPr>
+          <p:cNvPicPr>
+            <a:picLocks noChangeAspect="1"/>
+          </p:cNvPicPr>
+          <p:nvPr/>
+        </p:nvPicPr>
+        <p:blipFill>
+          <a:blip r:embed="rId9">
+            <a:extLst>
+              <a:ext uri="{28A0092B-C50C-407E-A947-70E740481C1C}">
+                <a14:useLocalDpi xmlns:a14="http://schemas.microsoft.com/office/drawing/2010/main" val="0"/>
+              </a:ext>
+            </a:extLst>
+          </a:blip>
+          <a:stretch>
+            <a:fillRect/>
+          </a:stretch>
+        </p:blipFill>
+        <p:spPr>
+          <a:xfrm>
+            <a:off x="4153111" y="-121934"/>
+            <a:ext cx="2404730" cy="1803548"/>
+          </a:xfrm>
+          <a:prstGeom prst="rect">
+            <a:avLst/>
+          </a:prstGeom>
+        </p:spPr>
+      </p:pic>
+      <p:pic>
+        <p:nvPicPr>
+          <p:cNvPr id="28" name="그림 27">
+            <a:extLst>
+              <a:ext uri="{FF2B5EF4-FFF2-40B4-BE49-F238E27FC236}">
+                <a16:creationId xmlns:a16="http://schemas.microsoft.com/office/drawing/2014/main" id="{0608954B-E4CF-ACAC-7D06-083147567A49}"/>
+              </a:ext>
+            </a:extLst>
+          </p:cNvPr>
+          <p:cNvPicPr>
+            <a:picLocks noChangeAspect="1"/>
+          </p:cNvPicPr>
+          <p:nvPr/>
+        </p:nvPicPr>
+        <p:blipFill>
+          <a:blip r:embed="rId10">
+            <a:extLst>
+              <a:ext uri="{28A0092B-C50C-407E-A947-70E740481C1C}">
+                <a14:useLocalDpi xmlns:a14="http://schemas.microsoft.com/office/drawing/2010/main" val="0"/>
+              </a:ext>
+            </a:extLst>
+          </a:blip>
+          <a:stretch>
+            <a:fillRect/>
+          </a:stretch>
+        </p:blipFill>
+        <p:spPr>
+          <a:xfrm>
+            <a:off x="7053506" y="-49101"/>
+            <a:ext cx="2304613" cy="1728460"/>
+          </a:xfrm>
+          <a:prstGeom prst="rect">
+            <a:avLst/>
+          </a:prstGeom>
+        </p:spPr>
+      </p:pic>
+      <p:pic>
+        <p:nvPicPr>
+          <p:cNvPr id="30" name="그림 29">
+            <a:extLst>
+              <a:ext uri="{FF2B5EF4-FFF2-40B4-BE49-F238E27FC236}">
+                <a16:creationId xmlns:a16="http://schemas.microsoft.com/office/drawing/2014/main" id="{9DE5795B-0040-E166-FBFB-18B0D9E1A355}"/>
+              </a:ext>
+            </a:extLst>
+          </p:cNvPr>
+          <p:cNvPicPr>
+            <a:picLocks noChangeAspect="1"/>
+          </p:cNvPicPr>
+          <p:nvPr/>
+        </p:nvPicPr>
+        <p:blipFill>
+          <a:blip r:embed="rId11">
+            <a:extLst>
+              <a:ext uri="{28A0092B-C50C-407E-A947-70E740481C1C}">
+                <a14:useLocalDpi xmlns:a14="http://schemas.microsoft.com/office/drawing/2010/main" val="0"/>
+              </a:ext>
+            </a:extLst>
+          </a:blip>
+          <a:stretch>
+            <a:fillRect/>
+          </a:stretch>
+        </p:blipFill>
+        <p:spPr>
+          <a:xfrm>
+            <a:off x="9733781" y="1771381"/>
+            <a:ext cx="2274783" cy="1706087"/>
+          </a:xfrm>
+          <a:prstGeom prst="rect">
+            <a:avLst/>
+          </a:prstGeom>
+        </p:spPr>
+      </p:pic>
+      <p:pic>
+        <p:nvPicPr>
+          <p:cNvPr id="32" name="그림 31">
+            <a:extLst>
+              <a:ext uri="{FF2B5EF4-FFF2-40B4-BE49-F238E27FC236}">
+                <a16:creationId xmlns:a16="http://schemas.microsoft.com/office/drawing/2014/main" id="{A803B8E1-FFA1-4896-D1CF-5A29F3EDBCA8}"/>
+              </a:ext>
+            </a:extLst>
+          </p:cNvPr>
+          <p:cNvPicPr>
+            <a:picLocks noChangeAspect="1"/>
+          </p:cNvPicPr>
+          <p:nvPr/>
+        </p:nvPicPr>
+        <p:blipFill>
+          <a:blip r:embed="rId12">
+            <a:extLst>
+              <a:ext uri="{28A0092B-C50C-407E-A947-70E740481C1C}">
+                <a14:useLocalDpi xmlns:a14="http://schemas.microsoft.com/office/drawing/2010/main" val="0"/>
+              </a:ext>
+            </a:extLst>
+          </a:blip>
+          <a:stretch>
+            <a:fillRect/>
+          </a:stretch>
+        </p:blipFill>
+        <p:spPr>
+          <a:xfrm>
+            <a:off x="4095312" y="1534005"/>
+            <a:ext cx="2591285" cy="1943463"/>
+          </a:xfrm>
+          <a:prstGeom prst="rect">
+            <a:avLst/>
+          </a:prstGeom>
+        </p:spPr>
+      </p:pic>
+      <p:pic>
+        <p:nvPicPr>
+          <p:cNvPr id="34" name="그림 33">
+            <a:extLst>
+              <a:ext uri="{FF2B5EF4-FFF2-40B4-BE49-F238E27FC236}">
+                <a16:creationId xmlns:a16="http://schemas.microsoft.com/office/drawing/2014/main" id="{6AD97A4F-CB2E-D30B-FCDB-FCEB3FB1DC73}"/>
+              </a:ext>
+            </a:extLst>
+          </p:cNvPr>
+          <p:cNvPicPr>
+            <a:picLocks noChangeAspect="1"/>
+          </p:cNvPicPr>
+          <p:nvPr/>
+        </p:nvPicPr>
+        <p:blipFill>
+          <a:blip r:embed="rId13">
+            <a:extLst>
+              <a:ext uri="{28A0092B-C50C-407E-A947-70E740481C1C}">
+                <a14:useLocalDpi xmlns:a14="http://schemas.microsoft.com/office/drawing/2010/main" val="0"/>
+              </a:ext>
+            </a:extLst>
+          </a:blip>
+          <a:stretch>
+            <a:fillRect/>
+          </a:stretch>
+        </p:blipFill>
+        <p:spPr>
+          <a:xfrm>
+            <a:off x="7013232" y="1679359"/>
+            <a:ext cx="2397481" cy="1798110"/>
+          </a:xfrm>
+          <a:prstGeom prst="rect">
+            <a:avLst/>
+          </a:prstGeom>
+        </p:spPr>
+      </p:pic>
+    </p:spTree>
+    <p:extLst>
+      <p:ext uri="{BB962C8B-B14F-4D97-AF65-F5344CB8AC3E}">
+        <p14:creationId xmlns:p14="http://schemas.microsoft.com/office/powerpoint/2010/main" val="3752250938"/>
+      </p:ext>
+    </p:extLst>
+  </p:cSld>
+  <p:clrMapOvr>
+    <a:masterClrMapping/>
+  </p:clrMapOvr>
+</p:sld>
+</file>
+
+<file path=ppt/slides/slide17.xml><?xml version="1.0" encoding="utf-8"?>
+<p:sld xmlns:a="http://schemas.openxmlformats.org/drawingml/2006/main" xmlns:r="http://schemas.openxmlformats.org/officeDocument/2006/relationships" xmlns:p="http://schemas.openxmlformats.org/presentationml/2006/main">
+  <p:cSld>
+    <p:spTree>
+      <p:nvGrpSpPr>
+        <p:cNvPr id="1" name=""/>
+        <p:cNvGrpSpPr/>
+        <p:nvPr/>
+      </p:nvGrpSpPr>
+      <p:grpSpPr>
+        <a:xfrm>
+          <a:off x="0" y="0"/>
+          <a:ext cx="0" cy="0"/>
+          <a:chOff x="0" y="0"/>
+          <a:chExt cx="0" cy="0"/>
+        </a:xfrm>
+      </p:grpSpPr>
+      <p:pic>
+        <p:nvPicPr>
+          <p:cNvPr id="35" name="내용 개체 틀 4">
+            <a:extLst>
+              <a:ext uri="{FF2B5EF4-FFF2-40B4-BE49-F238E27FC236}">
+                <a16:creationId xmlns:a16="http://schemas.microsoft.com/office/drawing/2014/main" id="{6A1232E6-8CCC-E5ED-BC6A-C9334EDCF8EB}"/>
+              </a:ext>
+            </a:extLst>
+          </p:cNvPr>
+          <p:cNvPicPr>
+            <a:picLocks noChangeAspect="1"/>
+          </p:cNvPicPr>
+          <p:nvPr/>
+        </p:nvPicPr>
+        <p:blipFill rotWithShape="1">
+          <a:blip r:embed="rId2">
+            <a:extLst>
+              <a:ext uri="{28A0092B-C50C-407E-A947-70E740481C1C}">
+                <a14:useLocalDpi xmlns:a14="http://schemas.microsoft.com/office/drawing/2010/main" val="0"/>
+              </a:ext>
+            </a:extLst>
+          </a:blip>
+          <a:srcRect l="7998" t="9571" r="8823" b="4879"/>
+          <a:stretch/>
+        </p:blipFill>
+        <p:spPr>
+          <a:xfrm>
+            <a:off x="9427888" y="2000564"/>
+            <a:ext cx="2769184" cy="1755436"/>
+          </a:xfrm>
+          <a:prstGeom prst="rect">
+            <a:avLst/>
+          </a:prstGeom>
+        </p:spPr>
+      </p:pic>
+      <p:pic>
+        <p:nvPicPr>
+          <p:cNvPr id="24" name="내용 개체 틀 23">
+            <a:extLst>
+              <a:ext uri="{FF2B5EF4-FFF2-40B4-BE49-F238E27FC236}">
+                <a16:creationId xmlns:a16="http://schemas.microsoft.com/office/drawing/2014/main" id="{AC15D9FA-62EC-F0EC-EB68-57C14E065EE1}"/>
+              </a:ext>
+            </a:extLst>
+          </p:cNvPr>
+          <p:cNvPicPr>
+            <a:picLocks noGrp="1" noChangeAspect="1"/>
+          </p:cNvPicPr>
+          <p:nvPr>
+            <p:ph idx="1"/>
+          </p:nvPr>
+        </p:nvPicPr>
+        <p:blipFill rotWithShape="1">
+          <a:blip r:embed="rId3">
+            <a:extLst>
+              <a:ext uri="{28A0092B-C50C-407E-A947-70E740481C1C}">
+                <a14:useLocalDpi xmlns:a14="http://schemas.microsoft.com/office/drawing/2010/main" val="0"/>
+              </a:ext>
+            </a:extLst>
+          </a:blip>
+          <a:srcRect l="7263" t="8725" r="8718" b="5694"/>
+          <a:stretch/>
+        </p:blipFill>
+        <p:spPr>
+          <a:xfrm>
+            <a:off x="9397401" y="308474"/>
+            <a:ext cx="2794599" cy="1793279"/>
+          </a:xfrm>
+        </p:spPr>
+      </p:pic>
+      <p:pic>
+        <p:nvPicPr>
+          <p:cNvPr id="30" name="그림 29">
+            <a:extLst>
+              <a:ext uri="{FF2B5EF4-FFF2-40B4-BE49-F238E27FC236}">
+                <a16:creationId xmlns:a16="http://schemas.microsoft.com/office/drawing/2014/main" id="{E14EC61D-397D-1BC4-5783-65BFC2113B17}"/>
+              </a:ext>
+            </a:extLst>
+          </p:cNvPr>
+          <p:cNvPicPr>
+            <a:picLocks noChangeAspect="1"/>
+          </p:cNvPicPr>
+          <p:nvPr/>
+        </p:nvPicPr>
+        <p:blipFill rotWithShape="1">
+          <a:blip r:embed="rId4">
+            <a:extLst>
+              <a:ext uri="{28A0092B-C50C-407E-A947-70E740481C1C}">
+                <a14:useLocalDpi xmlns:a14="http://schemas.microsoft.com/office/drawing/2010/main" val="0"/>
+              </a:ext>
+            </a:extLst>
+          </a:blip>
+          <a:srcRect l="3364" t="8186" r="7218"/>
+          <a:stretch/>
+        </p:blipFill>
+        <p:spPr>
+          <a:xfrm>
+            <a:off x="6428792" y="315169"/>
+            <a:ext cx="3141815" cy="1894444"/>
+          </a:xfrm>
+          <a:prstGeom prst="rect">
+            <a:avLst/>
+          </a:prstGeom>
+        </p:spPr>
+      </p:pic>
+      <p:sp>
+        <p:nvSpPr>
+          <p:cNvPr id="20" name="TextBox 19">
+            <a:extLst>
+              <a:ext uri="{FF2B5EF4-FFF2-40B4-BE49-F238E27FC236}">
+                <a16:creationId xmlns:a16="http://schemas.microsoft.com/office/drawing/2014/main" id="{8A410553-1381-F593-7D12-A1BDF89A934B}"/>
+              </a:ext>
+            </a:extLst>
+          </p:cNvPr>
+          <p:cNvSpPr txBox="1"/>
+          <p:nvPr/>
+        </p:nvSpPr>
+        <p:spPr>
+          <a:xfrm>
+            <a:off x="813993" y="983743"/>
+            <a:ext cx="2469843" cy="646331"/>
+          </a:xfrm>
+          <a:prstGeom prst="rect">
+            <a:avLst/>
+          </a:prstGeom>
+          <a:noFill/>
+        </p:spPr>
+        <p:txBody>
+          <a:bodyPr wrap="none" rtlCol="0">
+            <a:spAutoFit/>
+          </a:bodyPr>
+          <a:lstStyle/>
+          <a:p>
+            <a:r>
+              <a:rPr lang="en-US" altLang="ko-KR" dirty="0" err="1">
+                <a:latin typeface="나눔스퀘어" panose="020B0600000101010101" pitchFamily="50" charset="-127"/>
+                <a:ea typeface="나눔스퀘어" panose="020B0600000101010101" pitchFamily="50" charset="-127"/>
+              </a:rPr>
+              <a:t>Upsampling</a:t>
+            </a:r>
+            <a:r>
+              <a:rPr lang="en-US" altLang="ko-KR" dirty="0">
+                <a:latin typeface="나눔스퀘어" panose="020B0600000101010101" pitchFamily="50" charset="-127"/>
+                <a:ea typeface="나눔스퀘어" panose="020B0600000101010101" pitchFamily="50" charset="-127"/>
+              </a:rPr>
+              <a:t> X, </a:t>
+            </a:r>
+          </a:p>
+          <a:p>
+            <a:r>
+              <a:rPr lang="en-US" altLang="ko-KR" dirty="0">
+                <a:latin typeface="나눔스퀘어" panose="020B0600000101010101" pitchFamily="50" charset="-127"/>
+                <a:ea typeface="나눔스퀘어" panose="020B0600000101010101" pitchFamily="50" charset="-127"/>
+              </a:rPr>
+              <a:t>class weight [1.0, 1.0]</a:t>
+            </a:r>
+            <a:endParaRPr lang="ko-KR" altLang="en-US" dirty="0">
+              <a:latin typeface="나눔스퀘어" panose="020B0600000101010101" pitchFamily="50" charset="-127"/>
+              <a:ea typeface="나눔스퀘어" panose="020B0600000101010101" pitchFamily="50" charset="-127"/>
+            </a:endParaRPr>
+          </a:p>
+        </p:txBody>
+      </p:sp>
+      <p:pic>
+        <p:nvPicPr>
+          <p:cNvPr id="28" name="그림 27">
+            <a:extLst>
+              <a:ext uri="{FF2B5EF4-FFF2-40B4-BE49-F238E27FC236}">
+                <a16:creationId xmlns:a16="http://schemas.microsoft.com/office/drawing/2014/main" id="{E71ADADE-D0AE-9D70-E7B0-6B98C0420A84}"/>
+              </a:ext>
+            </a:extLst>
+          </p:cNvPr>
+          <p:cNvPicPr>
+            <a:picLocks noChangeAspect="1"/>
+          </p:cNvPicPr>
+          <p:nvPr/>
+        </p:nvPicPr>
+        <p:blipFill rotWithShape="1">
+          <a:blip r:embed="rId5">
+            <a:extLst>
+              <a:ext uri="{28A0092B-C50C-407E-A947-70E740481C1C}">
+                <a14:useLocalDpi xmlns:a14="http://schemas.microsoft.com/office/drawing/2010/main" val="0"/>
+              </a:ext>
+            </a:extLst>
+          </a:blip>
+          <a:srcRect l="3090" t="9888" r="8268"/>
+          <a:stretch/>
+        </p:blipFill>
+        <p:spPr>
+          <a:xfrm>
+            <a:off x="3376899" y="327395"/>
+            <a:ext cx="3341216" cy="1875607"/>
+          </a:xfrm>
+          <a:prstGeom prst="rect">
+            <a:avLst/>
+          </a:prstGeom>
+        </p:spPr>
+      </p:pic>
+      <p:sp>
+        <p:nvSpPr>
+          <p:cNvPr id="32" name="TextBox 31">
+            <a:extLst>
+              <a:ext uri="{FF2B5EF4-FFF2-40B4-BE49-F238E27FC236}">
+                <a16:creationId xmlns:a16="http://schemas.microsoft.com/office/drawing/2014/main" id="{E5D2717A-185B-BDC8-AADC-B59FBB5012B2}"/>
+              </a:ext>
+            </a:extLst>
+          </p:cNvPr>
+          <p:cNvSpPr txBox="1"/>
+          <p:nvPr/>
+        </p:nvSpPr>
+        <p:spPr>
+          <a:xfrm>
+            <a:off x="5011316" y="4552"/>
+            <a:ext cx="1084684" cy="369332"/>
+          </a:xfrm>
+          <a:prstGeom prst="rect">
+            <a:avLst/>
+          </a:prstGeom>
+          <a:noFill/>
+        </p:spPr>
+        <p:txBody>
+          <a:bodyPr wrap="square">
+            <a:spAutoFit/>
+          </a:bodyPr>
+          <a:lstStyle/>
+          <a:p>
+            <a:r>
+              <a:rPr lang="en-US" altLang="ko-KR" dirty="0">
+                <a:latin typeface="나눔스퀘어" panose="020B0600000101010101" pitchFamily="50" charset="-127"/>
+                <a:ea typeface="나눔스퀘어" panose="020B0600000101010101" pitchFamily="50" charset="-127"/>
+              </a:rPr>
+              <a:t>SEN</a:t>
+            </a:r>
+            <a:endParaRPr lang="ko-KR" altLang="en-US" dirty="0">
+              <a:latin typeface="나눔스퀘어" panose="020B0600000101010101" pitchFamily="50" charset="-127"/>
+              <a:ea typeface="나눔스퀘어" panose="020B0600000101010101" pitchFamily="50" charset="-127"/>
+            </a:endParaRPr>
+          </a:p>
+        </p:txBody>
+      </p:sp>
+      <p:sp>
+        <p:nvSpPr>
+          <p:cNvPr id="34" name="TextBox 33">
+            <a:extLst>
+              <a:ext uri="{FF2B5EF4-FFF2-40B4-BE49-F238E27FC236}">
+                <a16:creationId xmlns:a16="http://schemas.microsoft.com/office/drawing/2014/main" id="{28863417-B92E-74B1-953A-415FBABDDF98}"/>
+              </a:ext>
+            </a:extLst>
+          </p:cNvPr>
+          <p:cNvSpPr txBox="1"/>
+          <p:nvPr/>
+        </p:nvSpPr>
+        <p:spPr>
+          <a:xfrm>
+            <a:off x="813993" y="2473784"/>
+            <a:ext cx="2940557" cy="646331"/>
+          </a:xfrm>
+          <a:prstGeom prst="rect">
+            <a:avLst/>
+          </a:prstGeom>
+          <a:noFill/>
+        </p:spPr>
+        <p:txBody>
+          <a:bodyPr wrap="square">
+            <a:spAutoFit/>
+          </a:bodyPr>
+          <a:lstStyle/>
+          <a:p>
+            <a:r>
+              <a:rPr lang="en-US" altLang="ko-KR" dirty="0" err="1">
+                <a:latin typeface="나눔스퀘어" panose="020B0600000101010101" pitchFamily="50" charset="-127"/>
+                <a:ea typeface="나눔스퀘어" panose="020B0600000101010101" pitchFamily="50" charset="-127"/>
+              </a:rPr>
+              <a:t>Upsampling</a:t>
+            </a:r>
+            <a:r>
+              <a:rPr lang="en-US" altLang="ko-KR" dirty="0">
+                <a:latin typeface="나눔스퀘어" panose="020B0600000101010101" pitchFamily="50" charset="-127"/>
+                <a:ea typeface="나눔스퀘어" panose="020B0600000101010101" pitchFamily="50" charset="-127"/>
+              </a:rPr>
+              <a:t> X, </a:t>
+            </a:r>
+          </a:p>
+          <a:p>
+            <a:r>
+              <a:rPr lang="en-US" altLang="ko-KR" dirty="0">
+                <a:latin typeface="나눔스퀘어" panose="020B0600000101010101" pitchFamily="50" charset="-127"/>
+                <a:ea typeface="나눔스퀘어" panose="020B0600000101010101" pitchFamily="50" charset="-127"/>
+              </a:rPr>
+              <a:t>class weight [0.72, 1.66]</a:t>
+            </a:r>
+            <a:endParaRPr lang="ko-KR" altLang="en-US" dirty="0">
+              <a:latin typeface="나눔스퀘어" panose="020B0600000101010101" pitchFamily="50" charset="-127"/>
+              <a:ea typeface="나눔스퀘어" panose="020B0600000101010101" pitchFamily="50" charset="-127"/>
+            </a:endParaRPr>
+          </a:p>
+        </p:txBody>
+      </p:sp>
+      <p:pic>
+        <p:nvPicPr>
+          <p:cNvPr id="37" name="그림 36">
+            <a:extLst>
+              <a:ext uri="{FF2B5EF4-FFF2-40B4-BE49-F238E27FC236}">
+                <a16:creationId xmlns:a16="http://schemas.microsoft.com/office/drawing/2014/main" id="{B8E91300-B8C6-20A9-BB2A-EA9477EB5298}"/>
+              </a:ext>
+            </a:extLst>
+          </p:cNvPr>
+          <p:cNvPicPr>
+            <a:picLocks noChangeAspect="1"/>
+          </p:cNvPicPr>
+          <p:nvPr/>
+        </p:nvPicPr>
+        <p:blipFill rotWithShape="1">
+          <a:blip r:embed="rId6">
+            <a:extLst>
+              <a:ext uri="{28A0092B-C50C-407E-A947-70E740481C1C}">
+                <a14:useLocalDpi xmlns:a14="http://schemas.microsoft.com/office/drawing/2010/main" val="0"/>
+              </a:ext>
+            </a:extLst>
+          </a:blip>
+          <a:srcRect l="3665" t="9793" r="8496"/>
+          <a:stretch/>
+        </p:blipFill>
+        <p:spPr>
+          <a:xfrm>
+            <a:off x="6527375" y="2000564"/>
+            <a:ext cx="3014769" cy="1855551"/>
+          </a:xfrm>
+          <a:prstGeom prst="rect">
+            <a:avLst/>
+          </a:prstGeom>
+        </p:spPr>
+      </p:pic>
+      <p:pic>
+        <p:nvPicPr>
+          <p:cNvPr id="36" name="그림 35">
+            <a:extLst>
+              <a:ext uri="{FF2B5EF4-FFF2-40B4-BE49-F238E27FC236}">
+                <a16:creationId xmlns:a16="http://schemas.microsoft.com/office/drawing/2014/main" id="{C4400163-902C-664E-A10E-63A74A70A15F}"/>
+              </a:ext>
+            </a:extLst>
+          </p:cNvPr>
+          <p:cNvPicPr>
+            <a:picLocks noChangeAspect="1"/>
+          </p:cNvPicPr>
+          <p:nvPr/>
+        </p:nvPicPr>
+        <p:blipFill rotWithShape="1">
+          <a:blip r:embed="rId7">
+            <a:extLst>
+              <a:ext uri="{28A0092B-C50C-407E-A947-70E740481C1C}">
+                <a14:useLocalDpi xmlns:a14="http://schemas.microsoft.com/office/drawing/2010/main" val="0"/>
+              </a:ext>
+            </a:extLst>
+          </a:blip>
+          <a:srcRect l="3965" t="9793" r="8195"/>
+          <a:stretch/>
+        </p:blipFill>
+        <p:spPr>
+          <a:xfrm>
+            <a:off x="3495741" y="1992604"/>
+            <a:ext cx="3327054" cy="1891260"/>
+          </a:xfrm>
+          <a:prstGeom prst="rect">
+            <a:avLst/>
+          </a:prstGeom>
+        </p:spPr>
+      </p:pic>
+      <p:sp>
+        <p:nvSpPr>
+          <p:cNvPr id="40" name="TextBox 39">
+            <a:extLst>
+              <a:ext uri="{FF2B5EF4-FFF2-40B4-BE49-F238E27FC236}">
+                <a16:creationId xmlns:a16="http://schemas.microsoft.com/office/drawing/2014/main" id="{39788DF1-308B-6460-934E-3CA7793070B7}"/>
+              </a:ext>
+            </a:extLst>
+          </p:cNvPr>
+          <p:cNvSpPr txBox="1"/>
+          <p:nvPr/>
+        </p:nvSpPr>
+        <p:spPr>
+          <a:xfrm>
+            <a:off x="7878921" y="-29942"/>
+            <a:ext cx="788437" cy="369332"/>
+          </a:xfrm>
+          <a:prstGeom prst="rect">
+            <a:avLst/>
+          </a:prstGeom>
+          <a:noFill/>
+        </p:spPr>
+        <p:txBody>
+          <a:bodyPr wrap="square">
+            <a:spAutoFit/>
+          </a:bodyPr>
+          <a:lstStyle/>
+          <a:p>
+            <a:r>
+              <a:rPr lang="en-US" altLang="ko-KR" dirty="0">
+                <a:latin typeface="나눔스퀘어" panose="020B0600000101010101" pitchFamily="50" charset="-127"/>
+                <a:ea typeface="나눔스퀘어" panose="020B0600000101010101" pitchFamily="50" charset="-127"/>
+              </a:rPr>
+              <a:t>SPE</a:t>
+            </a:r>
+            <a:endParaRPr lang="ko-KR" altLang="en-US" dirty="0">
+              <a:latin typeface="나눔스퀘어" panose="020B0600000101010101" pitchFamily="50" charset="-127"/>
+              <a:ea typeface="나눔스퀘어" panose="020B0600000101010101" pitchFamily="50" charset="-127"/>
+            </a:endParaRPr>
+          </a:p>
+        </p:txBody>
+      </p:sp>
+      <p:sp>
+        <p:nvSpPr>
+          <p:cNvPr id="42" name="TextBox 41">
+            <a:extLst>
+              <a:ext uri="{FF2B5EF4-FFF2-40B4-BE49-F238E27FC236}">
+                <a16:creationId xmlns:a16="http://schemas.microsoft.com/office/drawing/2014/main" id="{7882D39D-D20E-A909-759B-378F2484F147}"/>
+              </a:ext>
+            </a:extLst>
+          </p:cNvPr>
+          <p:cNvSpPr txBox="1"/>
+          <p:nvPr/>
+        </p:nvSpPr>
+        <p:spPr>
+          <a:xfrm>
+            <a:off x="10608746" y="4552"/>
+            <a:ext cx="657808" cy="369332"/>
+          </a:xfrm>
+          <a:prstGeom prst="rect">
+            <a:avLst/>
+          </a:prstGeom>
+          <a:noFill/>
+        </p:spPr>
+        <p:txBody>
+          <a:bodyPr wrap="square">
+            <a:spAutoFit/>
+          </a:bodyPr>
+          <a:lstStyle/>
+          <a:p>
+            <a:r>
+              <a:rPr lang="en-US" altLang="ko-KR" dirty="0">
+                <a:latin typeface="나눔스퀘어" panose="020B0600000101010101" pitchFamily="50" charset="-127"/>
+                <a:ea typeface="나눔스퀘어" panose="020B0600000101010101" pitchFamily="50" charset="-127"/>
+              </a:rPr>
+              <a:t>BAC</a:t>
+            </a:r>
+            <a:endParaRPr lang="ko-KR" altLang="en-US" dirty="0">
+              <a:latin typeface="나눔스퀘어" panose="020B0600000101010101" pitchFamily="50" charset="-127"/>
+              <a:ea typeface="나눔스퀘어" panose="020B0600000101010101" pitchFamily="50" charset="-127"/>
+            </a:endParaRPr>
+          </a:p>
+        </p:txBody>
+      </p:sp>
+      <p:pic>
+        <p:nvPicPr>
+          <p:cNvPr id="43" name="그림 42">
+            <a:extLst>
+              <a:ext uri="{FF2B5EF4-FFF2-40B4-BE49-F238E27FC236}">
+                <a16:creationId xmlns:a16="http://schemas.microsoft.com/office/drawing/2014/main" id="{E84ACC8D-6C4E-5EEC-CA0C-57335BD3225F}"/>
+              </a:ext>
+            </a:extLst>
+          </p:cNvPr>
+          <p:cNvPicPr>
+            <a:picLocks noChangeAspect="1"/>
+          </p:cNvPicPr>
+          <p:nvPr/>
+        </p:nvPicPr>
+        <p:blipFill rotWithShape="1">
+          <a:blip r:embed="rId8">
+            <a:extLst>
+              <a:ext uri="{28A0092B-C50C-407E-A947-70E740481C1C}">
+                <a14:useLocalDpi xmlns:a14="http://schemas.microsoft.com/office/drawing/2010/main" val="0"/>
+              </a:ext>
+            </a:extLst>
+          </a:blip>
+          <a:srcRect l="3306" t="8183" r="8776"/>
+          <a:stretch/>
+        </p:blipFill>
+        <p:spPr>
+          <a:xfrm>
+            <a:off x="9265299" y="3621732"/>
+            <a:ext cx="2926702" cy="1836833"/>
+          </a:xfrm>
+          <a:prstGeom prst="rect">
+            <a:avLst/>
+          </a:prstGeom>
+        </p:spPr>
+      </p:pic>
+      <p:pic>
+        <p:nvPicPr>
+          <p:cNvPr id="45" name="그림 44">
+            <a:extLst>
+              <a:ext uri="{FF2B5EF4-FFF2-40B4-BE49-F238E27FC236}">
+                <a16:creationId xmlns:a16="http://schemas.microsoft.com/office/drawing/2014/main" id="{719F1DF7-758E-4770-6284-E7D19FFFDA2C}"/>
+              </a:ext>
+            </a:extLst>
+          </p:cNvPr>
+          <p:cNvPicPr>
+            <a:picLocks noChangeAspect="1"/>
+          </p:cNvPicPr>
+          <p:nvPr/>
+        </p:nvPicPr>
+        <p:blipFill rotWithShape="1">
+          <a:blip r:embed="rId9">
+            <a:extLst>
+              <a:ext uri="{28A0092B-C50C-407E-A947-70E740481C1C}">
+                <a14:useLocalDpi xmlns:a14="http://schemas.microsoft.com/office/drawing/2010/main" val="0"/>
+              </a:ext>
+            </a:extLst>
+          </a:blip>
+          <a:srcRect l="3436" t="10100" r="8566"/>
+          <a:stretch/>
+        </p:blipFill>
+        <p:spPr>
+          <a:xfrm>
+            <a:off x="6564468" y="3629477"/>
+            <a:ext cx="3014769" cy="1887812"/>
+          </a:xfrm>
+          <a:prstGeom prst="rect">
+            <a:avLst/>
+          </a:prstGeom>
+        </p:spPr>
+      </p:pic>
+      <p:pic>
+        <p:nvPicPr>
+          <p:cNvPr id="46" name="그림 45">
+            <a:extLst>
+              <a:ext uri="{FF2B5EF4-FFF2-40B4-BE49-F238E27FC236}">
+                <a16:creationId xmlns:a16="http://schemas.microsoft.com/office/drawing/2014/main" id="{0A779A89-32BF-074B-0FE2-D69553728035}"/>
+              </a:ext>
+            </a:extLst>
+          </p:cNvPr>
+          <p:cNvPicPr>
+            <a:picLocks noChangeAspect="1"/>
+          </p:cNvPicPr>
+          <p:nvPr/>
+        </p:nvPicPr>
+        <p:blipFill rotWithShape="1">
+          <a:blip r:embed="rId10">
+            <a:extLst>
+              <a:ext uri="{28A0092B-C50C-407E-A947-70E740481C1C}">
+                <a14:useLocalDpi xmlns:a14="http://schemas.microsoft.com/office/drawing/2010/main" val="0"/>
+              </a:ext>
+            </a:extLst>
+          </a:blip>
+          <a:srcRect l="6956" t="10865" r="8429" b="3277"/>
+          <a:stretch/>
+        </p:blipFill>
+        <p:spPr>
+          <a:xfrm>
+            <a:off x="9427888" y="5243408"/>
+            <a:ext cx="2764112" cy="1635022"/>
+          </a:xfrm>
+          <a:prstGeom prst="rect">
+            <a:avLst/>
+          </a:prstGeom>
+        </p:spPr>
+      </p:pic>
+      <p:pic>
+        <p:nvPicPr>
+          <p:cNvPr id="48" name="그림 47">
+            <a:extLst>
+              <a:ext uri="{FF2B5EF4-FFF2-40B4-BE49-F238E27FC236}">
+                <a16:creationId xmlns:a16="http://schemas.microsoft.com/office/drawing/2014/main" id="{74B8717C-DA39-B430-77C8-382C11F019A9}"/>
+              </a:ext>
+            </a:extLst>
+          </p:cNvPr>
+          <p:cNvPicPr>
+            <a:picLocks noChangeAspect="1"/>
+          </p:cNvPicPr>
+          <p:nvPr/>
+        </p:nvPicPr>
+        <p:blipFill rotWithShape="1">
+          <a:blip r:embed="rId11">
+            <a:extLst>
+              <a:ext uri="{28A0092B-C50C-407E-A947-70E740481C1C}">
+                <a14:useLocalDpi xmlns:a14="http://schemas.microsoft.com/office/drawing/2010/main" val="0"/>
+              </a:ext>
+            </a:extLst>
+          </a:blip>
+          <a:srcRect l="11285" t="10043" r="8454" b="9178"/>
+          <a:stretch/>
+        </p:blipFill>
+        <p:spPr>
+          <a:xfrm>
+            <a:off x="6876660" y="5275979"/>
+            <a:ext cx="2665483" cy="1606641"/>
+          </a:xfrm>
+          <a:prstGeom prst="rect">
+            <a:avLst/>
+          </a:prstGeom>
+        </p:spPr>
+      </p:pic>
+      <p:pic>
+        <p:nvPicPr>
+          <p:cNvPr id="44" name="그림 43">
+            <a:extLst>
+              <a:ext uri="{FF2B5EF4-FFF2-40B4-BE49-F238E27FC236}">
+                <a16:creationId xmlns:a16="http://schemas.microsoft.com/office/drawing/2014/main" id="{66F5BE7F-71DB-C24C-9F5A-49198DC674F2}"/>
+              </a:ext>
+            </a:extLst>
+          </p:cNvPr>
+          <p:cNvPicPr>
+            <a:picLocks noChangeAspect="1"/>
+          </p:cNvPicPr>
+          <p:nvPr/>
+        </p:nvPicPr>
+        <p:blipFill rotWithShape="1">
+          <a:blip r:embed="rId12">
+            <a:extLst>
+              <a:ext uri="{28A0092B-C50C-407E-A947-70E740481C1C}">
+                <a14:useLocalDpi xmlns:a14="http://schemas.microsoft.com/office/drawing/2010/main" val="0"/>
+              </a:ext>
+            </a:extLst>
+          </a:blip>
+          <a:srcRect l="4138" t="8985" r="8664" b="688"/>
+          <a:stretch/>
+        </p:blipFill>
+        <p:spPr>
+          <a:xfrm>
+            <a:off x="3600562" y="3629476"/>
+            <a:ext cx="3257552" cy="1924399"/>
+          </a:xfrm>
+          <a:prstGeom prst="rect">
+            <a:avLst/>
+          </a:prstGeom>
+        </p:spPr>
+      </p:pic>
+      <p:pic>
+        <p:nvPicPr>
+          <p:cNvPr id="47" name="그림 46">
+            <a:extLst>
+              <a:ext uri="{FF2B5EF4-FFF2-40B4-BE49-F238E27FC236}">
+                <a16:creationId xmlns:a16="http://schemas.microsoft.com/office/drawing/2014/main" id="{D3D57CE3-5F4A-54BF-C253-82782B8468C5}"/>
+              </a:ext>
+            </a:extLst>
+          </p:cNvPr>
+          <p:cNvPicPr>
+            <a:picLocks noChangeAspect="1"/>
+          </p:cNvPicPr>
+          <p:nvPr/>
+        </p:nvPicPr>
+        <p:blipFill rotWithShape="1">
+          <a:blip r:embed="rId13">
+            <a:extLst>
+              <a:ext uri="{28A0092B-C50C-407E-A947-70E740481C1C}">
+                <a14:useLocalDpi xmlns:a14="http://schemas.microsoft.com/office/drawing/2010/main" val="0"/>
+              </a:ext>
+            </a:extLst>
+          </a:blip>
+          <a:srcRect l="3733" t="9305" r="8769"/>
+          <a:stretch/>
+        </p:blipFill>
+        <p:spPr>
+          <a:xfrm>
+            <a:off x="3639333" y="5275980"/>
+            <a:ext cx="3218781" cy="1661174"/>
+          </a:xfrm>
+          <a:prstGeom prst="rect">
+            <a:avLst/>
+          </a:prstGeom>
+        </p:spPr>
+      </p:pic>
+      <p:sp>
+        <p:nvSpPr>
+          <p:cNvPr id="49" name="TextBox 48">
+            <a:extLst>
+              <a:ext uri="{FF2B5EF4-FFF2-40B4-BE49-F238E27FC236}">
+                <a16:creationId xmlns:a16="http://schemas.microsoft.com/office/drawing/2014/main" id="{D85E3026-FD05-36CD-9FE5-644F63BB04ED}"/>
+              </a:ext>
+            </a:extLst>
+          </p:cNvPr>
+          <p:cNvSpPr txBox="1"/>
+          <p:nvPr/>
+        </p:nvSpPr>
+        <p:spPr>
+          <a:xfrm>
+            <a:off x="787655" y="4134629"/>
+            <a:ext cx="2589244" cy="646331"/>
+          </a:xfrm>
+          <a:prstGeom prst="rect">
+            <a:avLst/>
+          </a:prstGeom>
+          <a:noFill/>
+        </p:spPr>
+        <p:txBody>
+          <a:bodyPr wrap="square">
+            <a:spAutoFit/>
+          </a:bodyPr>
+          <a:lstStyle/>
+          <a:p>
+            <a:r>
+              <a:rPr lang="en-US" altLang="ko-KR" dirty="0" err="1">
+                <a:latin typeface="나눔스퀘어" panose="020B0600000101010101" pitchFamily="50" charset="-127"/>
+                <a:ea typeface="나눔스퀘어" panose="020B0600000101010101" pitchFamily="50" charset="-127"/>
+              </a:rPr>
+              <a:t>Upsampling</a:t>
+            </a:r>
+            <a:r>
+              <a:rPr lang="en-US" altLang="ko-KR" dirty="0">
+                <a:latin typeface="나눔스퀘어" panose="020B0600000101010101" pitchFamily="50" charset="-127"/>
+                <a:ea typeface="나눔스퀘어" panose="020B0600000101010101" pitchFamily="50" charset="-127"/>
+              </a:rPr>
+              <a:t> O, </a:t>
+            </a:r>
+          </a:p>
+          <a:p>
+            <a:r>
+              <a:rPr lang="en-US" altLang="ko-KR" dirty="0">
+                <a:latin typeface="나눔스퀘어" panose="020B0600000101010101" pitchFamily="50" charset="-127"/>
+                <a:ea typeface="나눔스퀘어" panose="020B0600000101010101" pitchFamily="50" charset="-127"/>
+              </a:rPr>
+              <a:t>class weight [1.0, 1.0]</a:t>
+            </a:r>
+            <a:endParaRPr lang="ko-KR" altLang="en-US" dirty="0">
+              <a:latin typeface="나눔스퀘어" panose="020B0600000101010101" pitchFamily="50" charset="-127"/>
+              <a:ea typeface="나눔스퀘어" panose="020B0600000101010101" pitchFamily="50" charset="-127"/>
+            </a:endParaRPr>
+          </a:p>
+        </p:txBody>
+      </p:sp>
+      <p:sp>
+        <p:nvSpPr>
+          <p:cNvPr id="50" name="TextBox 49">
+            <a:extLst>
+              <a:ext uri="{FF2B5EF4-FFF2-40B4-BE49-F238E27FC236}">
+                <a16:creationId xmlns:a16="http://schemas.microsoft.com/office/drawing/2014/main" id="{46F2C369-7915-2EAA-A732-92E40C06A510}"/>
+              </a:ext>
+            </a:extLst>
+          </p:cNvPr>
+          <p:cNvSpPr txBox="1"/>
+          <p:nvPr/>
+        </p:nvSpPr>
+        <p:spPr>
+          <a:xfrm>
+            <a:off x="707622" y="5486202"/>
+            <a:ext cx="2860745" cy="646331"/>
+          </a:xfrm>
+          <a:prstGeom prst="rect">
+            <a:avLst/>
+          </a:prstGeom>
+          <a:noFill/>
+        </p:spPr>
+        <p:txBody>
+          <a:bodyPr wrap="square">
+            <a:spAutoFit/>
+          </a:bodyPr>
+          <a:lstStyle/>
+          <a:p>
+            <a:r>
+              <a:rPr lang="en-US" altLang="ko-KR" dirty="0" err="1">
+                <a:latin typeface="나눔스퀘어" panose="020B0600000101010101" pitchFamily="50" charset="-127"/>
+                <a:ea typeface="나눔스퀘어" panose="020B0600000101010101" pitchFamily="50" charset="-127"/>
+              </a:rPr>
+              <a:t>Upsampling</a:t>
+            </a:r>
+            <a:r>
+              <a:rPr lang="en-US" altLang="ko-KR" dirty="0">
+                <a:latin typeface="나눔스퀘어" panose="020B0600000101010101" pitchFamily="50" charset="-127"/>
+                <a:ea typeface="나눔스퀘어" panose="020B0600000101010101" pitchFamily="50" charset="-127"/>
+              </a:rPr>
+              <a:t> O, </a:t>
+            </a:r>
+          </a:p>
+          <a:p>
+            <a:r>
+              <a:rPr lang="en-US" altLang="ko-KR" dirty="0">
+                <a:latin typeface="나눔스퀘어" panose="020B0600000101010101" pitchFamily="50" charset="-127"/>
+                <a:ea typeface="나눔스퀘어" panose="020B0600000101010101" pitchFamily="50" charset="-127"/>
+              </a:rPr>
+              <a:t>class weight [0.72, 1.66]</a:t>
+            </a:r>
+            <a:endParaRPr lang="ko-KR" altLang="en-US" dirty="0">
+              <a:latin typeface="나눔스퀘어" panose="020B0600000101010101" pitchFamily="50" charset="-127"/>
+              <a:ea typeface="나눔스퀘어" panose="020B0600000101010101" pitchFamily="50" charset="-127"/>
+            </a:endParaRPr>
+          </a:p>
+        </p:txBody>
+      </p:sp>
+      <p:sp>
+        <p:nvSpPr>
+          <p:cNvPr id="3" name="TextBox 2">
+            <a:extLst>
+              <a:ext uri="{FF2B5EF4-FFF2-40B4-BE49-F238E27FC236}">
+                <a16:creationId xmlns:a16="http://schemas.microsoft.com/office/drawing/2014/main" id="{C53367F8-E86A-9205-4BD0-52FAB154330E}"/>
+              </a:ext>
+            </a:extLst>
+          </p:cNvPr>
+          <p:cNvSpPr txBox="1"/>
+          <p:nvPr/>
+        </p:nvSpPr>
+        <p:spPr>
+          <a:xfrm>
+            <a:off x="164842" y="136616"/>
+            <a:ext cx="2173918" cy="369332"/>
+          </a:xfrm>
+          <a:prstGeom prst="rect">
+            <a:avLst/>
+          </a:prstGeom>
+          <a:noFill/>
+        </p:spPr>
+        <p:txBody>
+          <a:bodyPr wrap="square">
+            <a:spAutoFit/>
+          </a:bodyPr>
+          <a:lstStyle/>
+          <a:p>
+            <a:r>
+              <a:rPr lang="en-US" altLang="ko-KR" sz="1800" b="1">
+                <a:latin typeface="나눔스퀘어" panose="020B0600000101010101" pitchFamily="50" charset="-127"/>
+                <a:ea typeface="나눔스퀘어" panose="020B0600000101010101" pitchFamily="50" charset="-127"/>
+              </a:rPr>
+              <a:t>UCLA_CNP</a:t>
+            </a:r>
+            <a:r>
+              <a:rPr lang="ko-KR" altLang="en-US" sz="1800" b="1">
+                <a:latin typeface="나눔스퀘어" panose="020B0600000101010101" pitchFamily="50" charset="-127"/>
+                <a:ea typeface="나눔스퀘어" panose="020B0600000101010101" pitchFamily="50" charset="-127"/>
+              </a:rPr>
+              <a:t>만 사용 </a:t>
+            </a:r>
+            <a:endParaRPr lang="ko-KR" altLang="en-US" b="1"/>
+          </a:p>
+        </p:txBody>
+      </p:sp>
+    </p:spTree>
+    <p:extLst>
+      <p:ext uri="{BB962C8B-B14F-4D97-AF65-F5344CB8AC3E}">
+        <p14:creationId xmlns:p14="http://schemas.microsoft.com/office/powerpoint/2010/main" val="592447873"/>
+      </p:ext>
+    </p:extLst>
+  </p:cSld>
+  <p:clrMapOvr>
+    <a:masterClrMapping/>
+  </p:clrMapOvr>
+</p:sld>
+</file>
+
+<file path=ppt/slides/slide18.xml><?xml version="1.0" encoding="utf-8"?>
+<p:sld xmlns:a="http://schemas.openxmlformats.org/drawingml/2006/main" xmlns:r="http://schemas.openxmlformats.org/officeDocument/2006/relationships" xmlns:p="http://schemas.openxmlformats.org/presentationml/2006/main">
+  <p:cSld>
+    <p:spTree>
+      <p:nvGrpSpPr>
+        <p:cNvPr id="1" name="">
+          <a:extLst>
+            <a:ext uri="{FF2B5EF4-FFF2-40B4-BE49-F238E27FC236}">
+              <a16:creationId xmlns:a16="http://schemas.microsoft.com/office/drawing/2014/main" id="{A33C1AB5-269B-0F2C-98B5-013BBEE430CD}"/>
+            </a:ext>
+          </a:extLst>
+        </p:cNvPr>
+        <p:cNvGrpSpPr/>
+        <p:nvPr/>
+      </p:nvGrpSpPr>
+      <p:grpSpPr>
+        <a:xfrm>
+          <a:off x="0" y="0"/>
+          <a:ext cx="0" cy="0"/>
+          <a:chOff x="0" y="0"/>
+          <a:chExt cx="0" cy="0"/>
+        </a:xfrm>
+      </p:grpSpPr>
+      <p:sp>
+        <p:nvSpPr>
+          <p:cNvPr id="3" name="TextBox 2">
+            <a:extLst>
+              <a:ext uri="{FF2B5EF4-FFF2-40B4-BE49-F238E27FC236}">
+                <a16:creationId xmlns:a16="http://schemas.microsoft.com/office/drawing/2014/main" id="{9C7EA793-6393-A1C1-8225-1840C2E7B234}"/>
+              </a:ext>
+            </a:extLst>
+          </p:cNvPr>
+          <p:cNvSpPr txBox="1"/>
+          <p:nvPr/>
+        </p:nvSpPr>
+        <p:spPr>
+          <a:xfrm>
+            <a:off x="2633431" y="477257"/>
+            <a:ext cx="3462569" cy="584775"/>
+          </a:xfrm>
+          <a:prstGeom prst="rect">
+            <a:avLst/>
+          </a:prstGeom>
+          <a:noFill/>
+        </p:spPr>
+        <p:txBody>
+          <a:bodyPr wrap="square">
+            <a:spAutoFit/>
+          </a:bodyPr>
+          <a:lstStyle/>
+          <a:p>
+            <a:r>
+              <a:rPr lang="en-US" altLang="ko-KR" sz="1600">
+                <a:solidFill>
+                  <a:srgbClr val="FF0000"/>
+                </a:solidFill>
+                <a:latin typeface="나눔스퀘어" panose="020B0600000101010101" pitchFamily="50" charset="-127"/>
+                <a:ea typeface="나눔스퀘어" panose="020B0600000101010101" pitchFamily="50" charset="-127"/>
+              </a:rPr>
+              <a:t>Upsampling O, </a:t>
+            </a:r>
+          </a:p>
+          <a:p>
+            <a:r>
+              <a:rPr lang="en-US" altLang="ko-KR" sz="1600">
+                <a:solidFill>
+                  <a:srgbClr val="FF0000"/>
+                </a:solidFill>
+                <a:latin typeface="나눔스퀘어" panose="020B0600000101010101" pitchFamily="50" charset="-127"/>
+                <a:ea typeface="나눔스퀘어" panose="020B0600000101010101" pitchFamily="50" charset="-127"/>
+              </a:rPr>
+              <a:t>class weight [0.8172, 1.2881]</a:t>
+            </a:r>
+            <a:endParaRPr lang="ko-KR" altLang="en-US" sz="1600" dirty="0">
+              <a:solidFill>
+                <a:srgbClr val="FF0000"/>
+              </a:solidFill>
+              <a:latin typeface="나눔스퀘어" panose="020B0600000101010101" pitchFamily="50" charset="-127"/>
+              <a:ea typeface="나눔스퀘어" panose="020B0600000101010101" pitchFamily="50" charset="-127"/>
+            </a:endParaRPr>
+          </a:p>
+        </p:txBody>
+      </p:sp>
+      <p:sp>
+        <p:nvSpPr>
+          <p:cNvPr id="7" name="TextBox 6">
+            <a:extLst>
+              <a:ext uri="{FF2B5EF4-FFF2-40B4-BE49-F238E27FC236}">
+                <a16:creationId xmlns:a16="http://schemas.microsoft.com/office/drawing/2014/main" id="{2382988A-4046-FDF4-A7A7-2CDBC82981FF}"/>
+              </a:ext>
+            </a:extLst>
+          </p:cNvPr>
+          <p:cNvSpPr txBox="1"/>
+          <p:nvPr/>
+        </p:nvSpPr>
+        <p:spPr>
+          <a:xfrm>
+            <a:off x="5938730" y="562643"/>
+            <a:ext cx="2917167" cy="584775"/>
+          </a:xfrm>
+          <a:prstGeom prst="rect">
+            <a:avLst/>
+          </a:prstGeom>
+          <a:noFill/>
+        </p:spPr>
+        <p:txBody>
+          <a:bodyPr wrap="square">
+            <a:spAutoFit/>
+          </a:bodyPr>
+          <a:lstStyle/>
+          <a:p>
+            <a:r>
+              <a:rPr lang="en-US" altLang="ko-KR" sz="1600">
+                <a:latin typeface="나눔스퀘어" panose="020B0600000101010101" pitchFamily="50" charset="-127"/>
+                <a:ea typeface="나눔스퀘어" panose="020B0600000101010101" pitchFamily="50" charset="-127"/>
+              </a:rPr>
+              <a:t>Upsampling X, </a:t>
+            </a:r>
+          </a:p>
+          <a:p>
+            <a:r>
+              <a:rPr lang="en-US" altLang="ko-KR" sz="1600">
+                <a:latin typeface="나눔스퀘어" panose="020B0600000101010101" pitchFamily="50" charset="-127"/>
+                <a:ea typeface="나눔스퀘어" panose="020B0600000101010101" pitchFamily="50" charset="-127"/>
+              </a:rPr>
+              <a:t>class weight [0.8172, 1.2881]</a:t>
+            </a:r>
+            <a:endParaRPr lang="ko-KR" altLang="en-US" sz="1600" dirty="0">
+              <a:latin typeface="나눔스퀘어" panose="020B0600000101010101" pitchFamily="50" charset="-127"/>
+              <a:ea typeface="나눔스퀘어" panose="020B0600000101010101" pitchFamily="50" charset="-127"/>
+            </a:endParaRPr>
+          </a:p>
+        </p:txBody>
+      </p:sp>
+      <p:sp>
+        <p:nvSpPr>
+          <p:cNvPr id="13" name="TextBox 12">
+            <a:extLst>
+              <a:ext uri="{FF2B5EF4-FFF2-40B4-BE49-F238E27FC236}">
+                <a16:creationId xmlns:a16="http://schemas.microsoft.com/office/drawing/2014/main" id="{38CCE3AE-84C7-B0E5-84A2-4A94FD92EDCA}"/>
+              </a:ext>
+            </a:extLst>
+          </p:cNvPr>
+          <p:cNvSpPr txBox="1"/>
+          <p:nvPr/>
+        </p:nvSpPr>
+        <p:spPr>
+          <a:xfrm>
+            <a:off x="2674366" y="3578710"/>
+            <a:ext cx="2782564" cy="646331"/>
+          </a:xfrm>
+          <a:prstGeom prst="rect">
+            <a:avLst/>
+          </a:prstGeom>
+          <a:noFill/>
+        </p:spPr>
+        <p:txBody>
+          <a:bodyPr wrap="square">
+            <a:spAutoFit/>
+          </a:bodyPr>
+          <a:lstStyle/>
+          <a:p>
+            <a:r>
+              <a:rPr lang="en-US" altLang="ko-KR" sz="1800">
+                <a:latin typeface="나눔스퀘어" panose="020B0600000101010101" pitchFamily="50" charset="-127"/>
+                <a:ea typeface="나눔스퀘어" panose="020B0600000101010101" pitchFamily="50" charset="-127"/>
+              </a:rPr>
+              <a:t>Upsampling O, </a:t>
+            </a:r>
+          </a:p>
+          <a:p>
+            <a:r>
+              <a:rPr lang="en-US" altLang="ko-KR" sz="1800">
+                <a:latin typeface="나눔스퀘어" panose="020B0600000101010101" pitchFamily="50" charset="-127"/>
+                <a:ea typeface="나눔스퀘어" panose="020B0600000101010101" pitchFamily="50" charset="-127"/>
+              </a:rPr>
+              <a:t>class weight [1.0, 1.0]</a:t>
+            </a:r>
+            <a:endParaRPr lang="ko-KR" altLang="en-US" sz="1800" dirty="0">
+              <a:latin typeface="나눔스퀘어" panose="020B0600000101010101" pitchFamily="50" charset="-127"/>
+              <a:ea typeface="나눔스퀘어" panose="020B0600000101010101" pitchFamily="50" charset="-127"/>
+            </a:endParaRPr>
+          </a:p>
+        </p:txBody>
+      </p:sp>
+      <p:sp>
+        <p:nvSpPr>
+          <p:cNvPr id="17" name="TextBox 16">
+            <a:extLst>
+              <a:ext uri="{FF2B5EF4-FFF2-40B4-BE49-F238E27FC236}">
+                <a16:creationId xmlns:a16="http://schemas.microsoft.com/office/drawing/2014/main" id="{C26E496B-64F9-2D96-82FB-CFC44AA59629}"/>
+              </a:ext>
+            </a:extLst>
+          </p:cNvPr>
+          <p:cNvSpPr txBox="1"/>
+          <p:nvPr/>
+        </p:nvSpPr>
+        <p:spPr>
+          <a:xfrm>
+            <a:off x="5955265" y="3526476"/>
+            <a:ext cx="6097554" cy="646331"/>
+          </a:xfrm>
+          <a:prstGeom prst="rect">
+            <a:avLst/>
+          </a:prstGeom>
+          <a:noFill/>
+        </p:spPr>
+        <p:txBody>
+          <a:bodyPr wrap="square">
+            <a:spAutoFit/>
+          </a:bodyPr>
+          <a:lstStyle/>
+          <a:p>
+            <a:r>
+              <a:rPr lang="en-US" altLang="ko-KR" sz="1800">
+                <a:latin typeface="나눔스퀘어" panose="020B0600000101010101" pitchFamily="50" charset="-127"/>
+                <a:ea typeface="나눔스퀘어" panose="020B0600000101010101" pitchFamily="50" charset="-127"/>
+              </a:rPr>
+              <a:t>Upsampling X, </a:t>
+            </a:r>
+          </a:p>
+          <a:p>
+            <a:r>
+              <a:rPr lang="en-US" altLang="ko-KR" sz="1800">
+                <a:latin typeface="나눔스퀘어" panose="020B0600000101010101" pitchFamily="50" charset="-127"/>
+                <a:ea typeface="나눔스퀘어" panose="020B0600000101010101" pitchFamily="50" charset="-127"/>
+              </a:rPr>
+              <a:t>class weight [1.0, 1.0]</a:t>
+            </a:r>
+            <a:endParaRPr lang="ko-KR" altLang="en-US" sz="1800" dirty="0">
+              <a:latin typeface="나눔스퀘어" panose="020B0600000101010101" pitchFamily="50" charset="-127"/>
+              <a:ea typeface="나눔스퀘어" panose="020B0600000101010101" pitchFamily="50" charset="-127"/>
+            </a:endParaRPr>
+          </a:p>
+        </p:txBody>
+      </p:sp>
+      <p:sp>
+        <p:nvSpPr>
+          <p:cNvPr id="19" name="TextBox 18">
+            <a:extLst>
+              <a:ext uri="{FF2B5EF4-FFF2-40B4-BE49-F238E27FC236}">
+                <a16:creationId xmlns:a16="http://schemas.microsoft.com/office/drawing/2014/main" id="{B4E34DC0-B48F-AB43-D71B-BC6BA5A7922B}"/>
+              </a:ext>
+            </a:extLst>
+          </p:cNvPr>
+          <p:cNvSpPr txBox="1"/>
+          <p:nvPr/>
+        </p:nvSpPr>
+        <p:spPr>
+          <a:xfrm>
+            <a:off x="160679" y="110443"/>
+            <a:ext cx="6097554" cy="369332"/>
+          </a:xfrm>
+          <a:prstGeom prst="rect">
+            <a:avLst/>
+          </a:prstGeom>
+          <a:noFill/>
+        </p:spPr>
+        <p:txBody>
+          <a:bodyPr wrap="square">
+            <a:spAutoFit/>
+          </a:bodyPr>
+          <a:lstStyle/>
+          <a:p>
+            <a:r>
+              <a:rPr lang="en-US" altLang="ko-KR" sz="1800" b="1">
+                <a:latin typeface="나눔스퀘어" panose="020B0600000101010101" pitchFamily="50" charset="-127"/>
+                <a:ea typeface="나눔스퀘어" panose="020B0600000101010101" pitchFamily="50" charset="-127"/>
+              </a:rPr>
+              <a:t>UCLA_CNP+COBRE + </a:t>
+            </a:r>
+            <a:r>
+              <a:rPr lang="en-US" altLang="ko-KR" b="1">
+                <a:latin typeface="나눔스퀘어" panose="020B0600000101010101" pitchFamily="50" charset="-127"/>
+                <a:ea typeface="나눔스퀘어" panose="020B0600000101010101" pitchFamily="50" charset="-127"/>
+              </a:rPr>
+              <a:t>Combat</a:t>
+            </a:r>
+            <a:r>
+              <a:rPr lang="ko-KR" altLang="en-US" b="1">
+                <a:latin typeface="나눔스퀘어" panose="020B0600000101010101" pitchFamily="50" charset="-127"/>
+                <a:ea typeface="나눔스퀘어" panose="020B0600000101010101" pitchFamily="50" charset="-127"/>
+              </a:rPr>
+              <a:t> </a:t>
+            </a:r>
+            <a:endParaRPr lang="ko-KR" altLang="en-US" b="1"/>
+          </a:p>
+        </p:txBody>
+      </p:sp>
+      <p:pic>
+        <p:nvPicPr>
+          <p:cNvPr id="6" name="그림 5">
+            <a:extLst>
+              <a:ext uri="{FF2B5EF4-FFF2-40B4-BE49-F238E27FC236}">
+                <a16:creationId xmlns:a16="http://schemas.microsoft.com/office/drawing/2014/main" id="{7389511F-EE83-C906-BCDA-B04E49FCCC4D}"/>
+              </a:ext>
+            </a:extLst>
+          </p:cNvPr>
+          <p:cNvPicPr>
+            <a:picLocks noChangeAspect="1"/>
+          </p:cNvPicPr>
+          <p:nvPr/>
+        </p:nvPicPr>
+        <p:blipFill rotWithShape="1">
+          <a:blip r:embed="rId2"/>
+          <a:srcRect t="77609"/>
+          <a:stretch/>
+        </p:blipFill>
+        <p:spPr>
+          <a:xfrm>
+            <a:off x="5938730" y="5886234"/>
+            <a:ext cx="3337916" cy="610678"/>
+          </a:xfrm>
+          <a:prstGeom prst="rect">
+            <a:avLst/>
+          </a:prstGeom>
+        </p:spPr>
+      </p:pic>
+      <p:pic>
+        <p:nvPicPr>
+          <p:cNvPr id="9" name="그림 8">
+            <a:extLst>
+              <a:ext uri="{FF2B5EF4-FFF2-40B4-BE49-F238E27FC236}">
+                <a16:creationId xmlns:a16="http://schemas.microsoft.com/office/drawing/2014/main" id="{D7C62EE7-E18D-28A0-BFEB-2EA8F9AA4282}"/>
+              </a:ext>
+            </a:extLst>
+          </p:cNvPr>
+          <p:cNvPicPr>
+            <a:picLocks noChangeAspect="1"/>
+          </p:cNvPicPr>
+          <p:nvPr/>
+        </p:nvPicPr>
+        <p:blipFill>
+          <a:blip r:embed="rId3"/>
+          <a:stretch>
+            <a:fillRect/>
+          </a:stretch>
+        </p:blipFill>
+        <p:spPr>
+          <a:xfrm>
+            <a:off x="5955264" y="1368129"/>
+            <a:ext cx="3038241" cy="533025"/>
+          </a:xfrm>
+          <a:prstGeom prst="rect">
+            <a:avLst/>
+          </a:prstGeom>
+        </p:spPr>
+      </p:pic>
+      <p:pic>
+        <p:nvPicPr>
+          <p:cNvPr id="11" name="그림 10">
+            <a:extLst>
+              <a:ext uri="{FF2B5EF4-FFF2-40B4-BE49-F238E27FC236}">
+                <a16:creationId xmlns:a16="http://schemas.microsoft.com/office/drawing/2014/main" id="{993A4864-8F7F-8F49-8E3C-D65B6F688441}"/>
+              </a:ext>
+            </a:extLst>
+          </p:cNvPr>
+          <p:cNvPicPr>
+            <a:picLocks noChangeAspect="1"/>
+          </p:cNvPicPr>
+          <p:nvPr/>
+        </p:nvPicPr>
+        <p:blipFill>
+          <a:blip r:embed="rId4"/>
+          <a:stretch>
+            <a:fillRect/>
+          </a:stretch>
+        </p:blipFill>
+        <p:spPr>
+          <a:xfrm>
+            <a:off x="5955264" y="2798499"/>
+            <a:ext cx="3155843" cy="533025"/>
+          </a:xfrm>
+          <a:prstGeom prst="rect">
+            <a:avLst/>
+          </a:prstGeom>
+        </p:spPr>
+      </p:pic>
+      <p:cxnSp>
+        <p:nvCxnSpPr>
+          <p:cNvPr id="14" name="직선 화살표 연결선 13">
+            <a:extLst>
+              <a:ext uri="{FF2B5EF4-FFF2-40B4-BE49-F238E27FC236}">
+                <a16:creationId xmlns:a16="http://schemas.microsoft.com/office/drawing/2014/main" id="{7B946187-3EA8-BE5B-4C79-D322DE24762B}"/>
+              </a:ext>
+            </a:extLst>
+          </p:cNvPr>
+          <p:cNvCxnSpPr/>
+          <p:nvPr/>
+        </p:nvCxnSpPr>
+        <p:spPr>
+          <a:xfrm>
+            <a:off x="7474384" y="2065020"/>
+            <a:ext cx="0" cy="617220"/>
+          </a:xfrm>
+          <a:prstGeom prst="straightConnector1">
+            <a:avLst/>
+          </a:prstGeom>
+          <a:ln>
+            <a:solidFill>
+              <a:schemeClr val="tx1"/>
+            </a:solidFill>
+            <a:tailEnd type="triangle"/>
+          </a:ln>
+        </p:spPr>
+        <p:style>
+          <a:lnRef idx="1">
+            <a:schemeClr val="accent1"/>
+          </a:lnRef>
+          <a:fillRef idx="0">
+            <a:schemeClr val="accent1"/>
+          </a:fillRef>
+          <a:effectRef idx="0">
+            <a:schemeClr val="accent1"/>
+          </a:effectRef>
+          <a:fontRef idx="minor">
+            <a:schemeClr val="tx1"/>
+          </a:fontRef>
+        </p:style>
+      </p:cxnSp>
+      <p:pic>
+        <p:nvPicPr>
+          <p:cNvPr id="15" name="그림 14">
+            <a:extLst>
+              <a:ext uri="{FF2B5EF4-FFF2-40B4-BE49-F238E27FC236}">
+                <a16:creationId xmlns:a16="http://schemas.microsoft.com/office/drawing/2014/main" id="{CBFD7146-3F1C-CE59-7EA3-C676E95A61C0}"/>
+              </a:ext>
+            </a:extLst>
+          </p:cNvPr>
+          <p:cNvPicPr>
+            <a:picLocks noChangeAspect="1"/>
+          </p:cNvPicPr>
+          <p:nvPr/>
+        </p:nvPicPr>
+        <p:blipFill rotWithShape="1">
+          <a:blip r:embed="rId5"/>
+          <a:srcRect t="77131"/>
+          <a:stretch/>
+        </p:blipFill>
+        <p:spPr>
+          <a:xfrm>
+            <a:off x="5938730" y="4377509"/>
+            <a:ext cx="3226623" cy="610678"/>
+          </a:xfrm>
+          <a:prstGeom prst="rect">
+            <a:avLst/>
+          </a:prstGeom>
+        </p:spPr>
+      </p:pic>
+      <p:cxnSp>
+        <p:nvCxnSpPr>
+          <p:cNvPr id="16" name="직선 화살표 연결선 15">
+            <a:extLst>
+              <a:ext uri="{FF2B5EF4-FFF2-40B4-BE49-F238E27FC236}">
+                <a16:creationId xmlns:a16="http://schemas.microsoft.com/office/drawing/2014/main" id="{8E2ED9D4-1E50-5F26-BF98-3B4704AEACD7}"/>
+              </a:ext>
+            </a:extLst>
+          </p:cNvPr>
+          <p:cNvCxnSpPr/>
+          <p:nvPr/>
+        </p:nvCxnSpPr>
+        <p:spPr>
+          <a:xfrm>
+            <a:off x="7393519" y="5128571"/>
+            <a:ext cx="0" cy="617220"/>
+          </a:xfrm>
+          <a:prstGeom prst="straightConnector1">
+            <a:avLst/>
+          </a:prstGeom>
+          <a:ln>
+            <a:solidFill>
+              <a:schemeClr val="tx1"/>
+            </a:solidFill>
+            <a:tailEnd type="triangle"/>
+          </a:ln>
+        </p:spPr>
+        <p:style>
+          <a:lnRef idx="1">
+            <a:schemeClr val="accent1"/>
+          </a:lnRef>
+          <a:fillRef idx="0">
+            <a:schemeClr val="accent1"/>
+          </a:fillRef>
+          <a:effectRef idx="0">
+            <a:schemeClr val="accent1"/>
+          </a:effectRef>
+          <a:fontRef idx="minor">
+            <a:schemeClr val="tx1"/>
+          </a:fontRef>
+        </p:style>
+      </p:cxnSp>
+    </p:spTree>
+    <p:extLst>
+      <p:ext uri="{BB962C8B-B14F-4D97-AF65-F5344CB8AC3E}">
+        <p14:creationId xmlns:p14="http://schemas.microsoft.com/office/powerpoint/2010/main" val="3836637823"/>
+      </p:ext>
+    </p:extLst>
+  </p:cSld>
+  <p:clrMapOvr>
+    <a:masterClrMapping/>
+  </p:clrMapOvr>
+</p:sld>
+</file>
+
+<file path=ppt/slides/slide19.xml><?xml version="1.0" encoding="utf-8"?>
+<p:sld xmlns:a="http://schemas.openxmlformats.org/drawingml/2006/main" xmlns:r="http://schemas.openxmlformats.org/officeDocument/2006/relationships" xmlns:p="http://schemas.openxmlformats.org/presentationml/2006/main">
+  <p:cSld>
+    <p:spTree>
+      <p:nvGrpSpPr>
         <p:cNvPr id="1" name=""/>
         <p:cNvGrpSpPr/>
         <p:nvPr/>
@@ -5822,8 +8308,8 @@
         </p:nvSpPr>
         <p:spPr>
           <a:xfrm>
-            <a:off x="928397" y="1622268"/>
-            <a:ext cx="4809930" cy="1200329"/>
+            <a:off x="3764904" y="2489255"/>
+            <a:ext cx="4809930" cy="1879489"/>
           </a:xfrm>
           <a:prstGeom prst="rect">
             <a:avLst/>
@@ -5837,10 +8323,13 @@
           <a:lstStyle/>
           <a:p>
             <a:pPr marL="342900" indent="-342900">
+              <a:lnSpc>
+                <a:spcPct val="150000"/>
+              </a:lnSpc>
               <a:buAutoNum type="arabicPeriod"/>
             </a:pPr>
             <a:r>
-              <a:rPr lang="en-US" altLang="ko-KR">
+              <a:rPr lang="en-US" altLang="ko-KR" sz="2000">
                 <a:ea typeface="나눔스퀘어" panose="020B0600000101010101" pitchFamily="50" charset="-127"/>
               </a:rPr>
               <a:t>Combat Harmonization </a:t>
@@ -5848,43 +8337,54 @@
           </a:p>
           <a:p>
             <a:pPr marL="342900" indent="-342900">
+              <a:lnSpc>
+                <a:spcPct val="150000"/>
+              </a:lnSpc>
               <a:buAutoNum type="arabicPeriod"/>
             </a:pPr>
             <a:r>
-              <a:rPr lang="en-US" altLang="ko-KR" sz="1800">
+              <a:rPr lang="en-US" altLang="ko-KR" sz="2000">
                 <a:latin typeface="나눔스퀘어" panose="020B0600000101010101" pitchFamily="50" charset="-127"/>
                 <a:ea typeface="나눔스퀘어" panose="020B0600000101010101" pitchFamily="50" charset="-127"/>
               </a:rPr>
               <a:t>DecNef-SRPBS_1600 dataset </a:t>
             </a:r>
             <a:r>
-              <a:rPr lang="ko-KR" altLang="en-US" sz="1800">
+              <a:rPr lang="ko-KR" altLang="en-US" sz="2000">
                 <a:latin typeface="나눔스퀘어" panose="020B0600000101010101" pitchFamily="50" charset="-127"/>
                 <a:ea typeface="나눔스퀘어" panose="020B0600000101010101" pitchFamily="50" charset="-127"/>
               </a:rPr>
               <a:t>전처리</a:t>
             </a:r>
-            <a:endParaRPr lang="en-US" altLang="ko-KR" sz="1800">
+            <a:endParaRPr lang="en-US" altLang="ko-KR" sz="2000">
               <a:latin typeface="나눔스퀘어" panose="020B0600000101010101" pitchFamily="50" charset="-127"/>
               <a:ea typeface="나눔스퀘어" panose="020B0600000101010101" pitchFamily="50" charset="-127"/>
             </a:endParaRPr>
           </a:p>
           <a:p>
             <a:pPr marL="342900" indent="-342900">
+              <a:lnSpc>
+                <a:spcPct val="150000"/>
+              </a:lnSpc>
               <a:buAutoNum type="arabicPeriod"/>
             </a:pPr>
-            <a:endParaRPr lang="en-US" altLang="ko-KR">
+            <a:endParaRPr lang="en-US" altLang="ko-KR" sz="2000">
               <a:latin typeface="나눔스퀘어" panose="020B0600000101010101" pitchFamily="50" charset="-127"/>
               <a:ea typeface="나눔스퀘어" panose="020B0600000101010101" pitchFamily="50" charset="-127"/>
             </a:endParaRPr>
           </a:p>
           <a:p>
-            <a:r>
-              <a:rPr lang="en-US" altLang="ko-KR"/>
+            <a:pPr>
+              <a:lnSpc>
+                <a:spcPct val="150000"/>
+              </a:lnSpc>
+            </a:pPr>
+            <a:r>
+              <a:rPr lang="en-US" altLang="ko-KR" sz="2000"/>
               <a:t>Spectral graph convolutional layer </a:t>
             </a:r>
             <a:r>
-              <a:rPr lang="ko-KR" altLang="en-US"/>
+              <a:rPr lang="ko-KR" altLang="en-US" sz="2000"/>
               <a:t>이해</a:t>
             </a:r>
           </a:p>
@@ -5894,1675 +8394,6 @@
     <p:extLst>
       <p:ext uri="{BB962C8B-B14F-4D97-AF65-F5344CB8AC3E}">
         <p14:creationId xmlns:p14="http://schemas.microsoft.com/office/powerpoint/2010/main" val="3100861321"/>
-      </p:ext>
-    </p:extLst>
-  </p:cSld>
-  <p:clrMapOvr>
-    <a:masterClrMapping/>
-  </p:clrMapOvr>
-</p:sld>
-</file>
-
-<file path=ppt/slides/slide16.xml><?xml version="1.0" encoding="utf-8"?>
-<p:sld xmlns:a="http://schemas.openxmlformats.org/drawingml/2006/main" xmlns:r="http://schemas.openxmlformats.org/officeDocument/2006/relationships" xmlns:p="http://schemas.openxmlformats.org/presentationml/2006/main">
-  <p:cSld>
-    <p:spTree>
-      <p:nvGrpSpPr>
-        <p:cNvPr id="1" name="">
-          <a:extLst>
-            <a:ext uri="{FF2B5EF4-FFF2-40B4-BE49-F238E27FC236}">
-              <a16:creationId xmlns:a16="http://schemas.microsoft.com/office/drawing/2014/main" id="{21BD6788-B2BC-5173-26F7-DDC205710860}"/>
-            </a:ext>
-          </a:extLst>
-        </p:cNvPr>
-        <p:cNvGrpSpPr/>
-        <p:nvPr/>
-      </p:nvGrpSpPr>
-      <p:grpSpPr>
-        <a:xfrm>
-          <a:off x="0" y="0"/>
-          <a:ext cx="0" cy="0"/>
-          <a:chOff x="0" y="0"/>
-          <a:chExt cx="0" cy="0"/>
-        </a:xfrm>
-      </p:grpSpPr>
-      <p:pic>
-        <p:nvPicPr>
-          <p:cNvPr id="12" name="그림 11">
-            <a:extLst>
-              <a:ext uri="{FF2B5EF4-FFF2-40B4-BE49-F238E27FC236}">
-                <a16:creationId xmlns:a16="http://schemas.microsoft.com/office/drawing/2014/main" id="{FAFC6C24-67A7-3C75-EF8B-DBE93AE62D83}"/>
-              </a:ext>
-            </a:extLst>
-          </p:cNvPr>
-          <p:cNvPicPr>
-            <a:picLocks noChangeAspect="1"/>
-          </p:cNvPicPr>
-          <p:nvPr/>
-        </p:nvPicPr>
-        <p:blipFill>
-          <a:blip r:embed="rId2"/>
-          <a:stretch>
-            <a:fillRect/>
-          </a:stretch>
-        </p:blipFill>
-        <p:spPr>
-          <a:xfrm>
-            <a:off x="2879638" y="1162921"/>
-            <a:ext cx="2683244" cy="2172773"/>
-          </a:xfrm>
-          <a:prstGeom prst="rect">
-            <a:avLst/>
-          </a:prstGeom>
-        </p:spPr>
-      </p:pic>
-      <p:sp>
-        <p:nvSpPr>
-          <p:cNvPr id="3" name="TextBox 2">
-            <a:extLst>
-              <a:ext uri="{FF2B5EF4-FFF2-40B4-BE49-F238E27FC236}">
-                <a16:creationId xmlns:a16="http://schemas.microsoft.com/office/drawing/2014/main" id="{C2113DD7-995C-9983-A277-F420A6BB8858}"/>
-              </a:ext>
-            </a:extLst>
-          </p:cNvPr>
-          <p:cNvSpPr txBox="1"/>
-          <p:nvPr/>
-        </p:nvSpPr>
-        <p:spPr>
-          <a:xfrm>
-            <a:off x="2674366" y="579212"/>
-            <a:ext cx="3462569" cy="584775"/>
-          </a:xfrm>
-          <a:prstGeom prst="rect">
-            <a:avLst/>
-          </a:prstGeom>
-          <a:noFill/>
-        </p:spPr>
-        <p:txBody>
-          <a:bodyPr wrap="square">
-            <a:spAutoFit/>
-          </a:bodyPr>
-          <a:lstStyle/>
-          <a:p>
-            <a:r>
-              <a:rPr lang="en-US" altLang="ko-KR" sz="1600">
-                <a:solidFill>
-                  <a:srgbClr val="FF0000"/>
-                </a:solidFill>
-                <a:latin typeface="나눔스퀘어" panose="020B0600000101010101" pitchFamily="50" charset="-127"/>
-                <a:ea typeface="나눔스퀘어" panose="020B0600000101010101" pitchFamily="50" charset="-127"/>
-              </a:rPr>
-              <a:t>Upsampling O, </a:t>
-            </a:r>
-          </a:p>
-          <a:p>
-            <a:r>
-              <a:rPr lang="en-US" altLang="ko-KR" sz="1600">
-                <a:solidFill>
-                  <a:srgbClr val="FF0000"/>
-                </a:solidFill>
-                <a:latin typeface="나눔스퀘어" panose="020B0600000101010101" pitchFamily="50" charset="-127"/>
-                <a:ea typeface="나눔스퀘어" panose="020B0600000101010101" pitchFamily="50" charset="-127"/>
-              </a:rPr>
-              <a:t>class weight [0.8172, 1.2881]</a:t>
-            </a:r>
-            <a:endParaRPr lang="ko-KR" altLang="en-US" sz="1600" dirty="0">
-              <a:solidFill>
-                <a:srgbClr val="FF0000"/>
-              </a:solidFill>
-              <a:latin typeface="나눔스퀘어" panose="020B0600000101010101" pitchFamily="50" charset="-127"/>
-              <a:ea typeface="나눔스퀘어" panose="020B0600000101010101" pitchFamily="50" charset="-127"/>
-            </a:endParaRPr>
-          </a:p>
-        </p:txBody>
-      </p:sp>
-      <p:pic>
-        <p:nvPicPr>
-          <p:cNvPr id="6" name="그림 5">
-            <a:extLst>
-              <a:ext uri="{FF2B5EF4-FFF2-40B4-BE49-F238E27FC236}">
-                <a16:creationId xmlns:a16="http://schemas.microsoft.com/office/drawing/2014/main" id="{F923B836-A6CF-AD68-23B9-47188FF485F9}"/>
-              </a:ext>
-            </a:extLst>
-          </p:cNvPr>
-          <p:cNvPicPr>
-            <a:picLocks noChangeAspect="1"/>
-          </p:cNvPicPr>
-          <p:nvPr/>
-        </p:nvPicPr>
-        <p:blipFill>
-          <a:blip r:embed="rId3"/>
-          <a:stretch>
-            <a:fillRect/>
-          </a:stretch>
-        </p:blipFill>
-        <p:spPr>
-          <a:xfrm>
-            <a:off x="5968497" y="1147418"/>
-            <a:ext cx="2683243" cy="2188276"/>
-          </a:xfrm>
-          <a:prstGeom prst="rect">
-            <a:avLst/>
-          </a:prstGeom>
-        </p:spPr>
-      </p:pic>
-      <p:sp>
-        <p:nvSpPr>
-          <p:cNvPr id="7" name="TextBox 6">
-            <a:extLst>
-              <a:ext uri="{FF2B5EF4-FFF2-40B4-BE49-F238E27FC236}">
-                <a16:creationId xmlns:a16="http://schemas.microsoft.com/office/drawing/2014/main" id="{16C6E6BF-1D81-8C10-88EF-739524A60F49}"/>
-              </a:ext>
-            </a:extLst>
-          </p:cNvPr>
-          <p:cNvSpPr txBox="1"/>
-          <p:nvPr/>
-        </p:nvSpPr>
-        <p:spPr>
-          <a:xfrm>
-            <a:off x="5938730" y="562643"/>
-            <a:ext cx="2917167" cy="584775"/>
-          </a:xfrm>
-          <a:prstGeom prst="rect">
-            <a:avLst/>
-          </a:prstGeom>
-          <a:noFill/>
-        </p:spPr>
-        <p:txBody>
-          <a:bodyPr wrap="square">
-            <a:spAutoFit/>
-          </a:bodyPr>
-          <a:lstStyle/>
-          <a:p>
-            <a:r>
-              <a:rPr lang="en-US" altLang="ko-KR" sz="1600">
-                <a:latin typeface="나눔스퀘어" panose="020B0600000101010101" pitchFamily="50" charset="-127"/>
-                <a:ea typeface="나눔스퀘어" panose="020B0600000101010101" pitchFamily="50" charset="-127"/>
-              </a:rPr>
-              <a:t>Upsampling X, </a:t>
-            </a:r>
-          </a:p>
-          <a:p>
-            <a:r>
-              <a:rPr lang="en-US" altLang="ko-KR" sz="1600">
-                <a:latin typeface="나눔스퀘어" panose="020B0600000101010101" pitchFamily="50" charset="-127"/>
-                <a:ea typeface="나눔스퀘어" panose="020B0600000101010101" pitchFamily="50" charset="-127"/>
-              </a:rPr>
-              <a:t>class weight [0.8172, 1.2881]</a:t>
-            </a:r>
-            <a:endParaRPr lang="ko-KR" altLang="en-US" sz="1600" dirty="0">
-              <a:latin typeface="나눔스퀘어" panose="020B0600000101010101" pitchFamily="50" charset="-127"/>
-              <a:ea typeface="나눔스퀘어" panose="020B0600000101010101" pitchFamily="50" charset="-127"/>
-            </a:endParaRPr>
-          </a:p>
-        </p:txBody>
-      </p:sp>
-      <p:pic>
-        <p:nvPicPr>
-          <p:cNvPr id="10" name="그림 9">
-            <a:extLst>
-              <a:ext uri="{FF2B5EF4-FFF2-40B4-BE49-F238E27FC236}">
-                <a16:creationId xmlns:a16="http://schemas.microsoft.com/office/drawing/2014/main" id="{9D5FC23F-828E-8F26-68BB-92E870EAC52B}"/>
-              </a:ext>
-            </a:extLst>
-          </p:cNvPr>
-          <p:cNvPicPr>
-            <a:picLocks noChangeAspect="1"/>
-          </p:cNvPicPr>
-          <p:nvPr/>
-        </p:nvPicPr>
-        <p:blipFill>
-          <a:blip r:embed="rId4"/>
-          <a:stretch>
-            <a:fillRect/>
-          </a:stretch>
-        </p:blipFill>
-        <p:spPr>
-          <a:xfrm>
-            <a:off x="2879638" y="4111395"/>
-            <a:ext cx="2669596" cy="2172773"/>
-          </a:xfrm>
-          <a:prstGeom prst="rect">
-            <a:avLst/>
-          </a:prstGeom>
-        </p:spPr>
-      </p:pic>
-      <p:sp>
-        <p:nvSpPr>
-          <p:cNvPr id="13" name="TextBox 12">
-            <a:extLst>
-              <a:ext uri="{FF2B5EF4-FFF2-40B4-BE49-F238E27FC236}">
-                <a16:creationId xmlns:a16="http://schemas.microsoft.com/office/drawing/2014/main" id="{6CBD8BF3-E182-3213-1EFA-026D0822C01D}"/>
-              </a:ext>
-            </a:extLst>
-          </p:cNvPr>
-          <p:cNvSpPr txBox="1"/>
-          <p:nvPr/>
-        </p:nvSpPr>
-        <p:spPr>
-          <a:xfrm>
-            <a:off x="2879638" y="3465064"/>
-            <a:ext cx="2782564" cy="646331"/>
-          </a:xfrm>
-          <a:prstGeom prst="rect">
-            <a:avLst/>
-          </a:prstGeom>
-          <a:noFill/>
-        </p:spPr>
-        <p:txBody>
-          <a:bodyPr wrap="square">
-            <a:spAutoFit/>
-          </a:bodyPr>
-          <a:lstStyle/>
-          <a:p>
-            <a:r>
-              <a:rPr lang="en-US" altLang="ko-KR" sz="1800">
-                <a:latin typeface="나눔스퀘어" panose="020B0600000101010101" pitchFamily="50" charset="-127"/>
-                <a:ea typeface="나눔스퀘어" panose="020B0600000101010101" pitchFamily="50" charset="-127"/>
-              </a:rPr>
-              <a:t>Upsampling O, </a:t>
-            </a:r>
-          </a:p>
-          <a:p>
-            <a:r>
-              <a:rPr lang="en-US" altLang="ko-KR" sz="1800">
-                <a:latin typeface="나눔스퀘어" panose="020B0600000101010101" pitchFamily="50" charset="-127"/>
-                <a:ea typeface="나눔스퀘어" panose="020B0600000101010101" pitchFamily="50" charset="-127"/>
-              </a:rPr>
-              <a:t>class weight [1.0, 1.0]</a:t>
-            </a:r>
-            <a:endParaRPr lang="ko-KR" altLang="en-US" sz="1800" dirty="0">
-              <a:latin typeface="나눔스퀘어" panose="020B0600000101010101" pitchFamily="50" charset="-127"/>
-              <a:ea typeface="나눔스퀘어" panose="020B0600000101010101" pitchFamily="50" charset="-127"/>
-            </a:endParaRPr>
-          </a:p>
-        </p:txBody>
-      </p:sp>
-      <p:pic>
-        <p:nvPicPr>
-          <p:cNvPr id="15" name="그림 14">
-            <a:extLst>
-              <a:ext uri="{FF2B5EF4-FFF2-40B4-BE49-F238E27FC236}">
-                <a16:creationId xmlns:a16="http://schemas.microsoft.com/office/drawing/2014/main" id="{3B5A6E14-4464-1C35-748A-A3671F0E0782}"/>
-              </a:ext>
-            </a:extLst>
-          </p:cNvPr>
-          <p:cNvPicPr>
-            <a:picLocks noChangeAspect="1"/>
-          </p:cNvPicPr>
-          <p:nvPr/>
-        </p:nvPicPr>
-        <p:blipFill>
-          <a:blip r:embed="rId5"/>
-          <a:stretch>
-            <a:fillRect/>
-          </a:stretch>
-        </p:blipFill>
-        <p:spPr>
-          <a:xfrm>
-            <a:off x="5938730" y="4111395"/>
-            <a:ext cx="2683244" cy="2220617"/>
-          </a:xfrm>
-          <a:prstGeom prst="rect">
-            <a:avLst/>
-          </a:prstGeom>
-        </p:spPr>
-      </p:pic>
-      <p:sp>
-        <p:nvSpPr>
-          <p:cNvPr id="17" name="TextBox 16">
-            <a:extLst>
-              <a:ext uri="{FF2B5EF4-FFF2-40B4-BE49-F238E27FC236}">
-                <a16:creationId xmlns:a16="http://schemas.microsoft.com/office/drawing/2014/main" id="{9325AAF3-9CF1-1486-CD7F-695253DCE288}"/>
-              </a:ext>
-            </a:extLst>
-          </p:cNvPr>
-          <p:cNvSpPr txBox="1"/>
-          <p:nvPr/>
-        </p:nvSpPr>
-        <p:spPr>
-          <a:xfrm>
-            <a:off x="5933648" y="3426483"/>
-            <a:ext cx="6097554" cy="646331"/>
-          </a:xfrm>
-          <a:prstGeom prst="rect">
-            <a:avLst/>
-          </a:prstGeom>
-          <a:noFill/>
-        </p:spPr>
-        <p:txBody>
-          <a:bodyPr wrap="square">
-            <a:spAutoFit/>
-          </a:bodyPr>
-          <a:lstStyle/>
-          <a:p>
-            <a:r>
-              <a:rPr lang="en-US" altLang="ko-KR" sz="1800">
-                <a:latin typeface="나눔스퀘어" panose="020B0600000101010101" pitchFamily="50" charset="-127"/>
-                <a:ea typeface="나눔스퀘어" panose="020B0600000101010101" pitchFamily="50" charset="-127"/>
-              </a:rPr>
-              <a:t>Upsampling X, </a:t>
-            </a:r>
-          </a:p>
-          <a:p>
-            <a:r>
-              <a:rPr lang="en-US" altLang="ko-KR" sz="1800">
-                <a:latin typeface="나눔스퀘어" panose="020B0600000101010101" pitchFamily="50" charset="-127"/>
-                <a:ea typeface="나눔스퀘어" panose="020B0600000101010101" pitchFamily="50" charset="-127"/>
-              </a:rPr>
-              <a:t>class weight [1.0, 1.0]</a:t>
-            </a:r>
-            <a:endParaRPr lang="ko-KR" altLang="en-US" sz="1800" dirty="0">
-              <a:latin typeface="나눔스퀘어" panose="020B0600000101010101" pitchFamily="50" charset="-127"/>
-              <a:ea typeface="나눔스퀘어" panose="020B0600000101010101" pitchFamily="50" charset="-127"/>
-            </a:endParaRPr>
-          </a:p>
-        </p:txBody>
-      </p:sp>
-      <p:sp>
-        <p:nvSpPr>
-          <p:cNvPr id="19" name="TextBox 18">
-            <a:extLst>
-              <a:ext uri="{FF2B5EF4-FFF2-40B4-BE49-F238E27FC236}">
-                <a16:creationId xmlns:a16="http://schemas.microsoft.com/office/drawing/2014/main" id="{796402CD-9BDC-C61B-5A00-488089477E11}"/>
-              </a:ext>
-            </a:extLst>
-          </p:cNvPr>
-          <p:cNvSpPr txBox="1"/>
-          <p:nvPr/>
-        </p:nvSpPr>
-        <p:spPr>
-          <a:xfrm>
-            <a:off x="160679" y="110443"/>
-            <a:ext cx="6097554" cy="369332"/>
-          </a:xfrm>
-          <a:prstGeom prst="rect">
-            <a:avLst/>
-          </a:prstGeom>
-          <a:noFill/>
-        </p:spPr>
-        <p:txBody>
-          <a:bodyPr wrap="square">
-            <a:spAutoFit/>
-          </a:bodyPr>
-          <a:lstStyle/>
-          <a:p>
-            <a:r>
-              <a:rPr lang="en-US" altLang="ko-KR" sz="1800" b="1">
-                <a:latin typeface="나눔스퀘어" panose="020B0600000101010101" pitchFamily="50" charset="-127"/>
-                <a:ea typeface="나눔스퀘어" panose="020B0600000101010101" pitchFamily="50" charset="-127"/>
-              </a:rPr>
-              <a:t>UCLA_CNP+COBRE</a:t>
-            </a:r>
-            <a:endParaRPr lang="ko-KR" altLang="en-US" b="1"/>
-          </a:p>
-        </p:txBody>
-      </p:sp>
-    </p:spTree>
-    <p:extLst>
-      <p:ext uri="{BB962C8B-B14F-4D97-AF65-F5344CB8AC3E}">
-        <p14:creationId xmlns:p14="http://schemas.microsoft.com/office/powerpoint/2010/main" val="686287438"/>
-      </p:ext>
-    </p:extLst>
-  </p:cSld>
-  <p:clrMapOvr>
-    <a:masterClrMapping/>
-  </p:clrMapOvr>
-</p:sld>
-</file>
-
-<file path=ppt/slides/slide17.xml><?xml version="1.0" encoding="utf-8"?>
-<p:sld xmlns:a="http://schemas.openxmlformats.org/drawingml/2006/main" xmlns:r="http://schemas.openxmlformats.org/officeDocument/2006/relationships" xmlns:p="http://schemas.openxmlformats.org/presentationml/2006/main">
-  <p:cSld>
-    <p:spTree>
-      <p:nvGrpSpPr>
-        <p:cNvPr id="1" name="">
-          <a:extLst>
-            <a:ext uri="{FF2B5EF4-FFF2-40B4-BE49-F238E27FC236}">
-              <a16:creationId xmlns:a16="http://schemas.microsoft.com/office/drawing/2014/main" id="{F0993E89-3128-996B-65B7-856DE87584C3}"/>
-            </a:ext>
-          </a:extLst>
-        </p:cNvPr>
-        <p:cNvGrpSpPr/>
-        <p:nvPr/>
-      </p:nvGrpSpPr>
-      <p:grpSpPr>
-        <a:xfrm>
-          <a:off x="0" y="0"/>
-          <a:ext cx="0" cy="0"/>
-          <a:chOff x="0" y="0"/>
-          <a:chExt cx="0" cy="0"/>
-        </a:xfrm>
-      </p:grpSpPr>
-      <p:pic>
-        <p:nvPicPr>
-          <p:cNvPr id="12" name="그림 11">
-            <a:extLst>
-              <a:ext uri="{FF2B5EF4-FFF2-40B4-BE49-F238E27FC236}">
-                <a16:creationId xmlns:a16="http://schemas.microsoft.com/office/drawing/2014/main" id="{0E42122E-C515-7701-03DA-FF870FCE9F27}"/>
-              </a:ext>
-            </a:extLst>
-          </p:cNvPr>
-          <p:cNvPicPr>
-            <a:picLocks noChangeAspect="1"/>
-          </p:cNvPicPr>
-          <p:nvPr/>
-        </p:nvPicPr>
-        <p:blipFill>
-          <a:blip r:embed="rId2"/>
-          <a:stretch>
-            <a:fillRect/>
-          </a:stretch>
-        </p:blipFill>
-        <p:spPr>
-          <a:xfrm>
-            <a:off x="2879638" y="1162921"/>
-            <a:ext cx="2683244" cy="2172773"/>
-          </a:xfrm>
-          <a:prstGeom prst="rect">
-            <a:avLst/>
-          </a:prstGeom>
-        </p:spPr>
-      </p:pic>
-      <p:sp>
-        <p:nvSpPr>
-          <p:cNvPr id="3" name="TextBox 2">
-            <a:extLst>
-              <a:ext uri="{FF2B5EF4-FFF2-40B4-BE49-F238E27FC236}">
-                <a16:creationId xmlns:a16="http://schemas.microsoft.com/office/drawing/2014/main" id="{42D0BC41-FD1F-2B6E-E2A4-C57F15B9B47E}"/>
-              </a:ext>
-            </a:extLst>
-          </p:cNvPr>
-          <p:cNvSpPr txBox="1"/>
-          <p:nvPr/>
-        </p:nvSpPr>
-        <p:spPr>
-          <a:xfrm>
-            <a:off x="2674366" y="579212"/>
-            <a:ext cx="3462569" cy="584775"/>
-          </a:xfrm>
-          <a:prstGeom prst="rect">
-            <a:avLst/>
-          </a:prstGeom>
-          <a:noFill/>
-        </p:spPr>
-        <p:txBody>
-          <a:bodyPr wrap="square">
-            <a:spAutoFit/>
-          </a:bodyPr>
-          <a:lstStyle/>
-          <a:p>
-            <a:r>
-              <a:rPr lang="en-US" altLang="ko-KR" sz="1600">
-                <a:solidFill>
-                  <a:srgbClr val="FF0000"/>
-                </a:solidFill>
-                <a:latin typeface="나눔스퀘어" panose="020B0600000101010101" pitchFamily="50" charset="-127"/>
-                <a:ea typeface="나눔스퀘어" panose="020B0600000101010101" pitchFamily="50" charset="-127"/>
-              </a:rPr>
-              <a:t>Upsampling O, </a:t>
-            </a:r>
-          </a:p>
-          <a:p>
-            <a:r>
-              <a:rPr lang="en-US" altLang="ko-KR" sz="1600">
-                <a:solidFill>
-                  <a:srgbClr val="FF0000"/>
-                </a:solidFill>
-                <a:latin typeface="나눔스퀘어" panose="020B0600000101010101" pitchFamily="50" charset="-127"/>
-                <a:ea typeface="나눔스퀘어" panose="020B0600000101010101" pitchFamily="50" charset="-127"/>
-              </a:rPr>
-              <a:t>class weight [0.8172, 1.2881]</a:t>
-            </a:r>
-            <a:endParaRPr lang="ko-KR" altLang="en-US" sz="1600" dirty="0">
-              <a:solidFill>
-                <a:srgbClr val="FF0000"/>
-              </a:solidFill>
-              <a:latin typeface="나눔스퀘어" panose="020B0600000101010101" pitchFamily="50" charset="-127"/>
-              <a:ea typeface="나눔스퀘어" panose="020B0600000101010101" pitchFamily="50" charset="-127"/>
-            </a:endParaRPr>
-          </a:p>
-        </p:txBody>
-      </p:sp>
-      <p:pic>
-        <p:nvPicPr>
-          <p:cNvPr id="6" name="그림 5">
-            <a:extLst>
-              <a:ext uri="{FF2B5EF4-FFF2-40B4-BE49-F238E27FC236}">
-                <a16:creationId xmlns:a16="http://schemas.microsoft.com/office/drawing/2014/main" id="{3DF06D33-97D7-DD60-6AC7-FF52EE2BB152}"/>
-              </a:ext>
-            </a:extLst>
-          </p:cNvPr>
-          <p:cNvPicPr>
-            <a:picLocks noChangeAspect="1"/>
-          </p:cNvPicPr>
-          <p:nvPr/>
-        </p:nvPicPr>
-        <p:blipFill>
-          <a:blip r:embed="rId3"/>
-          <a:stretch>
-            <a:fillRect/>
-          </a:stretch>
-        </p:blipFill>
-        <p:spPr>
-          <a:xfrm>
-            <a:off x="5968497" y="1147418"/>
-            <a:ext cx="2683243" cy="2188276"/>
-          </a:xfrm>
-          <a:prstGeom prst="rect">
-            <a:avLst/>
-          </a:prstGeom>
-        </p:spPr>
-      </p:pic>
-      <p:sp>
-        <p:nvSpPr>
-          <p:cNvPr id="7" name="TextBox 6">
-            <a:extLst>
-              <a:ext uri="{FF2B5EF4-FFF2-40B4-BE49-F238E27FC236}">
-                <a16:creationId xmlns:a16="http://schemas.microsoft.com/office/drawing/2014/main" id="{12A13EEA-9AF5-4542-5088-341434EB16CE}"/>
-              </a:ext>
-            </a:extLst>
-          </p:cNvPr>
-          <p:cNvSpPr txBox="1"/>
-          <p:nvPr/>
-        </p:nvSpPr>
-        <p:spPr>
-          <a:xfrm>
-            <a:off x="5938730" y="562643"/>
-            <a:ext cx="2917167" cy="584775"/>
-          </a:xfrm>
-          <a:prstGeom prst="rect">
-            <a:avLst/>
-          </a:prstGeom>
-          <a:noFill/>
-        </p:spPr>
-        <p:txBody>
-          <a:bodyPr wrap="square">
-            <a:spAutoFit/>
-          </a:bodyPr>
-          <a:lstStyle/>
-          <a:p>
-            <a:r>
-              <a:rPr lang="en-US" altLang="ko-KR" sz="1600">
-                <a:latin typeface="나눔스퀘어" panose="020B0600000101010101" pitchFamily="50" charset="-127"/>
-                <a:ea typeface="나눔스퀘어" panose="020B0600000101010101" pitchFamily="50" charset="-127"/>
-              </a:rPr>
-              <a:t>Upsampling X, </a:t>
-            </a:r>
-          </a:p>
-          <a:p>
-            <a:r>
-              <a:rPr lang="en-US" altLang="ko-KR" sz="1600">
-                <a:latin typeface="나눔스퀘어" panose="020B0600000101010101" pitchFamily="50" charset="-127"/>
-                <a:ea typeface="나눔스퀘어" panose="020B0600000101010101" pitchFamily="50" charset="-127"/>
-              </a:rPr>
-              <a:t>class weight [0.8172, 1.2881]</a:t>
-            </a:r>
-            <a:endParaRPr lang="ko-KR" altLang="en-US" sz="1600" dirty="0">
-              <a:latin typeface="나눔스퀘어" panose="020B0600000101010101" pitchFamily="50" charset="-127"/>
-              <a:ea typeface="나눔스퀘어" panose="020B0600000101010101" pitchFamily="50" charset="-127"/>
-            </a:endParaRPr>
-          </a:p>
-        </p:txBody>
-      </p:sp>
-      <p:pic>
-        <p:nvPicPr>
-          <p:cNvPr id="10" name="그림 9">
-            <a:extLst>
-              <a:ext uri="{FF2B5EF4-FFF2-40B4-BE49-F238E27FC236}">
-                <a16:creationId xmlns:a16="http://schemas.microsoft.com/office/drawing/2014/main" id="{6E10E891-4AE2-EF31-D9DA-BB1AF11A1E5F}"/>
-              </a:ext>
-            </a:extLst>
-          </p:cNvPr>
-          <p:cNvPicPr>
-            <a:picLocks noChangeAspect="1"/>
-          </p:cNvPicPr>
-          <p:nvPr/>
-        </p:nvPicPr>
-        <p:blipFill>
-          <a:blip r:embed="rId4"/>
-          <a:stretch>
-            <a:fillRect/>
-          </a:stretch>
-        </p:blipFill>
-        <p:spPr>
-          <a:xfrm>
-            <a:off x="2879638" y="4111395"/>
-            <a:ext cx="2669596" cy="2172773"/>
-          </a:xfrm>
-          <a:prstGeom prst="rect">
-            <a:avLst/>
-          </a:prstGeom>
-        </p:spPr>
-      </p:pic>
-      <p:sp>
-        <p:nvSpPr>
-          <p:cNvPr id="13" name="TextBox 12">
-            <a:extLst>
-              <a:ext uri="{FF2B5EF4-FFF2-40B4-BE49-F238E27FC236}">
-                <a16:creationId xmlns:a16="http://schemas.microsoft.com/office/drawing/2014/main" id="{53DCE45A-1303-E9F4-DF3C-B97FADFFEB34}"/>
-              </a:ext>
-            </a:extLst>
-          </p:cNvPr>
-          <p:cNvSpPr txBox="1"/>
-          <p:nvPr/>
-        </p:nvSpPr>
-        <p:spPr>
-          <a:xfrm>
-            <a:off x="2879638" y="3465064"/>
-            <a:ext cx="2782564" cy="646331"/>
-          </a:xfrm>
-          <a:prstGeom prst="rect">
-            <a:avLst/>
-          </a:prstGeom>
-          <a:noFill/>
-        </p:spPr>
-        <p:txBody>
-          <a:bodyPr wrap="square">
-            <a:spAutoFit/>
-          </a:bodyPr>
-          <a:lstStyle/>
-          <a:p>
-            <a:r>
-              <a:rPr lang="en-US" altLang="ko-KR" sz="1800">
-                <a:latin typeface="나눔스퀘어" panose="020B0600000101010101" pitchFamily="50" charset="-127"/>
-                <a:ea typeface="나눔스퀘어" panose="020B0600000101010101" pitchFamily="50" charset="-127"/>
-              </a:rPr>
-              <a:t>Upsampling O, </a:t>
-            </a:r>
-          </a:p>
-          <a:p>
-            <a:r>
-              <a:rPr lang="en-US" altLang="ko-KR" sz="1800">
-                <a:latin typeface="나눔스퀘어" panose="020B0600000101010101" pitchFamily="50" charset="-127"/>
-                <a:ea typeface="나눔스퀘어" panose="020B0600000101010101" pitchFamily="50" charset="-127"/>
-              </a:rPr>
-              <a:t>class weight [1.0, 1.0]</a:t>
-            </a:r>
-            <a:endParaRPr lang="ko-KR" altLang="en-US" sz="1800" dirty="0">
-              <a:latin typeface="나눔스퀘어" panose="020B0600000101010101" pitchFamily="50" charset="-127"/>
-              <a:ea typeface="나눔스퀘어" panose="020B0600000101010101" pitchFamily="50" charset="-127"/>
-            </a:endParaRPr>
-          </a:p>
-        </p:txBody>
-      </p:sp>
-      <p:pic>
-        <p:nvPicPr>
-          <p:cNvPr id="15" name="그림 14">
-            <a:extLst>
-              <a:ext uri="{FF2B5EF4-FFF2-40B4-BE49-F238E27FC236}">
-                <a16:creationId xmlns:a16="http://schemas.microsoft.com/office/drawing/2014/main" id="{129BE8EF-EC29-82CE-85D5-B4497FCB7B16}"/>
-              </a:ext>
-            </a:extLst>
-          </p:cNvPr>
-          <p:cNvPicPr>
-            <a:picLocks noChangeAspect="1"/>
-          </p:cNvPicPr>
-          <p:nvPr/>
-        </p:nvPicPr>
-        <p:blipFill>
-          <a:blip r:embed="rId5"/>
-          <a:stretch>
-            <a:fillRect/>
-          </a:stretch>
-        </p:blipFill>
-        <p:spPr>
-          <a:xfrm>
-            <a:off x="5938730" y="4111395"/>
-            <a:ext cx="2683244" cy="2220617"/>
-          </a:xfrm>
-          <a:prstGeom prst="rect">
-            <a:avLst/>
-          </a:prstGeom>
-        </p:spPr>
-      </p:pic>
-      <p:sp>
-        <p:nvSpPr>
-          <p:cNvPr id="17" name="TextBox 16">
-            <a:extLst>
-              <a:ext uri="{FF2B5EF4-FFF2-40B4-BE49-F238E27FC236}">
-                <a16:creationId xmlns:a16="http://schemas.microsoft.com/office/drawing/2014/main" id="{457B1DCF-3D9F-443A-1EAD-960D7DE12D7C}"/>
-              </a:ext>
-            </a:extLst>
-          </p:cNvPr>
-          <p:cNvSpPr txBox="1"/>
-          <p:nvPr/>
-        </p:nvSpPr>
-        <p:spPr>
-          <a:xfrm>
-            <a:off x="5933648" y="3426483"/>
-            <a:ext cx="6097554" cy="646331"/>
-          </a:xfrm>
-          <a:prstGeom prst="rect">
-            <a:avLst/>
-          </a:prstGeom>
-          <a:noFill/>
-        </p:spPr>
-        <p:txBody>
-          <a:bodyPr wrap="square">
-            <a:spAutoFit/>
-          </a:bodyPr>
-          <a:lstStyle/>
-          <a:p>
-            <a:r>
-              <a:rPr lang="en-US" altLang="ko-KR" sz="1800">
-                <a:latin typeface="나눔스퀘어" panose="020B0600000101010101" pitchFamily="50" charset="-127"/>
-                <a:ea typeface="나눔스퀘어" panose="020B0600000101010101" pitchFamily="50" charset="-127"/>
-              </a:rPr>
-              <a:t>Upsampling X, </a:t>
-            </a:r>
-          </a:p>
-          <a:p>
-            <a:r>
-              <a:rPr lang="en-US" altLang="ko-KR" sz="1800">
-                <a:latin typeface="나눔스퀘어" panose="020B0600000101010101" pitchFamily="50" charset="-127"/>
-                <a:ea typeface="나눔스퀘어" panose="020B0600000101010101" pitchFamily="50" charset="-127"/>
-              </a:rPr>
-              <a:t>class weight [1.0, 1.0]</a:t>
-            </a:r>
-            <a:endParaRPr lang="ko-KR" altLang="en-US" sz="1800" dirty="0">
-              <a:latin typeface="나눔스퀘어" panose="020B0600000101010101" pitchFamily="50" charset="-127"/>
-              <a:ea typeface="나눔스퀘어" panose="020B0600000101010101" pitchFamily="50" charset="-127"/>
-            </a:endParaRPr>
-          </a:p>
-        </p:txBody>
-      </p:sp>
-      <p:sp>
-        <p:nvSpPr>
-          <p:cNvPr id="19" name="TextBox 18">
-            <a:extLst>
-              <a:ext uri="{FF2B5EF4-FFF2-40B4-BE49-F238E27FC236}">
-                <a16:creationId xmlns:a16="http://schemas.microsoft.com/office/drawing/2014/main" id="{07767F2E-7A9C-CA3A-9D68-8833EB117DD4}"/>
-              </a:ext>
-            </a:extLst>
-          </p:cNvPr>
-          <p:cNvSpPr txBox="1"/>
-          <p:nvPr/>
-        </p:nvSpPr>
-        <p:spPr>
-          <a:xfrm>
-            <a:off x="160679" y="110443"/>
-            <a:ext cx="6097554" cy="369332"/>
-          </a:xfrm>
-          <a:prstGeom prst="rect">
-            <a:avLst/>
-          </a:prstGeom>
-          <a:noFill/>
-        </p:spPr>
-        <p:txBody>
-          <a:bodyPr wrap="square">
-            <a:spAutoFit/>
-          </a:bodyPr>
-          <a:lstStyle/>
-          <a:p>
-            <a:r>
-              <a:rPr lang="en-US" altLang="ko-KR" sz="1800" b="1">
-                <a:latin typeface="나눔스퀘어" panose="020B0600000101010101" pitchFamily="50" charset="-127"/>
-                <a:ea typeface="나눔스퀘어" panose="020B0600000101010101" pitchFamily="50" charset="-127"/>
-              </a:rPr>
-              <a:t>UCLA_CNP+COBRE</a:t>
-            </a:r>
-            <a:endParaRPr lang="ko-KR" altLang="en-US" b="1"/>
-          </a:p>
-        </p:txBody>
-      </p:sp>
-    </p:spTree>
-    <p:extLst>
-      <p:ext uri="{BB962C8B-B14F-4D97-AF65-F5344CB8AC3E}">
-        <p14:creationId xmlns:p14="http://schemas.microsoft.com/office/powerpoint/2010/main" val="3752250938"/>
-      </p:ext>
-    </p:extLst>
-  </p:cSld>
-  <p:clrMapOvr>
-    <a:masterClrMapping/>
-  </p:clrMapOvr>
-</p:sld>
-</file>
-
-<file path=ppt/slides/slide18.xml><?xml version="1.0" encoding="utf-8"?>
-<p:sld xmlns:a="http://schemas.openxmlformats.org/drawingml/2006/main" xmlns:r="http://schemas.openxmlformats.org/officeDocument/2006/relationships" xmlns:p="http://schemas.openxmlformats.org/presentationml/2006/main">
-  <p:cSld>
-    <p:spTree>
-      <p:nvGrpSpPr>
-        <p:cNvPr id="1" name=""/>
-        <p:cNvGrpSpPr/>
-        <p:nvPr/>
-      </p:nvGrpSpPr>
-      <p:grpSpPr>
-        <a:xfrm>
-          <a:off x="0" y="0"/>
-          <a:ext cx="0" cy="0"/>
-          <a:chOff x="0" y="0"/>
-          <a:chExt cx="0" cy="0"/>
-        </a:xfrm>
-      </p:grpSpPr>
-      <p:pic>
-        <p:nvPicPr>
-          <p:cNvPr id="35" name="내용 개체 틀 4">
-            <a:extLst>
-              <a:ext uri="{FF2B5EF4-FFF2-40B4-BE49-F238E27FC236}">
-                <a16:creationId xmlns:a16="http://schemas.microsoft.com/office/drawing/2014/main" id="{6A1232E6-8CCC-E5ED-BC6A-C9334EDCF8EB}"/>
-              </a:ext>
-            </a:extLst>
-          </p:cNvPr>
-          <p:cNvPicPr>
-            <a:picLocks noChangeAspect="1"/>
-          </p:cNvPicPr>
-          <p:nvPr/>
-        </p:nvPicPr>
-        <p:blipFill rotWithShape="1">
-          <a:blip r:embed="rId2">
-            <a:extLst>
-              <a:ext uri="{28A0092B-C50C-407E-A947-70E740481C1C}">
-                <a14:useLocalDpi xmlns:a14="http://schemas.microsoft.com/office/drawing/2010/main" val="0"/>
-              </a:ext>
-            </a:extLst>
-          </a:blip>
-          <a:srcRect l="7998" t="9571" r="8823" b="4879"/>
-          <a:stretch/>
-        </p:blipFill>
-        <p:spPr>
-          <a:xfrm>
-            <a:off x="9427888" y="2000564"/>
-            <a:ext cx="2769184" cy="1755436"/>
-          </a:xfrm>
-          <a:prstGeom prst="rect">
-            <a:avLst/>
-          </a:prstGeom>
-        </p:spPr>
-      </p:pic>
-      <p:pic>
-        <p:nvPicPr>
-          <p:cNvPr id="24" name="내용 개체 틀 23">
-            <a:extLst>
-              <a:ext uri="{FF2B5EF4-FFF2-40B4-BE49-F238E27FC236}">
-                <a16:creationId xmlns:a16="http://schemas.microsoft.com/office/drawing/2014/main" id="{AC15D9FA-62EC-F0EC-EB68-57C14E065EE1}"/>
-              </a:ext>
-            </a:extLst>
-          </p:cNvPr>
-          <p:cNvPicPr>
-            <a:picLocks noGrp="1" noChangeAspect="1"/>
-          </p:cNvPicPr>
-          <p:nvPr>
-            <p:ph idx="1"/>
-          </p:nvPr>
-        </p:nvPicPr>
-        <p:blipFill rotWithShape="1">
-          <a:blip r:embed="rId3">
-            <a:extLst>
-              <a:ext uri="{28A0092B-C50C-407E-A947-70E740481C1C}">
-                <a14:useLocalDpi xmlns:a14="http://schemas.microsoft.com/office/drawing/2010/main" val="0"/>
-              </a:ext>
-            </a:extLst>
-          </a:blip>
-          <a:srcRect l="7263" t="8725" r="8718" b="5694"/>
-          <a:stretch/>
-        </p:blipFill>
-        <p:spPr>
-          <a:xfrm>
-            <a:off x="9397401" y="308474"/>
-            <a:ext cx="2794599" cy="1793279"/>
-          </a:xfrm>
-        </p:spPr>
-      </p:pic>
-      <p:pic>
-        <p:nvPicPr>
-          <p:cNvPr id="30" name="그림 29">
-            <a:extLst>
-              <a:ext uri="{FF2B5EF4-FFF2-40B4-BE49-F238E27FC236}">
-                <a16:creationId xmlns:a16="http://schemas.microsoft.com/office/drawing/2014/main" id="{E14EC61D-397D-1BC4-5783-65BFC2113B17}"/>
-              </a:ext>
-            </a:extLst>
-          </p:cNvPr>
-          <p:cNvPicPr>
-            <a:picLocks noChangeAspect="1"/>
-          </p:cNvPicPr>
-          <p:nvPr/>
-        </p:nvPicPr>
-        <p:blipFill rotWithShape="1">
-          <a:blip r:embed="rId4">
-            <a:extLst>
-              <a:ext uri="{28A0092B-C50C-407E-A947-70E740481C1C}">
-                <a14:useLocalDpi xmlns:a14="http://schemas.microsoft.com/office/drawing/2010/main" val="0"/>
-              </a:ext>
-            </a:extLst>
-          </a:blip>
-          <a:srcRect l="3364" t="8186" r="7218"/>
-          <a:stretch/>
-        </p:blipFill>
-        <p:spPr>
-          <a:xfrm>
-            <a:off x="6428792" y="315169"/>
-            <a:ext cx="3141815" cy="1894444"/>
-          </a:xfrm>
-          <a:prstGeom prst="rect">
-            <a:avLst/>
-          </a:prstGeom>
-        </p:spPr>
-      </p:pic>
-      <p:sp>
-        <p:nvSpPr>
-          <p:cNvPr id="20" name="TextBox 19">
-            <a:extLst>
-              <a:ext uri="{FF2B5EF4-FFF2-40B4-BE49-F238E27FC236}">
-                <a16:creationId xmlns:a16="http://schemas.microsoft.com/office/drawing/2014/main" id="{8A410553-1381-F593-7D12-A1BDF89A934B}"/>
-              </a:ext>
-            </a:extLst>
-          </p:cNvPr>
-          <p:cNvSpPr txBox="1"/>
-          <p:nvPr/>
-        </p:nvSpPr>
-        <p:spPr>
-          <a:xfrm>
-            <a:off x="813993" y="983743"/>
-            <a:ext cx="2469843" cy="646331"/>
-          </a:xfrm>
-          <a:prstGeom prst="rect">
-            <a:avLst/>
-          </a:prstGeom>
-          <a:noFill/>
-        </p:spPr>
-        <p:txBody>
-          <a:bodyPr wrap="none" rtlCol="0">
-            <a:spAutoFit/>
-          </a:bodyPr>
-          <a:lstStyle/>
-          <a:p>
-            <a:r>
-              <a:rPr lang="en-US" altLang="ko-KR" dirty="0" err="1">
-                <a:latin typeface="나눔스퀘어" panose="020B0600000101010101" pitchFamily="50" charset="-127"/>
-                <a:ea typeface="나눔스퀘어" panose="020B0600000101010101" pitchFamily="50" charset="-127"/>
-              </a:rPr>
-              <a:t>Upsampling</a:t>
-            </a:r>
-            <a:r>
-              <a:rPr lang="en-US" altLang="ko-KR" dirty="0">
-                <a:latin typeface="나눔스퀘어" panose="020B0600000101010101" pitchFamily="50" charset="-127"/>
-                <a:ea typeface="나눔스퀘어" panose="020B0600000101010101" pitchFamily="50" charset="-127"/>
-              </a:rPr>
-              <a:t> X, </a:t>
-            </a:r>
-          </a:p>
-          <a:p>
-            <a:r>
-              <a:rPr lang="en-US" altLang="ko-KR" dirty="0">
-                <a:latin typeface="나눔스퀘어" panose="020B0600000101010101" pitchFamily="50" charset="-127"/>
-                <a:ea typeface="나눔스퀘어" panose="020B0600000101010101" pitchFamily="50" charset="-127"/>
-              </a:rPr>
-              <a:t>class weight [1.0, 1.0]</a:t>
-            </a:r>
-            <a:endParaRPr lang="ko-KR" altLang="en-US" dirty="0">
-              <a:latin typeface="나눔스퀘어" panose="020B0600000101010101" pitchFamily="50" charset="-127"/>
-              <a:ea typeface="나눔스퀘어" panose="020B0600000101010101" pitchFamily="50" charset="-127"/>
-            </a:endParaRPr>
-          </a:p>
-        </p:txBody>
-      </p:sp>
-      <p:pic>
-        <p:nvPicPr>
-          <p:cNvPr id="28" name="그림 27">
-            <a:extLst>
-              <a:ext uri="{FF2B5EF4-FFF2-40B4-BE49-F238E27FC236}">
-                <a16:creationId xmlns:a16="http://schemas.microsoft.com/office/drawing/2014/main" id="{E71ADADE-D0AE-9D70-E7B0-6B98C0420A84}"/>
-              </a:ext>
-            </a:extLst>
-          </p:cNvPr>
-          <p:cNvPicPr>
-            <a:picLocks noChangeAspect="1"/>
-          </p:cNvPicPr>
-          <p:nvPr/>
-        </p:nvPicPr>
-        <p:blipFill rotWithShape="1">
-          <a:blip r:embed="rId5">
-            <a:extLst>
-              <a:ext uri="{28A0092B-C50C-407E-A947-70E740481C1C}">
-                <a14:useLocalDpi xmlns:a14="http://schemas.microsoft.com/office/drawing/2010/main" val="0"/>
-              </a:ext>
-            </a:extLst>
-          </a:blip>
-          <a:srcRect l="3090" t="9888" r="8268"/>
-          <a:stretch/>
-        </p:blipFill>
-        <p:spPr>
-          <a:xfrm>
-            <a:off x="3376899" y="327395"/>
-            <a:ext cx="3341216" cy="1875607"/>
-          </a:xfrm>
-          <a:prstGeom prst="rect">
-            <a:avLst/>
-          </a:prstGeom>
-        </p:spPr>
-      </p:pic>
-      <p:sp>
-        <p:nvSpPr>
-          <p:cNvPr id="32" name="TextBox 31">
-            <a:extLst>
-              <a:ext uri="{FF2B5EF4-FFF2-40B4-BE49-F238E27FC236}">
-                <a16:creationId xmlns:a16="http://schemas.microsoft.com/office/drawing/2014/main" id="{E5D2717A-185B-BDC8-AADC-B59FBB5012B2}"/>
-              </a:ext>
-            </a:extLst>
-          </p:cNvPr>
-          <p:cNvSpPr txBox="1"/>
-          <p:nvPr/>
-        </p:nvSpPr>
-        <p:spPr>
-          <a:xfrm>
-            <a:off x="5011316" y="4552"/>
-            <a:ext cx="1084684" cy="369332"/>
-          </a:xfrm>
-          <a:prstGeom prst="rect">
-            <a:avLst/>
-          </a:prstGeom>
-          <a:noFill/>
-        </p:spPr>
-        <p:txBody>
-          <a:bodyPr wrap="square">
-            <a:spAutoFit/>
-          </a:bodyPr>
-          <a:lstStyle/>
-          <a:p>
-            <a:r>
-              <a:rPr lang="en-US" altLang="ko-KR" dirty="0">
-                <a:latin typeface="나눔스퀘어" panose="020B0600000101010101" pitchFamily="50" charset="-127"/>
-                <a:ea typeface="나눔스퀘어" panose="020B0600000101010101" pitchFamily="50" charset="-127"/>
-              </a:rPr>
-              <a:t>SEN</a:t>
-            </a:r>
-            <a:endParaRPr lang="ko-KR" altLang="en-US" dirty="0">
-              <a:latin typeface="나눔스퀘어" panose="020B0600000101010101" pitchFamily="50" charset="-127"/>
-              <a:ea typeface="나눔스퀘어" panose="020B0600000101010101" pitchFamily="50" charset="-127"/>
-            </a:endParaRPr>
-          </a:p>
-        </p:txBody>
-      </p:sp>
-      <p:sp>
-        <p:nvSpPr>
-          <p:cNvPr id="34" name="TextBox 33">
-            <a:extLst>
-              <a:ext uri="{FF2B5EF4-FFF2-40B4-BE49-F238E27FC236}">
-                <a16:creationId xmlns:a16="http://schemas.microsoft.com/office/drawing/2014/main" id="{28863417-B92E-74B1-953A-415FBABDDF98}"/>
-              </a:ext>
-            </a:extLst>
-          </p:cNvPr>
-          <p:cNvSpPr txBox="1"/>
-          <p:nvPr/>
-        </p:nvSpPr>
-        <p:spPr>
-          <a:xfrm>
-            <a:off x="813993" y="2473784"/>
-            <a:ext cx="2940557" cy="646331"/>
-          </a:xfrm>
-          <a:prstGeom prst="rect">
-            <a:avLst/>
-          </a:prstGeom>
-          <a:noFill/>
-        </p:spPr>
-        <p:txBody>
-          <a:bodyPr wrap="square">
-            <a:spAutoFit/>
-          </a:bodyPr>
-          <a:lstStyle/>
-          <a:p>
-            <a:r>
-              <a:rPr lang="en-US" altLang="ko-KR" dirty="0" err="1">
-                <a:latin typeface="나눔스퀘어" panose="020B0600000101010101" pitchFamily="50" charset="-127"/>
-                <a:ea typeface="나눔스퀘어" panose="020B0600000101010101" pitchFamily="50" charset="-127"/>
-              </a:rPr>
-              <a:t>Upsampling</a:t>
-            </a:r>
-            <a:r>
-              <a:rPr lang="en-US" altLang="ko-KR" dirty="0">
-                <a:latin typeface="나눔스퀘어" panose="020B0600000101010101" pitchFamily="50" charset="-127"/>
-                <a:ea typeface="나눔스퀘어" panose="020B0600000101010101" pitchFamily="50" charset="-127"/>
-              </a:rPr>
-              <a:t> X, </a:t>
-            </a:r>
-          </a:p>
-          <a:p>
-            <a:r>
-              <a:rPr lang="en-US" altLang="ko-KR" dirty="0">
-                <a:latin typeface="나눔스퀘어" panose="020B0600000101010101" pitchFamily="50" charset="-127"/>
-                <a:ea typeface="나눔스퀘어" panose="020B0600000101010101" pitchFamily="50" charset="-127"/>
-              </a:rPr>
-              <a:t>class weight [0.72, 1.66]</a:t>
-            </a:r>
-            <a:endParaRPr lang="ko-KR" altLang="en-US" dirty="0">
-              <a:latin typeface="나눔스퀘어" panose="020B0600000101010101" pitchFamily="50" charset="-127"/>
-              <a:ea typeface="나눔스퀘어" panose="020B0600000101010101" pitchFamily="50" charset="-127"/>
-            </a:endParaRPr>
-          </a:p>
-        </p:txBody>
-      </p:sp>
-      <p:pic>
-        <p:nvPicPr>
-          <p:cNvPr id="37" name="그림 36">
-            <a:extLst>
-              <a:ext uri="{FF2B5EF4-FFF2-40B4-BE49-F238E27FC236}">
-                <a16:creationId xmlns:a16="http://schemas.microsoft.com/office/drawing/2014/main" id="{B8E91300-B8C6-20A9-BB2A-EA9477EB5298}"/>
-              </a:ext>
-            </a:extLst>
-          </p:cNvPr>
-          <p:cNvPicPr>
-            <a:picLocks noChangeAspect="1"/>
-          </p:cNvPicPr>
-          <p:nvPr/>
-        </p:nvPicPr>
-        <p:blipFill rotWithShape="1">
-          <a:blip r:embed="rId6">
-            <a:extLst>
-              <a:ext uri="{28A0092B-C50C-407E-A947-70E740481C1C}">
-                <a14:useLocalDpi xmlns:a14="http://schemas.microsoft.com/office/drawing/2010/main" val="0"/>
-              </a:ext>
-            </a:extLst>
-          </a:blip>
-          <a:srcRect l="3665" t="9793" r="8496"/>
-          <a:stretch/>
-        </p:blipFill>
-        <p:spPr>
-          <a:xfrm>
-            <a:off x="6527375" y="2000564"/>
-            <a:ext cx="3014769" cy="1855551"/>
-          </a:xfrm>
-          <a:prstGeom prst="rect">
-            <a:avLst/>
-          </a:prstGeom>
-        </p:spPr>
-      </p:pic>
-      <p:pic>
-        <p:nvPicPr>
-          <p:cNvPr id="36" name="그림 35">
-            <a:extLst>
-              <a:ext uri="{FF2B5EF4-FFF2-40B4-BE49-F238E27FC236}">
-                <a16:creationId xmlns:a16="http://schemas.microsoft.com/office/drawing/2014/main" id="{C4400163-902C-664E-A10E-63A74A70A15F}"/>
-              </a:ext>
-            </a:extLst>
-          </p:cNvPr>
-          <p:cNvPicPr>
-            <a:picLocks noChangeAspect="1"/>
-          </p:cNvPicPr>
-          <p:nvPr/>
-        </p:nvPicPr>
-        <p:blipFill rotWithShape="1">
-          <a:blip r:embed="rId7">
-            <a:extLst>
-              <a:ext uri="{28A0092B-C50C-407E-A947-70E740481C1C}">
-                <a14:useLocalDpi xmlns:a14="http://schemas.microsoft.com/office/drawing/2010/main" val="0"/>
-              </a:ext>
-            </a:extLst>
-          </a:blip>
-          <a:srcRect l="3965" t="9793" r="8195"/>
-          <a:stretch/>
-        </p:blipFill>
-        <p:spPr>
-          <a:xfrm>
-            <a:off x="3495741" y="1992604"/>
-            <a:ext cx="3327054" cy="1891260"/>
-          </a:xfrm>
-          <a:prstGeom prst="rect">
-            <a:avLst/>
-          </a:prstGeom>
-        </p:spPr>
-      </p:pic>
-      <p:sp>
-        <p:nvSpPr>
-          <p:cNvPr id="40" name="TextBox 39">
-            <a:extLst>
-              <a:ext uri="{FF2B5EF4-FFF2-40B4-BE49-F238E27FC236}">
-                <a16:creationId xmlns:a16="http://schemas.microsoft.com/office/drawing/2014/main" id="{39788DF1-308B-6460-934E-3CA7793070B7}"/>
-              </a:ext>
-            </a:extLst>
-          </p:cNvPr>
-          <p:cNvSpPr txBox="1"/>
-          <p:nvPr/>
-        </p:nvSpPr>
-        <p:spPr>
-          <a:xfrm>
-            <a:off x="7878921" y="-29942"/>
-            <a:ext cx="788437" cy="369332"/>
-          </a:xfrm>
-          <a:prstGeom prst="rect">
-            <a:avLst/>
-          </a:prstGeom>
-          <a:noFill/>
-        </p:spPr>
-        <p:txBody>
-          <a:bodyPr wrap="square">
-            <a:spAutoFit/>
-          </a:bodyPr>
-          <a:lstStyle/>
-          <a:p>
-            <a:r>
-              <a:rPr lang="en-US" altLang="ko-KR" dirty="0">
-                <a:latin typeface="나눔스퀘어" panose="020B0600000101010101" pitchFamily="50" charset="-127"/>
-                <a:ea typeface="나눔스퀘어" panose="020B0600000101010101" pitchFamily="50" charset="-127"/>
-              </a:rPr>
-              <a:t>SPE</a:t>
-            </a:r>
-            <a:endParaRPr lang="ko-KR" altLang="en-US" dirty="0">
-              <a:latin typeface="나눔스퀘어" panose="020B0600000101010101" pitchFamily="50" charset="-127"/>
-              <a:ea typeface="나눔스퀘어" panose="020B0600000101010101" pitchFamily="50" charset="-127"/>
-            </a:endParaRPr>
-          </a:p>
-        </p:txBody>
-      </p:sp>
-      <p:sp>
-        <p:nvSpPr>
-          <p:cNvPr id="42" name="TextBox 41">
-            <a:extLst>
-              <a:ext uri="{FF2B5EF4-FFF2-40B4-BE49-F238E27FC236}">
-                <a16:creationId xmlns:a16="http://schemas.microsoft.com/office/drawing/2014/main" id="{7882D39D-D20E-A909-759B-378F2484F147}"/>
-              </a:ext>
-            </a:extLst>
-          </p:cNvPr>
-          <p:cNvSpPr txBox="1"/>
-          <p:nvPr/>
-        </p:nvSpPr>
-        <p:spPr>
-          <a:xfrm>
-            <a:off x="10608746" y="4552"/>
-            <a:ext cx="657808" cy="369332"/>
-          </a:xfrm>
-          <a:prstGeom prst="rect">
-            <a:avLst/>
-          </a:prstGeom>
-          <a:noFill/>
-        </p:spPr>
-        <p:txBody>
-          <a:bodyPr wrap="square">
-            <a:spAutoFit/>
-          </a:bodyPr>
-          <a:lstStyle/>
-          <a:p>
-            <a:r>
-              <a:rPr lang="en-US" altLang="ko-KR" dirty="0">
-                <a:latin typeface="나눔스퀘어" panose="020B0600000101010101" pitchFamily="50" charset="-127"/>
-                <a:ea typeface="나눔스퀘어" panose="020B0600000101010101" pitchFamily="50" charset="-127"/>
-              </a:rPr>
-              <a:t>BAC</a:t>
-            </a:r>
-            <a:endParaRPr lang="ko-KR" altLang="en-US" dirty="0">
-              <a:latin typeface="나눔스퀘어" panose="020B0600000101010101" pitchFamily="50" charset="-127"/>
-              <a:ea typeface="나눔스퀘어" panose="020B0600000101010101" pitchFamily="50" charset="-127"/>
-            </a:endParaRPr>
-          </a:p>
-        </p:txBody>
-      </p:sp>
-      <p:pic>
-        <p:nvPicPr>
-          <p:cNvPr id="43" name="그림 42">
-            <a:extLst>
-              <a:ext uri="{FF2B5EF4-FFF2-40B4-BE49-F238E27FC236}">
-                <a16:creationId xmlns:a16="http://schemas.microsoft.com/office/drawing/2014/main" id="{E84ACC8D-6C4E-5EEC-CA0C-57335BD3225F}"/>
-              </a:ext>
-            </a:extLst>
-          </p:cNvPr>
-          <p:cNvPicPr>
-            <a:picLocks noChangeAspect="1"/>
-          </p:cNvPicPr>
-          <p:nvPr/>
-        </p:nvPicPr>
-        <p:blipFill rotWithShape="1">
-          <a:blip r:embed="rId8">
-            <a:extLst>
-              <a:ext uri="{28A0092B-C50C-407E-A947-70E740481C1C}">
-                <a14:useLocalDpi xmlns:a14="http://schemas.microsoft.com/office/drawing/2010/main" val="0"/>
-              </a:ext>
-            </a:extLst>
-          </a:blip>
-          <a:srcRect l="3306" t="8183" r="8776"/>
-          <a:stretch/>
-        </p:blipFill>
-        <p:spPr>
-          <a:xfrm>
-            <a:off x="9265299" y="3621732"/>
-            <a:ext cx="2926702" cy="1836833"/>
-          </a:xfrm>
-          <a:prstGeom prst="rect">
-            <a:avLst/>
-          </a:prstGeom>
-        </p:spPr>
-      </p:pic>
-      <p:pic>
-        <p:nvPicPr>
-          <p:cNvPr id="45" name="그림 44">
-            <a:extLst>
-              <a:ext uri="{FF2B5EF4-FFF2-40B4-BE49-F238E27FC236}">
-                <a16:creationId xmlns:a16="http://schemas.microsoft.com/office/drawing/2014/main" id="{719F1DF7-758E-4770-6284-E7D19FFFDA2C}"/>
-              </a:ext>
-            </a:extLst>
-          </p:cNvPr>
-          <p:cNvPicPr>
-            <a:picLocks noChangeAspect="1"/>
-          </p:cNvPicPr>
-          <p:nvPr/>
-        </p:nvPicPr>
-        <p:blipFill rotWithShape="1">
-          <a:blip r:embed="rId9">
-            <a:extLst>
-              <a:ext uri="{28A0092B-C50C-407E-A947-70E740481C1C}">
-                <a14:useLocalDpi xmlns:a14="http://schemas.microsoft.com/office/drawing/2010/main" val="0"/>
-              </a:ext>
-            </a:extLst>
-          </a:blip>
-          <a:srcRect l="3436" t="10100" r="8566"/>
-          <a:stretch/>
-        </p:blipFill>
-        <p:spPr>
-          <a:xfrm>
-            <a:off x="6564468" y="3629477"/>
-            <a:ext cx="3014769" cy="1887812"/>
-          </a:xfrm>
-          <a:prstGeom prst="rect">
-            <a:avLst/>
-          </a:prstGeom>
-        </p:spPr>
-      </p:pic>
-      <p:pic>
-        <p:nvPicPr>
-          <p:cNvPr id="46" name="그림 45">
-            <a:extLst>
-              <a:ext uri="{FF2B5EF4-FFF2-40B4-BE49-F238E27FC236}">
-                <a16:creationId xmlns:a16="http://schemas.microsoft.com/office/drawing/2014/main" id="{0A779A89-32BF-074B-0FE2-D69553728035}"/>
-              </a:ext>
-            </a:extLst>
-          </p:cNvPr>
-          <p:cNvPicPr>
-            <a:picLocks noChangeAspect="1"/>
-          </p:cNvPicPr>
-          <p:nvPr/>
-        </p:nvPicPr>
-        <p:blipFill rotWithShape="1">
-          <a:blip r:embed="rId10">
-            <a:extLst>
-              <a:ext uri="{28A0092B-C50C-407E-A947-70E740481C1C}">
-                <a14:useLocalDpi xmlns:a14="http://schemas.microsoft.com/office/drawing/2010/main" val="0"/>
-              </a:ext>
-            </a:extLst>
-          </a:blip>
-          <a:srcRect l="6956" t="10865" r="8429" b="3277"/>
-          <a:stretch/>
-        </p:blipFill>
-        <p:spPr>
-          <a:xfrm>
-            <a:off x="9427888" y="5243408"/>
-            <a:ext cx="2764112" cy="1635022"/>
-          </a:xfrm>
-          <a:prstGeom prst="rect">
-            <a:avLst/>
-          </a:prstGeom>
-        </p:spPr>
-      </p:pic>
-      <p:pic>
-        <p:nvPicPr>
-          <p:cNvPr id="48" name="그림 47">
-            <a:extLst>
-              <a:ext uri="{FF2B5EF4-FFF2-40B4-BE49-F238E27FC236}">
-                <a16:creationId xmlns:a16="http://schemas.microsoft.com/office/drawing/2014/main" id="{74B8717C-DA39-B430-77C8-382C11F019A9}"/>
-              </a:ext>
-            </a:extLst>
-          </p:cNvPr>
-          <p:cNvPicPr>
-            <a:picLocks noChangeAspect="1"/>
-          </p:cNvPicPr>
-          <p:nvPr/>
-        </p:nvPicPr>
-        <p:blipFill rotWithShape="1">
-          <a:blip r:embed="rId11">
-            <a:extLst>
-              <a:ext uri="{28A0092B-C50C-407E-A947-70E740481C1C}">
-                <a14:useLocalDpi xmlns:a14="http://schemas.microsoft.com/office/drawing/2010/main" val="0"/>
-              </a:ext>
-            </a:extLst>
-          </a:blip>
-          <a:srcRect l="11285" t="10043" r="8454" b="9178"/>
-          <a:stretch/>
-        </p:blipFill>
-        <p:spPr>
-          <a:xfrm>
-            <a:off x="6876660" y="5275979"/>
-            <a:ext cx="2665483" cy="1606641"/>
-          </a:xfrm>
-          <a:prstGeom prst="rect">
-            <a:avLst/>
-          </a:prstGeom>
-        </p:spPr>
-      </p:pic>
-      <p:pic>
-        <p:nvPicPr>
-          <p:cNvPr id="44" name="그림 43">
-            <a:extLst>
-              <a:ext uri="{FF2B5EF4-FFF2-40B4-BE49-F238E27FC236}">
-                <a16:creationId xmlns:a16="http://schemas.microsoft.com/office/drawing/2014/main" id="{66F5BE7F-71DB-C24C-9F5A-49198DC674F2}"/>
-              </a:ext>
-            </a:extLst>
-          </p:cNvPr>
-          <p:cNvPicPr>
-            <a:picLocks noChangeAspect="1"/>
-          </p:cNvPicPr>
-          <p:nvPr/>
-        </p:nvPicPr>
-        <p:blipFill rotWithShape="1">
-          <a:blip r:embed="rId12">
-            <a:extLst>
-              <a:ext uri="{28A0092B-C50C-407E-A947-70E740481C1C}">
-                <a14:useLocalDpi xmlns:a14="http://schemas.microsoft.com/office/drawing/2010/main" val="0"/>
-              </a:ext>
-            </a:extLst>
-          </a:blip>
-          <a:srcRect l="4138" t="8985" r="8664" b="688"/>
-          <a:stretch/>
-        </p:blipFill>
-        <p:spPr>
-          <a:xfrm>
-            <a:off x="3600562" y="3629476"/>
-            <a:ext cx="3257552" cy="1924399"/>
-          </a:xfrm>
-          <a:prstGeom prst="rect">
-            <a:avLst/>
-          </a:prstGeom>
-        </p:spPr>
-      </p:pic>
-      <p:pic>
-        <p:nvPicPr>
-          <p:cNvPr id="47" name="그림 46">
-            <a:extLst>
-              <a:ext uri="{FF2B5EF4-FFF2-40B4-BE49-F238E27FC236}">
-                <a16:creationId xmlns:a16="http://schemas.microsoft.com/office/drawing/2014/main" id="{D3D57CE3-5F4A-54BF-C253-82782B8468C5}"/>
-              </a:ext>
-            </a:extLst>
-          </p:cNvPr>
-          <p:cNvPicPr>
-            <a:picLocks noChangeAspect="1"/>
-          </p:cNvPicPr>
-          <p:nvPr/>
-        </p:nvPicPr>
-        <p:blipFill rotWithShape="1">
-          <a:blip r:embed="rId13">
-            <a:extLst>
-              <a:ext uri="{28A0092B-C50C-407E-A947-70E740481C1C}">
-                <a14:useLocalDpi xmlns:a14="http://schemas.microsoft.com/office/drawing/2010/main" val="0"/>
-              </a:ext>
-            </a:extLst>
-          </a:blip>
-          <a:srcRect l="3733" t="9305" r="8769"/>
-          <a:stretch/>
-        </p:blipFill>
-        <p:spPr>
-          <a:xfrm>
-            <a:off x="3639333" y="5275980"/>
-            <a:ext cx="3218781" cy="1661174"/>
-          </a:xfrm>
-          <a:prstGeom prst="rect">
-            <a:avLst/>
-          </a:prstGeom>
-        </p:spPr>
-      </p:pic>
-      <p:sp>
-        <p:nvSpPr>
-          <p:cNvPr id="49" name="TextBox 48">
-            <a:extLst>
-              <a:ext uri="{FF2B5EF4-FFF2-40B4-BE49-F238E27FC236}">
-                <a16:creationId xmlns:a16="http://schemas.microsoft.com/office/drawing/2014/main" id="{D85E3026-FD05-36CD-9FE5-644F63BB04ED}"/>
-              </a:ext>
-            </a:extLst>
-          </p:cNvPr>
-          <p:cNvSpPr txBox="1"/>
-          <p:nvPr/>
-        </p:nvSpPr>
-        <p:spPr>
-          <a:xfrm>
-            <a:off x="787655" y="4134629"/>
-            <a:ext cx="2589244" cy="646331"/>
-          </a:xfrm>
-          <a:prstGeom prst="rect">
-            <a:avLst/>
-          </a:prstGeom>
-          <a:noFill/>
-        </p:spPr>
-        <p:txBody>
-          <a:bodyPr wrap="square">
-            <a:spAutoFit/>
-          </a:bodyPr>
-          <a:lstStyle/>
-          <a:p>
-            <a:r>
-              <a:rPr lang="en-US" altLang="ko-KR" dirty="0" err="1">
-                <a:latin typeface="나눔스퀘어" panose="020B0600000101010101" pitchFamily="50" charset="-127"/>
-                <a:ea typeface="나눔스퀘어" panose="020B0600000101010101" pitchFamily="50" charset="-127"/>
-              </a:rPr>
-              <a:t>Upsampling</a:t>
-            </a:r>
-            <a:r>
-              <a:rPr lang="en-US" altLang="ko-KR" dirty="0">
-                <a:latin typeface="나눔스퀘어" panose="020B0600000101010101" pitchFamily="50" charset="-127"/>
-                <a:ea typeface="나눔스퀘어" panose="020B0600000101010101" pitchFamily="50" charset="-127"/>
-              </a:rPr>
-              <a:t> O, </a:t>
-            </a:r>
-          </a:p>
-          <a:p>
-            <a:r>
-              <a:rPr lang="en-US" altLang="ko-KR" dirty="0">
-                <a:latin typeface="나눔스퀘어" panose="020B0600000101010101" pitchFamily="50" charset="-127"/>
-                <a:ea typeface="나눔스퀘어" panose="020B0600000101010101" pitchFamily="50" charset="-127"/>
-              </a:rPr>
-              <a:t>class weight [1.0, 1.0]</a:t>
-            </a:r>
-            <a:endParaRPr lang="ko-KR" altLang="en-US" dirty="0">
-              <a:latin typeface="나눔스퀘어" panose="020B0600000101010101" pitchFamily="50" charset="-127"/>
-              <a:ea typeface="나눔스퀘어" panose="020B0600000101010101" pitchFamily="50" charset="-127"/>
-            </a:endParaRPr>
-          </a:p>
-        </p:txBody>
-      </p:sp>
-      <p:sp>
-        <p:nvSpPr>
-          <p:cNvPr id="50" name="TextBox 49">
-            <a:extLst>
-              <a:ext uri="{FF2B5EF4-FFF2-40B4-BE49-F238E27FC236}">
-                <a16:creationId xmlns:a16="http://schemas.microsoft.com/office/drawing/2014/main" id="{46F2C369-7915-2EAA-A732-92E40C06A510}"/>
-              </a:ext>
-            </a:extLst>
-          </p:cNvPr>
-          <p:cNvSpPr txBox="1"/>
-          <p:nvPr/>
-        </p:nvSpPr>
-        <p:spPr>
-          <a:xfrm>
-            <a:off x="707622" y="5486202"/>
-            <a:ext cx="2860745" cy="646331"/>
-          </a:xfrm>
-          <a:prstGeom prst="rect">
-            <a:avLst/>
-          </a:prstGeom>
-          <a:noFill/>
-        </p:spPr>
-        <p:txBody>
-          <a:bodyPr wrap="square">
-            <a:spAutoFit/>
-          </a:bodyPr>
-          <a:lstStyle/>
-          <a:p>
-            <a:r>
-              <a:rPr lang="en-US" altLang="ko-KR" dirty="0" err="1">
-                <a:latin typeface="나눔스퀘어" panose="020B0600000101010101" pitchFamily="50" charset="-127"/>
-                <a:ea typeface="나눔스퀘어" panose="020B0600000101010101" pitchFamily="50" charset="-127"/>
-              </a:rPr>
-              <a:t>Upsampling</a:t>
-            </a:r>
-            <a:r>
-              <a:rPr lang="en-US" altLang="ko-KR" dirty="0">
-                <a:latin typeface="나눔스퀘어" panose="020B0600000101010101" pitchFamily="50" charset="-127"/>
-                <a:ea typeface="나눔스퀘어" panose="020B0600000101010101" pitchFamily="50" charset="-127"/>
-              </a:rPr>
-              <a:t> O, </a:t>
-            </a:r>
-          </a:p>
-          <a:p>
-            <a:r>
-              <a:rPr lang="en-US" altLang="ko-KR" dirty="0">
-                <a:latin typeface="나눔스퀘어" panose="020B0600000101010101" pitchFamily="50" charset="-127"/>
-                <a:ea typeface="나눔스퀘어" panose="020B0600000101010101" pitchFamily="50" charset="-127"/>
-              </a:rPr>
-              <a:t>class weight [0.72, 1.66]</a:t>
-            </a:r>
-            <a:endParaRPr lang="ko-KR" altLang="en-US" dirty="0">
-              <a:latin typeface="나눔스퀘어" panose="020B0600000101010101" pitchFamily="50" charset="-127"/>
-              <a:ea typeface="나눔스퀘어" panose="020B0600000101010101" pitchFamily="50" charset="-127"/>
-            </a:endParaRPr>
-          </a:p>
-        </p:txBody>
-      </p:sp>
-      <p:sp>
-        <p:nvSpPr>
-          <p:cNvPr id="3" name="TextBox 2">
-            <a:extLst>
-              <a:ext uri="{FF2B5EF4-FFF2-40B4-BE49-F238E27FC236}">
-                <a16:creationId xmlns:a16="http://schemas.microsoft.com/office/drawing/2014/main" id="{C53367F8-E86A-9205-4BD0-52FAB154330E}"/>
-              </a:ext>
-            </a:extLst>
-          </p:cNvPr>
-          <p:cNvSpPr txBox="1"/>
-          <p:nvPr/>
-        </p:nvSpPr>
-        <p:spPr>
-          <a:xfrm>
-            <a:off x="164842" y="136616"/>
-            <a:ext cx="2173918" cy="369332"/>
-          </a:xfrm>
-          <a:prstGeom prst="rect">
-            <a:avLst/>
-          </a:prstGeom>
-          <a:noFill/>
-        </p:spPr>
-        <p:txBody>
-          <a:bodyPr wrap="square">
-            <a:spAutoFit/>
-          </a:bodyPr>
-          <a:lstStyle/>
-          <a:p>
-            <a:r>
-              <a:rPr lang="en-US" altLang="ko-KR" sz="1800" b="1">
-                <a:latin typeface="나눔스퀘어" panose="020B0600000101010101" pitchFamily="50" charset="-127"/>
-                <a:ea typeface="나눔스퀘어" panose="020B0600000101010101" pitchFamily="50" charset="-127"/>
-              </a:rPr>
-              <a:t>UCLA_CNP</a:t>
-            </a:r>
-            <a:r>
-              <a:rPr lang="ko-KR" altLang="en-US" sz="1800" b="1">
-                <a:latin typeface="나눔스퀘어" panose="020B0600000101010101" pitchFamily="50" charset="-127"/>
-                <a:ea typeface="나눔스퀘어" panose="020B0600000101010101" pitchFamily="50" charset="-127"/>
-              </a:rPr>
-              <a:t>만 사용 </a:t>
-            </a:r>
-            <a:endParaRPr lang="ko-KR" altLang="en-US" b="1"/>
-          </a:p>
-        </p:txBody>
-      </p:sp>
-    </p:spTree>
-    <p:extLst>
-      <p:ext uri="{BB962C8B-B14F-4D97-AF65-F5344CB8AC3E}">
-        <p14:creationId xmlns:p14="http://schemas.microsoft.com/office/powerpoint/2010/main" val="592447873"/>
       </p:ext>
     </p:extLst>
   </p:cSld>
@@ -10277,26 +11108,30 @@
               <a:buNone/>
             </a:pPr>
             <a:r>
-              <a:rPr lang="en-US" altLang="ko-KR" sz="2000" dirty="0">
+              <a:rPr lang="en-US" altLang="ko-KR" sz="2000">
                 <a:latin typeface="나눔스퀘어" panose="020B0600000101010101" pitchFamily="50" charset="-127"/>
                 <a:ea typeface="나눔스퀘어" panose="020B0600000101010101" pitchFamily="50" charset="-127"/>
               </a:rPr>
               <a:t>	</a:t>
             </a:r>
             <a:r>
-              <a:rPr lang="en-US" altLang="ko-KR" sz="2000" b="1" dirty="0">
+              <a:rPr lang="en-US" altLang="ko-KR" sz="2000" b="1">
                 <a:latin typeface="나눔스퀘어" panose="020B0600000101010101" pitchFamily="50" charset="-127"/>
                 <a:ea typeface="나눔스퀘어" panose="020B0600000101010101" pitchFamily="50" charset="-127"/>
               </a:rPr>
               <a:t>feature(x)</a:t>
             </a:r>
             <a:r>
-              <a:rPr lang="en-US" altLang="ko-KR" sz="2000" dirty="0">
+              <a:rPr lang="en-US" altLang="ko-KR" sz="2000">
                 <a:latin typeface="나눔스퀘어" panose="020B0600000101010101" pitchFamily="50" charset="-127"/>
                 <a:ea typeface="나눔스퀘어" panose="020B0600000101010101" pitchFamily="50" charset="-127"/>
               </a:rPr>
               <a:t> : functional connectivity matrix</a:t>
             </a:r>
+            <a:endParaRPr lang="en-US" altLang="ko-KR" sz="2000" dirty="0">
+              <a:latin typeface="나눔스퀘어" panose="020B0600000101010101" pitchFamily="50" charset="-127"/>
+              <a:ea typeface="나눔스퀘어" panose="020B0600000101010101" pitchFamily="50" charset="-127"/>
+            </a:endParaRPr>
           </a:p>
           <a:p>
             <a:pPr>
